--- a/PHP/Future Unleashed_PHPWebApp.pptx
+++ b/PHP/Future Unleashed_PHPWebApp.pptx
@@ -7,7 +7,7 @@
     <p:sldMasterId id="2147483663" r:id="rId3"/>
   </p:sldMasterIdLst>
   <p:notesMasterIdLst>
-    <p:notesMasterId r:id="rId21"/>
+    <p:notesMasterId r:id="rId23"/>
   </p:notesMasterIdLst>
   <p:sldIdLst>
     <p:sldId id="256" r:id="rId4"/>
@@ -15,18 +15,20 @@
     <p:sldId id="259" r:id="rId6"/>
     <p:sldId id="271" r:id="rId7"/>
     <p:sldId id="272" r:id="rId8"/>
-    <p:sldId id="273" r:id="rId9"/>
-    <p:sldId id="274" r:id="rId10"/>
-    <p:sldId id="275" r:id="rId11"/>
-    <p:sldId id="276" r:id="rId12"/>
-    <p:sldId id="277" r:id="rId13"/>
-    <p:sldId id="278" r:id="rId14"/>
-    <p:sldId id="279" r:id="rId15"/>
-    <p:sldId id="280" r:id="rId16"/>
-    <p:sldId id="281" r:id="rId17"/>
-    <p:sldId id="265" r:id="rId18"/>
-    <p:sldId id="269" r:id="rId19"/>
-    <p:sldId id="270" r:id="rId20"/>
+    <p:sldId id="283" r:id="rId9"/>
+    <p:sldId id="273" r:id="rId10"/>
+    <p:sldId id="274" r:id="rId11"/>
+    <p:sldId id="275" r:id="rId12"/>
+    <p:sldId id="276" r:id="rId13"/>
+    <p:sldId id="277" r:id="rId14"/>
+    <p:sldId id="278" r:id="rId15"/>
+    <p:sldId id="279" r:id="rId16"/>
+    <p:sldId id="282" r:id="rId17"/>
+    <p:sldId id="280" r:id="rId18"/>
+    <p:sldId id="281" r:id="rId19"/>
+    <p:sldId id="265" r:id="rId20"/>
+    <p:sldId id="269" r:id="rId21"/>
+    <p:sldId id="270" r:id="rId22"/>
   </p:sldIdLst>
   <p:sldSz cx="12192000" cy="6858000"/>
   <p:notesSz cx="6858000" cy="9144000"/>
@@ -215,7 +217,7 @@
           <a:p>
             <a:fld id="{2535D150-81E3-4D58-8998-B40AA4994AF4}" type="datetimeFigureOut">
               <a:rPr lang="en-US" smtClean="0"/>
-              <a:t>10/20/2015</a:t>
+              <a:t>11/2/2015</a:t>
             </a:fld>
             <a:endParaRPr lang="en-US"/>
           </a:p>
@@ -623,6 +625,150 @@
 </p:notes>
 </file>
 
+<file path=ppt/notesSlides/notesSlide2.xml><?xml version="1.0" encoding="utf-8"?>
+<p:notes xmlns:a="http://schemas.openxmlformats.org/drawingml/2006/main" xmlns:r="http://schemas.openxmlformats.org/officeDocument/2006/relationships" xmlns:p="http://schemas.openxmlformats.org/presentationml/2006/main">
+  <p:cSld>
+    <p:spTree>
+      <p:nvGrpSpPr>
+        <p:cNvPr id="1" name=""/>
+        <p:cNvGrpSpPr/>
+        <p:nvPr/>
+      </p:nvGrpSpPr>
+      <p:grpSpPr>
+        <a:xfrm>
+          <a:off x="0" y="0"/>
+          <a:ext cx="0" cy="0"/>
+          <a:chOff x="0" y="0"/>
+          <a:chExt cx="0" cy="0"/>
+        </a:xfrm>
+      </p:grpSpPr>
+      <p:sp>
+        <p:nvSpPr>
+          <p:cNvPr id="2" name="Slide Image Placeholder 1"/>
+          <p:cNvSpPr>
+            <a:spLocks noGrp="1" noRot="1" noChangeAspect="1"/>
+          </p:cNvSpPr>
+          <p:nvPr>
+            <p:ph type="sldImg"/>
+          </p:nvPr>
+        </p:nvSpPr>
+        <p:spPr/>
+      </p:sp>
+      <p:sp>
+        <p:nvSpPr>
+          <p:cNvPr id="3" name="Notes Placeholder 2"/>
+          <p:cNvSpPr>
+            <a:spLocks noGrp="1"/>
+          </p:cNvSpPr>
+          <p:nvPr>
+            <p:ph type="body" idx="1"/>
+          </p:nvPr>
+        </p:nvSpPr>
+        <p:spPr/>
+        <p:txBody>
+          <a:bodyPr/>
+          <a:lstStyle/>
+          <a:p>
+            <a:endParaRPr lang="en-US" dirty="0"/>
+          </a:p>
+        </p:txBody>
+      </p:sp>
+      <p:sp>
+        <p:nvSpPr>
+          <p:cNvPr id="4" name="Slide Number Placeholder 3"/>
+          <p:cNvSpPr>
+            <a:spLocks noGrp="1"/>
+          </p:cNvSpPr>
+          <p:nvPr>
+            <p:ph type="sldNum" sz="quarter" idx="10"/>
+          </p:nvPr>
+        </p:nvSpPr>
+        <p:spPr/>
+        <p:txBody>
+          <a:bodyPr/>
+          <a:lstStyle/>
+          <a:p>
+            <a:pPr marL="0" marR="0" lvl="0" indent="0" algn="r" defTabSz="914400" rtl="0" eaLnBrk="1" fontAlgn="auto" latinLnBrk="0" hangingPunct="1">
+              <a:lnSpc>
+                <a:spcPct val="100000"/>
+              </a:lnSpc>
+              <a:spcBef>
+                <a:spcPts val="0"/>
+              </a:spcBef>
+              <a:spcAft>
+                <a:spcPts val="0"/>
+              </a:spcAft>
+              <a:buClrTx/>
+              <a:buSzTx/>
+              <a:buFontTx/>
+              <a:buNone/>
+              <a:tabLst/>
+              <a:defRPr/>
+            </a:pPr>
+            <a:fld id="{A9D60960-B8FD-4F06-B5CE-A35308F4A9E8}" type="slidenum">
+              <a:rPr kumimoji="0" lang="en-US" sz="1200" b="0" i="0" u="none" strike="noStrike" kern="1200" cap="none" spc="0" normalizeH="0" baseline="0" noProof="0" smtClean="0">
+                <a:ln>
+                  <a:noFill/>
+                </a:ln>
+                <a:solidFill>
+                  <a:prstClr val="black"/>
+                </a:solidFill>
+                <a:effectLst/>
+                <a:uLnTx/>
+                <a:uFillTx/>
+                <a:latin typeface="Calibri" panose="020F0502020204030204"/>
+                <a:ea typeface="+mn-ea"/>
+                <a:cs typeface="+mn-cs"/>
+              </a:rPr>
+              <a:pPr marL="0" marR="0" lvl="0" indent="0" algn="r" defTabSz="914400" rtl="0" eaLnBrk="1" fontAlgn="auto" latinLnBrk="0" hangingPunct="1">
+                <a:lnSpc>
+                  <a:spcPct val="100000"/>
+                </a:lnSpc>
+                <a:spcBef>
+                  <a:spcPts val="0"/>
+                </a:spcBef>
+                <a:spcAft>
+                  <a:spcPts val="0"/>
+                </a:spcAft>
+                <a:buClrTx/>
+                <a:buSzTx/>
+                <a:buFontTx/>
+                <a:buNone/>
+                <a:tabLst/>
+                <a:defRPr/>
+              </a:pPr>
+              <a:t>14</a:t>
+            </a:fld>
+            <a:endParaRPr kumimoji="0" lang="en-US" sz="1200" b="0" i="0" u="none" strike="noStrike" kern="1200" cap="none" spc="0" normalizeH="0" baseline="0" noProof="0">
+              <a:ln>
+                <a:noFill/>
+              </a:ln>
+              <a:solidFill>
+                <a:prstClr val="black"/>
+              </a:solidFill>
+              <a:effectLst/>
+              <a:uLnTx/>
+              <a:uFillTx/>
+              <a:latin typeface="Calibri" panose="020F0502020204030204"/>
+              <a:ea typeface="+mn-ea"/>
+              <a:cs typeface="+mn-cs"/>
+            </a:endParaRPr>
+          </a:p>
+        </p:txBody>
+      </p:sp>
+    </p:spTree>
+    <p:extLst>
+      <p:ext uri="{BB962C8B-B14F-4D97-AF65-F5344CB8AC3E}">
+        <p14:creationId xmlns:p14="http://schemas.microsoft.com/office/powerpoint/2010/main" val="1718320856"/>
+      </p:ext>
+    </p:extLst>
+  </p:cSld>
+  <p:clrMapOvr>
+    <a:masterClrMapping/>
+  </p:clrMapOvr>
+</p:notes>
+</file>
+
 <file path=ppt/slideLayouts/slideLayout1.xml><?xml version="1.0" encoding="utf-8"?>
 <p:sldLayout xmlns:a="http://schemas.openxmlformats.org/drawingml/2006/main" xmlns:r="http://schemas.openxmlformats.org/officeDocument/2006/relationships" xmlns:p="http://schemas.openxmlformats.org/presentationml/2006/main" preserve="1" userDrawn="1">
   <p:cSld name="Title Slide">
@@ -869,7 +1015,7 @@
           <a:p>
             <a:fld id="{615B8220-D6CE-4EBA-9DF4-44184996CC87}" type="datetimeFigureOut">
               <a:rPr lang="en-IN" smtClean="0"/>
-              <a:t>20-10-2015</a:t>
+              <a:t>02-11-2015</a:t>
             </a:fld>
             <a:endParaRPr lang="en-IN"/>
           </a:p>
@@ -1122,7 +1268,7 @@
           <a:p>
             <a:fld id="{615B8220-D6CE-4EBA-9DF4-44184996CC87}" type="datetimeFigureOut">
               <a:rPr lang="en-IN" smtClean="0"/>
-              <a:t>20-10-2015</a:t>
+              <a:t>02-11-2015</a:t>
             </a:fld>
             <a:endParaRPr lang="en-IN"/>
           </a:p>
@@ -1292,7 +1438,7 @@
           <a:p>
             <a:fld id="{615B8220-D6CE-4EBA-9DF4-44184996CC87}" type="datetimeFigureOut">
               <a:rPr lang="en-IN" smtClean="0"/>
-              <a:t>20-10-2015</a:t>
+              <a:t>02-11-2015</a:t>
             </a:fld>
             <a:endParaRPr lang="en-IN"/>
           </a:p>
@@ -1472,7 +1618,7 @@
           <a:p>
             <a:fld id="{615B8220-D6CE-4EBA-9DF4-44184996CC87}" type="datetimeFigureOut">
               <a:rPr lang="en-IN" smtClean="0"/>
-              <a:t>20-10-2015</a:t>
+              <a:t>02-11-2015</a:t>
             </a:fld>
             <a:endParaRPr lang="en-IN"/>
           </a:p>
@@ -3365,7 +3511,7 @@
           <a:p>
             <a:fld id="{615B8220-D6CE-4EBA-9DF4-44184996CC87}" type="datetimeFigureOut">
               <a:rPr lang="en-IN" smtClean="0"/>
-              <a:t>20-10-2015</a:t>
+              <a:t>02-11-2015</a:t>
             </a:fld>
             <a:endParaRPr lang="en-IN"/>
           </a:p>
@@ -6250,7 +6396,7 @@
           <a:p>
             <a:fld id="{615B8220-D6CE-4EBA-9DF4-44184996CC87}" type="datetimeFigureOut">
               <a:rPr lang="en-IN" smtClean="0"/>
-              <a:t>20-10-2015</a:t>
+              <a:t>02-11-2015</a:t>
             </a:fld>
             <a:endParaRPr lang="en-IN"/>
           </a:p>
@@ -6874,7 +7020,7 @@
           <a:p>
             <a:fld id="{615B8220-D6CE-4EBA-9DF4-44184996CC87}" type="datetimeFigureOut">
               <a:rPr lang="en-IN" smtClean="0"/>
-              <a:t>20-10-2015</a:t>
+              <a:t>02-11-2015</a:t>
             </a:fld>
             <a:endParaRPr lang="en-IN"/>
           </a:p>
@@ -7150,7 +7296,7 @@
           <a:p>
             <a:fld id="{615B8220-D6CE-4EBA-9DF4-44184996CC87}" type="datetimeFigureOut">
               <a:rPr lang="en-IN" smtClean="0"/>
-              <a:t>20-10-2015</a:t>
+              <a:t>02-11-2015</a:t>
             </a:fld>
             <a:endParaRPr lang="en-IN"/>
           </a:p>
@@ -7382,7 +7528,7 @@
           <a:p>
             <a:fld id="{615B8220-D6CE-4EBA-9DF4-44184996CC87}" type="datetimeFigureOut">
               <a:rPr lang="en-IN" smtClean="0"/>
-              <a:t>20-10-2015</a:t>
+              <a:t>02-11-2015</a:t>
             </a:fld>
             <a:endParaRPr lang="en-IN"/>
           </a:p>
@@ -7749,7 +7895,7 @@
           <a:p>
             <a:fld id="{615B8220-D6CE-4EBA-9DF4-44184996CC87}" type="datetimeFigureOut">
               <a:rPr lang="en-IN" smtClean="0"/>
-              <a:t>20-10-2015</a:t>
+              <a:t>02-11-2015</a:t>
             </a:fld>
             <a:endParaRPr lang="en-IN"/>
           </a:p>
@@ -7867,7 +8013,7 @@
           <a:p>
             <a:fld id="{615B8220-D6CE-4EBA-9DF4-44184996CC87}" type="datetimeFigureOut">
               <a:rPr lang="en-IN" smtClean="0"/>
-              <a:t>20-10-2015</a:t>
+              <a:t>02-11-2015</a:t>
             </a:fld>
             <a:endParaRPr lang="en-IN"/>
           </a:p>
@@ -7962,7 +8108,7 @@
           <a:p>
             <a:fld id="{615B8220-D6CE-4EBA-9DF4-44184996CC87}" type="datetimeFigureOut">
               <a:rPr lang="en-IN" smtClean="0"/>
-              <a:t>20-10-2015</a:t>
+              <a:t>02-11-2015</a:t>
             </a:fld>
             <a:endParaRPr lang="en-IN"/>
           </a:p>
@@ -8599,7 +8745,7 @@
           <a:p>
             <a:fld id="{615B8220-D6CE-4EBA-9DF4-44184996CC87}" type="datetimeFigureOut">
               <a:rPr lang="en-IN" smtClean="0"/>
-              <a:t>20-10-2015</a:t>
+              <a:t>02-11-2015</a:t>
             </a:fld>
             <a:endParaRPr lang="en-IN"/>
           </a:p>
@@ -10034,6 +10180,1182 @@
       </p:grpSpPr>
       <p:sp>
         <p:nvSpPr>
+          <p:cNvPr id="4" name="Title 1"/>
+          <p:cNvSpPr>
+            <a:spLocks noGrp="1"/>
+          </p:cNvSpPr>
+          <p:nvPr>
+            <p:ph type="title"/>
+          </p:nvPr>
+        </p:nvSpPr>
+        <p:spPr>
+          <a:xfrm>
+            <a:off x="519112" y="228600"/>
+            <a:ext cx="11149013" cy="747897"/>
+          </a:xfrm>
+        </p:spPr>
+        <p:txBody>
+          <a:bodyPr/>
+          <a:lstStyle/>
+          <a:p>
+            <a:r>
+              <a:rPr lang="en-US" spc="-100" dirty="0">
+                <a:solidFill>
+                  <a:srgbClr val="00B0F0"/>
+                </a:solidFill>
+                <a:latin typeface="Segoe UI Light" panose="020B0502040204020203" pitchFamily="34" charset="0"/>
+              </a:rPr>
+              <a:t>Scaling</a:t>
+            </a:r>
+            <a:endParaRPr lang="nl-BE" dirty="0"/>
+          </a:p>
+        </p:txBody>
+      </p:sp>
+      <p:sp>
+        <p:nvSpPr>
+          <p:cNvPr id="6" name="Freeform 5"/>
+          <p:cNvSpPr/>
+          <p:nvPr/>
+        </p:nvSpPr>
+        <p:spPr>
+          <a:xfrm>
+            <a:off x="461404" y="2895600"/>
+            <a:ext cx="2021999" cy="808799"/>
+          </a:xfrm>
+          <a:custGeom>
+            <a:avLst/>
+            <a:gdLst>
+              <a:gd name="connsiteX0" fmla="*/ 0 w 2021999"/>
+              <a:gd name="connsiteY0" fmla="*/ 0 h 808799"/>
+              <a:gd name="connsiteX1" fmla="*/ 1617600 w 2021999"/>
+              <a:gd name="connsiteY1" fmla="*/ 0 h 808799"/>
+              <a:gd name="connsiteX2" fmla="*/ 2021999 w 2021999"/>
+              <a:gd name="connsiteY2" fmla="*/ 404400 h 808799"/>
+              <a:gd name="connsiteX3" fmla="*/ 1617600 w 2021999"/>
+              <a:gd name="connsiteY3" fmla="*/ 808799 h 808799"/>
+              <a:gd name="connsiteX4" fmla="*/ 0 w 2021999"/>
+              <a:gd name="connsiteY4" fmla="*/ 808799 h 808799"/>
+              <a:gd name="connsiteX5" fmla="*/ 404400 w 2021999"/>
+              <a:gd name="connsiteY5" fmla="*/ 404400 h 808799"/>
+              <a:gd name="connsiteX6" fmla="*/ 0 w 2021999"/>
+              <a:gd name="connsiteY6" fmla="*/ 0 h 808799"/>
+            </a:gdLst>
+            <a:ahLst/>
+            <a:cxnLst>
+              <a:cxn ang="0">
+                <a:pos x="connsiteX0" y="connsiteY0"/>
+              </a:cxn>
+              <a:cxn ang="0">
+                <a:pos x="connsiteX1" y="connsiteY1"/>
+              </a:cxn>
+              <a:cxn ang="0">
+                <a:pos x="connsiteX2" y="connsiteY2"/>
+              </a:cxn>
+              <a:cxn ang="0">
+                <a:pos x="connsiteX3" y="connsiteY3"/>
+              </a:cxn>
+              <a:cxn ang="0">
+                <a:pos x="connsiteX4" y="connsiteY4"/>
+              </a:cxn>
+              <a:cxn ang="0">
+                <a:pos x="connsiteX5" y="connsiteY5"/>
+              </a:cxn>
+              <a:cxn ang="0">
+                <a:pos x="connsiteX6" y="connsiteY6"/>
+              </a:cxn>
+            </a:cxnLst>
+            <a:rect l="l" t="t" r="r" b="b"/>
+            <a:pathLst>
+              <a:path w="2021999" h="808799">
+                <a:moveTo>
+                  <a:pt x="0" y="0"/>
+                </a:moveTo>
+                <a:lnTo>
+                  <a:pt x="1617600" y="0"/>
+                </a:lnTo>
+                <a:lnTo>
+                  <a:pt x="2021999" y="404400"/>
+                </a:lnTo>
+                <a:lnTo>
+                  <a:pt x="1617600" y="808799"/>
+                </a:lnTo>
+                <a:lnTo>
+                  <a:pt x="0" y="808799"/>
+                </a:lnTo>
+                <a:lnTo>
+                  <a:pt x="404400" y="404400"/>
+                </a:lnTo>
+                <a:lnTo>
+                  <a:pt x="0" y="0"/>
+                </a:lnTo>
+                <a:close/>
+              </a:path>
+            </a:pathLst>
+          </a:custGeom>
+        </p:spPr>
+        <p:style>
+          <a:lnRef idx="2">
+            <a:schemeClr val="lt1">
+              <a:hueOff val="0"/>
+              <a:satOff val="0"/>
+              <a:lumOff val="0"/>
+              <a:alphaOff val="0"/>
+            </a:schemeClr>
+          </a:lnRef>
+          <a:fillRef idx="1">
+            <a:schemeClr val="accent1">
+              <a:hueOff val="0"/>
+              <a:satOff val="0"/>
+              <a:lumOff val="0"/>
+              <a:alphaOff val="0"/>
+            </a:schemeClr>
+          </a:fillRef>
+          <a:effectRef idx="0">
+            <a:schemeClr val="accent1">
+              <a:hueOff val="0"/>
+              <a:satOff val="0"/>
+              <a:lumOff val="0"/>
+              <a:alphaOff val="0"/>
+            </a:schemeClr>
+          </a:effectRef>
+          <a:fontRef idx="minor">
+            <a:schemeClr val="lt1"/>
+          </a:fontRef>
+        </p:style>
+        <p:txBody>
+          <a:bodyPr spcFirstLastPara="0" vert="horz" wrap="square" lIns="468408" tIns="21336" rIns="425735" bIns="21336" numCol="1" spcCol="1270" anchor="ctr" anchorCtr="0">
+            <a:noAutofit/>
+          </a:bodyPr>
+          <a:lstStyle/>
+          <a:p>
+            <a:pPr lvl="0" algn="ctr" defTabSz="711200">
+              <a:lnSpc>
+                <a:spcPct val="90000"/>
+              </a:lnSpc>
+              <a:spcBef>
+                <a:spcPct val="0"/>
+              </a:spcBef>
+              <a:spcAft>
+                <a:spcPct val="35000"/>
+              </a:spcAft>
+            </a:pPr>
+            <a:r>
+              <a:rPr lang="en-US" sz="1600" kern="1200" dirty="0" smtClean="0">
+                <a:latin typeface="Segoe UI Light" panose="020B0502040204020203" pitchFamily="34" charset="0"/>
+                <a:cs typeface="Segoe UI Light" panose="020B0502040204020203" pitchFamily="34" charset="0"/>
+              </a:rPr>
+              <a:t>Free account</a:t>
+            </a:r>
+            <a:endParaRPr lang="nl-BE" sz="1600" kern="1200" dirty="0">
+              <a:latin typeface="Segoe UI Light" panose="020B0502040204020203" pitchFamily="34" charset="0"/>
+              <a:cs typeface="Segoe UI Light" panose="020B0502040204020203" pitchFamily="34" charset="0"/>
+            </a:endParaRPr>
+          </a:p>
+        </p:txBody>
+      </p:sp>
+      <p:sp>
+        <p:nvSpPr>
+          <p:cNvPr id="7" name="Freeform 6"/>
+          <p:cNvSpPr/>
+          <p:nvPr/>
+        </p:nvSpPr>
+        <p:spPr>
+          <a:xfrm>
+            <a:off x="2281203" y="2895600"/>
+            <a:ext cx="2021999" cy="808799"/>
+          </a:xfrm>
+          <a:custGeom>
+            <a:avLst/>
+            <a:gdLst>
+              <a:gd name="connsiteX0" fmla="*/ 0 w 2021999"/>
+              <a:gd name="connsiteY0" fmla="*/ 0 h 808799"/>
+              <a:gd name="connsiteX1" fmla="*/ 1617600 w 2021999"/>
+              <a:gd name="connsiteY1" fmla="*/ 0 h 808799"/>
+              <a:gd name="connsiteX2" fmla="*/ 2021999 w 2021999"/>
+              <a:gd name="connsiteY2" fmla="*/ 404400 h 808799"/>
+              <a:gd name="connsiteX3" fmla="*/ 1617600 w 2021999"/>
+              <a:gd name="connsiteY3" fmla="*/ 808799 h 808799"/>
+              <a:gd name="connsiteX4" fmla="*/ 0 w 2021999"/>
+              <a:gd name="connsiteY4" fmla="*/ 808799 h 808799"/>
+              <a:gd name="connsiteX5" fmla="*/ 404400 w 2021999"/>
+              <a:gd name="connsiteY5" fmla="*/ 404400 h 808799"/>
+              <a:gd name="connsiteX6" fmla="*/ 0 w 2021999"/>
+              <a:gd name="connsiteY6" fmla="*/ 0 h 808799"/>
+            </a:gdLst>
+            <a:ahLst/>
+            <a:cxnLst>
+              <a:cxn ang="0">
+                <a:pos x="connsiteX0" y="connsiteY0"/>
+              </a:cxn>
+              <a:cxn ang="0">
+                <a:pos x="connsiteX1" y="connsiteY1"/>
+              </a:cxn>
+              <a:cxn ang="0">
+                <a:pos x="connsiteX2" y="connsiteY2"/>
+              </a:cxn>
+              <a:cxn ang="0">
+                <a:pos x="connsiteX3" y="connsiteY3"/>
+              </a:cxn>
+              <a:cxn ang="0">
+                <a:pos x="connsiteX4" y="connsiteY4"/>
+              </a:cxn>
+              <a:cxn ang="0">
+                <a:pos x="connsiteX5" y="connsiteY5"/>
+              </a:cxn>
+              <a:cxn ang="0">
+                <a:pos x="connsiteX6" y="connsiteY6"/>
+              </a:cxn>
+            </a:cxnLst>
+            <a:rect l="l" t="t" r="r" b="b"/>
+            <a:pathLst>
+              <a:path w="2021999" h="808799">
+                <a:moveTo>
+                  <a:pt x="0" y="0"/>
+                </a:moveTo>
+                <a:lnTo>
+                  <a:pt x="1617600" y="0"/>
+                </a:lnTo>
+                <a:lnTo>
+                  <a:pt x="2021999" y="404400"/>
+                </a:lnTo>
+                <a:lnTo>
+                  <a:pt x="1617600" y="808799"/>
+                </a:lnTo>
+                <a:lnTo>
+                  <a:pt x="0" y="808799"/>
+                </a:lnTo>
+                <a:lnTo>
+                  <a:pt x="404400" y="404400"/>
+                </a:lnTo>
+                <a:lnTo>
+                  <a:pt x="0" y="0"/>
+                </a:lnTo>
+                <a:close/>
+              </a:path>
+            </a:pathLst>
+          </a:custGeom>
+        </p:spPr>
+        <p:style>
+          <a:lnRef idx="2">
+            <a:schemeClr val="lt1">
+              <a:hueOff val="0"/>
+              <a:satOff val="0"/>
+              <a:lumOff val="0"/>
+              <a:alphaOff val="0"/>
+            </a:schemeClr>
+          </a:lnRef>
+          <a:fillRef idx="1">
+            <a:schemeClr val="accent1">
+              <a:hueOff val="0"/>
+              <a:satOff val="0"/>
+              <a:lumOff val="0"/>
+              <a:alphaOff val="0"/>
+            </a:schemeClr>
+          </a:fillRef>
+          <a:effectRef idx="0">
+            <a:schemeClr val="accent1">
+              <a:hueOff val="0"/>
+              <a:satOff val="0"/>
+              <a:lumOff val="0"/>
+              <a:alphaOff val="0"/>
+            </a:schemeClr>
+          </a:effectRef>
+          <a:fontRef idx="minor">
+            <a:schemeClr val="lt1"/>
+          </a:fontRef>
+        </p:style>
+        <p:txBody>
+          <a:bodyPr spcFirstLastPara="0" vert="horz" wrap="square" lIns="468408" tIns="21336" rIns="425735" bIns="21336" numCol="1" spcCol="1270" anchor="ctr" anchorCtr="0">
+            <a:noAutofit/>
+          </a:bodyPr>
+          <a:lstStyle/>
+          <a:p>
+            <a:pPr lvl="0" algn="ctr" defTabSz="711200">
+              <a:lnSpc>
+                <a:spcPct val="90000"/>
+              </a:lnSpc>
+              <a:spcBef>
+                <a:spcPct val="0"/>
+              </a:spcBef>
+              <a:spcAft>
+                <a:spcPct val="35000"/>
+              </a:spcAft>
+            </a:pPr>
+            <a:r>
+              <a:rPr lang="en-US" sz="1600" kern="1200" dirty="0" smtClean="0">
+                <a:latin typeface="Segoe UI Light" panose="020B0502040204020203" pitchFamily="34" charset="0"/>
+                <a:cs typeface="Segoe UI Light" panose="020B0502040204020203" pitchFamily="34" charset="0"/>
+              </a:rPr>
+              <a:t>Free mode</a:t>
+            </a:r>
+            <a:endParaRPr lang="nl-BE" sz="1600" kern="1200" dirty="0">
+              <a:latin typeface="Segoe UI Light" panose="020B0502040204020203" pitchFamily="34" charset="0"/>
+              <a:cs typeface="Segoe UI Light" panose="020B0502040204020203" pitchFamily="34" charset="0"/>
+            </a:endParaRPr>
+          </a:p>
+        </p:txBody>
+      </p:sp>
+      <p:sp>
+        <p:nvSpPr>
+          <p:cNvPr id="8" name="Freeform 7"/>
+          <p:cNvSpPr/>
+          <p:nvPr/>
+        </p:nvSpPr>
+        <p:spPr>
+          <a:xfrm>
+            <a:off x="4101003" y="2895600"/>
+            <a:ext cx="2021999" cy="808799"/>
+          </a:xfrm>
+          <a:custGeom>
+            <a:avLst/>
+            <a:gdLst>
+              <a:gd name="connsiteX0" fmla="*/ 0 w 2021999"/>
+              <a:gd name="connsiteY0" fmla="*/ 0 h 808799"/>
+              <a:gd name="connsiteX1" fmla="*/ 1617600 w 2021999"/>
+              <a:gd name="connsiteY1" fmla="*/ 0 h 808799"/>
+              <a:gd name="connsiteX2" fmla="*/ 2021999 w 2021999"/>
+              <a:gd name="connsiteY2" fmla="*/ 404400 h 808799"/>
+              <a:gd name="connsiteX3" fmla="*/ 1617600 w 2021999"/>
+              <a:gd name="connsiteY3" fmla="*/ 808799 h 808799"/>
+              <a:gd name="connsiteX4" fmla="*/ 0 w 2021999"/>
+              <a:gd name="connsiteY4" fmla="*/ 808799 h 808799"/>
+              <a:gd name="connsiteX5" fmla="*/ 404400 w 2021999"/>
+              <a:gd name="connsiteY5" fmla="*/ 404400 h 808799"/>
+              <a:gd name="connsiteX6" fmla="*/ 0 w 2021999"/>
+              <a:gd name="connsiteY6" fmla="*/ 0 h 808799"/>
+            </a:gdLst>
+            <a:ahLst/>
+            <a:cxnLst>
+              <a:cxn ang="0">
+                <a:pos x="connsiteX0" y="connsiteY0"/>
+              </a:cxn>
+              <a:cxn ang="0">
+                <a:pos x="connsiteX1" y="connsiteY1"/>
+              </a:cxn>
+              <a:cxn ang="0">
+                <a:pos x="connsiteX2" y="connsiteY2"/>
+              </a:cxn>
+              <a:cxn ang="0">
+                <a:pos x="connsiteX3" y="connsiteY3"/>
+              </a:cxn>
+              <a:cxn ang="0">
+                <a:pos x="connsiteX4" y="connsiteY4"/>
+              </a:cxn>
+              <a:cxn ang="0">
+                <a:pos x="connsiteX5" y="connsiteY5"/>
+              </a:cxn>
+              <a:cxn ang="0">
+                <a:pos x="connsiteX6" y="connsiteY6"/>
+              </a:cxn>
+            </a:cxnLst>
+            <a:rect l="l" t="t" r="r" b="b"/>
+            <a:pathLst>
+              <a:path w="2021999" h="808799">
+                <a:moveTo>
+                  <a:pt x="0" y="0"/>
+                </a:moveTo>
+                <a:lnTo>
+                  <a:pt x="1617600" y="0"/>
+                </a:lnTo>
+                <a:lnTo>
+                  <a:pt x="2021999" y="404400"/>
+                </a:lnTo>
+                <a:lnTo>
+                  <a:pt x="1617600" y="808799"/>
+                </a:lnTo>
+                <a:lnTo>
+                  <a:pt x="0" y="808799"/>
+                </a:lnTo>
+                <a:lnTo>
+                  <a:pt x="404400" y="404400"/>
+                </a:lnTo>
+                <a:lnTo>
+                  <a:pt x="0" y="0"/>
+                </a:lnTo>
+                <a:close/>
+              </a:path>
+            </a:pathLst>
+          </a:custGeom>
+        </p:spPr>
+        <p:style>
+          <a:lnRef idx="2">
+            <a:schemeClr val="lt1">
+              <a:hueOff val="0"/>
+              <a:satOff val="0"/>
+              <a:lumOff val="0"/>
+              <a:alphaOff val="0"/>
+            </a:schemeClr>
+          </a:lnRef>
+          <a:fillRef idx="1">
+            <a:schemeClr val="accent1">
+              <a:hueOff val="0"/>
+              <a:satOff val="0"/>
+              <a:lumOff val="0"/>
+              <a:alphaOff val="0"/>
+            </a:schemeClr>
+          </a:fillRef>
+          <a:effectRef idx="0">
+            <a:schemeClr val="accent1">
+              <a:hueOff val="0"/>
+              <a:satOff val="0"/>
+              <a:lumOff val="0"/>
+              <a:alphaOff val="0"/>
+            </a:schemeClr>
+          </a:effectRef>
+          <a:fontRef idx="minor">
+            <a:schemeClr val="lt1"/>
+          </a:fontRef>
+        </p:style>
+        <p:txBody>
+          <a:bodyPr spcFirstLastPara="0" vert="horz" wrap="square" lIns="468408" tIns="21336" rIns="425735" bIns="21336" numCol="1" spcCol="1270" anchor="ctr" anchorCtr="0">
+            <a:noAutofit/>
+          </a:bodyPr>
+          <a:lstStyle/>
+          <a:p>
+            <a:pPr lvl="0" algn="ctr" defTabSz="711200">
+              <a:lnSpc>
+                <a:spcPct val="90000"/>
+              </a:lnSpc>
+              <a:spcBef>
+                <a:spcPct val="0"/>
+              </a:spcBef>
+              <a:spcAft>
+                <a:spcPct val="35000"/>
+              </a:spcAft>
+            </a:pPr>
+            <a:r>
+              <a:rPr lang="en-US" sz="1600" kern="1200" dirty="0" smtClean="0">
+                <a:latin typeface="Segoe UI Light" panose="020B0502040204020203" pitchFamily="34" charset="0"/>
+                <a:cs typeface="Segoe UI Light" panose="020B0502040204020203" pitchFamily="34" charset="0"/>
+              </a:rPr>
+              <a:t>Move to Shared</a:t>
+            </a:r>
+            <a:endParaRPr lang="nl-BE" sz="1600" kern="1200" dirty="0">
+              <a:latin typeface="Segoe UI Light" panose="020B0502040204020203" pitchFamily="34" charset="0"/>
+              <a:cs typeface="Segoe UI Light" panose="020B0502040204020203" pitchFamily="34" charset="0"/>
+            </a:endParaRPr>
+          </a:p>
+        </p:txBody>
+      </p:sp>
+      <p:sp>
+        <p:nvSpPr>
+          <p:cNvPr id="9" name="Freeform 8"/>
+          <p:cNvSpPr/>
+          <p:nvPr/>
+        </p:nvSpPr>
+        <p:spPr>
+          <a:xfrm>
+            <a:off x="5920802" y="2895600"/>
+            <a:ext cx="2021999" cy="808799"/>
+          </a:xfrm>
+          <a:custGeom>
+            <a:avLst/>
+            <a:gdLst>
+              <a:gd name="connsiteX0" fmla="*/ 0 w 2021999"/>
+              <a:gd name="connsiteY0" fmla="*/ 0 h 808799"/>
+              <a:gd name="connsiteX1" fmla="*/ 1617600 w 2021999"/>
+              <a:gd name="connsiteY1" fmla="*/ 0 h 808799"/>
+              <a:gd name="connsiteX2" fmla="*/ 2021999 w 2021999"/>
+              <a:gd name="connsiteY2" fmla="*/ 404400 h 808799"/>
+              <a:gd name="connsiteX3" fmla="*/ 1617600 w 2021999"/>
+              <a:gd name="connsiteY3" fmla="*/ 808799 h 808799"/>
+              <a:gd name="connsiteX4" fmla="*/ 0 w 2021999"/>
+              <a:gd name="connsiteY4" fmla="*/ 808799 h 808799"/>
+              <a:gd name="connsiteX5" fmla="*/ 404400 w 2021999"/>
+              <a:gd name="connsiteY5" fmla="*/ 404400 h 808799"/>
+              <a:gd name="connsiteX6" fmla="*/ 0 w 2021999"/>
+              <a:gd name="connsiteY6" fmla="*/ 0 h 808799"/>
+            </a:gdLst>
+            <a:ahLst/>
+            <a:cxnLst>
+              <a:cxn ang="0">
+                <a:pos x="connsiteX0" y="connsiteY0"/>
+              </a:cxn>
+              <a:cxn ang="0">
+                <a:pos x="connsiteX1" y="connsiteY1"/>
+              </a:cxn>
+              <a:cxn ang="0">
+                <a:pos x="connsiteX2" y="connsiteY2"/>
+              </a:cxn>
+              <a:cxn ang="0">
+                <a:pos x="connsiteX3" y="connsiteY3"/>
+              </a:cxn>
+              <a:cxn ang="0">
+                <a:pos x="connsiteX4" y="connsiteY4"/>
+              </a:cxn>
+              <a:cxn ang="0">
+                <a:pos x="connsiteX5" y="connsiteY5"/>
+              </a:cxn>
+              <a:cxn ang="0">
+                <a:pos x="connsiteX6" y="connsiteY6"/>
+              </a:cxn>
+            </a:cxnLst>
+            <a:rect l="l" t="t" r="r" b="b"/>
+            <a:pathLst>
+              <a:path w="2021999" h="808799">
+                <a:moveTo>
+                  <a:pt x="0" y="0"/>
+                </a:moveTo>
+                <a:lnTo>
+                  <a:pt x="1617600" y="0"/>
+                </a:lnTo>
+                <a:lnTo>
+                  <a:pt x="2021999" y="404400"/>
+                </a:lnTo>
+                <a:lnTo>
+                  <a:pt x="1617600" y="808799"/>
+                </a:lnTo>
+                <a:lnTo>
+                  <a:pt x="0" y="808799"/>
+                </a:lnTo>
+                <a:lnTo>
+                  <a:pt x="404400" y="404400"/>
+                </a:lnTo>
+                <a:lnTo>
+                  <a:pt x="0" y="0"/>
+                </a:lnTo>
+                <a:close/>
+              </a:path>
+            </a:pathLst>
+          </a:custGeom>
+        </p:spPr>
+        <p:style>
+          <a:lnRef idx="2">
+            <a:schemeClr val="lt1">
+              <a:hueOff val="0"/>
+              <a:satOff val="0"/>
+              <a:lumOff val="0"/>
+              <a:alphaOff val="0"/>
+            </a:schemeClr>
+          </a:lnRef>
+          <a:fillRef idx="1">
+            <a:schemeClr val="accent1">
+              <a:hueOff val="0"/>
+              <a:satOff val="0"/>
+              <a:lumOff val="0"/>
+              <a:alphaOff val="0"/>
+            </a:schemeClr>
+          </a:fillRef>
+          <a:effectRef idx="0">
+            <a:schemeClr val="accent1">
+              <a:hueOff val="0"/>
+              <a:satOff val="0"/>
+              <a:lumOff val="0"/>
+              <a:alphaOff val="0"/>
+            </a:schemeClr>
+          </a:effectRef>
+          <a:fontRef idx="minor">
+            <a:schemeClr val="lt1"/>
+          </a:fontRef>
+        </p:style>
+        <p:txBody>
+          <a:bodyPr spcFirstLastPara="0" vert="horz" wrap="square" lIns="468408" tIns="21336" rIns="425735" bIns="21336" numCol="1" spcCol="1270" anchor="ctr" anchorCtr="0">
+            <a:noAutofit/>
+          </a:bodyPr>
+          <a:lstStyle/>
+          <a:p>
+            <a:pPr lvl="0" algn="ctr" defTabSz="711200">
+              <a:lnSpc>
+                <a:spcPct val="90000"/>
+              </a:lnSpc>
+              <a:spcBef>
+                <a:spcPct val="0"/>
+              </a:spcBef>
+              <a:spcAft>
+                <a:spcPct val="35000"/>
+              </a:spcAft>
+            </a:pPr>
+            <a:r>
+              <a:rPr lang="en-US" sz="1600" kern="1200" dirty="0" smtClean="0">
+                <a:latin typeface="Segoe UI Light" panose="020B0502040204020203" pitchFamily="34" charset="0"/>
+                <a:cs typeface="Segoe UI Light" panose="020B0502040204020203" pitchFamily="34" charset="0"/>
+              </a:rPr>
+              <a:t>Map domain name</a:t>
+            </a:r>
+            <a:endParaRPr lang="nl-BE" sz="1600" kern="1200" dirty="0">
+              <a:latin typeface="Segoe UI Light" panose="020B0502040204020203" pitchFamily="34" charset="0"/>
+              <a:cs typeface="Segoe UI Light" panose="020B0502040204020203" pitchFamily="34" charset="0"/>
+            </a:endParaRPr>
+          </a:p>
+        </p:txBody>
+      </p:sp>
+      <p:sp>
+        <p:nvSpPr>
+          <p:cNvPr id="10" name="Freeform 9"/>
+          <p:cNvSpPr/>
+          <p:nvPr/>
+        </p:nvSpPr>
+        <p:spPr>
+          <a:xfrm>
+            <a:off x="7740601" y="2895600"/>
+            <a:ext cx="2021999" cy="808799"/>
+          </a:xfrm>
+          <a:custGeom>
+            <a:avLst/>
+            <a:gdLst>
+              <a:gd name="connsiteX0" fmla="*/ 0 w 2021999"/>
+              <a:gd name="connsiteY0" fmla="*/ 0 h 808799"/>
+              <a:gd name="connsiteX1" fmla="*/ 1617600 w 2021999"/>
+              <a:gd name="connsiteY1" fmla="*/ 0 h 808799"/>
+              <a:gd name="connsiteX2" fmla="*/ 2021999 w 2021999"/>
+              <a:gd name="connsiteY2" fmla="*/ 404400 h 808799"/>
+              <a:gd name="connsiteX3" fmla="*/ 1617600 w 2021999"/>
+              <a:gd name="connsiteY3" fmla="*/ 808799 h 808799"/>
+              <a:gd name="connsiteX4" fmla="*/ 0 w 2021999"/>
+              <a:gd name="connsiteY4" fmla="*/ 808799 h 808799"/>
+              <a:gd name="connsiteX5" fmla="*/ 404400 w 2021999"/>
+              <a:gd name="connsiteY5" fmla="*/ 404400 h 808799"/>
+              <a:gd name="connsiteX6" fmla="*/ 0 w 2021999"/>
+              <a:gd name="connsiteY6" fmla="*/ 0 h 808799"/>
+            </a:gdLst>
+            <a:ahLst/>
+            <a:cxnLst>
+              <a:cxn ang="0">
+                <a:pos x="connsiteX0" y="connsiteY0"/>
+              </a:cxn>
+              <a:cxn ang="0">
+                <a:pos x="connsiteX1" y="connsiteY1"/>
+              </a:cxn>
+              <a:cxn ang="0">
+                <a:pos x="connsiteX2" y="connsiteY2"/>
+              </a:cxn>
+              <a:cxn ang="0">
+                <a:pos x="connsiteX3" y="connsiteY3"/>
+              </a:cxn>
+              <a:cxn ang="0">
+                <a:pos x="connsiteX4" y="connsiteY4"/>
+              </a:cxn>
+              <a:cxn ang="0">
+                <a:pos x="connsiteX5" y="connsiteY5"/>
+              </a:cxn>
+              <a:cxn ang="0">
+                <a:pos x="connsiteX6" y="connsiteY6"/>
+              </a:cxn>
+            </a:cxnLst>
+            <a:rect l="l" t="t" r="r" b="b"/>
+            <a:pathLst>
+              <a:path w="2021999" h="808799">
+                <a:moveTo>
+                  <a:pt x="0" y="0"/>
+                </a:moveTo>
+                <a:lnTo>
+                  <a:pt x="1617600" y="0"/>
+                </a:lnTo>
+                <a:lnTo>
+                  <a:pt x="2021999" y="404400"/>
+                </a:lnTo>
+                <a:lnTo>
+                  <a:pt x="1617600" y="808799"/>
+                </a:lnTo>
+                <a:lnTo>
+                  <a:pt x="0" y="808799"/>
+                </a:lnTo>
+                <a:lnTo>
+                  <a:pt x="404400" y="404400"/>
+                </a:lnTo>
+                <a:lnTo>
+                  <a:pt x="0" y="0"/>
+                </a:lnTo>
+                <a:close/>
+              </a:path>
+            </a:pathLst>
+          </a:custGeom>
+        </p:spPr>
+        <p:style>
+          <a:lnRef idx="2">
+            <a:schemeClr val="lt1">
+              <a:hueOff val="0"/>
+              <a:satOff val="0"/>
+              <a:lumOff val="0"/>
+              <a:alphaOff val="0"/>
+            </a:schemeClr>
+          </a:lnRef>
+          <a:fillRef idx="1">
+            <a:schemeClr val="accent1">
+              <a:hueOff val="0"/>
+              <a:satOff val="0"/>
+              <a:lumOff val="0"/>
+              <a:alphaOff val="0"/>
+            </a:schemeClr>
+          </a:fillRef>
+          <a:effectRef idx="0">
+            <a:schemeClr val="accent1">
+              <a:hueOff val="0"/>
+              <a:satOff val="0"/>
+              <a:lumOff val="0"/>
+              <a:alphaOff val="0"/>
+            </a:schemeClr>
+          </a:effectRef>
+          <a:fontRef idx="minor">
+            <a:schemeClr val="lt1"/>
+          </a:fontRef>
+        </p:style>
+        <p:txBody>
+          <a:bodyPr spcFirstLastPara="0" vert="horz" wrap="square" lIns="468408" tIns="21336" rIns="425735" bIns="21336" numCol="1" spcCol="1270" anchor="ctr" anchorCtr="0">
+            <a:noAutofit/>
+          </a:bodyPr>
+          <a:lstStyle/>
+          <a:p>
+            <a:pPr lvl="0" algn="ctr" defTabSz="711200">
+              <a:lnSpc>
+                <a:spcPct val="90000"/>
+              </a:lnSpc>
+              <a:spcBef>
+                <a:spcPct val="0"/>
+              </a:spcBef>
+              <a:spcAft>
+                <a:spcPct val="35000"/>
+              </a:spcAft>
+            </a:pPr>
+            <a:r>
+              <a:rPr lang="en-US" sz="1600" kern="1200" dirty="0" smtClean="0">
+                <a:latin typeface="Segoe UI Light" panose="020B0502040204020203" pitchFamily="34" charset="0"/>
+                <a:cs typeface="Segoe UI Light" panose="020B0502040204020203" pitchFamily="34" charset="0"/>
+              </a:rPr>
+              <a:t>Traffic increase + revenue</a:t>
+            </a:r>
+          </a:p>
+        </p:txBody>
+      </p:sp>
+      <p:sp>
+        <p:nvSpPr>
+          <p:cNvPr id="11" name="Freeform 10"/>
+          <p:cNvSpPr/>
+          <p:nvPr/>
+        </p:nvSpPr>
+        <p:spPr>
+          <a:xfrm>
+            <a:off x="9560401" y="2895600"/>
+            <a:ext cx="2021999" cy="808799"/>
+          </a:xfrm>
+          <a:custGeom>
+            <a:avLst/>
+            <a:gdLst>
+              <a:gd name="connsiteX0" fmla="*/ 0 w 2021999"/>
+              <a:gd name="connsiteY0" fmla="*/ 0 h 808799"/>
+              <a:gd name="connsiteX1" fmla="*/ 1617600 w 2021999"/>
+              <a:gd name="connsiteY1" fmla="*/ 0 h 808799"/>
+              <a:gd name="connsiteX2" fmla="*/ 2021999 w 2021999"/>
+              <a:gd name="connsiteY2" fmla="*/ 404400 h 808799"/>
+              <a:gd name="connsiteX3" fmla="*/ 1617600 w 2021999"/>
+              <a:gd name="connsiteY3" fmla="*/ 808799 h 808799"/>
+              <a:gd name="connsiteX4" fmla="*/ 0 w 2021999"/>
+              <a:gd name="connsiteY4" fmla="*/ 808799 h 808799"/>
+              <a:gd name="connsiteX5" fmla="*/ 404400 w 2021999"/>
+              <a:gd name="connsiteY5" fmla="*/ 404400 h 808799"/>
+              <a:gd name="connsiteX6" fmla="*/ 0 w 2021999"/>
+              <a:gd name="connsiteY6" fmla="*/ 0 h 808799"/>
+            </a:gdLst>
+            <a:ahLst/>
+            <a:cxnLst>
+              <a:cxn ang="0">
+                <a:pos x="connsiteX0" y="connsiteY0"/>
+              </a:cxn>
+              <a:cxn ang="0">
+                <a:pos x="connsiteX1" y="connsiteY1"/>
+              </a:cxn>
+              <a:cxn ang="0">
+                <a:pos x="connsiteX2" y="connsiteY2"/>
+              </a:cxn>
+              <a:cxn ang="0">
+                <a:pos x="connsiteX3" y="connsiteY3"/>
+              </a:cxn>
+              <a:cxn ang="0">
+                <a:pos x="connsiteX4" y="connsiteY4"/>
+              </a:cxn>
+              <a:cxn ang="0">
+                <a:pos x="connsiteX5" y="connsiteY5"/>
+              </a:cxn>
+              <a:cxn ang="0">
+                <a:pos x="connsiteX6" y="connsiteY6"/>
+              </a:cxn>
+            </a:cxnLst>
+            <a:rect l="l" t="t" r="r" b="b"/>
+            <a:pathLst>
+              <a:path w="2021999" h="808799">
+                <a:moveTo>
+                  <a:pt x="0" y="0"/>
+                </a:moveTo>
+                <a:lnTo>
+                  <a:pt x="1617600" y="0"/>
+                </a:lnTo>
+                <a:lnTo>
+                  <a:pt x="2021999" y="404400"/>
+                </a:lnTo>
+                <a:lnTo>
+                  <a:pt x="1617600" y="808799"/>
+                </a:lnTo>
+                <a:lnTo>
+                  <a:pt x="0" y="808799"/>
+                </a:lnTo>
+                <a:lnTo>
+                  <a:pt x="404400" y="404400"/>
+                </a:lnTo>
+                <a:lnTo>
+                  <a:pt x="0" y="0"/>
+                </a:lnTo>
+                <a:close/>
+              </a:path>
+            </a:pathLst>
+          </a:custGeom>
+        </p:spPr>
+        <p:style>
+          <a:lnRef idx="2">
+            <a:schemeClr val="lt1">
+              <a:hueOff val="0"/>
+              <a:satOff val="0"/>
+              <a:lumOff val="0"/>
+              <a:alphaOff val="0"/>
+            </a:schemeClr>
+          </a:lnRef>
+          <a:fillRef idx="1">
+            <a:schemeClr val="accent1">
+              <a:hueOff val="0"/>
+              <a:satOff val="0"/>
+              <a:lumOff val="0"/>
+              <a:alphaOff val="0"/>
+            </a:schemeClr>
+          </a:fillRef>
+          <a:effectRef idx="0">
+            <a:schemeClr val="accent1">
+              <a:hueOff val="0"/>
+              <a:satOff val="0"/>
+              <a:lumOff val="0"/>
+              <a:alphaOff val="0"/>
+            </a:schemeClr>
+          </a:effectRef>
+          <a:fontRef idx="minor">
+            <a:schemeClr val="lt1"/>
+          </a:fontRef>
+        </p:style>
+        <p:txBody>
+          <a:bodyPr spcFirstLastPara="0" vert="horz" wrap="square" lIns="468408" tIns="21336" rIns="425735" bIns="21336" numCol="1" spcCol="1270" anchor="ctr" anchorCtr="0">
+            <a:noAutofit/>
+          </a:bodyPr>
+          <a:lstStyle/>
+          <a:p>
+            <a:pPr lvl="0" algn="ctr" defTabSz="711200">
+              <a:lnSpc>
+                <a:spcPct val="90000"/>
+              </a:lnSpc>
+              <a:spcBef>
+                <a:spcPct val="0"/>
+              </a:spcBef>
+              <a:spcAft>
+                <a:spcPct val="35000"/>
+              </a:spcAft>
+            </a:pPr>
+            <a:r>
+              <a:rPr lang="en-US" sz="1600" kern="1200" dirty="0" smtClean="0">
+                <a:latin typeface="Segoe UI Light" panose="020B0502040204020203" pitchFamily="34" charset="0"/>
+                <a:cs typeface="Segoe UI Light" panose="020B0502040204020203" pitchFamily="34" charset="0"/>
+              </a:rPr>
+              <a:t>Scale</a:t>
+            </a:r>
+          </a:p>
+        </p:txBody>
+      </p:sp>
+    </p:spTree>
+    <p:extLst>
+      <p:ext uri="{BB962C8B-B14F-4D97-AF65-F5344CB8AC3E}">
+        <p14:creationId xmlns:p14="http://schemas.microsoft.com/office/powerpoint/2010/main" val="188014866"/>
+      </p:ext>
+    </p:extLst>
+  </p:cSld>
+  <p:clrMapOvr>
+    <a:masterClrMapping/>
+  </p:clrMapOvr>
+  <p:timing>
+    <p:tnLst>
+      <p:par>
+        <p:cTn id="1" dur="indefinite" restart="never" nodeType="tmRoot">
+          <p:childTnLst>
+            <p:seq concurrent="1" nextAc="seek">
+              <p:cTn id="2" dur="indefinite" nodeType="mainSeq">
+                <p:childTnLst>
+                  <p:par>
+                    <p:cTn id="3" fill="hold">
+                      <p:stCondLst>
+                        <p:cond delay="indefinite"/>
+                        <p:cond evt="onBegin" delay="0">
+                          <p:tn val="2"/>
+                        </p:cond>
+                      </p:stCondLst>
+                      <p:childTnLst>
+                        <p:par>
+                          <p:cTn id="4" fill="hold">
+                            <p:stCondLst>
+                              <p:cond delay="0"/>
+                            </p:stCondLst>
+                            <p:childTnLst>
+                              <p:par>
+                                <p:cTn id="5" presetID="10" presetClass="entr" presetSubtype="0" fill="hold" grpId="0" nodeType="afterEffect">
+                                  <p:stCondLst>
+                                    <p:cond delay="1000"/>
+                                  </p:stCondLst>
+                                  <p:childTnLst>
+                                    <p:set>
+                                      <p:cBhvr>
+                                        <p:cTn id="6" dur="1" fill="hold">
+                                          <p:stCondLst>
+                                            <p:cond delay="0"/>
+                                          </p:stCondLst>
+                                        </p:cTn>
+                                        <p:tgtEl>
+                                          <p:spTgt spid="7"/>
+                                        </p:tgtEl>
+                                        <p:attrNameLst>
+                                          <p:attrName>style.visibility</p:attrName>
+                                        </p:attrNameLst>
+                                      </p:cBhvr>
+                                      <p:to>
+                                        <p:strVal val="visible"/>
+                                      </p:to>
+                                    </p:set>
+                                    <p:animEffect transition="in" filter="fade">
+                                      <p:cBhvr>
+                                        <p:cTn id="7" dur="500"/>
+                                        <p:tgtEl>
+                                          <p:spTgt spid="7"/>
+                                        </p:tgtEl>
+                                      </p:cBhvr>
+                                    </p:animEffect>
+                                  </p:childTnLst>
+                                </p:cTn>
+                              </p:par>
+                            </p:childTnLst>
+                          </p:cTn>
+                        </p:par>
+                        <p:par>
+                          <p:cTn id="8" fill="hold">
+                            <p:stCondLst>
+                              <p:cond delay="1500"/>
+                            </p:stCondLst>
+                            <p:childTnLst>
+                              <p:par>
+                                <p:cTn id="9" presetID="10" presetClass="entr" presetSubtype="0" fill="hold" grpId="0" nodeType="afterEffect">
+                                  <p:stCondLst>
+                                    <p:cond delay="1000"/>
+                                  </p:stCondLst>
+                                  <p:childTnLst>
+                                    <p:set>
+                                      <p:cBhvr>
+                                        <p:cTn id="10" dur="1" fill="hold">
+                                          <p:stCondLst>
+                                            <p:cond delay="0"/>
+                                          </p:stCondLst>
+                                        </p:cTn>
+                                        <p:tgtEl>
+                                          <p:spTgt spid="8"/>
+                                        </p:tgtEl>
+                                        <p:attrNameLst>
+                                          <p:attrName>style.visibility</p:attrName>
+                                        </p:attrNameLst>
+                                      </p:cBhvr>
+                                      <p:to>
+                                        <p:strVal val="visible"/>
+                                      </p:to>
+                                    </p:set>
+                                    <p:animEffect transition="in" filter="fade">
+                                      <p:cBhvr>
+                                        <p:cTn id="11" dur="500"/>
+                                        <p:tgtEl>
+                                          <p:spTgt spid="8"/>
+                                        </p:tgtEl>
+                                      </p:cBhvr>
+                                    </p:animEffect>
+                                  </p:childTnLst>
+                                </p:cTn>
+                              </p:par>
+                            </p:childTnLst>
+                          </p:cTn>
+                        </p:par>
+                        <p:par>
+                          <p:cTn id="12" fill="hold">
+                            <p:stCondLst>
+                              <p:cond delay="3000"/>
+                            </p:stCondLst>
+                            <p:childTnLst>
+                              <p:par>
+                                <p:cTn id="13" presetID="10" presetClass="entr" presetSubtype="0" fill="hold" grpId="0" nodeType="afterEffect">
+                                  <p:stCondLst>
+                                    <p:cond delay="1000"/>
+                                  </p:stCondLst>
+                                  <p:childTnLst>
+                                    <p:set>
+                                      <p:cBhvr>
+                                        <p:cTn id="14" dur="1" fill="hold">
+                                          <p:stCondLst>
+                                            <p:cond delay="0"/>
+                                          </p:stCondLst>
+                                        </p:cTn>
+                                        <p:tgtEl>
+                                          <p:spTgt spid="9"/>
+                                        </p:tgtEl>
+                                        <p:attrNameLst>
+                                          <p:attrName>style.visibility</p:attrName>
+                                        </p:attrNameLst>
+                                      </p:cBhvr>
+                                      <p:to>
+                                        <p:strVal val="visible"/>
+                                      </p:to>
+                                    </p:set>
+                                    <p:animEffect transition="in" filter="fade">
+                                      <p:cBhvr>
+                                        <p:cTn id="15" dur="500"/>
+                                        <p:tgtEl>
+                                          <p:spTgt spid="9"/>
+                                        </p:tgtEl>
+                                      </p:cBhvr>
+                                    </p:animEffect>
+                                  </p:childTnLst>
+                                </p:cTn>
+                              </p:par>
+                            </p:childTnLst>
+                          </p:cTn>
+                        </p:par>
+                        <p:par>
+                          <p:cTn id="16" fill="hold">
+                            <p:stCondLst>
+                              <p:cond delay="4500"/>
+                            </p:stCondLst>
+                            <p:childTnLst>
+                              <p:par>
+                                <p:cTn id="17" presetID="10" presetClass="entr" presetSubtype="0" fill="hold" grpId="0" nodeType="afterEffect">
+                                  <p:stCondLst>
+                                    <p:cond delay="1000"/>
+                                  </p:stCondLst>
+                                  <p:childTnLst>
+                                    <p:set>
+                                      <p:cBhvr>
+                                        <p:cTn id="18" dur="1" fill="hold">
+                                          <p:stCondLst>
+                                            <p:cond delay="0"/>
+                                          </p:stCondLst>
+                                        </p:cTn>
+                                        <p:tgtEl>
+                                          <p:spTgt spid="10"/>
+                                        </p:tgtEl>
+                                        <p:attrNameLst>
+                                          <p:attrName>style.visibility</p:attrName>
+                                        </p:attrNameLst>
+                                      </p:cBhvr>
+                                      <p:to>
+                                        <p:strVal val="visible"/>
+                                      </p:to>
+                                    </p:set>
+                                    <p:animEffect transition="in" filter="fade">
+                                      <p:cBhvr>
+                                        <p:cTn id="19" dur="500"/>
+                                        <p:tgtEl>
+                                          <p:spTgt spid="10"/>
+                                        </p:tgtEl>
+                                      </p:cBhvr>
+                                    </p:animEffect>
+                                  </p:childTnLst>
+                                </p:cTn>
+                              </p:par>
+                            </p:childTnLst>
+                          </p:cTn>
+                        </p:par>
+                        <p:par>
+                          <p:cTn id="20" fill="hold">
+                            <p:stCondLst>
+                              <p:cond delay="6000"/>
+                            </p:stCondLst>
+                            <p:childTnLst>
+                              <p:par>
+                                <p:cTn id="21" presetID="10" presetClass="entr" presetSubtype="0" fill="hold" grpId="0" nodeType="afterEffect">
+                                  <p:stCondLst>
+                                    <p:cond delay="1000"/>
+                                  </p:stCondLst>
+                                  <p:childTnLst>
+                                    <p:set>
+                                      <p:cBhvr>
+                                        <p:cTn id="22" dur="1" fill="hold">
+                                          <p:stCondLst>
+                                            <p:cond delay="0"/>
+                                          </p:stCondLst>
+                                        </p:cTn>
+                                        <p:tgtEl>
+                                          <p:spTgt spid="11"/>
+                                        </p:tgtEl>
+                                        <p:attrNameLst>
+                                          <p:attrName>style.visibility</p:attrName>
+                                        </p:attrNameLst>
+                                      </p:cBhvr>
+                                      <p:to>
+                                        <p:strVal val="visible"/>
+                                      </p:to>
+                                    </p:set>
+                                    <p:animEffect transition="in" filter="fade">
+                                      <p:cBhvr>
+                                        <p:cTn id="23" dur="500"/>
+                                        <p:tgtEl>
+                                          <p:spTgt spid="11"/>
+                                        </p:tgtEl>
+                                      </p:cBhvr>
+                                    </p:animEffect>
+                                  </p:childTnLst>
+                                </p:cTn>
+                              </p:par>
+                            </p:childTnLst>
+                          </p:cTn>
+                        </p:par>
+                      </p:childTnLst>
+                    </p:cTn>
+                  </p:par>
+                </p:childTnLst>
+              </p:cTn>
+              <p:prevCondLst>
+                <p:cond evt="onPrev" delay="0">
+                  <p:tgtEl>
+                    <p:sldTgt/>
+                  </p:tgtEl>
+                </p:cond>
+              </p:prevCondLst>
+              <p:nextCondLst>
+                <p:cond evt="onNext" delay="0">
+                  <p:tgtEl>
+                    <p:sldTgt/>
+                  </p:tgtEl>
+                </p:cond>
+              </p:nextCondLst>
+            </p:seq>
+          </p:childTnLst>
+        </p:cTn>
+      </p:par>
+    </p:tnLst>
+    <p:bldLst>
+      <p:bldP spid="7" grpId="0" animBg="1"/>
+      <p:bldP spid="8" grpId="0" animBg="1"/>
+      <p:bldP spid="9" grpId="0" animBg="1"/>
+      <p:bldP spid="10" grpId="0" animBg="1"/>
+      <p:bldP spid="11" grpId="0" animBg="1"/>
+    </p:bldLst>
+  </p:timing>
+</p:sld>
+</file>
+
+<file path=ppt/slides/slide11.xml><?xml version="1.0" encoding="utf-8"?>
+<p:sld xmlns:a="http://schemas.openxmlformats.org/drawingml/2006/main" xmlns:r="http://schemas.openxmlformats.org/officeDocument/2006/relationships" xmlns:p="http://schemas.openxmlformats.org/presentationml/2006/main">
+  <p:cSld>
+    <p:spTree>
+      <p:nvGrpSpPr>
+        <p:cNvPr id="1" name=""/>
+        <p:cNvGrpSpPr/>
+        <p:nvPr/>
+      </p:nvGrpSpPr>
+      <p:grpSpPr>
+        <a:xfrm>
+          <a:off x="0" y="0"/>
+          <a:ext cx="0" cy="0"/>
+          <a:chOff x="0" y="0"/>
+          <a:chExt cx="0" cy="0"/>
+        </a:xfrm>
+      </p:grpSpPr>
+      <p:sp>
+        <p:nvSpPr>
           <p:cNvPr id="6" name="Slide Number Placeholder 2"/>
           <p:cNvSpPr>
             <a:spLocks noGrp="1"/>
@@ -10064,7 +11386,7 @@
                   <a:spcPct val="90000"/>
                 </a:lnSpc>
               </a:pPr>
-              <a:t>17</a:t>
+              <a:t>11</a:t>
             </a:fld>
             <a:endParaRPr lang="en-US" dirty="0"/>
           </a:p>
@@ -10204,7 +11526,7 @@
 </p:sld>
 </file>
 
-<file path=ppt/slides/slide11.xml><?xml version="1.0" encoding="utf-8"?>
+<file path=ppt/slides/slide12.xml><?xml version="1.0" encoding="utf-8"?>
 <p:sld xmlns:a="http://schemas.openxmlformats.org/drawingml/2006/main" xmlns:r="http://schemas.openxmlformats.org/officeDocument/2006/relationships" xmlns:p="http://schemas.openxmlformats.org/presentationml/2006/main">
   <p:cSld>
     <p:spTree>
@@ -10259,14 +11581,14 @@
       </p:sp>
       <p:sp>
         <p:nvSpPr>
-          <p:cNvPr id="4" name="Rounded Rectangle 3"/>
+          <p:cNvPr id="26" name="Rounded Rectangle 25"/>
           <p:cNvSpPr/>
           <p:nvPr/>
         </p:nvSpPr>
         <p:spPr bwMode="auto">
           <a:xfrm>
-            <a:off x="121371" y="1199943"/>
-            <a:ext cx="1034012" cy="4667457"/>
+            <a:off x="267677" y="971344"/>
+            <a:ext cx="1033155" cy="4972256"/>
           </a:xfrm>
           <a:prstGeom prst="roundRect">
             <a:avLst>
@@ -10367,266 +11689,14 @@
       </p:sp>
       <p:sp>
         <p:nvSpPr>
-          <p:cNvPr id="5" name="Rounded Rectangle 4"/>
+          <p:cNvPr id="27" name="Flowchart: Magnetic Disk 26"/>
           <p:cNvSpPr/>
           <p:nvPr/>
         </p:nvSpPr>
         <p:spPr bwMode="auto">
           <a:xfrm>
-            <a:off x="5566381" y="5489641"/>
-            <a:ext cx="1720244" cy="914400"/>
-          </a:xfrm>
-          <a:prstGeom prst="roundRect">
-            <a:avLst>
-              <a:gd name="adj" fmla="val 0"/>
-            </a:avLst>
-          </a:prstGeom>
-          <a:solidFill>
-            <a:schemeClr val="accent4"/>
-          </a:solidFill>
-          <a:ln w="9525" cap="flat" cmpd="sng" algn="ctr">
-            <a:noFill/>
-            <a:prstDash val="solid"/>
-            <a:headEnd type="none" w="med" len="med"/>
-            <a:tailEnd type="none" w="med" len="med"/>
-          </a:ln>
-          <a:effectLst/>
-        </p:spPr>
-        <p:txBody>
-          <a:bodyPr vert="horz" wrap="square" lIns="91436" tIns="45718" rIns="91436" bIns="45718" numCol="1" rtlCol="0" anchor="ctr" anchorCtr="0" compatLnSpc="1">
-            <a:prstTxWarp prst="textNoShape">
-              <a:avLst/>
-            </a:prstTxWarp>
-          </a:bodyPr>
-          <a:lstStyle/>
-          <a:p>
-            <a:pPr marL="0" marR="0" lvl="0" indent="0" algn="ctr" defTabSz="914099" eaLnBrk="1" fontAlgn="base" latinLnBrk="0" hangingPunct="1">
-              <a:lnSpc>
-                <a:spcPct val="100000"/>
-              </a:lnSpc>
-              <a:spcBef>
-                <a:spcPct val="0"/>
-              </a:spcBef>
-              <a:spcAft>
-                <a:spcPct val="0"/>
-              </a:spcAft>
-              <a:buClrTx/>
-              <a:buSzTx/>
-              <a:buFontTx/>
-              <a:buNone/>
-              <a:tabLst/>
-              <a:defRPr/>
-            </a:pPr>
-            <a:r>
-              <a:rPr kumimoji="0" lang="en-US" b="0" i="0" u="none" strike="noStrike" kern="0" cap="none" spc="0" normalizeH="0" baseline="0" noProof="0" dirty="0" smtClean="0">
-                <a:ln>
-                  <a:noFill/>
-                </a:ln>
-                <a:solidFill>
-                  <a:schemeClr val="bg1"/>
-                </a:solidFill>
-                <a:effectLst/>
-                <a:uLnTx/>
-                <a:uFillTx/>
-                <a:latin typeface="Segoe UI"/>
-                <a:ea typeface="+mn-ea"/>
-                <a:cs typeface="+mn-cs"/>
-              </a:rPr>
-              <a:t>Storage Controller</a:t>
-            </a:r>
-          </a:p>
-        </p:txBody>
-      </p:sp>
-      <p:sp>
-        <p:nvSpPr>
-          <p:cNvPr id="6" name="Rounded Rectangle 5"/>
-          <p:cNvSpPr/>
-          <p:nvPr/>
-        </p:nvSpPr>
-        <p:spPr bwMode="auto">
-          <a:xfrm>
-            <a:off x="2248293" y="1304343"/>
-            <a:ext cx="1640263" cy="914400"/>
-          </a:xfrm>
-          <a:prstGeom prst="roundRect">
-            <a:avLst>
-              <a:gd name="adj" fmla="val 0"/>
-            </a:avLst>
-          </a:prstGeom>
-          <a:solidFill>
-            <a:schemeClr val="accent4"/>
-          </a:solidFill>
-          <a:ln w="9525" cap="flat" cmpd="sng" algn="ctr">
-            <a:noFill/>
-            <a:prstDash val="solid"/>
-            <a:headEnd type="none" w="med" len="med"/>
-            <a:tailEnd type="none" w="med" len="med"/>
-          </a:ln>
-          <a:effectLst/>
-        </p:spPr>
-        <p:txBody>
-          <a:bodyPr vert="horz" wrap="square" lIns="91436" tIns="45718" rIns="91436" bIns="45718" numCol="1" rtlCol="0" anchor="ctr" anchorCtr="0" compatLnSpc="1">
-            <a:prstTxWarp prst="textNoShape">
-              <a:avLst/>
-            </a:prstTxWarp>
-          </a:bodyPr>
-          <a:lstStyle/>
-          <a:p>
-            <a:pPr marL="0" marR="0" lvl="0" indent="0" algn="ctr" defTabSz="914099" eaLnBrk="1" fontAlgn="base" latinLnBrk="0" hangingPunct="1">
-              <a:lnSpc>
-                <a:spcPct val="100000"/>
-              </a:lnSpc>
-              <a:spcBef>
-                <a:spcPct val="0"/>
-              </a:spcBef>
-              <a:spcAft>
-                <a:spcPct val="0"/>
-              </a:spcAft>
-              <a:buClrTx/>
-              <a:buSzTx/>
-              <a:buFontTx/>
-              <a:buNone/>
-              <a:tabLst/>
-              <a:defRPr/>
-            </a:pPr>
-            <a:r>
-              <a:rPr kumimoji="0" lang="en-US" sz="2000" b="0" i="0" u="none" strike="noStrike" kern="0" cap="none" spc="0" normalizeH="0" baseline="0" noProof="0" dirty="0" smtClean="0">
-                <a:ln>
-                  <a:noFill/>
-                </a:ln>
-                <a:solidFill>
-                  <a:schemeClr val="bg1"/>
-                </a:solidFill>
-                <a:effectLst/>
-                <a:uLnTx/>
-                <a:uFillTx/>
-                <a:latin typeface="Segoe UI"/>
-                <a:ea typeface="+mn-ea"/>
-                <a:cs typeface="+mn-cs"/>
-              </a:rPr>
-              <a:t>IIS ARR</a:t>
-            </a:r>
-          </a:p>
-          <a:p>
-            <a:pPr marL="0" marR="0" lvl="0" indent="0" algn="ctr" defTabSz="914099" eaLnBrk="1" fontAlgn="base" latinLnBrk="0" hangingPunct="1">
-              <a:lnSpc>
-                <a:spcPct val="100000"/>
-              </a:lnSpc>
-              <a:spcBef>
-                <a:spcPct val="0"/>
-              </a:spcBef>
-              <a:spcAft>
-                <a:spcPct val="0"/>
-              </a:spcAft>
-              <a:buClrTx/>
-              <a:buSzTx/>
-              <a:buFontTx/>
-              <a:buNone/>
-              <a:tabLst/>
-              <a:defRPr/>
-            </a:pPr>
-            <a:r>
-              <a:rPr kumimoji="0" lang="en-US" sz="2000" b="0" i="0" u="none" strike="noStrike" kern="0" cap="none" spc="0" normalizeH="0" baseline="0" noProof="0" dirty="0" smtClean="0">
-                <a:ln>
-                  <a:noFill/>
-                </a:ln>
-                <a:solidFill>
-                  <a:schemeClr val="bg1"/>
-                </a:solidFill>
-                <a:effectLst/>
-                <a:uLnTx/>
-                <a:uFillTx/>
-                <a:latin typeface="Segoe UI"/>
-                <a:ea typeface="+mn-ea"/>
-                <a:cs typeface="+mn-cs"/>
-              </a:rPr>
-              <a:t>(LB)</a:t>
-            </a:r>
-          </a:p>
-        </p:txBody>
-      </p:sp>
-      <p:sp>
-        <p:nvSpPr>
-          <p:cNvPr id="7" name="Rounded Rectangle 6"/>
-          <p:cNvSpPr/>
-          <p:nvPr/>
-        </p:nvSpPr>
-        <p:spPr bwMode="auto">
-          <a:xfrm>
-            <a:off x="5448302" y="1211402"/>
-            <a:ext cx="1952623" cy="3446323"/>
-          </a:xfrm>
-          <a:prstGeom prst="roundRect">
-            <a:avLst>
-              <a:gd name="adj" fmla="val 1057"/>
-            </a:avLst>
-          </a:prstGeom>
-          <a:solidFill>
-            <a:schemeClr val="accent4"/>
-          </a:solidFill>
-          <a:ln w="9525" cap="flat" cmpd="sng" algn="ctr">
-            <a:noFill/>
-            <a:prstDash val="solid"/>
-            <a:headEnd type="none" w="med" len="med"/>
-            <a:tailEnd type="none" w="med" len="med"/>
-          </a:ln>
-          <a:effectLst/>
-        </p:spPr>
-        <p:txBody>
-          <a:bodyPr vert="horz" wrap="square" lIns="91436" tIns="45718" rIns="91436" bIns="45718" numCol="1" rtlCol="0" anchor="t" anchorCtr="0" compatLnSpc="1">
-            <a:prstTxWarp prst="textNoShape">
-              <a:avLst/>
-            </a:prstTxWarp>
-          </a:bodyPr>
-          <a:lstStyle/>
-          <a:p>
-            <a:pPr marL="0" marR="0" lvl="0" indent="0" algn="ctr" defTabSz="914099" eaLnBrk="1" fontAlgn="base" latinLnBrk="0" hangingPunct="1">
-              <a:lnSpc>
-                <a:spcPct val="100000"/>
-              </a:lnSpc>
-              <a:spcBef>
-                <a:spcPct val="0"/>
-              </a:spcBef>
-              <a:spcAft>
-                <a:spcPct val="0"/>
-              </a:spcAft>
-              <a:buClrTx/>
-              <a:buSzTx/>
-              <a:buFontTx/>
-              <a:buNone/>
-              <a:tabLst/>
-              <a:defRPr/>
-            </a:pPr>
-            <a:r>
-              <a:rPr kumimoji="0" lang="en-US" sz="2000" b="0" i="0" u="none" strike="noStrike" kern="0" cap="none" spc="0" normalizeH="0" baseline="0" noProof="0" dirty="0" smtClean="0">
-                <a:ln>
-                  <a:noFill/>
-                </a:ln>
-                <a:solidFill>
-                  <a:schemeClr val="bg1"/>
-                </a:solidFill>
-                <a:effectLst/>
-                <a:uLnTx/>
-                <a:uFillTx/>
-                <a:latin typeface="Segoe UI"/>
-                <a:ea typeface="+mn-ea"/>
-                <a:cs typeface="+mn-cs"/>
-              </a:rPr>
-              <a:t>Web Worker</a:t>
-            </a:r>
-          </a:p>
-        </p:txBody>
-      </p:sp>
-      <p:sp>
-        <p:nvSpPr>
-          <p:cNvPr id="8" name="Flowchart: Magnetic Disk 7"/>
-          <p:cNvSpPr/>
-          <p:nvPr/>
-        </p:nvSpPr>
-        <p:spPr bwMode="auto">
-          <a:xfrm>
-            <a:off x="7862730" y="3353919"/>
-            <a:ext cx="1291180" cy="1303807"/>
+            <a:off x="2403869" y="2774031"/>
+            <a:ext cx="1362175" cy="1413793"/>
           </a:xfrm>
           <a:prstGeom prst="flowChartMagneticDisk">
             <a:avLst/>
@@ -10680,10 +11750,48 @@
                 <a:uLnTx/>
                 <a:uFillTx/>
                 <a:latin typeface="Segoe UI"/>
+                <a:ea typeface="+mn-ea"/>
+                <a:cs typeface="+mn-cs"/>
               </a:rPr>
-              <a:t>Site’s</a:t>
-            </a:r>
-          </a:p>
+              <a:t>Hosting DB</a:t>
+            </a:r>
+          </a:p>
+        </p:txBody>
+      </p:sp>
+      <p:sp>
+        <p:nvSpPr>
+          <p:cNvPr id="28" name="Rounded Rectangle 27"/>
+          <p:cNvSpPr/>
+          <p:nvPr/>
+        </p:nvSpPr>
+        <p:spPr bwMode="auto">
+          <a:xfrm>
+            <a:off x="5721957" y="5289615"/>
+            <a:ext cx="1720244" cy="914400"/>
+          </a:xfrm>
+          <a:prstGeom prst="roundRect">
+            <a:avLst>
+              <a:gd name="adj" fmla="val 0"/>
+            </a:avLst>
+          </a:prstGeom>
+          <a:solidFill>
+            <a:schemeClr val="accent4"/>
+          </a:solidFill>
+          <a:ln w="9525" cap="flat" cmpd="sng" algn="ctr">
+            <a:noFill/>
+            <a:prstDash val="solid"/>
+            <a:headEnd type="none" w="med" len="med"/>
+            <a:tailEnd type="none" w="med" len="med"/>
+          </a:ln>
+          <a:effectLst/>
+        </p:spPr>
+        <p:txBody>
+          <a:bodyPr vert="horz" wrap="square" lIns="91436" tIns="45718" rIns="91436" bIns="45718" numCol="1" rtlCol="0" anchor="ctr" anchorCtr="0" compatLnSpc="1">
+            <a:prstTxWarp prst="textNoShape">
+              <a:avLst/>
+            </a:prstTxWarp>
+          </a:bodyPr>
+          <a:lstStyle/>
           <a:p>
             <a:pPr marL="0" marR="0" lvl="0" indent="0" algn="ctr" defTabSz="914099" eaLnBrk="1" fontAlgn="base" latinLnBrk="0" hangingPunct="1">
               <a:lnSpc>
@@ -10703,11 +11811,323 @@
               <a:defRPr/>
             </a:pPr>
             <a:r>
-              <a:rPr lang="en-US" sz="1600" kern="0" dirty="0" smtClean="0">
+              <a:rPr kumimoji="0" lang="en-US" b="0" i="0" u="none" strike="noStrike" kern="0" cap="none" spc="0" normalizeH="0" baseline="0" noProof="0" dirty="0" smtClean="0">
+                <a:ln>
+                  <a:noFill/>
+                </a:ln>
+                <a:solidFill>
+                  <a:schemeClr val="bg1"/>
+                </a:solidFill>
+                <a:effectLst/>
+                <a:uLnTx/>
+                <a:uFillTx/>
                 <a:latin typeface="Segoe UI"/>
+                <a:ea typeface="+mn-ea"/>
+                <a:cs typeface="+mn-cs"/>
               </a:rPr>
-              <a:t>Content </a:t>
-            </a:r>
+              <a:t>Storage Controller</a:t>
+            </a:r>
+          </a:p>
+        </p:txBody>
+      </p:sp>
+      <p:sp>
+        <p:nvSpPr>
+          <p:cNvPr id="29" name="Rounded Rectangle 28"/>
+          <p:cNvSpPr/>
+          <p:nvPr/>
+        </p:nvSpPr>
+        <p:spPr bwMode="auto">
+          <a:xfrm>
+            <a:off x="2403869" y="1104317"/>
+            <a:ext cx="1640263" cy="914400"/>
+          </a:xfrm>
+          <a:prstGeom prst="roundRect">
+            <a:avLst>
+              <a:gd name="adj" fmla="val 0"/>
+            </a:avLst>
+          </a:prstGeom>
+          <a:solidFill>
+            <a:schemeClr val="accent4"/>
+          </a:solidFill>
+          <a:ln w="9525" cap="flat" cmpd="sng" algn="ctr">
+            <a:noFill/>
+            <a:prstDash val="solid"/>
+            <a:headEnd type="none" w="med" len="med"/>
+            <a:tailEnd type="none" w="med" len="med"/>
+          </a:ln>
+          <a:effectLst/>
+        </p:spPr>
+        <p:txBody>
+          <a:bodyPr vert="horz" wrap="square" lIns="91436" tIns="45718" rIns="91436" bIns="45718" numCol="1" rtlCol="0" anchor="ctr" anchorCtr="0" compatLnSpc="1">
+            <a:prstTxWarp prst="textNoShape">
+              <a:avLst/>
+            </a:prstTxWarp>
+          </a:bodyPr>
+          <a:lstStyle/>
+          <a:p>
+            <a:pPr marL="0" marR="0" lvl="0" indent="0" algn="ctr" defTabSz="914099" eaLnBrk="1" fontAlgn="base" latinLnBrk="0" hangingPunct="1">
+              <a:lnSpc>
+                <a:spcPct val="100000"/>
+              </a:lnSpc>
+              <a:spcBef>
+                <a:spcPct val="0"/>
+              </a:spcBef>
+              <a:spcAft>
+                <a:spcPct val="0"/>
+              </a:spcAft>
+              <a:buClrTx/>
+              <a:buSzTx/>
+              <a:buFontTx/>
+              <a:buNone/>
+              <a:tabLst/>
+              <a:defRPr/>
+            </a:pPr>
+            <a:r>
+              <a:rPr kumimoji="0" lang="en-US" sz="2000" b="0" i="0" u="none" strike="noStrike" kern="0" cap="none" spc="0" normalizeH="0" baseline="0" noProof="0" dirty="0" smtClean="0">
+                <a:ln>
+                  <a:noFill/>
+                </a:ln>
+                <a:solidFill>
+                  <a:schemeClr val="bg1"/>
+                </a:solidFill>
+                <a:effectLst/>
+                <a:uLnTx/>
+                <a:uFillTx/>
+                <a:latin typeface="Segoe UI"/>
+                <a:ea typeface="+mn-ea"/>
+                <a:cs typeface="+mn-cs"/>
+              </a:rPr>
+              <a:t>IIS ARR</a:t>
+            </a:r>
+          </a:p>
+          <a:p>
+            <a:pPr marL="0" marR="0" lvl="0" indent="0" algn="ctr" defTabSz="914099" eaLnBrk="1" fontAlgn="base" latinLnBrk="0" hangingPunct="1">
+              <a:lnSpc>
+                <a:spcPct val="100000"/>
+              </a:lnSpc>
+              <a:spcBef>
+                <a:spcPct val="0"/>
+              </a:spcBef>
+              <a:spcAft>
+                <a:spcPct val="0"/>
+              </a:spcAft>
+              <a:buClrTx/>
+              <a:buSzTx/>
+              <a:buFontTx/>
+              <a:buNone/>
+              <a:tabLst/>
+              <a:defRPr/>
+            </a:pPr>
+            <a:r>
+              <a:rPr kumimoji="0" lang="en-US" sz="2000" b="0" i="0" u="none" strike="noStrike" kern="0" cap="none" spc="0" normalizeH="0" baseline="0" noProof="0" dirty="0" smtClean="0">
+                <a:ln>
+                  <a:noFill/>
+                </a:ln>
+                <a:solidFill>
+                  <a:schemeClr val="bg1"/>
+                </a:solidFill>
+                <a:effectLst/>
+                <a:uLnTx/>
+                <a:uFillTx/>
+                <a:latin typeface="Segoe UI"/>
+                <a:ea typeface="+mn-ea"/>
+                <a:cs typeface="+mn-cs"/>
+              </a:rPr>
+              <a:t>(LB)</a:t>
+            </a:r>
+          </a:p>
+        </p:txBody>
+      </p:sp>
+      <p:sp>
+        <p:nvSpPr>
+          <p:cNvPr id="30" name="Rounded Rectangle 29"/>
+          <p:cNvSpPr/>
+          <p:nvPr/>
+        </p:nvSpPr>
+        <p:spPr bwMode="auto">
+          <a:xfrm>
+            <a:off x="5603879" y="971343"/>
+            <a:ext cx="1952623" cy="3495881"/>
+          </a:xfrm>
+          <a:prstGeom prst="roundRect">
+            <a:avLst>
+              <a:gd name="adj" fmla="val 0"/>
+            </a:avLst>
+          </a:prstGeom>
+          <a:solidFill>
+            <a:schemeClr val="accent4"/>
+          </a:solidFill>
+          <a:ln w="9525" cap="flat" cmpd="sng" algn="ctr">
+            <a:noFill/>
+            <a:prstDash val="solid"/>
+            <a:headEnd type="none" w="med" len="med"/>
+            <a:tailEnd type="none" w="med" len="med"/>
+          </a:ln>
+          <a:effectLst/>
+        </p:spPr>
+        <p:txBody>
+          <a:bodyPr vert="horz" wrap="square" lIns="91436" tIns="45718" rIns="91436" bIns="45718" numCol="1" rtlCol="0" anchor="t" anchorCtr="0" compatLnSpc="1">
+            <a:prstTxWarp prst="textNoShape">
+              <a:avLst/>
+            </a:prstTxWarp>
+          </a:bodyPr>
+          <a:lstStyle/>
+          <a:p>
+            <a:pPr marL="0" marR="0" lvl="0" indent="0" algn="ctr" defTabSz="914099" eaLnBrk="1" fontAlgn="base" latinLnBrk="0" hangingPunct="1">
+              <a:lnSpc>
+                <a:spcPct val="100000"/>
+              </a:lnSpc>
+              <a:spcBef>
+                <a:spcPct val="0"/>
+              </a:spcBef>
+              <a:spcAft>
+                <a:spcPct val="0"/>
+              </a:spcAft>
+              <a:buClrTx/>
+              <a:buSzTx/>
+              <a:buFontTx/>
+              <a:buNone/>
+              <a:tabLst/>
+              <a:defRPr/>
+            </a:pPr>
+            <a:r>
+              <a:rPr kumimoji="0" lang="en-US" sz="2000" b="0" i="0" u="none" strike="noStrike" kern="0" cap="none" spc="0" normalizeH="0" baseline="0" noProof="0" dirty="0" smtClean="0">
+                <a:ln>
+                  <a:noFill/>
+                </a:ln>
+                <a:solidFill>
+                  <a:schemeClr val="bg1"/>
+                </a:solidFill>
+                <a:effectLst/>
+                <a:uLnTx/>
+                <a:uFillTx/>
+                <a:latin typeface="Segoe UI"/>
+                <a:ea typeface="+mn-ea"/>
+                <a:cs typeface="+mn-cs"/>
+              </a:rPr>
+              <a:t>Web Worker</a:t>
+            </a:r>
+          </a:p>
+        </p:txBody>
+      </p:sp>
+      <p:sp>
+        <p:nvSpPr>
+          <p:cNvPr id="31" name="Right Arrow 30"/>
+          <p:cNvSpPr/>
+          <p:nvPr/>
+        </p:nvSpPr>
+        <p:spPr>
+          <a:xfrm rot="5400000" flipV="1">
+            <a:off x="2486649" y="2353507"/>
+            <a:ext cx="755315" cy="161936"/>
+          </a:xfrm>
+          <a:prstGeom prst="rightArrow">
+            <a:avLst/>
+          </a:prstGeom>
+          <a:solidFill>
+            <a:schemeClr val="accent2"/>
+          </a:solidFill>
+          <a:ln w="0" cap="flat" cmpd="sng" algn="ctr">
+            <a:noFill/>
+            <a:prstDash val="solid"/>
+          </a:ln>
+          <a:effectLst/>
+        </p:spPr>
+        <p:txBody>
+          <a:bodyPr rtlCol="0" anchor="ctr"/>
+          <a:lstStyle/>
+          <a:p>
+            <a:pPr marL="0" marR="0" lvl="0" indent="0" algn="ctr" defTabSz="914363" eaLnBrk="1" fontAlgn="auto" latinLnBrk="0" hangingPunct="1">
+              <a:lnSpc>
+                <a:spcPct val="100000"/>
+              </a:lnSpc>
+              <a:spcBef>
+                <a:spcPts val="0"/>
+              </a:spcBef>
+              <a:spcAft>
+                <a:spcPts val="0"/>
+              </a:spcAft>
+              <a:buClrTx/>
+              <a:buSzTx/>
+              <a:buFontTx/>
+              <a:buNone/>
+              <a:tabLst/>
+              <a:defRPr/>
+            </a:pPr>
+            <a:endParaRPr kumimoji="0" lang="en-US" sz="2000" b="0" i="0" u="none" strike="noStrike" kern="0" cap="none" spc="0" normalizeH="0" baseline="0" noProof="0" smtClean="0">
+              <a:ln>
+                <a:noFill/>
+              </a:ln>
+              <a:solidFill>
+                <a:srgbClr val="000000">
+                  <a:lumMod val="75000"/>
+                  <a:lumOff val="25000"/>
+                </a:srgbClr>
+              </a:solidFill>
+              <a:effectLst/>
+              <a:uLnTx/>
+              <a:uFillTx/>
+              <a:latin typeface="Segoe UI"/>
+              <a:ea typeface="+mn-ea"/>
+              <a:cs typeface="+mn-cs"/>
+            </a:endParaRPr>
+          </a:p>
+        </p:txBody>
+      </p:sp>
+      <p:sp>
+        <p:nvSpPr>
+          <p:cNvPr id="32" name="Flowchart: Magnetic Disk 31"/>
+          <p:cNvSpPr/>
+          <p:nvPr/>
+        </p:nvSpPr>
+        <p:spPr bwMode="auto">
+          <a:xfrm>
+            <a:off x="8018306" y="2857904"/>
+            <a:ext cx="1376520" cy="1329921"/>
+          </a:xfrm>
+          <a:prstGeom prst="flowChartMagneticDisk">
+            <a:avLst/>
+          </a:prstGeom>
+          <a:solidFill>
+            <a:schemeClr val="accent3"/>
+          </a:solidFill>
+          <a:ln w="9525" cap="flat" cmpd="sng" algn="ctr">
+            <a:solidFill>
+              <a:schemeClr val="accent3">
+                <a:lumMod val="50000"/>
+              </a:schemeClr>
+            </a:solidFill>
+            <a:prstDash val="solid"/>
+            <a:headEnd type="none" w="med" len="med"/>
+            <a:tailEnd type="none" w="med" len="med"/>
+          </a:ln>
+          <a:effectLst/>
+        </p:spPr>
+        <p:txBody>
+          <a:bodyPr vert="horz" wrap="square" lIns="91436" tIns="45718" rIns="91436" bIns="45718" numCol="1" rtlCol="0" anchor="ctr" anchorCtr="0" compatLnSpc="1">
+            <a:prstTxWarp prst="textNoShape">
+              <a:avLst/>
+            </a:prstTxWarp>
+          </a:bodyPr>
+          <a:lstStyle/>
+          <a:p>
+            <a:pPr marL="0" marR="0" lvl="0" indent="0" algn="ctr" defTabSz="914099" eaLnBrk="1" fontAlgn="base" latinLnBrk="0" hangingPunct="1">
+              <a:lnSpc>
+                <a:spcPct val="100000"/>
+              </a:lnSpc>
+              <a:spcBef>
+                <a:spcPct val="0"/>
+              </a:spcBef>
+              <a:spcAft>
+                <a:spcPct val="0"/>
+              </a:spcAft>
+              <a:buClrTx/>
+              <a:buSzTx/>
+              <a:buFontTx/>
+              <a:buNone/>
+              <a:tabLst/>
+              <a:defRPr/>
+            </a:pPr>
             <a:r>
               <a:rPr kumimoji="0" lang="en-US" sz="1600" b="0" i="0" u="none" strike="noStrike" kern="0" cap="none" spc="0" normalizeH="0" baseline="0" noProof="0" dirty="0" smtClean="0">
                 <a:ln>
@@ -10717,21 +12137,91 @@
                 <a:uLnTx/>
                 <a:uFillTx/>
                 <a:latin typeface="Segoe UI"/>
+                <a:ea typeface="+mn-ea"/>
+                <a:cs typeface="+mn-cs"/>
+              </a:rPr>
+              <a:t>Site</a:t>
+            </a:r>
+            <a:r>
+              <a:rPr lang="en-US" sz="1600" kern="0" dirty="0" smtClean="0">
+                <a:latin typeface="Segoe UI"/>
+              </a:rPr>
+              <a:t>’s</a:t>
+            </a:r>
+          </a:p>
+          <a:p>
+            <a:pPr marL="0" marR="0" lvl="0" indent="0" algn="ctr" defTabSz="914099" eaLnBrk="1" fontAlgn="base" latinLnBrk="0" hangingPunct="1">
+              <a:lnSpc>
+                <a:spcPct val="100000"/>
+              </a:lnSpc>
+              <a:spcBef>
+                <a:spcPct val="0"/>
+              </a:spcBef>
+              <a:spcAft>
+                <a:spcPct val="0"/>
+              </a:spcAft>
+              <a:buClrTx/>
+              <a:buSzTx/>
+              <a:buFontTx/>
+              <a:buNone/>
+              <a:tabLst/>
+              <a:defRPr/>
+            </a:pPr>
+            <a:r>
+              <a:rPr kumimoji="0" lang="en-US" sz="1600" b="0" i="0" u="none" strike="noStrike" kern="0" cap="none" spc="0" normalizeH="0" baseline="0" noProof="0" dirty="0" smtClean="0">
+                <a:ln>
+                  <a:noFill/>
+                </a:ln>
+                <a:effectLst/>
+                <a:uLnTx/>
+                <a:uFillTx/>
+                <a:latin typeface="Segoe UI"/>
+                <a:ea typeface="+mn-ea"/>
+                <a:cs typeface="+mn-cs"/>
+              </a:rPr>
+              <a:t>Content</a:t>
+            </a:r>
+            <a:r>
+              <a:rPr kumimoji="0" lang="en-US" sz="1600" b="0" i="0" u="none" strike="noStrike" kern="0" cap="none" spc="0" normalizeH="0" noProof="0" dirty="0" smtClean="0">
+                <a:ln>
+                  <a:noFill/>
+                </a:ln>
+                <a:effectLst/>
+                <a:uLnTx/>
+                <a:uFillTx/>
+                <a:latin typeface="Segoe UI"/>
+                <a:ea typeface="+mn-ea"/>
+                <a:cs typeface="+mn-cs"/>
+              </a:rPr>
+              <a:t> </a:t>
+            </a:r>
+            <a:r>
+              <a:rPr lang="en-US" sz="1600" kern="0" dirty="0" smtClean="0">
+                <a:latin typeface="Segoe UI"/>
               </a:rPr>
               <a:t>DB</a:t>
             </a:r>
+            <a:endParaRPr kumimoji="0" lang="en-US" sz="1600" b="0" i="0" u="none" strike="noStrike" kern="0" cap="none" spc="0" normalizeH="0" baseline="0" noProof="0" dirty="0" smtClean="0">
+              <a:ln>
+                <a:noFill/>
+              </a:ln>
+              <a:effectLst/>
+              <a:uLnTx/>
+              <a:uFillTx/>
+              <a:latin typeface="Segoe UI"/>
+            </a:endParaRPr>
           </a:p>
         </p:txBody>
       </p:sp>
       <p:sp>
         <p:nvSpPr>
-          <p:cNvPr id="9" name="Dodecagon 8"/>
+          <p:cNvPr id="33" name="Dodecagon 32"/>
           <p:cNvSpPr/>
           <p:nvPr/>
         </p:nvSpPr>
         <p:spPr>
           <a:xfrm rot="77372">
-            <a:off x="1272207" y="1215946"/>
+            <a:off x="1427783" y="1015920"/>
             <a:ext cx="406294" cy="228866"/>
           </a:xfrm>
           <a:prstGeom prst="dodecagon">
@@ -10750,7 +12240,7 @@
           <a:bodyPr rtlCol="0" anchor="ctr"/>
           <a:lstStyle/>
           <a:p>
-            <a:pPr marL="0" marR="0" lvl="0" indent="0" algn="ctr" defTabSz="914400" eaLnBrk="1" fontAlgn="auto" latinLnBrk="0" hangingPunct="1">
+            <a:pPr marL="0" marR="0" lvl="0" indent="0" algn="ctr" defTabSz="914363" eaLnBrk="1" fontAlgn="auto" latinLnBrk="0" hangingPunct="1">
               <a:lnSpc>
                 <a:spcPct val="100000"/>
               </a:lnSpc>
@@ -10768,7 +12258,7 @@
               <a:defRPr/>
             </a:pPr>
             <a:r>
-              <a:rPr kumimoji="0" lang="en-US" b="0" i="0" u="none" strike="noStrike" kern="0" cap="none" spc="0" normalizeH="0" baseline="0" noProof="0" dirty="0">
+              <a:rPr kumimoji="0" lang="en-US" b="0" i="0" u="none" strike="noStrike" kern="0" cap="none" spc="0" normalizeH="0" baseline="0" noProof="0" dirty="0" smtClean="0">
                 <a:ln>
                   <a:noFill/>
                 </a:ln>
@@ -10789,13 +12279,77 @@
       </p:sp>
       <p:sp>
         <p:nvSpPr>
-          <p:cNvPr id="10" name="Right Arrow 9"/>
+          <p:cNvPr id="34" name="Right Arrow 33"/>
+          <p:cNvSpPr/>
+          <p:nvPr/>
+        </p:nvSpPr>
+        <p:spPr>
+          <a:xfrm rot="16200000" flipV="1">
+            <a:off x="2705724" y="2353506"/>
+            <a:ext cx="755315" cy="161936"/>
+          </a:xfrm>
+          <a:prstGeom prst="rightArrow">
+            <a:avLst/>
+          </a:prstGeom>
+          <a:solidFill>
+            <a:schemeClr val="accent2"/>
+          </a:solidFill>
+          <a:ln w="0" cap="flat" cmpd="sng" algn="ctr">
+            <a:noFill/>
+            <a:prstDash val="solid"/>
+          </a:ln>
+          <a:effectLst/>
+        </p:spPr>
+        <p:txBody>
+          <a:bodyPr rtlCol="0" anchor="ctr"/>
+          <a:lstStyle/>
+          <a:p>
+            <a:pPr marL="0" marR="0" lvl="0" indent="0" algn="ctr" defTabSz="914363" eaLnBrk="1" fontAlgn="auto" latinLnBrk="0" hangingPunct="1">
+              <a:lnSpc>
+                <a:spcPct val="100000"/>
+              </a:lnSpc>
+              <a:spcBef>
+                <a:spcPts val="0"/>
+              </a:spcBef>
+              <a:spcAft>
+                <a:spcPts val="0"/>
+              </a:spcAft>
+              <a:buClrTx/>
+              <a:buSzTx/>
+              <a:buFontTx/>
+              <a:buNone/>
+              <a:tabLst/>
+              <a:defRPr/>
+            </a:pPr>
+            <a:endParaRPr kumimoji="0" lang="en-US" sz="2000" b="0" i="0" u="none" strike="noStrike" kern="0" cap="none" spc="0" normalizeH="0" baseline="0" noProof="0" smtClean="0">
+              <a:ln>
+                <a:noFill/>
+              </a:ln>
+              <a:solidFill>
+                <a:srgbClr val="000000">
+                  <a:lumMod val="75000"/>
+                  <a:lumOff val="25000"/>
+                </a:srgbClr>
+              </a:solidFill>
+              <a:effectLst/>
+              <a:uLnTx/>
+              <a:uFillTx/>
+              <a:latin typeface="Segoe UI"/>
+              <a:ea typeface="+mn-ea"/>
+              <a:cs typeface="+mn-cs"/>
+            </a:endParaRPr>
+          </a:p>
+        </p:txBody>
+      </p:sp>
+      <p:sp>
+        <p:nvSpPr>
+          <p:cNvPr id="35" name="Right Arrow 34"/>
           <p:cNvSpPr/>
           <p:nvPr/>
         </p:nvSpPr>
         <p:spPr>
           <a:xfrm flipV="1">
-            <a:off x="4000501" y="1449296"/>
+            <a:off x="4156077" y="1249272"/>
             <a:ext cx="1437134" cy="165515"/>
           </a:xfrm>
           <a:prstGeom prst="rightArrow">
@@ -10814,7 +12368,7 @@
           <a:bodyPr rtlCol="0" anchor="ctr"/>
           <a:lstStyle/>
           <a:p>
-            <a:pPr marL="0" marR="0" lvl="0" indent="0" algn="ctr" defTabSz="914400" eaLnBrk="1" fontAlgn="auto" latinLnBrk="0" hangingPunct="1">
+            <a:pPr marL="0" marR="0" lvl="0" indent="0" algn="ctr" defTabSz="914363" eaLnBrk="1" fontAlgn="auto" latinLnBrk="0" hangingPunct="1">
               <a:lnSpc>
                 <a:spcPct val="100000"/>
               </a:lnSpc>
@@ -10831,7 +12385,7 @@
               <a:tabLst/>
               <a:defRPr/>
             </a:pPr>
-            <a:endParaRPr kumimoji="0" lang="en-US" b="0" i="0" u="none" strike="noStrike" kern="0" cap="none" spc="0" normalizeH="0" baseline="0" noProof="0">
+            <a:endParaRPr kumimoji="0" lang="en-US" sz="2000" b="0" i="0" u="none" strike="noStrike" kern="0" cap="none" spc="0" normalizeH="0" baseline="0" noProof="0" smtClean="0">
               <a:ln>
                 <a:noFill/>
               </a:ln>
@@ -10853,13 +12407,13 @@
       </p:sp>
       <p:sp>
         <p:nvSpPr>
-          <p:cNvPr id="11" name="Dodecagon 10"/>
+          <p:cNvPr id="36" name="Dodecagon 35"/>
           <p:cNvSpPr/>
           <p:nvPr/>
         </p:nvSpPr>
         <p:spPr>
           <a:xfrm rot="77372">
-            <a:off x="4003025" y="1175913"/>
+            <a:off x="2387343" y="2115340"/>
             <a:ext cx="406294" cy="228866"/>
           </a:xfrm>
           <a:prstGeom prst="dodecagon">
@@ -10878,7 +12432,135 @@
           <a:bodyPr rtlCol="0" anchor="ctr"/>
           <a:lstStyle/>
           <a:p>
-            <a:pPr marL="0" marR="0" lvl="0" indent="0" algn="ctr" defTabSz="914400" eaLnBrk="1" fontAlgn="auto" latinLnBrk="0" hangingPunct="1">
+            <a:pPr marL="0" marR="0" lvl="0" indent="0" algn="ctr" defTabSz="914363" eaLnBrk="1" fontAlgn="auto" latinLnBrk="0" hangingPunct="1">
+              <a:lnSpc>
+                <a:spcPct val="100000"/>
+              </a:lnSpc>
+              <a:spcBef>
+                <a:spcPts val="0"/>
+              </a:spcBef>
+              <a:spcAft>
+                <a:spcPts val="0"/>
+              </a:spcAft>
+              <a:buClrTx/>
+              <a:buSzTx/>
+              <a:buFontTx/>
+              <a:buNone/>
+              <a:tabLst/>
+              <a:defRPr/>
+            </a:pPr>
+            <a:r>
+              <a:rPr kumimoji="0" lang="en-US" sz="2000" b="0" i="0" u="none" strike="noStrike" kern="0" cap="none" spc="0" normalizeH="0" baseline="0" noProof="0" dirty="0" smtClean="0">
+                <a:ln>
+                  <a:noFill/>
+                </a:ln>
+                <a:solidFill>
+                  <a:srgbClr val="FFFFFF"/>
+                </a:solidFill>
+                <a:effectLst/>
+                <a:uLnTx/>
+                <a:uFillTx/>
+                <a:latin typeface="Segoe UI"/>
+                <a:ea typeface="+mn-ea"/>
+                <a:cs typeface="+mn-cs"/>
+              </a:rPr>
+              <a:t>2</a:t>
+            </a:r>
+          </a:p>
+        </p:txBody>
+      </p:sp>
+      <p:sp>
+        <p:nvSpPr>
+          <p:cNvPr id="37" name="Right Arrow 36"/>
+          <p:cNvSpPr/>
+          <p:nvPr/>
+        </p:nvSpPr>
+        <p:spPr>
+          <a:xfrm rot="10800000" flipV="1">
+            <a:off x="4137026" y="1499601"/>
+            <a:ext cx="1437134" cy="165515"/>
+          </a:xfrm>
+          <a:prstGeom prst="rightArrow">
+            <a:avLst/>
+          </a:prstGeom>
+          <a:solidFill>
+            <a:schemeClr val="accent2"/>
+          </a:solidFill>
+          <a:ln w="0" cap="flat" cmpd="sng" algn="ctr">
+            <a:noFill/>
+            <a:prstDash val="solid"/>
+          </a:ln>
+          <a:effectLst/>
+        </p:spPr>
+        <p:txBody>
+          <a:bodyPr rtlCol="0" anchor="ctr"/>
+          <a:lstStyle/>
+          <a:p>
+            <a:pPr marL="0" marR="0" lvl="0" indent="0" algn="ctr" defTabSz="914363" eaLnBrk="1" fontAlgn="auto" latinLnBrk="0" hangingPunct="1">
+              <a:lnSpc>
+                <a:spcPct val="100000"/>
+              </a:lnSpc>
+              <a:spcBef>
+                <a:spcPts val="0"/>
+              </a:spcBef>
+              <a:spcAft>
+                <a:spcPts val="0"/>
+              </a:spcAft>
+              <a:buClrTx/>
+              <a:buSzTx/>
+              <a:buFontTx/>
+              <a:buNone/>
+              <a:tabLst/>
+              <a:defRPr/>
+            </a:pPr>
+            <a:endParaRPr kumimoji="0" lang="en-US" sz="2000" b="0" i="0" u="none" strike="noStrike" kern="0" cap="none" spc="0" normalizeH="0" baseline="0" noProof="0" smtClean="0">
+              <a:ln>
+                <a:noFill/>
+              </a:ln>
+              <a:solidFill>
+                <a:srgbClr val="000000">
+                  <a:lumMod val="75000"/>
+                  <a:lumOff val="25000"/>
+                </a:srgbClr>
+              </a:solidFill>
+              <a:effectLst/>
+              <a:uLnTx/>
+              <a:uFillTx/>
+              <a:latin typeface="Segoe UI"/>
+              <a:ea typeface="+mn-ea"/>
+              <a:cs typeface="+mn-cs"/>
+            </a:endParaRPr>
+          </a:p>
+        </p:txBody>
+      </p:sp>
+      <p:sp>
+        <p:nvSpPr>
+          <p:cNvPr id="38" name="Dodecagon 37"/>
+          <p:cNvSpPr/>
+          <p:nvPr/>
+        </p:nvSpPr>
+        <p:spPr>
+          <a:xfrm rot="77372">
+            <a:off x="4158601" y="975887"/>
+            <a:ext cx="406294" cy="228866"/>
+          </a:xfrm>
+          <a:prstGeom prst="dodecagon">
+            <a:avLst/>
+          </a:prstGeom>
+          <a:solidFill>
+            <a:schemeClr val="accent2"/>
+          </a:solidFill>
+          <a:ln w="0" cap="flat" cmpd="sng" algn="ctr">
+            <a:noFill/>
+            <a:prstDash val="solid"/>
+          </a:ln>
+          <a:effectLst/>
+        </p:spPr>
+        <p:txBody>
+          <a:bodyPr rtlCol="0" anchor="ctr"/>
+          <a:lstStyle/>
+          <a:p>
+            <a:pPr marL="0" marR="0" lvl="0" indent="0" algn="ctr" defTabSz="914363" eaLnBrk="1" fontAlgn="auto" latinLnBrk="0" hangingPunct="1">
               <a:lnSpc>
                 <a:spcPct val="100000"/>
               </a:lnSpc>
@@ -10910,34 +12592,20 @@
                 <a:ea typeface="+mn-ea"/>
                 <a:cs typeface="+mn-cs"/>
               </a:rPr>
-              <a:t>2</a:t>
-            </a:r>
-            <a:endParaRPr kumimoji="0" lang="en-US" b="0" i="0" u="none" strike="noStrike" kern="0" cap="none" spc="0" normalizeH="0" baseline="0" noProof="0" dirty="0">
-              <a:ln>
-                <a:noFill/>
-              </a:ln>
-              <a:solidFill>
-                <a:srgbClr val="FFFFFF"/>
-              </a:solidFill>
-              <a:effectLst/>
-              <a:uLnTx/>
-              <a:uFillTx/>
-              <a:latin typeface="Segoe UI"/>
-              <a:ea typeface="+mn-ea"/>
-              <a:cs typeface="+mn-cs"/>
-            </a:endParaRPr>
+              <a:t>3</a:t>
+            </a:r>
           </a:p>
         </p:txBody>
       </p:sp>
       <p:sp>
         <p:nvSpPr>
-          <p:cNvPr id="12" name="Right Arrow 11"/>
+          <p:cNvPr id="39" name="Right Arrow 38"/>
           <p:cNvSpPr/>
           <p:nvPr/>
         </p:nvSpPr>
         <p:spPr>
           <a:xfrm flipV="1">
-            <a:off x="1174447" y="1449293"/>
+            <a:off x="1330023" y="1249267"/>
             <a:ext cx="1064320" cy="161938"/>
           </a:xfrm>
           <a:prstGeom prst="rightArrow">
@@ -10956,7 +12624,7 @@
           <a:bodyPr rtlCol="0" anchor="ctr"/>
           <a:lstStyle/>
           <a:p>
-            <a:pPr marL="0" marR="0" lvl="0" indent="0" algn="ctr" defTabSz="914400" eaLnBrk="1" fontAlgn="auto" latinLnBrk="0" hangingPunct="1">
+            <a:pPr marL="0" marR="0" lvl="0" indent="0" algn="ctr" defTabSz="914363" eaLnBrk="1" fontAlgn="auto" latinLnBrk="0" hangingPunct="1">
               <a:lnSpc>
                 <a:spcPct val="100000"/>
               </a:lnSpc>
@@ -10973,7 +12641,7 @@
               <a:tabLst/>
               <a:defRPr/>
             </a:pPr>
-            <a:endParaRPr kumimoji="0" lang="en-US" b="0" i="0" u="none" strike="noStrike" kern="0" cap="none" spc="0" normalizeH="0" baseline="0" noProof="0">
+            <a:endParaRPr kumimoji="0" lang="en-US" sz="2000" b="0" i="0" u="none" strike="noStrike" kern="0" cap="none" spc="0" normalizeH="0" baseline="0" noProof="0" smtClean="0">
               <a:ln>
                 <a:noFill/>
               </a:ln>
@@ -10995,13 +12663,13 @@
       </p:sp>
       <p:sp>
         <p:nvSpPr>
-          <p:cNvPr id="13" name="Right Arrow 12"/>
+          <p:cNvPr id="40" name="Right Arrow 39"/>
           <p:cNvSpPr/>
           <p:nvPr/>
         </p:nvSpPr>
         <p:spPr>
           <a:xfrm rot="10800000" flipV="1">
-            <a:off x="1148865" y="1966324"/>
+            <a:off x="1304441" y="1766298"/>
             <a:ext cx="1064320" cy="161938"/>
           </a:xfrm>
           <a:prstGeom prst="rightArrow">
@@ -11020,7 +12688,7 @@
           <a:bodyPr rtlCol="0" anchor="ctr"/>
           <a:lstStyle/>
           <a:p>
-            <a:pPr marL="0" marR="0" lvl="0" indent="0" algn="ctr" defTabSz="914400" eaLnBrk="1" fontAlgn="auto" latinLnBrk="0" hangingPunct="1">
+            <a:pPr marL="0" marR="0" lvl="0" indent="0" algn="ctr" defTabSz="914363" eaLnBrk="1" fontAlgn="auto" latinLnBrk="0" hangingPunct="1">
               <a:lnSpc>
                 <a:spcPct val="100000"/>
               </a:lnSpc>
@@ -11037,7 +12705,7 @@
               <a:tabLst/>
               <a:defRPr/>
             </a:pPr>
-            <a:endParaRPr kumimoji="0" lang="en-US" b="0" i="0" u="none" strike="noStrike" kern="0" cap="none" spc="0" normalizeH="0" baseline="0" noProof="0">
+            <a:endParaRPr kumimoji="0" lang="en-US" sz="2000" b="0" i="0" u="none" strike="noStrike" kern="0" cap="none" spc="0" normalizeH="0" baseline="0" noProof="0" smtClean="0">
               <a:ln>
                 <a:noFill/>
               </a:ln>
@@ -11059,13 +12727,77 @@
       </p:sp>
       <p:sp>
         <p:nvSpPr>
-          <p:cNvPr id="14" name="Dodecagon 13"/>
+          <p:cNvPr id="41" name="Right Arrow 40"/>
+          <p:cNvSpPr/>
+          <p:nvPr/>
+        </p:nvSpPr>
+        <p:spPr>
+          <a:xfrm rot="10800000" flipV="1">
+            <a:off x="3813178" y="3596978"/>
+            <a:ext cx="1752601" cy="165516"/>
+          </a:xfrm>
+          <a:prstGeom prst="rightArrow">
+            <a:avLst/>
+          </a:prstGeom>
+          <a:solidFill>
+            <a:schemeClr val="accent2"/>
+          </a:solidFill>
+          <a:ln w="0" cap="flat" cmpd="sng" algn="ctr">
+            <a:noFill/>
+            <a:prstDash val="solid"/>
+          </a:ln>
+          <a:effectLst/>
+        </p:spPr>
+        <p:txBody>
+          <a:bodyPr rtlCol="0" anchor="ctr"/>
+          <a:lstStyle/>
+          <a:p>
+            <a:pPr marL="0" marR="0" lvl="0" indent="0" algn="ctr" defTabSz="914363" eaLnBrk="1" fontAlgn="auto" latinLnBrk="0" hangingPunct="1">
+              <a:lnSpc>
+                <a:spcPct val="100000"/>
+              </a:lnSpc>
+              <a:spcBef>
+                <a:spcPts val="0"/>
+              </a:spcBef>
+              <a:spcAft>
+                <a:spcPts val="0"/>
+              </a:spcAft>
+              <a:buClrTx/>
+              <a:buSzTx/>
+              <a:buFontTx/>
+              <a:buNone/>
+              <a:tabLst/>
+              <a:defRPr/>
+            </a:pPr>
+            <a:endParaRPr kumimoji="0" lang="en-US" sz="2000" b="0" i="0" u="none" strike="noStrike" kern="0" cap="none" spc="0" normalizeH="0" baseline="0" noProof="0" smtClean="0">
+              <a:ln>
+                <a:noFill/>
+              </a:ln>
+              <a:solidFill>
+                <a:srgbClr val="000000">
+                  <a:lumMod val="75000"/>
+                  <a:lumOff val="25000"/>
+                </a:srgbClr>
+              </a:solidFill>
+              <a:effectLst/>
+              <a:uLnTx/>
+              <a:uFillTx/>
+              <a:latin typeface="Segoe UI"/>
+              <a:ea typeface="+mn-ea"/>
+              <a:cs typeface="+mn-cs"/>
+            </a:endParaRPr>
+          </a:p>
+        </p:txBody>
+      </p:sp>
+      <p:sp>
+        <p:nvSpPr>
+          <p:cNvPr id="42" name="Dodecagon 41"/>
           <p:cNvSpPr/>
           <p:nvPr/>
         </p:nvSpPr>
         <p:spPr>
           <a:xfrm rot="77372">
-            <a:off x="7175232" y="4698376"/>
+            <a:off x="5090284" y="3370625"/>
             <a:ext cx="406294" cy="228866"/>
           </a:xfrm>
           <a:prstGeom prst="dodecagon">
@@ -11084,7 +12816,7 @@
           <a:bodyPr rtlCol="0" anchor="ctr"/>
           <a:lstStyle/>
           <a:p>
-            <a:pPr marL="0" marR="0" lvl="0" indent="0" algn="ctr" defTabSz="914400" eaLnBrk="1" fontAlgn="auto" latinLnBrk="0" hangingPunct="1">
+            <a:pPr marL="0" marR="0" lvl="0" indent="0" algn="ctr" defTabSz="914363" eaLnBrk="1" fontAlgn="auto" latinLnBrk="0" hangingPunct="1">
               <a:lnSpc>
                 <a:spcPct val="100000"/>
               </a:lnSpc>
@@ -11116,14 +12848,64 @@
                 <a:ea typeface="+mn-ea"/>
                 <a:cs typeface="+mn-cs"/>
               </a:rPr>
-              <a:t>3</a:t>
-            </a:r>
-            <a:endParaRPr kumimoji="0" lang="en-US" b="0" i="0" u="none" strike="noStrike" kern="0" cap="none" spc="0" normalizeH="0" baseline="0" noProof="0" dirty="0">
+              <a:t>4</a:t>
+            </a:r>
+          </a:p>
+        </p:txBody>
+      </p:sp>
+      <p:sp>
+        <p:nvSpPr>
+          <p:cNvPr id="43" name="Right Arrow 42"/>
+          <p:cNvSpPr/>
+          <p:nvPr/>
+        </p:nvSpPr>
+        <p:spPr>
+          <a:xfrm flipV="1">
+            <a:off x="3841754" y="3784019"/>
+            <a:ext cx="1752601" cy="165516"/>
+          </a:xfrm>
+          <a:prstGeom prst="rightArrow">
+            <a:avLst/>
+          </a:prstGeom>
+          <a:solidFill>
+            <a:schemeClr val="accent2"/>
+          </a:solidFill>
+          <a:ln w="0" cap="flat" cmpd="sng" algn="ctr">
+            <a:noFill/>
+            <a:prstDash val="solid"/>
+          </a:ln>
+          <a:effectLst/>
+        </p:spPr>
+        <p:txBody>
+          <a:bodyPr rtlCol="0" anchor="ctr"/>
+          <a:lstStyle/>
+          <a:p>
+            <a:pPr marL="0" marR="0" lvl="0" indent="0" algn="ctr" defTabSz="914363" eaLnBrk="1" fontAlgn="auto" latinLnBrk="0" hangingPunct="1">
+              <a:lnSpc>
+                <a:spcPct val="100000"/>
+              </a:lnSpc>
+              <a:spcBef>
+                <a:spcPts val="0"/>
+              </a:spcBef>
+              <a:spcAft>
+                <a:spcPts val="0"/>
+              </a:spcAft>
+              <a:buClrTx/>
+              <a:buSzTx/>
+              <a:buFontTx/>
+              <a:buNone/>
+              <a:tabLst/>
+              <a:defRPr/>
+            </a:pPr>
+            <a:endParaRPr kumimoji="0" lang="en-US" sz="2000" b="0" i="0" u="none" strike="noStrike" kern="0" cap="none" spc="0" normalizeH="0" baseline="0" noProof="0" smtClean="0">
               <a:ln>
                 <a:noFill/>
               </a:ln>
               <a:solidFill>
-                <a:srgbClr val="FFFFFF"/>
+                <a:srgbClr val="000000">
+                  <a:lumMod val="75000"/>
+                  <a:lumOff val="25000"/>
+                </a:srgbClr>
               </a:solidFill>
               <a:effectLst/>
               <a:uLnTx/>
@@ -11137,13 +12919,77 @@
       </p:sp>
       <p:sp>
         <p:nvSpPr>
-          <p:cNvPr id="15" name="Right Arrow 14"/>
+          <p:cNvPr id="44" name="Dodecagon 43"/>
+          <p:cNvSpPr/>
+          <p:nvPr/>
+        </p:nvSpPr>
+        <p:spPr>
+          <a:xfrm rot="77372">
+            <a:off x="7330808" y="4498350"/>
+            <a:ext cx="406294" cy="228866"/>
+          </a:xfrm>
+          <a:prstGeom prst="dodecagon">
+            <a:avLst/>
+          </a:prstGeom>
+          <a:solidFill>
+            <a:schemeClr val="accent2"/>
+          </a:solidFill>
+          <a:ln w="0" cap="flat" cmpd="sng" algn="ctr">
+            <a:noFill/>
+            <a:prstDash val="solid"/>
+          </a:ln>
+          <a:effectLst/>
+        </p:spPr>
+        <p:txBody>
+          <a:bodyPr rtlCol="0" anchor="ctr"/>
+          <a:lstStyle/>
+          <a:p>
+            <a:pPr marL="0" marR="0" lvl="0" indent="0" algn="ctr" defTabSz="914363" eaLnBrk="1" fontAlgn="auto" latinLnBrk="0" hangingPunct="1">
+              <a:lnSpc>
+                <a:spcPct val="100000"/>
+              </a:lnSpc>
+              <a:spcBef>
+                <a:spcPts val="0"/>
+              </a:spcBef>
+              <a:spcAft>
+                <a:spcPts val="0"/>
+              </a:spcAft>
+              <a:buClrTx/>
+              <a:buSzTx/>
+              <a:buFontTx/>
+              <a:buNone/>
+              <a:tabLst/>
+              <a:defRPr/>
+            </a:pPr>
+            <a:r>
+              <a:rPr kumimoji="0" lang="en-US" b="0" i="0" u="none" strike="noStrike" kern="0" cap="none" spc="0" normalizeH="0" baseline="0" noProof="0" dirty="0" smtClean="0">
+                <a:ln>
+                  <a:noFill/>
+                </a:ln>
+                <a:solidFill>
+                  <a:srgbClr val="FFFFFF"/>
+                </a:solidFill>
+                <a:effectLst/>
+                <a:uLnTx/>
+                <a:uFillTx/>
+                <a:latin typeface="Segoe UI"/>
+                <a:ea typeface="+mn-ea"/>
+                <a:cs typeface="+mn-cs"/>
+              </a:rPr>
+              <a:t>5</a:t>
+            </a:r>
+          </a:p>
+        </p:txBody>
+      </p:sp>
+      <p:sp>
+        <p:nvSpPr>
+          <p:cNvPr id="45" name="Right Arrow 44"/>
           <p:cNvSpPr/>
           <p:nvPr/>
         </p:nvSpPr>
         <p:spPr>
           <a:xfrm rot="5400000" flipV="1">
-            <a:off x="6363495" y="5015568"/>
+            <a:off x="6519071" y="4815542"/>
             <a:ext cx="795746" cy="152400"/>
           </a:xfrm>
           <a:prstGeom prst="rightArrow">
@@ -11162,7 +13008,7 @@
           <a:bodyPr rtlCol="0" anchor="ctr"/>
           <a:lstStyle/>
           <a:p>
-            <a:pPr marL="0" marR="0" lvl="0" indent="0" algn="ctr" defTabSz="914400" eaLnBrk="1" fontAlgn="auto" latinLnBrk="0" hangingPunct="1">
+            <a:pPr marL="0" marR="0" lvl="0" indent="0" algn="ctr" defTabSz="914363" eaLnBrk="1" fontAlgn="auto" latinLnBrk="0" hangingPunct="1">
               <a:lnSpc>
                 <a:spcPct val="100000"/>
               </a:lnSpc>
@@ -11179,7 +13025,7 @@
               <a:tabLst/>
               <a:defRPr/>
             </a:pPr>
-            <a:endParaRPr kumimoji="0" lang="en-US" b="0" i="0" u="none" strike="noStrike" kern="0" cap="none" spc="0" normalizeH="0" baseline="0" noProof="0">
+            <a:endParaRPr kumimoji="0" lang="en-US" sz="2000" b="0" i="0" u="none" strike="noStrike" kern="0" cap="none" spc="0" normalizeH="0" baseline="0" noProof="0" smtClean="0">
               <a:ln>
                 <a:noFill/>
               </a:ln>
@@ -11201,13 +13047,13 @@
       </p:sp>
       <p:sp>
         <p:nvSpPr>
-          <p:cNvPr id="16" name="Right Arrow 15"/>
+          <p:cNvPr id="46" name="Right Arrow 45"/>
           <p:cNvSpPr/>
           <p:nvPr/>
         </p:nvSpPr>
         <p:spPr>
           <a:xfrm rot="16200000" flipV="1">
-            <a:off x="6614016" y="4999374"/>
+            <a:off x="6769592" y="4799349"/>
             <a:ext cx="799544" cy="161940"/>
           </a:xfrm>
           <a:prstGeom prst="rightArrow">
@@ -11226,7 +13072,7 @@
           <a:bodyPr rtlCol="0" anchor="ctr"/>
           <a:lstStyle/>
           <a:p>
-            <a:pPr marL="0" marR="0" lvl="0" indent="0" algn="ctr" defTabSz="914400" eaLnBrk="1" fontAlgn="auto" latinLnBrk="0" hangingPunct="1">
+            <a:pPr marL="0" marR="0" lvl="0" indent="0" algn="ctr" defTabSz="914363" eaLnBrk="1" fontAlgn="auto" latinLnBrk="0" hangingPunct="1">
               <a:lnSpc>
                 <a:spcPct val="100000"/>
               </a:lnSpc>
@@ -11243,7 +13089,7 @@
               <a:tabLst/>
               <a:defRPr/>
             </a:pPr>
-            <a:endParaRPr kumimoji="0" lang="en-US" b="0" i="0" u="none" strike="noStrike" kern="0" cap="none" spc="0" normalizeH="0" baseline="0" noProof="0">
+            <a:endParaRPr kumimoji="0" lang="en-US" sz="2000" b="0" i="0" u="none" strike="noStrike" kern="0" cap="none" spc="0" normalizeH="0" baseline="0" noProof="0" smtClean="0">
               <a:ln>
                 <a:noFill/>
               </a:ln>
@@ -11265,13 +13111,13 @@
       </p:sp>
       <p:sp>
         <p:nvSpPr>
-          <p:cNvPr id="17" name="Right Arrow 16"/>
+          <p:cNvPr id="47" name="Right Arrow 46"/>
           <p:cNvSpPr/>
           <p:nvPr/>
         </p:nvSpPr>
         <p:spPr>
           <a:xfrm rot="12681162" flipV="1">
-            <a:off x="3294107" y="2717610"/>
+            <a:off x="3449683" y="2517586"/>
             <a:ext cx="2278135" cy="206795"/>
           </a:xfrm>
           <a:prstGeom prst="rightArrow">
@@ -11290,7 +13136,7 @@
           <a:bodyPr rtlCol="0" anchor="ctr"/>
           <a:lstStyle/>
           <a:p>
-            <a:pPr marL="0" marR="0" lvl="0" indent="0" algn="ctr" defTabSz="914400" eaLnBrk="1" fontAlgn="auto" latinLnBrk="0" hangingPunct="1">
+            <a:pPr marL="0" marR="0" lvl="0" indent="0" algn="ctr" defTabSz="914363" eaLnBrk="1" fontAlgn="auto" latinLnBrk="0" hangingPunct="1">
               <a:lnSpc>
                 <a:spcPct val="100000"/>
               </a:lnSpc>
@@ -11307,7 +13153,7 @@
               <a:tabLst/>
               <a:defRPr/>
             </a:pPr>
-            <a:endParaRPr kumimoji="0" lang="en-US" b="0" i="0" u="none" strike="noStrike" kern="0" cap="none" spc="0" normalizeH="0" baseline="0" noProof="0">
+            <a:endParaRPr kumimoji="0" lang="en-US" sz="2000" b="0" i="0" u="none" strike="noStrike" kern="0" cap="none" spc="0" normalizeH="0" baseline="0" noProof="0" smtClean="0">
               <a:ln>
                 <a:noFill/>
               </a:ln>
@@ -11329,77 +13175,13 @@
       </p:sp>
       <p:sp>
         <p:nvSpPr>
-          <p:cNvPr id="18" name="Dodecagon 17"/>
+          <p:cNvPr id="48" name="Dodecagon 47"/>
           <p:cNvSpPr/>
           <p:nvPr/>
         </p:nvSpPr>
         <p:spPr>
           <a:xfrm rot="77372">
-            <a:off x="4934761" y="2705032"/>
-            <a:ext cx="406294" cy="232237"/>
-          </a:xfrm>
-          <a:prstGeom prst="dodecagon">
-            <a:avLst/>
-          </a:prstGeom>
-          <a:solidFill>
-            <a:schemeClr val="accent2"/>
-          </a:solidFill>
-          <a:ln w="0" cap="flat" cmpd="sng" algn="ctr">
-            <a:noFill/>
-            <a:prstDash val="solid"/>
-          </a:ln>
-          <a:effectLst/>
-        </p:spPr>
-        <p:txBody>
-          <a:bodyPr rtlCol="0" anchor="ctr"/>
-          <a:lstStyle/>
-          <a:p>
-            <a:pPr marL="0" marR="0" lvl="0" indent="0" algn="ctr" defTabSz="914400" eaLnBrk="1" fontAlgn="auto" latinLnBrk="0" hangingPunct="1">
-              <a:lnSpc>
-                <a:spcPct val="100000"/>
-              </a:lnSpc>
-              <a:spcBef>
-                <a:spcPts val="0"/>
-              </a:spcBef>
-              <a:spcAft>
-                <a:spcPts val="0"/>
-              </a:spcAft>
-              <a:buClrTx/>
-              <a:buSzTx/>
-              <a:buFontTx/>
-              <a:buNone/>
-              <a:tabLst/>
-              <a:defRPr/>
-            </a:pPr>
-            <a:r>
-              <a:rPr kumimoji="0" lang="en-US" b="0" i="0" u="none" strike="noStrike" kern="0" cap="none" spc="0" normalizeH="0" baseline="0" noProof="0" dirty="0">
-                <a:ln>
-                  <a:noFill/>
-                </a:ln>
-                <a:solidFill>
-                  <a:srgbClr val="FFFFFF"/>
-                </a:solidFill>
-                <a:effectLst/>
-                <a:uLnTx/>
-                <a:uFillTx/>
-                <a:latin typeface="Segoe UI"/>
-                <a:ea typeface="+mn-ea"/>
-                <a:cs typeface="+mn-cs"/>
-              </a:rPr>
-              <a:t>3</a:t>
-            </a:r>
-          </a:p>
-        </p:txBody>
-      </p:sp>
-      <p:sp>
-        <p:nvSpPr>
-          <p:cNvPr id="19" name="Dodecagon 18"/>
-          <p:cNvSpPr/>
-          <p:nvPr/>
-        </p:nvSpPr>
-        <p:spPr>
-          <a:xfrm rot="77372">
-            <a:off x="1272207" y="2132806"/>
+            <a:off x="5119988" y="2609404"/>
             <a:ext cx="406294" cy="228866"/>
           </a:xfrm>
           <a:prstGeom prst="dodecagon">
@@ -11418,7 +13200,7 @@
           <a:bodyPr rtlCol="0" anchor="ctr"/>
           <a:lstStyle/>
           <a:p>
-            <a:pPr marL="0" marR="0" lvl="0" indent="0" algn="ctr" defTabSz="914400" eaLnBrk="1" fontAlgn="auto" latinLnBrk="0" hangingPunct="1">
+            <a:pPr marL="0" marR="0" lvl="0" indent="0" algn="ctr" defTabSz="914363" eaLnBrk="1" fontAlgn="auto" latinLnBrk="0" hangingPunct="1">
               <a:lnSpc>
                 <a:spcPct val="100000"/>
               </a:lnSpc>
@@ -11436,7 +13218,7 @@
               <a:defRPr/>
             </a:pPr>
             <a:r>
-              <a:rPr kumimoji="0" lang="en-US" b="0" i="0" u="none" strike="noStrike" kern="0" cap="none" spc="0" normalizeH="0" baseline="0" noProof="0" dirty="0" smtClean="0">
+              <a:rPr kumimoji="0" lang="en-US" sz="2000" b="0" i="0" u="none" strike="noStrike" kern="0" cap="none" spc="0" normalizeH="0" baseline="0" noProof="0" dirty="0" smtClean="0">
                 <a:ln>
                   <a:noFill/>
                 </a:ln>
@@ -11450,34 +13232,20 @@
                 <a:ea typeface="+mn-ea"/>
                 <a:cs typeface="+mn-cs"/>
               </a:rPr>
-              <a:t>3</a:t>
-            </a:r>
-            <a:endParaRPr kumimoji="0" lang="en-US" b="0" i="0" u="none" strike="noStrike" kern="0" cap="none" spc="0" normalizeH="0" baseline="0" noProof="0" dirty="0">
-              <a:ln>
-                <a:noFill/>
-              </a:ln>
-              <a:solidFill>
-                <a:srgbClr val="FFFFFF"/>
-              </a:solidFill>
-              <a:effectLst/>
-              <a:uLnTx/>
-              <a:uFillTx/>
-              <a:latin typeface="Segoe UI"/>
-              <a:ea typeface="+mn-ea"/>
-              <a:cs typeface="+mn-cs"/>
-            </a:endParaRPr>
+              <a:t>5</a:t>
+            </a:r>
           </a:p>
         </p:txBody>
       </p:sp>
       <p:sp>
         <p:nvSpPr>
-          <p:cNvPr id="20" name="Dodecagon 19"/>
+          <p:cNvPr id="49" name="Dodecagon 48"/>
           <p:cNvSpPr/>
           <p:nvPr/>
         </p:nvSpPr>
         <p:spPr>
           <a:xfrm rot="77372">
-            <a:off x="7453053" y="3409280"/>
+            <a:off x="1427783" y="1932780"/>
             <a:ext cx="406294" cy="228866"/>
           </a:xfrm>
           <a:prstGeom prst="dodecagon">
@@ -11496,7 +13264,7 @@
           <a:bodyPr rtlCol="0" anchor="ctr"/>
           <a:lstStyle/>
           <a:p>
-            <a:pPr marL="0" marR="0" lvl="0" indent="0" algn="ctr" defTabSz="914400" eaLnBrk="1" fontAlgn="auto" latinLnBrk="0" hangingPunct="1">
+            <a:pPr marL="0" marR="0" lvl="0" indent="0" algn="ctr" defTabSz="914363" eaLnBrk="1" fontAlgn="auto" latinLnBrk="0" hangingPunct="1">
               <a:lnSpc>
                 <a:spcPct val="100000"/>
               </a:lnSpc>
@@ -11528,35 +13296,85 @@
                 <a:ea typeface="+mn-ea"/>
                 <a:cs typeface="+mn-cs"/>
               </a:rPr>
-              <a:t>3</a:t>
-            </a:r>
-            <a:endParaRPr kumimoji="0" lang="en-US" b="0" i="0" u="none" strike="noStrike" kern="0" cap="none" spc="0" normalizeH="0" baseline="0" noProof="0" dirty="0">
-              <a:ln>
-                <a:noFill/>
-              </a:ln>
-              <a:solidFill>
-                <a:srgbClr val="FFFFFF"/>
-              </a:solidFill>
-              <a:effectLst/>
-              <a:uLnTx/>
-              <a:uFillTx/>
-              <a:latin typeface="Segoe UI"/>
-              <a:ea typeface="+mn-ea"/>
-              <a:cs typeface="+mn-cs"/>
-            </a:endParaRPr>
+              <a:t>5</a:t>
+            </a:r>
           </a:p>
         </p:txBody>
       </p:sp>
       <p:sp>
         <p:nvSpPr>
-          <p:cNvPr id="21" name="Right Arrow 20"/>
+          <p:cNvPr id="50" name="Dodecagon 49"/>
+          <p:cNvSpPr/>
+          <p:nvPr/>
+        </p:nvSpPr>
+        <p:spPr>
+          <a:xfrm rot="77372">
+            <a:off x="7608629" y="3209254"/>
+            <a:ext cx="406294" cy="228866"/>
+          </a:xfrm>
+          <a:prstGeom prst="dodecagon">
+            <a:avLst/>
+          </a:prstGeom>
+          <a:solidFill>
+            <a:schemeClr val="accent2"/>
+          </a:solidFill>
+          <a:ln w="0" cap="flat" cmpd="sng" algn="ctr">
+            <a:noFill/>
+            <a:prstDash val="solid"/>
+          </a:ln>
+          <a:effectLst/>
+        </p:spPr>
+        <p:txBody>
+          <a:bodyPr rtlCol="0" anchor="ctr"/>
+          <a:lstStyle/>
+          <a:p>
+            <a:pPr marL="0" marR="0" lvl="0" indent="0" algn="ctr" defTabSz="914363" eaLnBrk="1" fontAlgn="auto" latinLnBrk="0" hangingPunct="1">
+              <a:lnSpc>
+                <a:spcPct val="100000"/>
+              </a:lnSpc>
+              <a:spcBef>
+                <a:spcPts val="0"/>
+              </a:spcBef>
+              <a:spcAft>
+                <a:spcPts val="0"/>
+              </a:spcAft>
+              <a:buClrTx/>
+              <a:buSzTx/>
+              <a:buFontTx/>
+              <a:buNone/>
+              <a:tabLst/>
+              <a:defRPr/>
+            </a:pPr>
+            <a:r>
+              <a:rPr kumimoji="0" lang="en-US" sz="2000" b="0" i="0" u="none" strike="noStrike" kern="0" cap="none" spc="0" normalizeH="0" baseline="0" noProof="0" dirty="0" smtClean="0">
+                <a:ln>
+                  <a:noFill/>
+                </a:ln>
+                <a:solidFill>
+                  <a:srgbClr val="FFFFFF"/>
+                </a:solidFill>
+                <a:effectLst/>
+                <a:uLnTx/>
+                <a:uFillTx/>
+                <a:latin typeface="Segoe UI"/>
+                <a:ea typeface="+mn-ea"/>
+                <a:cs typeface="+mn-cs"/>
+              </a:rPr>
+              <a:t>5</a:t>
+            </a:r>
+          </a:p>
+        </p:txBody>
+      </p:sp>
+      <p:sp>
+        <p:nvSpPr>
+          <p:cNvPr id="51" name="Right Arrow 50"/>
           <p:cNvSpPr/>
           <p:nvPr/>
         </p:nvSpPr>
         <p:spPr>
           <a:xfrm flipV="1">
-            <a:off x="7464184" y="3654246"/>
-            <a:ext cx="398546" cy="161940"/>
+            <a:off x="7619762" y="3454220"/>
+            <a:ext cx="398544" cy="148672"/>
           </a:xfrm>
           <a:prstGeom prst="rightArrow">
             <a:avLst/>
@@ -11574,7 +13392,7 @@
           <a:bodyPr rtlCol="0" anchor="ctr"/>
           <a:lstStyle/>
           <a:p>
-            <a:pPr marL="0" marR="0" lvl="0" indent="0" algn="ctr" defTabSz="914400" eaLnBrk="1" fontAlgn="auto" latinLnBrk="0" hangingPunct="1">
+            <a:pPr marL="0" marR="0" lvl="0" indent="0" algn="ctr" defTabSz="914363" eaLnBrk="1" fontAlgn="auto" latinLnBrk="0" hangingPunct="1">
               <a:lnSpc>
                 <a:spcPct val="100000"/>
               </a:lnSpc>
@@ -11591,7 +13409,7 @@
               <a:tabLst/>
               <a:defRPr/>
             </a:pPr>
-            <a:endParaRPr kumimoji="0" lang="en-US" b="0" i="0" u="none" strike="noStrike" kern="0" cap="none" spc="0" normalizeH="0" baseline="0" noProof="0">
+            <a:endParaRPr kumimoji="0" lang="en-US" sz="2000" b="0" i="0" u="none" strike="noStrike" kern="0" cap="none" spc="0" normalizeH="0" baseline="0" noProof="0" smtClean="0">
               <a:ln>
                 <a:noFill/>
               </a:ln>
@@ -11613,14 +13431,14 @@
       </p:sp>
       <p:sp>
         <p:nvSpPr>
-          <p:cNvPr id="22" name="TextBox 21"/>
+          <p:cNvPr id="52" name="TextBox 51"/>
           <p:cNvSpPr txBox="1"/>
           <p:nvPr/>
         </p:nvSpPr>
         <p:spPr>
           <a:xfrm>
-            <a:off x="9239250" y="1133477"/>
-            <a:ext cx="2949574" cy="830997"/>
+            <a:off x="9394826" y="915765"/>
+            <a:ext cx="2949574" cy="584775"/>
           </a:xfrm>
           <a:prstGeom prst="rect">
             <a:avLst/>
@@ -11633,6 +13451,7 @@
           </a:bodyPr>
           <a:lstStyle/>
           <a:p>
+            <a:pPr defTabSz="914363"/>
             <a:r>
               <a:rPr lang="en-US" sz="1600" spc="-50" dirty="0">
                 <a:gradFill>
@@ -11647,21 +13466,21 @@
                   <a:lin ang="5400000" scaled="0"/>
                 </a:gradFill>
               </a:rPr>
-              <a:t>1. Request for a foo.com arrives on ARR/Load Balancer, which already “familiar” with foo.com </a:t>
+              <a:t>1. Request for a foo.com arrives to ARR/Load Balancer</a:t>
             </a:r>
           </a:p>
         </p:txBody>
       </p:sp>
       <p:sp>
         <p:nvSpPr>
-          <p:cNvPr id="23" name="TextBox 22"/>
+          <p:cNvPr id="53" name="TextBox 52"/>
           <p:cNvSpPr txBox="1"/>
           <p:nvPr/>
         </p:nvSpPr>
         <p:spPr>
           <a:xfrm>
-            <a:off x="9239250" y="2130573"/>
-            <a:ext cx="2949574" cy="830997"/>
+            <a:off x="9394826" y="1572993"/>
+            <a:ext cx="2949574" cy="2062103"/>
           </a:xfrm>
           <a:prstGeom prst="rect">
             <a:avLst/>
@@ -11688,33 +13507,41 @@
                   <a:lin ang="5400000" scaled="0"/>
                 </a:gradFill>
               </a:rPr>
-              <a:t>2. ARR remembers foo.com and route the request to the right web worker(s).</a:t>
-            </a:r>
-          </a:p>
-        </p:txBody>
-      </p:sp>
-      <p:sp>
-        <p:nvSpPr>
-          <p:cNvPr id="24" name="TextBox 23"/>
-          <p:cNvSpPr txBox="1"/>
-          <p:nvPr/>
-        </p:nvSpPr>
-        <p:spPr>
-          <a:xfrm>
-            <a:off x="9239251" y="4069441"/>
-            <a:ext cx="2949574" cy="830997"/>
-          </a:xfrm>
-          <a:prstGeom prst="rect">
-            <a:avLst/>
-          </a:prstGeom>
-          <a:noFill/>
-        </p:spPr>
-        <p:txBody>
-          <a:bodyPr wrap="square" rtlCol="0">
-            <a:spAutoFit/>
-          </a:bodyPr>
-          <a:lstStyle/>
-          <a:p>
+              <a:t>2. ARR gets info from Hosting DB about foo.com and determines which Web Worker (web server(s)) should host the site. </a:t>
+            </a:r>
+          </a:p>
+          <a:p>
+            <a:endParaRPr lang="en-US" sz="1600" spc="-50" dirty="0">
+              <a:gradFill>
+                <a:gsLst>
+                  <a:gs pos="100000">
+                    <a:schemeClr val="tx1"/>
+                  </a:gs>
+                  <a:gs pos="0">
+                    <a:schemeClr val="tx1"/>
+                  </a:gs>
+                </a:gsLst>
+                <a:lin ang="5400000" scaled="0"/>
+              </a:gradFill>
+            </a:endParaRPr>
+          </a:p>
+          <a:p>
+            <a:r>
+              <a:rPr lang="en-US" sz="1600" spc="-50" dirty="0" smtClean="0">
+                <a:gradFill>
+                  <a:gsLst>
+                    <a:gs pos="100000">
+                      <a:schemeClr val="tx1"/>
+                    </a:gs>
+                    <a:gs pos="0">
+                      <a:schemeClr val="tx1"/>
+                    </a:gs>
+                  </a:gsLst>
+                  <a:lin ang="5400000" scaled="0"/>
+                </a:gradFill>
+              </a:rPr>
+              <a:t>(WAWS is </a:t>
+            </a:r>
             <a:r>
               <a:rPr lang="en-US" sz="1600" spc="-50" dirty="0">
                 <a:gradFill>
@@ -11729,21 +13556,21 @@
                   <a:lin ang="5400000" scaled="0"/>
                 </a:gradFill>
               </a:rPr>
-              <a:t>* Subsequent requests to this site get automatically routed to fully provisioned Web Worker. </a:t>
+              <a:t>actively monitoring all Web Servers in the farm..</a:t>
             </a:r>
           </a:p>
         </p:txBody>
       </p:sp>
       <p:sp>
         <p:nvSpPr>
-          <p:cNvPr id="25" name="TextBox 24"/>
+          <p:cNvPr id="54" name="TextBox 53"/>
           <p:cNvSpPr txBox="1"/>
           <p:nvPr/>
         </p:nvSpPr>
         <p:spPr>
           <a:xfrm>
-            <a:off x="9239251" y="3168564"/>
-            <a:ext cx="2949574" cy="830997"/>
+            <a:off x="9394826" y="3655246"/>
+            <a:ext cx="2949574" cy="584775"/>
           </a:xfrm>
           <a:prstGeom prst="rect">
             <a:avLst/>
@@ -11770,7 +13597,108 @@
                   <a:lin ang="5400000" scaled="0"/>
                 </a:gradFill>
               </a:rPr>
-              <a:t>3. Web Worker executes request  accessing site’s content and site’s DB </a:t>
+              <a:t>3. ARR forwards request to the designated web Worker using</a:t>
+            </a:r>
+          </a:p>
+        </p:txBody>
+      </p:sp>
+      <p:sp>
+        <p:nvSpPr>
+          <p:cNvPr id="55" name="TextBox 54"/>
+          <p:cNvSpPr txBox="1"/>
+          <p:nvPr/>
+        </p:nvSpPr>
+        <p:spPr>
+          <a:xfrm>
+            <a:off x="9394826" y="4420967"/>
+            <a:ext cx="2949574" cy="584775"/>
+          </a:xfrm>
+          <a:prstGeom prst="rect">
+            <a:avLst/>
+          </a:prstGeom>
+          <a:noFill/>
+        </p:spPr>
+        <p:txBody>
+          <a:bodyPr wrap="square" rtlCol="0">
+            <a:spAutoFit/>
+          </a:bodyPr>
+          <a:lstStyle/>
+          <a:p>
+            <a:r>
+              <a:rPr lang="en-US" sz="1600" spc="-50" dirty="0">
+                <a:gradFill>
+                  <a:gsLst>
+                    <a:gs pos="100000">
+                      <a:schemeClr val="tx1"/>
+                    </a:gs>
+                    <a:gs pos="0">
+                      <a:schemeClr val="tx1"/>
+                    </a:gs>
+                  </a:gsLst>
+                  <a:lin ang="5400000" scaled="0"/>
+                </a:gradFill>
+              </a:rPr>
+              <a:t>4. Web Worker provisions site</a:t>
+            </a:r>
+          </a:p>
+          <a:p>
+            <a:r>
+              <a:rPr lang="en-US" sz="1600" spc="-50" dirty="0">
+                <a:gradFill>
+                  <a:gsLst>
+                    <a:gs pos="100000">
+                      <a:schemeClr val="tx1"/>
+                    </a:gs>
+                    <a:gs pos="0">
+                      <a:schemeClr val="tx1"/>
+                    </a:gs>
+                  </a:gsLst>
+                  <a:lin ang="5400000" scaled="0"/>
+                </a:gradFill>
+              </a:rPr>
+              <a:t> * de-provision inactive sites</a:t>
+            </a:r>
+          </a:p>
+        </p:txBody>
+      </p:sp>
+      <p:sp>
+        <p:nvSpPr>
+          <p:cNvPr id="56" name="TextBox 55"/>
+          <p:cNvSpPr txBox="1"/>
+          <p:nvPr/>
+        </p:nvSpPr>
+        <p:spPr>
+          <a:xfrm>
+            <a:off x="9394826" y="5401913"/>
+            <a:ext cx="2949574" cy="830997"/>
+          </a:xfrm>
+          <a:prstGeom prst="rect">
+            <a:avLst/>
+          </a:prstGeom>
+          <a:noFill/>
+        </p:spPr>
+        <p:txBody>
+          <a:bodyPr wrap="square" rtlCol="0">
+            <a:spAutoFit/>
+          </a:bodyPr>
+          <a:lstStyle/>
+          <a:p>
+            <a:pPr defTabSz="914363"/>
+            <a:r>
+              <a:rPr lang="en-US" sz="1600" spc="-50" dirty="0">
+                <a:gradFill>
+                  <a:gsLst>
+                    <a:gs pos="100000">
+                      <a:schemeClr val="tx1"/>
+                    </a:gs>
+                    <a:gs pos="0">
+                      <a:schemeClr val="tx1"/>
+                    </a:gs>
+                  </a:gsLst>
+                  <a:lin ang="5400000" scaled="0"/>
+                </a:gradFill>
+              </a:rPr>
+              <a:t>5. Web Worker executes request  accessing site’s content and site’s DB </a:t>
             </a:r>
           </a:p>
         </p:txBody>
@@ -11819,7 +13747,7 @@
                                           </p:stCondLst>
                                         </p:cTn>
                                         <p:tgtEl>
-                                          <p:spTgt spid="9"/>
+                                          <p:spTgt spid="33"/>
                                         </p:tgtEl>
                                         <p:attrNameLst>
                                           <p:attrName>style.visibility</p:attrName>
@@ -11833,7 +13761,7 @@
                                       <p:cBhvr>
                                         <p:cTn id="7" dur="500"/>
                                         <p:tgtEl>
-                                          <p:spTgt spid="9"/>
+                                          <p:spTgt spid="33"/>
                                         </p:tgtEl>
                                       </p:cBhvr>
                                     </p:animEffect>
@@ -11854,7 +13782,7 @@
                                           </p:stCondLst>
                                         </p:cTn>
                                         <p:tgtEl>
-                                          <p:spTgt spid="12"/>
+                                          <p:spTgt spid="39"/>
                                         </p:tgtEl>
                                         <p:attrNameLst>
                                           <p:attrName>style.visibility</p:attrName>
@@ -11868,7 +13796,7 @@
                                       <p:cBhvr>
                                         <p:cTn id="10" dur="500"/>
                                         <p:tgtEl>
-                                          <p:spTgt spid="12"/>
+                                          <p:spTgt spid="39"/>
                                         </p:tgtEl>
                                       </p:cBhvr>
                                     </p:animEffect>
@@ -11889,7 +13817,7 @@
                                           </p:stCondLst>
                                         </p:cTn>
                                         <p:tgtEl>
-                                          <p:spTgt spid="6"/>
+                                          <p:spTgt spid="29"/>
                                         </p:tgtEl>
                                         <p:attrNameLst>
                                           <p:attrName>style.visibility</p:attrName>
@@ -11903,7 +13831,7 @@
                                       <p:cBhvr>
                                         <p:cTn id="13" dur="500"/>
                                         <p:tgtEl>
-                                          <p:spTgt spid="6"/>
+                                          <p:spTgt spid="29"/>
                                         </p:tgtEl>
                                       </p:cBhvr>
                                     </p:animEffect>
@@ -11924,7 +13852,7 @@
                                           </p:stCondLst>
                                         </p:cTn>
                                         <p:tgtEl>
-                                          <p:spTgt spid="22"/>
+                                          <p:spTgt spid="52"/>
                                         </p:tgtEl>
                                         <p:attrNameLst>
                                           <p:attrName>style.visibility</p:attrName>
@@ -11969,7 +13897,7 @@
                                           </p:stCondLst>
                                         </p:cTn>
                                         <p:tgtEl>
-                                          <p:spTgt spid="11"/>
+                                          <p:spTgt spid="36"/>
                                         </p:tgtEl>
                                         <p:attrNameLst>
                                           <p:attrName>style.visibility</p:attrName>
@@ -11983,7 +13911,7 @@
                                       <p:cBhvr>
                                         <p:cTn id="20" dur="500"/>
                                         <p:tgtEl>
-                                          <p:spTgt spid="11"/>
+                                          <p:spTgt spid="36"/>
                                         </p:tgtEl>
                                       </p:cBhvr>
                                     </p:animEffect>
@@ -11991,7 +13919,7 @@
                                 </p:cTn>
                               </p:par>
                               <p:par>
-                                <p:cTn id="21" presetID="1" presetClass="entr" presetSubtype="0" fill="hold" grpId="0" nodeType="withEffect">
+                                <p:cTn id="21" presetID="10" presetClass="entr" presetSubtype="0" fill="hold" grpId="0" nodeType="withEffect">
                                   <p:stCondLst>
                                     <p:cond delay="0"/>
                                   </p:stCondLst>
@@ -12004,7 +13932,112 @@
                                           </p:stCondLst>
                                         </p:cTn>
                                         <p:tgtEl>
-                                          <p:spTgt spid="23"/>
+                                          <p:spTgt spid="31"/>
+                                        </p:tgtEl>
+                                        <p:attrNameLst>
+                                          <p:attrName>style.visibility</p:attrName>
+                                        </p:attrNameLst>
+                                      </p:cBhvr>
+                                      <p:to>
+                                        <p:strVal val="visible"/>
+                                      </p:to>
+                                    </p:set>
+                                    <p:animEffect transition="in" filter="fade">
+                                      <p:cBhvr>
+                                        <p:cTn id="23" dur="500"/>
+                                        <p:tgtEl>
+                                          <p:spTgt spid="31"/>
+                                        </p:tgtEl>
+                                      </p:cBhvr>
+                                    </p:animEffect>
+                                  </p:childTnLst>
+                                </p:cTn>
+                              </p:par>
+                              <p:par>
+                                <p:cTn id="24" presetID="10" presetClass="entr" presetSubtype="0" fill="hold" grpId="0" nodeType="withEffect">
+                                  <p:stCondLst>
+                                    <p:cond delay="0"/>
+                                  </p:stCondLst>
+                                  <p:childTnLst>
+                                    <p:set>
+                                      <p:cBhvr>
+                                        <p:cTn id="25" dur="1" fill="hold">
+                                          <p:stCondLst>
+                                            <p:cond delay="0"/>
+                                          </p:stCondLst>
+                                        </p:cTn>
+                                        <p:tgtEl>
+                                          <p:spTgt spid="34"/>
+                                        </p:tgtEl>
+                                        <p:attrNameLst>
+                                          <p:attrName>style.visibility</p:attrName>
+                                        </p:attrNameLst>
+                                      </p:cBhvr>
+                                      <p:to>
+                                        <p:strVal val="visible"/>
+                                      </p:to>
+                                    </p:set>
+                                    <p:animEffect transition="in" filter="fade">
+                                      <p:cBhvr>
+                                        <p:cTn id="26" dur="500"/>
+                                        <p:tgtEl>
+                                          <p:spTgt spid="34"/>
+                                        </p:tgtEl>
+                                      </p:cBhvr>
+                                    </p:animEffect>
+                                  </p:childTnLst>
+                                </p:cTn>
+                              </p:par>
+                              <p:par>
+                                <p:cTn id="27" presetID="10" presetClass="entr" presetSubtype="0" fill="hold" grpId="0" nodeType="withEffect">
+                                  <p:stCondLst>
+                                    <p:cond delay="0"/>
+                                  </p:stCondLst>
+                                  <p:childTnLst>
+                                    <p:set>
+                                      <p:cBhvr>
+                                        <p:cTn id="28" dur="1" fill="hold">
+                                          <p:stCondLst>
+                                            <p:cond delay="0"/>
+                                          </p:stCondLst>
+                                        </p:cTn>
+                                        <p:tgtEl>
+                                          <p:spTgt spid="27"/>
+                                        </p:tgtEl>
+                                        <p:attrNameLst>
+                                          <p:attrName>style.visibility</p:attrName>
+                                        </p:attrNameLst>
+                                      </p:cBhvr>
+                                      <p:to>
+                                        <p:strVal val="visible"/>
+                                      </p:to>
+                                    </p:set>
+                                    <p:animEffect transition="in" filter="fade">
+                                      <p:cBhvr>
+                                        <p:cTn id="29" dur="500"/>
+                                        <p:tgtEl>
+                                          <p:spTgt spid="27"/>
+                                        </p:tgtEl>
+                                      </p:cBhvr>
+                                    </p:animEffect>
+                                  </p:childTnLst>
+                                </p:cTn>
+                              </p:par>
+                              <p:par>
+                                <p:cTn id="30" presetID="1" presetClass="entr" presetSubtype="0" fill="hold" grpId="0" nodeType="withEffect">
+                                  <p:stCondLst>
+                                    <p:cond delay="0"/>
+                                  </p:stCondLst>
+                                  <p:childTnLst>
+                                    <p:set>
+                                      <p:cBhvr>
+                                        <p:cTn id="31" dur="1" fill="hold">
+                                          <p:stCondLst>
+                                            <p:cond delay="0"/>
+                                          </p:stCondLst>
+                                        </p:cTn>
+                                        <p:tgtEl>
+                                          <p:spTgt spid="53"/>
                                         </p:tgtEl>
                                         <p:attrNameLst>
                                           <p:attrName>style.visibility</p:attrName>
@@ -12017,76 +14050,6 @@
                                   </p:childTnLst>
                                 </p:cTn>
                               </p:par>
-                              <p:par>
-                                <p:cTn id="23" presetID="10" presetClass="entr" presetSubtype="0" fill="hold" grpId="0" nodeType="withEffect">
-                                  <p:stCondLst>
-                                    <p:cond delay="0"/>
-                                  </p:stCondLst>
-                                  <p:childTnLst>
-                                    <p:set>
-                                      <p:cBhvr>
-                                        <p:cTn id="24" dur="1" fill="hold">
-                                          <p:stCondLst>
-                                            <p:cond delay="0"/>
-                                          </p:stCondLst>
-                                        </p:cTn>
-                                        <p:tgtEl>
-                                          <p:spTgt spid="10"/>
-                                        </p:tgtEl>
-                                        <p:attrNameLst>
-                                          <p:attrName>style.visibility</p:attrName>
-                                        </p:attrNameLst>
-                                      </p:cBhvr>
-                                      <p:to>
-                                        <p:strVal val="visible"/>
-                                      </p:to>
-                                    </p:set>
-                                    <p:animEffect transition="in" filter="fade">
-                                      <p:cBhvr>
-                                        <p:cTn id="25" dur="500"/>
-                                        <p:tgtEl>
-                                          <p:spTgt spid="10"/>
-                                        </p:tgtEl>
-                                      </p:cBhvr>
-                                    </p:animEffect>
-                                  </p:childTnLst>
-                                </p:cTn>
-                              </p:par>
-                              <p:par>
-                                <p:cTn id="26" presetID="10" presetClass="entr" presetSubtype="0" fill="hold" grpId="0" nodeType="withEffect">
-                                  <p:stCondLst>
-                                    <p:cond delay="0"/>
-                                  </p:stCondLst>
-                                  <p:childTnLst>
-                                    <p:set>
-                                      <p:cBhvr>
-                                        <p:cTn id="27" dur="1" fill="hold">
-                                          <p:stCondLst>
-                                            <p:cond delay="0"/>
-                                          </p:stCondLst>
-                                        </p:cTn>
-                                        <p:tgtEl>
-                                          <p:spTgt spid="7"/>
-                                        </p:tgtEl>
-                                        <p:attrNameLst>
-                                          <p:attrName>style.visibility</p:attrName>
-                                        </p:attrNameLst>
-                                      </p:cBhvr>
-                                      <p:to>
-                                        <p:strVal val="visible"/>
-                                      </p:to>
-                                    </p:set>
-                                    <p:animEffect transition="in" filter="fade">
-                                      <p:cBhvr>
-                                        <p:cTn id="28" dur="500"/>
-                                        <p:tgtEl>
-                                          <p:spTgt spid="7"/>
-                                        </p:tgtEl>
-                                      </p:cBhvr>
-                                    </p:animEffect>
-                                  </p:childTnLst>
-                                </p:cTn>
-                              </p:par>
                             </p:childTnLst>
                           </p:cTn>
                         </p:par>
@@ -12094,54 +14057,19 @@
                     </p:cTn>
                   </p:par>
                   <p:par>
-                    <p:cTn id="29" fill="hold">
+                    <p:cTn id="32" fill="hold">
                       <p:stCondLst>
                         <p:cond delay="indefinite"/>
                       </p:stCondLst>
                       <p:childTnLst>
                         <p:par>
-                          <p:cTn id="30" fill="hold">
+                          <p:cTn id="33" fill="hold">
                             <p:stCondLst>
                               <p:cond delay="0"/>
                             </p:stCondLst>
                             <p:childTnLst>
                               <p:par>
-                                <p:cTn id="31" presetID="10" presetClass="entr" presetSubtype="0" fill="hold" grpId="0" nodeType="clickEffect">
-                                  <p:stCondLst>
-                                    <p:cond delay="0"/>
-                                  </p:stCondLst>
-                                  <p:childTnLst>
-                                    <p:set>
-                                      <p:cBhvr>
-                                        <p:cTn id="32" dur="1" fill="hold">
-                                          <p:stCondLst>
-                                            <p:cond delay="0"/>
-                                          </p:stCondLst>
-                                        </p:cTn>
-                                        <p:tgtEl>
-                                          <p:spTgt spid="14"/>
-                                        </p:tgtEl>
-                                        <p:attrNameLst>
-                                          <p:attrName>style.visibility</p:attrName>
-                                        </p:attrNameLst>
-                                      </p:cBhvr>
-                                      <p:to>
-                                        <p:strVal val="visible"/>
-                                      </p:to>
-                                    </p:set>
-                                    <p:animEffect transition="in" filter="fade">
-                                      <p:cBhvr>
-                                        <p:cTn id="33" dur="500"/>
-                                        <p:tgtEl>
-                                          <p:spTgt spid="14"/>
-                                        </p:tgtEl>
-                                      </p:cBhvr>
-                                    </p:animEffect>
-                                  </p:childTnLst>
-                                </p:cTn>
-                              </p:par>
-                              <p:par>
-                                <p:cTn id="34" presetID="10" presetClass="entr" presetSubtype="0" fill="hold" grpId="0" nodeType="withEffect">
+                                <p:cTn id="34" presetID="10" presetClass="entr" presetSubtype="0" fill="hold" grpId="0" nodeType="clickEffect">
                                   <p:stCondLst>
                                     <p:cond delay="0"/>
                                   </p:stCondLst>
@@ -12154,7 +14082,7 @@
                                           </p:stCondLst>
                                         </p:cTn>
                                         <p:tgtEl>
-                                          <p:spTgt spid="16"/>
+                                          <p:spTgt spid="38"/>
                                         </p:tgtEl>
                                         <p:attrNameLst>
                                           <p:attrName>style.visibility</p:attrName>
@@ -12168,7 +14096,7 @@
                                       <p:cBhvr>
                                         <p:cTn id="36" dur="500"/>
                                         <p:tgtEl>
-                                          <p:spTgt spid="16"/>
+                                          <p:spTgt spid="38"/>
                                         </p:tgtEl>
                                       </p:cBhvr>
                                     </p:animEffect>
@@ -12189,7 +14117,7 @@
                                           </p:stCondLst>
                                         </p:cTn>
                                         <p:tgtEl>
-                                          <p:spTgt spid="15"/>
+                                          <p:spTgt spid="35"/>
                                         </p:tgtEl>
                                         <p:attrNameLst>
                                           <p:attrName>style.visibility</p:attrName>
@@ -12203,7 +14131,7 @@
                                       <p:cBhvr>
                                         <p:cTn id="39" dur="500"/>
                                         <p:tgtEl>
-                                          <p:spTgt spid="15"/>
+                                          <p:spTgt spid="35"/>
                                         </p:tgtEl>
                                       </p:cBhvr>
                                     </p:animEffect>
@@ -12224,7 +14152,7 @@
                                           </p:stCondLst>
                                         </p:cTn>
                                         <p:tgtEl>
-                                          <p:spTgt spid="5"/>
+                                          <p:spTgt spid="37"/>
                                         </p:tgtEl>
                                         <p:attrNameLst>
                                           <p:attrName>style.visibility</p:attrName>
@@ -12238,7 +14166,7 @@
                                       <p:cBhvr>
                                         <p:cTn id="42" dur="500"/>
                                         <p:tgtEl>
-                                          <p:spTgt spid="5"/>
+                                          <p:spTgt spid="37"/>
                                         </p:tgtEl>
                                       </p:cBhvr>
                                     </p:animEffect>
@@ -12259,7 +14187,7 @@
                                           </p:stCondLst>
                                         </p:cTn>
                                         <p:tgtEl>
-                                          <p:spTgt spid="20"/>
+                                          <p:spTgt spid="30"/>
                                         </p:tgtEl>
                                         <p:attrNameLst>
                                           <p:attrName>style.visibility</p:attrName>
@@ -12273,7 +14201,7 @@
                                       <p:cBhvr>
                                         <p:cTn id="45" dur="500"/>
                                         <p:tgtEl>
-                                          <p:spTgt spid="20"/>
+                                          <p:spTgt spid="30"/>
                                         </p:tgtEl>
                                       </p:cBhvr>
                                     </p:animEffect>
@@ -12281,7 +14209,7 @@
                                 </p:cTn>
                               </p:par>
                               <p:par>
-                                <p:cTn id="46" presetID="10" presetClass="entr" presetSubtype="0" fill="hold" grpId="0" nodeType="withEffect">
+                                <p:cTn id="46" presetID="1" presetClass="entr" presetSubtype="0" fill="hold" grpId="0" nodeType="withEffect">
                                   <p:stCondLst>
                                     <p:cond delay="0"/>
                                   </p:stCondLst>
@@ -12294,7 +14222,52 @@
                                           </p:stCondLst>
                                         </p:cTn>
                                         <p:tgtEl>
-                                          <p:spTgt spid="21"/>
+                                          <p:spTgt spid="54"/>
+                                        </p:tgtEl>
+                                        <p:attrNameLst>
+                                          <p:attrName>style.visibility</p:attrName>
+                                        </p:attrNameLst>
+                                      </p:cBhvr>
+                                      <p:to>
+                                        <p:strVal val="visible"/>
+                                      </p:to>
+                                    </p:set>
+                                  </p:childTnLst>
+                                </p:cTn>
+                              </p:par>
+                            </p:childTnLst>
+                          </p:cTn>
+                        </p:par>
+                      </p:childTnLst>
+                    </p:cTn>
+                  </p:par>
+                  <p:par>
+                    <p:cTn id="48" fill="hold">
+                      <p:stCondLst>
+                        <p:cond delay="indefinite"/>
+                      </p:stCondLst>
+                      <p:childTnLst>
+                        <p:par>
+                          <p:cTn id="49" fill="hold">
+                            <p:stCondLst>
+                              <p:cond delay="0"/>
+                            </p:stCondLst>
+                            <p:childTnLst>
+                              <p:par>
+                                <p:cTn id="50" presetID="10" presetClass="entr" presetSubtype="0" fill="hold" grpId="0" nodeType="clickEffect">
+                                  <p:stCondLst>
+                                    <p:cond delay="0"/>
+                                  </p:stCondLst>
+                                  <p:childTnLst>
+                                    <p:set>
+                                      <p:cBhvr>
+                                        <p:cTn id="51" dur="1" fill="hold">
+                                          <p:stCondLst>
+                                            <p:cond delay="0"/>
+                                          </p:stCondLst>
+                                        </p:cTn>
+                                        <p:tgtEl>
+                                          <p:spTgt spid="42"/>
                                         </p:tgtEl>
                                         <p:attrNameLst>
                                           <p:attrName>style.visibility</p:attrName>
@@ -12306,9 +14279,9 @@
                                     </p:set>
                                     <p:animEffect transition="in" filter="fade">
                                       <p:cBhvr>
-                                        <p:cTn id="48" dur="500"/>
+                                        <p:cTn id="52" dur="500"/>
                                         <p:tgtEl>
-                                          <p:spTgt spid="21"/>
+                                          <p:spTgt spid="42"/>
                                         </p:tgtEl>
                                       </p:cBhvr>
                                     </p:animEffect>
@@ -12316,20 +14289,20 @@
                                 </p:cTn>
                               </p:par>
                               <p:par>
-                                <p:cTn id="49" presetID="10" presetClass="entr" presetSubtype="0" fill="hold" grpId="0" nodeType="withEffect">
+                                <p:cTn id="53" presetID="10" presetClass="entr" presetSubtype="0" fill="hold" grpId="0" nodeType="withEffect">
                                   <p:stCondLst>
                                     <p:cond delay="0"/>
                                   </p:stCondLst>
                                   <p:childTnLst>
                                     <p:set>
                                       <p:cBhvr>
-                                        <p:cTn id="50" dur="1" fill="hold">
+                                        <p:cTn id="54" dur="1" fill="hold">
                                           <p:stCondLst>
                                             <p:cond delay="0"/>
                                           </p:stCondLst>
                                         </p:cTn>
                                         <p:tgtEl>
-                                          <p:spTgt spid="8"/>
+                                          <p:spTgt spid="41"/>
                                         </p:tgtEl>
                                         <p:attrNameLst>
                                           <p:attrName>style.visibility</p:attrName>
@@ -12341,9 +14314,370 @@
                                     </p:set>
                                     <p:animEffect transition="in" filter="fade">
                                       <p:cBhvr>
-                                        <p:cTn id="51" dur="500"/>
+                                        <p:cTn id="55" dur="500"/>
                                         <p:tgtEl>
-                                          <p:spTgt spid="8"/>
+                                          <p:spTgt spid="41"/>
+                                        </p:tgtEl>
+                                      </p:cBhvr>
+                                    </p:animEffect>
+                                  </p:childTnLst>
+                                </p:cTn>
+                              </p:par>
+                              <p:par>
+                                <p:cTn id="56" presetID="10" presetClass="entr" presetSubtype="0" fill="hold" grpId="0" nodeType="withEffect">
+                                  <p:stCondLst>
+                                    <p:cond delay="0"/>
+                                  </p:stCondLst>
+                                  <p:childTnLst>
+                                    <p:set>
+                                      <p:cBhvr>
+                                        <p:cTn id="57" dur="1" fill="hold">
+                                          <p:stCondLst>
+                                            <p:cond delay="0"/>
+                                          </p:stCondLst>
+                                        </p:cTn>
+                                        <p:tgtEl>
+                                          <p:spTgt spid="43"/>
+                                        </p:tgtEl>
+                                        <p:attrNameLst>
+                                          <p:attrName>style.visibility</p:attrName>
+                                        </p:attrNameLst>
+                                      </p:cBhvr>
+                                      <p:to>
+                                        <p:strVal val="visible"/>
+                                      </p:to>
+                                    </p:set>
+                                    <p:animEffect transition="in" filter="fade">
+                                      <p:cBhvr>
+                                        <p:cTn id="58" dur="500"/>
+                                        <p:tgtEl>
+                                          <p:spTgt spid="43"/>
+                                        </p:tgtEl>
+                                      </p:cBhvr>
+                                    </p:animEffect>
+                                  </p:childTnLst>
+                                </p:cTn>
+                              </p:par>
+                              <p:par>
+                                <p:cTn id="59" presetID="1" presetClass="entr" presetSubtype="0" fill="hold" grpId="0" nodeType="withEffect">
+                                  <p:stCondLst>
+                                    <p:cond delay="0"/>
+                                  </p:stCondLst>
+                                  <p:childTnLst>
+                                    <p:set>
+                                      <p:cBhvr>
+                                        <p:cTn id="60" dur="1" fill="hold">
+                                          <p:stCondLst>
+                                            <p:cond delay="0"/>
+                                          </p:stCondLst>
+                                        </p:cTn>
+                                        <p:tgtEl>
+                                          <p:spTgt spid="55"/>
+                                        </p:tgtEl>
+                                        <p:attrNameLst>
+                                          <p:attrName>style.visibility</p:attrName>
+                                        </p:attrNameLst>
+                                      </p:cBhvr>
+                                      <p:to>
+                                        <p:strVal val="visible"/>
+                                      </p:to>
+                                    </p:set>
+                                  </p:childTnLst>
+                                </p:cTn>
+                              </p:par>
+                            </p:childTnLst>
+                          </p:cTn>
+                        </p:par>
+                      </p:childTnLst>
+                    </p:cTn>
+                  </p:par>
+                  <p:par>
+                    <p:cTn id="61" fill="hold">
+                      <p:stCondLst>
+                        <p:cond delay="indefinite"/>
+                      </p:stCondLst>
+                      <p:childTnLst>
+                        <p:par>
+                          <p:cTn id="62" fill="hold">
+                            <p:stCondLst>
+                              <p:cond delay="0"/>
+                            </p:stCondLst>
+                            <p:childTnLst>
+                              <p:par>
+                                <p:cTn id="63" presetID="10" presetClass="entr" presetSubtype="0" fill="hold" grpId="0" nodeType="clickEffect">
+                                  <p:stCondLst>
+                                    <p:cond delay="0"/>
+                                  </p:stCondLst>
+                                  <p:childTnLst>
+                                    <p:set>
+                                      <p:cBhvr>
+                                        <p:cTn id="64" dur="1" fill="hold">
+                                          <p:stCondLst>
+                                            <p:cond delay="0"/>
+                                          </p:stCondLst>
+                                        </p:cTn>
+                                        <p:tgtEl>
+                                          <p:spTgt spid="44"/>
+                                        </p:tgtEl>
+                                        <p:attrNameLst>
+                                          <p:attrName>style.visibility</p:attrName>
+                                        </p:attrNameLst>
+                                      </p:cBhvr>
+                                      <p:to>
+                                        <p:strVal val="visible"/>
+                                      </p:to>
+                                    </p:set>
+                                    <p:animEffect transition="in" filter="fade">
+                                      <p:cBhvr>
+                                        <p:cTn id="65" dur="500"/>
+                                        <p:tgtEl>
+                                          <p:spTgt spid="44"/>
+                                        </p:tgtEl>
+                                      </p:cBhvr>
+                                    </p:animEffect>
+                                  </p:childTnLst>
+                                </p:cTn>
+                              </p:par>
+                              <p:par>
+                                <p:cTn id="66" presetID="10" presetClass="entr" presetSubtype="0" fill="hold" grpId="0" nodeType="withEffect">
+                                  <p:stCondLst>
+                                    <p:cond delay="0"/>
+                                  </p:stCondLst>
+                                  <p:childTnLst>
+                                    <p:set>
+                                      <p:cBhvr>
+                                        <p:cTn id="67" dur="1" fill="hold">
+                                          <p:stCondLst>
+                                            <p:cond delay="0"/>
+                                          </p:stCondLst>
+                                        </p:cTn>
+                                        <p:tgtEl>
+                                          <p:spTgt spid="46"/>
+                                        </p:tgtEl>
+                                        <p:attrNameLst>
+                                          <p:attrName>style.visibility</p:attrName>
+                                        </p:attrNameLst>
+                                      </p:cBhvr>
+                                      <p:to>
+                                        <p:strVal val="visible"/>
+                                      </p:to>
+                                    </p:set>
+                                    <p:animEffect transition="in" filter="fade">
+                                      <p:cBhvr>
+                                        <p:cTn id="68" dur="500"/>
+                                        <p:tgtEl>
+                                          <p:spTgt spid="46"/>
+                                        </p:tgtEl>
+                                      </p:cBhvr>
+                                    </p:animEffect>
+                                  </p:childTnLst>
+                                </p:cTn>
+                              </p:par>
+                              <p:par>
+                                <p:cTn id="69" presetID="10" presetClass="entr" presetSubtype="0" fill="hold" grpId="0" nodeType="withEffect">
+                                  <p:stCondLst>
+                                    <p:cond delay="0"/>
+                                  </p:stCondLst>
+                                  <p:childTnLst>
+                                    <p:set>
+                                      <p:cBhvr>
+                                        <p:cTn id="70" dur="1" fill="hold">
+                                          <p:stCondLst>
+                                            <p:cond delay="0"/>
+                                          </p:stCondLst>
+                                        </p:cTn>
+                                        <p:tgtEl>
+                                          <p:spTgt spid="45"/>
+                                        </p:tgtEl>
+                                        <p:attrNameLst>
+                                          <p:attrName>style.visibility</p:attrName>
+                                        </p:attrNameLst>
+                                      </p:cBhvr>
+                                      <p:to>
+                                        <p:strVal val="visible"/>
+                                      </p:to>
+                                    </p:set>
+                                    <p:animEffect transition="in" filter="fade">
+                                      <p:cBhvr>
+                                        <p:cTn id="71" dur="500"/>
+                                        <p:tgtEl>
+                                          <p:spTgt spid="45"/>
+                                        </p:tgtEl>
+                                      </p:cBhvr>
+                                    </p:animEffect>
+                                  </p:childTnLst>
+                                </p:cTn>
+                              </p:par>
+                              <p:par>
+                                <p:cTn id="72" presetID="10" presetClass="entr" presetSubtype="0" fill="hold" grpId="0" nodeType="withEffect">
+                                  <p:stCondLst>
+                                    <p:cond delay="0"/>
+                                  </p:stCondLst>
+                                  <p:childTnLst>
+                                    <p:set>
+                                      <p:cBhvr>
+                                        <p:cTn id="73" dur="1" fill="hold">
+                                          <p:stCondLst>
+                                            <p:cond delay="0"/>
+                                          </p:stCondLst>
+                                        </p:cTn>
+                                        <p:tgtEl>
+                                          <p:spTgt spid="28"/>
+                                        </p:tgtEl>
+                                        <p:attrNameLst>
+                                          <p:attrName>style.visibility</p:attrName>
+                                        </p:attrNameLst>
+                                      </p:cBhvr>
+                                      <p:to>
+                                        <p:strVal val="visible"/>
+                                      </p:to>
+                                    </p:set>
+                                    <p:animEffect transition="in" filter="fade">
+                                      <p:cBhvr>
+                                        <p:cTn id="74" dur="500"/>
+                                        <p:tgtEl>
+                                          <p:spTgt spid="28"/>
+                                        </p:tgtEl>
+                                      </p:cBhvr>
+                                    </p:animEffect>
+                                  </p:childTnLst>
+                                </p:cTn>
+                              </p:par>
+                              <p:par>
+                                <p:cTn id="75" presetID="1" presetClass="entr" presetSubtype="0" fill="hold" grpId="0" nodeType="withEffect">
+                                  <p:stCondLst>
+                                    <p:cond delay="0"/>
+                                  </p:stCondLst>
+                                  <p:childTnLst>
+                                    <p:set>
+                                      <p:cBhvr>
+                                        <p:cTn id="76" dur="1" fill="hold">
+                                          <p:stCondLst>
+                                            <p:cond delay="0"/>
+                                          </p:stCondLst>
+                                        </p:cTn>
+                                        <p:tgtEl>
+                                          <p:spTgt spid="56"/>
+                                        </p:tgtEl>
+                                        <p:attrNameLst>
+                                          <p:attrName>style.visibility</p:attrName>
+                                        </p:attrNameLst>
+                                      </p:cBhvr>
+                                      <p:to>
+                                        <p:strVal val="visible"/>
+                                      </p:to>
+                                    </p:set>
+                                  </p:childTnLst>
+                                </p:cTn>
+                              </p:par>
+                            </p:childTnLst>
+                          </p:cTn>
+                        </p:par>
+                        <p:par>
+                          <p:cTn id="77" fill="hold">
+                            <p:stCondLst>
+                              <p:cond delay="500"/>
+                            </p:stCondLst>
+                            <p:childTnLst>
+                              <p:par>
+                                <p:cTn id="78" presetID="10" presetClass="entr" presetSubtype="0" fill="hold" grpId="0" nodeType="afterEffect">
+                                  <p:stCondLst>
+                                    <p:cond delay="0"/>
+                                  </p:stCondLst>
+                                  <p:childTnLst>
+                                    <p:set>
+                                      <p:cBhvr>
+                                        <p:cTn id="79" dur="1" fill="hold">
+                                          <p:stCondLst>
+                                            <p:cond delay="0"/>
+                                          </p:stCondLst>
+                                        </p:cTn>
+                                        <p:tgtEl>
+                                          <p:spTgt spid="50"/>
+                                        </p:tgtEl>
+                                        <p:attrNameLst>
+                                          <p:attrName>style.visibility</p:attrName>
+                                        </p:attrNameLst>
+                                      </p:cBhvr>
+                                      <p:to>
+                                        <p:strVal val="visible"/>
+                                      </p:to>
+                                    </p:set>
+                                    <p:animEffect transition="in" filter="fade">
+                                      <p:cBhvr>
+                                        <p:cTn id="80" dur="500"/>
+                                        <p:tgtEl>
+                                          <p:spTgt spid="50"/>
+                                        </p:tgtEl>
+                                      </p:cBhvr>
+                                    </p:animEffect>
+                                  </p:childTnLst>
+                                </p:cTn>
+                              </p:par>
+                              <p:par>
+                                <p:cTn id="81" presetID="10" presetClass="entr" presetSubtype="0" fill="hold" grpId="0" nodeType="withEffect">
+                                  <p:stCondLst>
+                                    <p:cond delay="0"/>
+                                  </p:stCondLst>
+                                  <p:childTnLst>
+                                    <p:set>
+                                      <p:cBhvr>
+                                        <p:cTn id="82" dur="1" fill="hold">
+                                          <p:stCondLst>
+                                            <p:cond delay="0"/>
+                                          </p:stCondLst>
+                                        </p:cTn>
+                                        <p:tgtEl>
+                                          <p:spTgt spid="51"/>
+                                        </p:tgtEl>
+                                        <p:attrNameLst>
+                                          <p:attrName>style.visibility</p:attrName>
+                                        </p:attrNameLst>
+                                      </p:cBhvr>
+                                      <p:to>
+                                        <p:strVal val="visible"/>
+                                      </p:to>
+                                    </p:set>
+                                    <p:animEffect transition="in" filter="fade">
+                                      <p:cBhvr>
+                                        <p:cTn id="83" dur="500"/>
+                                        <p:tgtEl>
+                                          <p:spTgt spid="51"/>
+                                        </p:tgtEl>
+                                      </p:cBhvr>
+                                    </p:animEffect>
+                                  </p:childTnLst>
+                                </p:cTn>
+                              </p:par>
+                              <p:par>
+                                <p:cTn id="84" presetID="10" presetClass="entr" presetSubtype="0" fill="hold" grpId="0" nodeType="withEffect">
+                                  <p:stCondLst>
+                                    <p:cond delay="0"/>
+                                  </p:stCondLst>
+                                  <p:childTnLst>
+                                    <p:set>
+                                      <p:cBhvr>
+                                        <p:cTn id="85" dur="1" fill="hold">
+                                          <p:stCondLst>
+                                            <p:cond delay="0"/>
+                                          </p:stCondLst>
+                                        </p:cTn>
+                                        <p:tgtEl>
+                                          <p:spTgt spid="32"/>
+                                        </p:tgtEl>
+                                        <p:attrNameLst>
+                                          <p:attrName>style.visibility</p:attrName>
+                                        </p:attrNameLst>
+                                      </p:cBhvr>
+                                      <p:to>
+                                        <p:strVal val="visible"/>
+                                      </p:to>
+                                    </p:set>
+                                    <p:animEffect transition="in" filter="fade">
+                                      <p:cBhvr>
+                                        <p:cTn id="86" dur="500"/>
+                                        <p:tgtEl>
+                                          <p:spTgt spid="32"/>
                                         </p:tgtEl>
                                       </p:cBhvr>
                                     </p:animEffect>
@@ -12357,32 +14691,32 @@
                     </p:cTn>
                   </p:par>
                   <p:par>
-                    <p:cTn id="52" fill="hold">
+                    <p:cTn id="87" fill="hold">
                       <p:stCondLst>
                         <p:cond delay="indefinite"/>
                       </p:stCondLst>
                       <p:childTnLst>
                         <p:par>
-                          <p:cTn id="53" fill="hold">
+                          <p:cTn id="88" fill="hold">
                             <p:stCondLst>
                               <p:cond delay="0"/>
                             </p:stCondLst>
                             <p:childTnLst>
                               <p:par>
-                                <p:cTn id="54" presetID="10" presetClass="entr" presetSubtype="0" fill="hold" grpId="0" nodeType="clickEffect">
+                                <p:cTn id="89" presetID="10" presetClass="entr" presetSubtype="0" fill="hold" grpId="0" nodeType="clickEffect">
                                   <p:stCondLst>
                                     <p:cond delay="0"/>
                                   </p:stCondLst>
                                   <p:childTnLst>
                                     <p:set>
                                       <p:cBhvr>
-                                        <p:cTn id="55" dur="1" fill="hold">
+                                        <p:cTn id="90" dur="1" fill="hold">
                                           <p:stCondLst>
                                             <p:cond delay="0"/>
                                           </p:stCondLst>
                                         </p:cTn>
                                         <p:tgtEl>
-                                          <p:spTgt spid="17"/>
+                                          <p:spTgt spid="47"/>
                                         </p:tgtEl>
                                         <p:attrNameLst>
                                           <p:attrName>style.visibility</p:attrName>
@@ -12394,9 +14728,9 @@
                                     </p:set>
                                     <p:animEffect transition="in" filter="fade">
                                       <p:cBhvr>
-                                        <p:cTn id="56" dur="500"/>
+                                        <p:cTn id="91" dur="500"/>
                                         <p:tgtEl>
-                                          <p:spTgt spid="17"/>
+                                          <p:spTgt spid="47"/>
                                         </p:tgtEl>
                                       </p:cBhvr>
                                     </p:animEffect>
@@ -12404,20 +14738,20 @@
                                 </p:cTn>
                               </p:par>
                               <p:par>
-                                <p:cTn id="57" presetID="10" presetClass="entr" presetSubtype="0" fill="hold" grpId="0" nodeType="withEffect">
+                                <p:cTn id="92" presetID="10" presetClass="entr" presetSubtype="0" fill="hold" grpId="0" nodeType="withEffect">
                                   <p:stCondLst>
                                     <p:cond delay="0"/>
                                   </p:stCondLst>
                                   <p:childTnLst>
                                     <p:set>
                                       <p:cBhvr>
-                                        <p:cTn id="58" dur="1" fill="hold">
+                                        <p:cTn id="93" dur="1" fill="hold">
                                           <p:stCondLst>
                                             <p:cond delay="0"/>
                                           </p:stCondLst>
                                         </p:cTn>
                                         <p:tgtEl>
-                                          <p:spTgt spid="18"/>
+                                          <p:spTgt spid="48"/>
                                         </p:tgtEl>
                                         <p:attrNameLst>
                                           <p:attrName>style.visibility</p:attrName>
@@ -12429,9 +14763,9 @@
                                     </p:set>
                                     <p:animEffect transition="in" filter="fade">
                                       <p:cBhvr>
-                                        <p:cTn id="59" dur="500"/>
+                                        <p:cTn id="94" dur="500"/>
                                         <p:tgtEl>
-                                          <p:spTgt spid="18"/>
+                                          <p:spTgt spid="48"/>
                                         </p:tgtEl>
                                       </p:cBhvr>
                                     </p:animEffect>
@@ -12445,32 +14779,32 @@
                     </p:cTn>
                   </p:par>
                   <p:par>
-                    <p:cTn id="60" fill="hold">
+                    <p:cTn id="95" fill="hold">
                       <p:stCondLst>
                         <p:cond delay="indefinite"/>
                       </p:stCondLst>
                       <p:childTnLst>
                         <p:par>
-                          <p:cTn id="61" fill="hold">
+                          <p:cTn id="96" fill="hold">
                             <p:stCondLst>
                               <p:cond delay="0"/>
                             </p:stCondLst>
                             <p:childTnLst>
                               <p:par>
-                                <p:cTn id="62" presetID="10" presetClass="entr" presetSubtype="0" fill="hold" grpId="0" nodeType="clickEffect">
+                                <p:cTn id="97" presetID="10" presetClass="entr" presetSubtype="0" fill="hold" grpId="0" nodeType="clickEffect">
                                   <p:stCondLst>
                                     <p:cond delay="0"/>
                                   </p:stCondLst>
                                   <p:childTnLst>
                                     <p:set>
                                       <p:cBhvr>
-                                        <p:cTn id="63" dur="1" fill="hold">
+                                        <p:cTn id="98" dur="1" fill="hold">
                                           <p:stCondLst>
                                             <p:cond delay="0"/>
                                           </p:stCondLst>
                                         </p:cTn>
                                         <p:tgtEl>
-                                          <p:spTgt spid="19"/>
+                                          <p:spTgt spid="49"/>
                                         </p:tgtEl>
                                         <p:attrNameLst>
                                           <p:attrName>style.visibility</p:attrName>
@@ -12482,9 +14816,9 @@
                                     </p:set>
                                     <p:animEffect transition="in" filter="fade">
                                       <p:cBhvr>
-                                        <p:cTn id="64" dur="500"/>
+                                        <p:cTn id="99" dur="500"/>
                                         <p:tgtEl>
-                                          <p:spTgt spid="19"/>
+                                          <p:spTgt spid="49"/>
                                         </p:tgtEl>
                                       </p:cBhvr>
                                     </p:animEffect>
@@ -12492,20 +14826,20 @@
                                 </p:cTn>
                               </p:par>
                               <p:par>
-                                <p:cTn id="65" presetID="10" presetClass="entr" presetSubtype="0" fill="hold" grpId="0" nodeType="withEffect">
+                                <p:cTn id="100" presetID="10" presetClass="entr" presetSubtype="0" fill="hold" grpId="0" nodeType="withEffect">
                                   <p:stCondLst>
                                     <p:cond delay="0"/>
                                   </p:stCondLst>
                                   <p:childTnLst>
                                     <p:set>
                                       <p:cBhvr>
-                                        <p:cTn id="66" dur="1" fill="hold">
+                                        <p:cTn id="101" dur="1" fill="hold">
                                           <p:stCondLst>
                                             <p:cond delay="0"/>
                                           </p:stCondLst>
                                         </p:cTn>
                                         <p:tgtEl>
-                                          <p:spTgt spid="13"/>
+                                          <p:spTgt spid="40"/>
                                         </p:tgtEl>
                                         <p:attrNameLst>
                                           <p:attrName>style.visibility</p:attrName>
@@ -12517,66 +14851,12 @@
                                     </p:set>
                                     <p:animEffect transition="in" filter="fade">
                                       <p:cBhvr>
-                                        <p:cTn id="67" dur="500"/>
+                                        <p:cTn id="102" dur="500"/>
                                         <p:tgtEl>
-                                          <p:spTgt spid="13"/>
+                                          <p:spTgt spid="40"/>
                                         </p:tgtEl>
                                       </p:cBhvr>
                                     </p:animEffect>
-                                  </p:childTnLst>
-                                </p:cTn>
-                              </p:par>
-                              <p:par>
-                                <p:cTn id="68" presetID="1" presetClass="entr" presetSubtype="0" fill="hold" grpId="0" nodeType="withEffect">
-                                  <p:stCondLst>
-                                    <p:cond delay="0"/>
-                                  </p:stCondLst>
-                                  <p:childTnLst>
-                                    <p:set>
-                                      <p:cBhvr>
-                                        <p:cTn id="69" dur="1" fill="hold">
-                                          <p:stCondLst>
-                                            <p:cond delay="0"/>
-                                          </p:stCondLst>
-                                        </p:cTn>
-                                        <p:tgtEl>
-                                          <p:spTgt spid="24"/>
-                                        </p:tgtEl>
-                                        <p:attrNameLst>
-                                          <p:attrName>style.visibility</p:attrName>
-                                        </p:attrNameLst>
-                                      </p:cBhvr>
-                                      <p:to>
-                                        <p:strVal val="visible"/>
-                                      </p:to>
-                                    </p:set>
-                                  </p:childTnLst>
-                                </p:cTn>
-                              </p:par>
-                              <p:par>
-                                <p:cTn id="70" presetID="1" presetClass="entr" presetSubtype="0" fill="hold" grpId="0" nodeType="withEffect">
-                                  <p:stCondLst>
-                                    <p:cond delay="0"/>
-                                  </p:stCondLst>
-                                  <p:childTnLst>
-                                    <p:set>
-                                      <p:cBhvr>
-                                        <p:cTn id="71" dur="1" fill="hold">
-                                          <p:stCondLst>
-                                            <p:cond delay="0"/>
-                                          </p:stCondLst>
-                                        </p:cTn>
-                                        <p:tgtEl>
-                                          <p:spTgt spid="25"/>
-                                        </p:tgtEl>
-                                        <p:attrNameLst>
-                                          <p:attrName>style.visibility</p:attrName>
-                                        </p:attrNameLst>
-                                      </p:cBhvr>
-                                      <p:to>
-                                        <p:strVal val="visible"/>
-                                      </p:to>
-                                    </p:set>
                                   </p:childTnLst>
                                 </p:cTn>
                               </p:par>
@@ -12608,33 +14888,42 @@
       </p:par>
     </p:tnLst>
     <p:bldLst>
-      <p:bldP spid="5" grpId="0" animBg="1"/>
-      <p:bldP spid="6" grpId="0" animBg="1"/>
-      <p:bldP spid="7" grpId="0" animBg="1"/>
-      <p:bldP spid="8" grpId="0" animBg="1"/>
-      <p:bldP spid="9" grpId="0" animBg="1"/>
-      <p:bldP spid="10" grpId="0" animBg="1"/>
-      <p:bldP spid="11" grpId="0" animBg="1"/>
-      <p:bldP spid="12" grpId="0" animBg="1"/>
-      <p:bldP spid="13" grpId="0" animBg="1"/>
-      <p:bldP spid="14" grpId="0" animBg="1"/>
-      <p:bldP spid="15" grpId="0" animBg="1"/>
-      <p:bldP spid="16" grpId="0" animBg="1"/>
-      <p:bldP spid="17" grpId="0" animBg="1"/>
-      <p:bldP spid="18" grpId="0" animBg="1"/>
-      <p:bldP spid="19" grpId="0" animBg="1"/>
-      <p:bldP spid="20" grpId="0" animBg="1"/>
-      <p:bldP spid="21" grpId="0" animBg="1"/>
-      <p:bldP spid="22" grpId="0"/>
-      <p:bldP spid="23" grpId="0"/>
-      <p:bldP spid="24" grpId="0"/>
-      <p:bldP spid="25" grpId="0"/>
+      <p:bldP spid="27" grpId="0" animBg="1"/>
+      <p:bldP spid="28" grpId="0" animBg="1"/>
+      <p:bldP spid="29" grpId="0" animBg="1"/>
+      <p:bldP spid="30" grpId="0" animBg="1"/>
+      <p:bldP spid="31" grpId="0" animBg="1"/>
+      <p:bldP spid="32" grpId="0" animBg="1"/>
+      <p:bldP spid="33" grpId="0" animBg="1"/>
+      <p:bldP spid="34" grpId="0" animBg="1"/>
+      <p:bldP spid="35" grpId="0" animBg="1"/>
+      <p:bldP spid="36" grpId="0" animBg="1"/>
+      <p:bldP spid="37" grpId="0" animBg="1"/>
+      <p:bldP spid="38" grpId="0" animBg="1"/>
+      <p:bldP spid="39" grpId="0" animBg="1"/>
+      <p:bldP spid="40" grpId="0" animBg="1"/>
+      <p:bldP spid="41" grpId="0" animBg="1"/>
+      <p:bldP spid="42" grpId="0" animBg="1"/>
+      <p:bldP spid="43" grpId="0" animBg="1"/>
+      <p:bldP spid="44" grpId="0" animBg="1"/>
+      <p:bldP spid="45" grpId="0" animBg="1"/>
+      <p:bldP spid="46" grpId="0" animBg="1"/>
+      <p:bldP spid="47" grpId="0" animBg="1"/>
+      <p:bldP spid="48" grpId="0" animBg="1"/>
+      <p:bldP spid="49" grpId="0" animBg="1"/>
+      <p:bldP spid="50" grpId="0" animBg="1"/>
+      <p:bldP spid="51" grpId="0" animBg="1"/>
+      <p:bldP spid="52" grpId="0"/>
+      <p:bldP spid="53" grpId="0"/>
+      <p:bldP spid="54" grpId="0"/>
+      <p:bldP spid="55" grpId="0"/>
+      <p:bldP spid="56" grpId="0"/>
     </p:bldLst>
   </p:timing>
 </p:sld>
 </file>
 
-<file path=ppt/slides/slide12.xml><?xml version="1.0" encoding="utf-8"?>
+<file path=ppt/slides/slide13.xml><?xml version="1.0" encoding="utf-8"?>
 <p:sld xmlns:a="http://schemas.openxmlformats.org/drawingml/2006/main" xmlns:r="http://schemas.openxmlformats.org/officeDocument/2006/relationships" xmlns:p="http://schemas.openxmlformats.org/presentationml/2006/main">
   <p:cSld>
     <p:spTree>
@@ -15097,7 +17386,202 @@
 </p:sld>
 </file>
 
-<file path=ppt/slides/slide13.xml><?xml version="1.0" encoding="utf-8"?>
+<file path=ppt/slides/slide14.xml><?xml version="1.0" encoding="utf-8"?>
+<p:sld xmlns:a="http://schemas.openxmlformats.org/drawingml/2006/main" xmlns:r="http://schemas.openxmlformats.org/officeDocument/2006/relationships" xmlns:p="http://schemas.openxmlformats.org/presentationml/2006/main">
+  <p:cSld>
+    <p:spTree>
+      <p:nvGrpSpPr>
+        <p:cNvPr id="1" name=""/>
+        <p:cNvGrpSpPr/>
+        <p:nvPr/>
+      </p:nvGrpSpPr>
+      <p:grpSpPr>
+        <a:xfrm>
+          <a:off x="0" y="0"/>
+          <a:ext cx="0" cy="0"/>
+          <a:chOff x="0" y="0"/>
+          <a:chExt cx="0" cy="0"/>
+        </a:xfrm>
+      </p:grpSpPr>
+      <p:sp>
+        <p:nvSpPr>
+          <p:cNvPr id="3" name="Content Placeholder 2"/>
+          <p:cNvSpPr>
+            <a:spLocks noGrp="1"/>
+          </p:cNvSpPr>
+          <p:nvPr>
+            <p:ph idx="1"/>
+          </p:nvPr>
+        </p:nvSpPr>
+        <p:spPr>
+          <a:xfrm>
+            <a:off x="838200" y="1524000"/>
+            <a:ext cx="10515600" cy="4351338"/>
+          </a:xfrm>
+        </p:spPr>
+        <p:txBody>
+          <a:bodyPr>
+            <a:normAutofit/>
+          </a:bodyPr>
+          <a:lstStyle/>
+          <a:p>
+            <a:r>
+              <a:rPr lang="en-US" dirty="0" err="1" smtClean="0"/>
+              <a:t>Cardback</a:t>
+            </a:r>
+            <a:endParaRPr lang="en-US" dirty="0" smtClean="0"/>
+          </a:p>
+          <a:p>
+            <a:pPr lvl="1"/>
+            <a:r>
+              <a:rPr lang="en-US" dirty="0" smtClean="0"/>
+              <a:t>A Credit Card + Purchase optimization App</a:t>
+            </a:r>
+          </a:p>
+          <a:p>
+            <a:pPr lvl="1"/>
+            <a:endParaRPr lang="en-US" dirty="0"/>
+          </a:p>
+          <a:p>
+            <a:r>
+              <a:rPr lang="en-US" dirty="0" err="1" smtClean="0"/>
+              <a:t>ExtraMarks</a:t>
+            </a:r>
+            <a:endParaRPr lang="en-US" dirty="0" smtClean="0"/>
+          </a:p>
+          <a:p>
+            <a:pPr lvl="1"/>
+            <a:r>
+              <a:rPr lang="en-US" dirty="0" smtClean="0"/>
+              <a:t>Online Education Website</a:t>
+            </a:r>
+          </a:p>
+          <a:p>
+            <a:endParaRPr lang="en-US" dirty="0"/>
+          </a:p>
+          <a:p>
+            <a:endParaRPr lang="en-US" dirty="0" smtClean="0"/>
+          </a:p>
+          <a:p>
+            <a:pPr lvl="1"/>
+            <a:endParaRPr lang="en-US" dirty="0"/>
+          </a:p>
+        </p:txBody>
+      </p:sp>
+      <p:sp>
+        <p:nvSpPr>
+          <p:cNvPr id="6" name="Title 1"/>
+          <p:cNvSpPr>
+            <a:spLocks noGrp="1"/>
+          </p:cNvSpPr>
+          <p:nvPr>
+            <p:ph type="title"/>
+          </p:nvPr>
+        </p:nvSpPr>
+        <p:spPr>
+          <a:xfrm>
+            <a:off x="838200" y="365125"/>
+            <a:ext cx="10515600" cy="1325563"/>
+          </a:xfrm>
+        </p:spPr>
+        <p:txBody>
+          <a:bodyPr/>
+          <a:lstStyle/>
+          <a:p>
+            <a:r>
+              <a:rPr lang="en-US" dirty="0" smtClean="0">
+                <a:solidFill>
+                  <a:srgbClr val="00B0F0"/>
+                </a:solidFill>
+                <a:latin typeface="Segoe UI Light" panose="020B0502040204020203" pitchFamily="34" charset="0"/>
+              </a:rPr>
+              <a:t>Case Studies</a:t>
+            </a:r>
+            <a:endParaRPr lang="en-US" dirty="0"/>
+          </a:p>
+        </p:txBody>
+      </p:sp>
+      <p:pic>
+        <p:nvPicPr>
+          <p:cNvPr id="2" name="Picture 1"/>
+          <p:cNvPicPr>
+            <a:picLocks noChangeAspect="1"/>
+          </p:cNvPicPr>
+          <p:nvPr/>
+        </p:nvPicPr>
+        <p:blipFill>
+          <a:blip r:embed="rId3">
+            <a:extLst>
+              <a:ext uri="{28A0092B-C50C-407E-A947-70E740481C1C}">
+                <a14:useLocalDpi xmlns:a14="http://schemas.microsoft.com/office/drawing/2010/main" val="0"/>
+              </a:ext>
+            </a:extLst>
+          </a:blip>
+          <a:stretch>
+            <a:fillRect/>
+          </a:stretch>
+        </p:blipFill>
+        <p:spPr>
+          <a:xfrm>
+            <a:off x="7315200" y="1596273"/>
+            <a:ext cx="3810000" cy="762000"/>
+          </a:xfrm>
+          <a:prstGeom prst="rect">
+            <a:avLst/>
+          </a:prstGeom>
+        </p:spPr>
+      </p:pic>
+      <p:pic>
+        <p:nvPicPr>
+          <p:cNvPr id="8" name="Picture 7"/>
+          <p:cNvPicPr>
+            <a:picLocks noChangeAspect="1"/>
+          </p:cNvPicPr>
+          <p:nvPr/>
+        </p:nvPicPr>
+        <p:blipFill>
+          <a:blip r:embed="rId4">
+            <a:extLst>
+              <a:ext uri="{28A0092B-C50C-407E-A947-70E740481C1C}">
+                <a14:useLocalDpi xmlns:a14="http://schemas.microsoft.com/office/drawing/2010/main" val="0"/>
+              </a:ext>
+            </a:extLst>
+          </a:blip>
+          <a:stretch>
+            <a:fillRect/>
+          </a:stretch>
+        </p:blipFill>
+        <p:spPr>
+          <a:xfrm>
+            <a:off x="7096126" y="1981200"/>
+            <a:ext cx="4333874" cy="2066483"/>
+          </a:xfrm>
+          <a:prstGeom prst="rect">
+            <a:avLst/>
+          </a:prstGeom>
+        </p:spPr>
+      </p:pic>
+    </p:spTree>
+    <p:extLst>
+      <p:ext uri="{BB962C8B-B14F-4D97-AF65-F5344CB8AC3E}">
+        <p14:creationId xmlns:p14="http://schemas.microsoft.com/office/powerpoint/2010/main" val="3324456030"/>
+      </p:ext>
+    </p:extLst>
+  </p:cSld>
+  <p:clrMapOvr>
+    <a:masterClrMapping/>
+  </p:clrMapOvr>
+  <p:timing>
+    <p:tnLst>
+      <p:par>
+        <p:cTn id="1" dur="indefinite" restart="never" nodeType="tmRoot"/>
+      </p:par>
+    </p:tnLst>
+  </p:timing>
+</p:sld>
+</file>
+
+<file path=ppt/slides/slide15.xml><?xml version="1.0" encoding="utf-8"?>
 <p:sld xmlns:a="http://schemas.openxmlformats.org/drawingml/2006/main" xmlns:r="http://schemas.openxmlformats.org/officeDocument/2006/relationships" xmlns:p="http://schemas.openxmlformats.org/presentationml/2006/main">
   <p:cSld>
     <p:spTree>
@@ -15150,12 +17634,6 @@
               </a:rPr>
               <a:t>DEMO !</a:t>
             </a:r>
-            <a:endParaRPr lang="en-US" spc="-100" dirty="0">
-              <a:solidFill>
-                <a:srgbClr val="00B0F0"/>
-              </a:solidFill>
-              <a:latin typeface="Segoe UI Light" panose="020B0502040204020203" pitchFamily="34" charset="0"/>
-            </a:endParaRPr>
           </a:p>
         </p:txBody>
       </p:sp>
@@ -15227,14 +17705,6 @@
               </a:rPr>
               <a:t>Scaling a PHP Azure Web App </a:t>
             </a:r>
-            <a:endParaRPr lang="en-US" sz="2800" spc="-100" dirty="0">
-              <a:solidFill>
-                <a:srgbClr val="00B0F0"/>
-              </a:solidFill>
-              <a:latin typeface="Segoe UI Light" panose="020B0502040204020203" pitchFamily="34" charset="0"/>
-              <a:ea typeface="+mj-ea"/>
-              <a:cs typeface="+mj-cs"/>
-            </a:endParaRPr>
           </a:p>
         </p:txBody>
       </p:sp>
@@ -15258,7 +17728,7 @@
 </p:sld>
 </file>
 
-<file path=ppt/slides/slide14.xml><?xml version="1.0" encoding="utf-8"?>
+<file path=ppt/slides/slide16.xml><?xml version="1.0" encoding="utf-8"?>
 <p:sld xmlns:a="http://schemas.openxmlformats.org/drawingml/2006/main" xmlns:r="http://schemas.openxmlformats.org/officeDocument/2006/relationships" xmlns:p="http://schemas.openxmlformats.org/presentationml/2006/main">
   <p:cSld>
     <p:spTree>
@@ -15340,7 +17810,7 @@
 </p:sld>
 </file>
 
-<file path=ppt/slides/slide15.xml><?xml version="1.0" encoding="utf-8"?>
+<file path=ppt/slides/slide17.xml><?xml version="1.0" encoding="utf-8"?>
 <p:sld xmlns:a="http://schemas.openxmlformats.org/drawingml/2006/main" xmlns:r="http://schemas.openxmlformats.org/officeDocument/2006/relationships" xmlns:p="http://schemas.openxmlformats.org/presentationml/2006/main">
   <p:cSld>
     <p:spTree>
@@ -15424,8 +17894,8 @@
         </p:nvSpPr>
         <p:spPr>
           <a:xfrm>
-            <a:off x="533400" y="2057400"/>
-            <a:ext cx="5427662" cy="2057400"/>
+            <a:off x="533400" y="1219200"/>
+            <a:ext cx="5427662" cy="4495800"/>
           </a:xfrm>
           <a:prstGeom prst="rect">
             <a:avLst/>
@@ -15581,6 +18051,49 @@
                 <a:hlinkClick r:id="rId4"/>
               </a:rPr>
               <a:t>/</a:t>
+            </a:r>
+            <a:r>
+              <a:rPr lang="nl-BE" dirty="0" smtClean="0"/>
+              <a:t> </a:t>
+            </a:r>
+            <a:endParaRPr lang="nl-BE" dirty="0" smtClean="0"/>
+          </a:p>
+          <a:p>
+            <a:endParaRPr lang="nl-BE" dirty="0" smtClean="0"/>
+          </a:p>
+          <a:p>
+            <a:r>
+              <a:rPr lang="en-US" dirty="0">
+                <a:hlinkClick r:id="rId5"/>
+              </a:rPr>
+              <a:t>http://windows.php.net/download</a:t>
+            </a:r>
+            <a:r>
+              <a:rPr lang="en-US" dirty="0" smtClean="0">
+                <a:hlinkClick r:id="rId5"/>
+              </a:rPr>
+              <a:t>/</a:t>
+            </a:r>
+            <a:r>
+              <a:rPr lang="en-US" dirty="0" smtClean="0"/>
+              <a:t> </a:t>
+            </a:r>
+          </a:p>
+          <a:p>
+            <a:endParaRPr lang="en-US" dirty="0"/>
+          </a:p>
+          <a:p>
+            <a:r>
+              <a:rPr lang="nl-BE" dirty="0">
+                <a:hlinkClick r:id="rId6"/>
+              </a:rPr>
+              <a:t>https://azure.microsoft.com/en-us/documentation/articles/web-sites-php-configure/#</a:t>
+            </a:r>
+            <a:r>
+              <a:rPr lang="nl-BE" dirty="0" smtClean="0">
+                <a:hlinkClick r:id="rId6"/>
+              </a:rPr>
+              <a:t>how-to-change-the-built-in-php-version</a:t>
             </a:r>
             <a:r>
               <a:rPr lang="nl-BE" dirty="0" smtClean="0"/>
@@ -15795,7 +18308,7 @@
             <p:nvPr/>
           </p:nvPicPr>
           <p:blipFill rotWithShape="1">
-            <a:blip r:embed="rId5">
+            <a:blip r:embed="rId7">
               <a:extLst>
                 <a:ext uri="{28A0092B-C50C-407E-A947-70E740481C1C}">
                   <a14:useLocalDpi xmlns:a14="http://schemas.microsoft.com/office/drawing/2010/main" val="0"/>
@@ -15834,7 +18347,7 @@
             <p:nvPr/>
           </p:nvPicPr>
           <p:blipFill>
-            <a:blip r:embed="rId6" cstate="print">
+            <a:blip r:embed="rId8" cstate="print">
               <a:extLst>
                 <a:ext uri="{28A0092B-C50C-407E-A947-70E740481C1C}">
                   <a14:useLocalDpi xmlns:a14="http://schemas.microsoft.com/office/drawing/2010/main" val="0"/>
@@ -15993,7 +18506,7 @@
 </p:sld>
 </file>
 
-<file path=ppt/slides/slide16.xml><?xml version="1.0" encoding="utf-8"?>
+<file path=ppt/slides/slide18.xml><?xml version="1.0" encoding="utf-8"?>
 <p:sld xmlns:a="http://schemas.openxmlformats.org/drawingml/2006/main" xmlns:r="http://schemas.openxmlformats.org/officeDocument/2006/relationships" xmlns:p="http://schemas.openxmlformats.org/presentationml/2006/main">
   <p:cSld>
     <p:spTree>
@@ -16454,42 +18967,6 @@
           </a:ln>
         </p:spPr>
       </p:pic>
-      <p:sp>
-        <p:nvSpPr>
-          <p:cNvPr id="8" name="TextBox 7"/>
-          <p:cNvSpPr txBox="1"/>
-          <p:nvPr/>
-        </p:nvSpPr>
-        <p:spPr>
-          <a:xfrm>
-            <a:off x="7684477" y="158931"/>
-            <a:ext cx="4360985" cy="646331"/>
-          </a:xfrm>
-          <a:prstGeom prst="rect">
-            <a:avLst/>
-          </a:prstGeom>
-          <a:solidFill>
-            <a:srgbClr val="FFFF00"/>
-          </a:solidFill>
-        </p:spPr>
-        <p:txBody>
-          <a:bodyPr wrap="square" rtlCol="0">
-            <a:spAutoFit/>
-          </a:bodyPr>
-          <a:lstStyle/>
-          <a:p>
-            <a:r>
-              <a:rPr lang="en-US" dirty="0" smtClean="0">
-                <a:latin typeface="Segoe UI"/>
-              </a:rPr>
-              <a:t>&lt; QR Code will be given 2 days before the Conference &gt;</a:t>
-            </a:r>
-            <a:endParaRPr lang="en-US" dirty="0">
-              <a:latin typeface="Segoe UI"/>
-            </a:endParaRPr>
-          </a:p>
-        </p:txBody>
-      </p:sp>
     </p:spTree>
     <p:extLst>
       <p:ext uri="{BB962C8B-B14F-4D97-AF65-F5344CB8AC3E}">
@@ -16510,7 +18987,7 @@
 </p:sld>
 </file>
 
-<file path=ppt/slides/slide17.xml><?xml version="1.0" encoding="utf-8"?>
+<file path=ppt/slides/slide19.xml><?xml version="1.0" encoding="utf-8"?>
 <p:sld xmlns:a="http://schemas.openxmlformats.org/drawingml/2006/main" xmlns:r="http://schemas.openxmlformats.org/officeDocument/2006/relationships" xmlns:p="http://schemas.openxmlformats.org/presentationml/2006/main">
   <p:cSld>
     <p:spTree>
@@ -16672,20 +19149,7 @@
                 <a:latin typeface="Segoe UI Light"/>
                 <a:cs typeface="Segoe UI" pitchFamily="34" charset="0"/>
               </a:rPr>
-              <a:t>: </a:t>
-            </a:r>
-            <a:r>
-              <a:rPr lang="en-US" sz="3200" kern="0" spc="-100" dirty="0" smtClean="0">
-                <a:ln w="3175">
-                  <a:noFill/>
-                </a:ln>
-                <a:solidFill>
-                  <a:schemeClr val="tx1"/>
-                </a:solidFill>
-                <a:latin typeface="Segoe UI Light"/>
-                <a:cs typeface="Segoe UI" pitchFamily="34" charset="0"/>
-              </a:rPr>
-              <a:t>@</a:t>
+              <a:t>: @</a:t>
             </a:r>
             <a:r>
               <a:rPr lang="en-US" sz="3200" kern="0" spc="-100" dirty="0" err="1" smtClean="0">
@@ -16713,16 +19177,6 @@
               </a:rPr>
               <a:t> </a:t>
             </a:r>
-            <a:endParaRPr lang="en-US" sz="3200" kern="0" spc="-100" dirty="0" smtClean="0">
-              <a:ln w="3175">
-                <a:noFill/>
-              </a:ln>
-              <a:solidFill>
-                <a:schemeClr val="tx1"/>
-              </a:solidFill>
-              <a:latin typeface="Segoe UI Light"/>
-              <a:cs typeface="Segoe UI" pitchFamily="34" charset="0"/>
-            </a:endParaRPr>
           </a:p>
           <a:p>
             <a:pPr marL="0" lvl="1" algn="just" defTabSz="913494">
@@ -16758,20 +19212,7 @@
                 <a:latin typeface="Segoe UI Light"/>
                 <a:cs typeface="Segoe UI" pitchFamily="34" charset="0"/>
               </a:rPr>
-              <a:t>Email</a:t>
-            </a:r>
-            <a:r>
-              <a:rPr lang="en-US" sz="3200" kern="0" spc="-100" dirty="0" smtClean="0">
-                <a:ln w="3175">
-                  <a:noFill/>
-                </a:ln>
-                <a:solidFill>
-                  <a:schemeClr val="tx1"/>
-                </a:solidFill>
-                <a:latin typeface="Segoe UI Light"/>
-                <a:cs typeface="Segoe UI" pitchFamily="34" charset="0"/>
-              </a:rPr>
-              <a:t>: </a:t>
+              <a:t>Email: </a:t>
             </a:r>
             <a:r>
               <a:rPr lang="en-US" sz="3200" kern="0" spc="-100" dirty="0" smtClean="0">
@@ -17954,23 +20395,8 @@
                 </a:solidFill>
                 <a:latin typeface="Segoe UI Light" panose="020B0502040204020203" pitchFamily="34" charset="0"/>
               </a:rPr>
-              <a:t>Deployment over Azure</a:t>
-            </a:r>
-            <a:r>
-              <a:rPr lang="en-US" sz="2000" dirty="0" smtClean="0">
-                <a:solidFill>
-                  <a:schemeClr val="tx1"/>
-                </a:solidFill>
-                <a:latin typeface="Segoe UI Light" panose="020B0502040204020203" pitchFamily="34" charset="0"/>
-              </a:rPr>
-              <a:t> </a:t>
-            </a:r>
-            <a:endParaRPr lang="en-US" sz="2000" dirty="0" smtClean="0">
-              <a:solidFill>
-                <a:schemeClr val="tx1"/>
-              </a:solidFill>
-              <a:latin typeface="Segoe UI Light" panose="020B0502040204020203" pitchFamily="34" charset="0"/>
-            </a:endParaRPr>
+              <a:t>Deployment over Azure </a:t>
+            </a:r>
           </a:p>
           <a:p>
             <a:pPr marL="342900" indent="-342900">
@@ -18000,12 +20426,6 @@
               </a:rPr>
               <a:t>Scaling Azure Web Apps</a:t>
             </a:r>
-            <a:endParaRPr lang="en-US" sz="2000" dirty="0" smtClean="0">
-              <a:solidFill>
-                <a:schemeClr val="tx1"/>
-              </a:solidFill>
-              <a:latin typeface="Segoe UI Light" panose="020B0502040204020203" pitchFamily="34" charset="0"/>
-            </a:endParaRPr>
           </a:p>
           <a:p>
             <a:pPr marL="342900" indent="-342900">
@@ -18033,7 +20453,36 @@
                 </a:solidFill>
                 <a:latin typeface="Segoe UI Light" panose="020B0502040204020203" pitchFamily="34" charset="0"/>
               </a:rPr>
-              <a:t>Architecting a complete Azure PHP Web App</a:t>
+              <a:t>Architecture</a:t>
+            </a:r>
+          </a:p>
+          <a:p>
+            <a:pPr marL="342900" indent="-342900">
+              <a:buFont typeface="Arial" panose="020B0604020202020204" pitchFamily="34" charset="0"/>
+              <a:buChar char="•"/>
+              <a:defRPr/>
+            </a:pPr>
+            <a:endParaRPr lang="en-US" sz="2000" dirty="0">
+              <a:solidFill>
+                <a:schemeClr val="tx1"/>
+              </a:solidFill>
+              <a:latin typeface="Segoe UI Light" panose="020B0502040204020203" pitchFamily="34" charset="0"/>
+            </a:endParaRPr>
+          </a:p>
+          <a:p>
+            <a:pPr marL="342900" indent="-342900">
+              <a:buFont typeface="Arial" panose="020B0604020202020204" pitchFamily="34" charset="0"/>
+              <a:buChar char="•"/>
+              <a:defRPr/>
+            </a:pPr>
+            <a:r>
+              <a:rPr lang="en-US" sz="2000" dirty="0" smtClean="0">
+                <a:solidFill>
+                  <a:schemeClr val="tx1"/>
+                </a:solidFill>
+                <a:latin typeface="Segoe UI Light" panose="020B0502040204020203" pitchFamily="34" charset="0"/>
+              </a:rPr>
+              <a:t>Case Studies</a:t>
             </a:r>
             <a:endParaRPr lang="en-US" sz="2000" dirty="0" smtClean="0">
               <a:solidFill>
@@ -18734,7 +21183,7 @@
         </p:nvSpPr>
         <p:spPr>
           <a:xfrm>
-            <a:off x="1173395" y="2229066"/>
+            <a:off x="1173395" y="2199433"/>
             <a:ext cx="8808805" cy="425234"/>
           </a:xfrm>
           <a:prstGeom prst="rect">
@@ -19190,7 +21639,7 @@
         </p:nvSpPr>
         <p:spPr>
           <a:xfrm>
-            <a:off x="1173395" y="2914866"/>
+            <a:off x="1173395" y="2868300"/>
             <a:ext cx="8808805" cy="425234"/>
           </a:xfrm>
           <a:prstGeom prst="rect">
@@ -19611,6 +22060,462 @@
                 <a:latin typeface="Segoe UI Light"/>
               </a:rPr>
               <a:t>3</a:t>
+            </a:r>
+            <a:endParaRPr kumimoji="0" lang="en-US" sz="2800" b="0" i="0" u="none" strike="noStrike" kern="1200" cap="none" spc="0" normalizeH="0" baseline="0" noProof="0" dirty="0">
+              <a:ln>
+                <a:noFill/>
+              </a:ln>
+              <a:solidFill>
+                <a:srgbClr val="0070C0"/>
+              </a:solidFill>
+              <a:effectLst/>
+              <a:uLnTx/>
+              <a:uFillTx/>
+              <a:latin typeface="Segoe UI Light"/>
+              <a:ea typeface="+mn-ea"/>
+              <a:cs typeface="+mn-cs"/>
+            </a:endParaRPr>
+          </a:p>
+        </p:txBody>
+      </p:sp>
+      <p:sp>
+        <p:nvSpPr>
+          <p:cNvPr id="14" name="Content Placeholder 6"/>
+          <p:cNvSpPr txBox="1">
+            <a:spLocks/>
+          </p:cNvSpPr>
+          <p:nvPr/>
+        </p:nvSpPr>
+        <p:spPr>
+          <a:xfrm>
+            <a:off x="1202912" y="3537166"/>
+            <a:ext cx="8808805" cy="425234"/>
+          </a:xfrm>
+          <a:prstGeom prst="rect">
+            <a:avLst/>
+          </a:prstGeom>
+          <a:solidFill>
+            <a:schemeClr val="bg1">
+              <a:lumMod val="65000"/>
+            </a:schemeClr>
+          </a:solidFill>
+        </p:spPr>
+        <p:txBody>
+          <a:bodyPr/>
+          <a:lstStyle>
+            <a:lvl1pPr marL="0" indent="0" algn="l" defTabSz="914400" rtl="0" eaLnBrk="1" latinLnBrk="0" hangingPunct="1">
+              <a:lnSpc>
+                <a:spcPct val="90000"/>
+              </a:lnSpc>
+              <a:spcBef>
+                <a:spcPts val="1000"/>
+              </a:spcBef>
+              <a:buFont typeface="Arial" panose="020B0604020202020204" pitchFamily="34" charset="0"/>
+              <a:buNone/>
+              <a:defRPr sz="1800" kern="1200">
+                <a:solidFill>
+                  <a:schemeClr val="bg1"/>
+                </a:solidFill>
+                <a:latin typeface="+mn-lt"/>
+                <a:ea typeface="+mn-ea"/>
+                <a:cs typeface="+mn-cs"/>
+              </a:defRPr>
+            </a:lvl1pPr>
+            <a:lvl2pPr marL="457200" indent="0" algn="l" defTabSz="914400" rtl="0" eaLnBrk="1" latinLnBrk="0" hangingPunct="1">
+              <a:lnSpc>
+                <a:spcPct val="90000"/>
+              </a:lnSpc>
+              <a:spcBef>
+                <a:spcPts val="500"/>
+              </a:spcBef>
+              <a:buFont typeface="Arial" panose="020B0604020202020204" pitchFamily="34" charset="0"/>
+              <a:buNone/>
+              <a:defRPr sz="2400" kern="1200">
+                <a:solidFill>
+                  <a:schemeClr val="bg1"/>
+                </a:solidFill>
+                <a:latin typeface="+mn-lt"/>
+                <a:ea typeface="+mn-ea"/>
+                <a:cs typeface="+mn-cs"/>
+              </a:defRPr>
+            </a:lvl2pPr>
+            <a:lvl3pPr marL="914400" indent="0" algn="l" defTabSz="914400" rtl="0" eaLnBrk="1" latinLnBrk="0" hangingPunct="1">
+              <a:lnSpc>
+                <a:spcPct val="90000"/>
+              </a:lnSpc>
+              <a:spcBef>
+                <a:spcPts val="500"/>
+              </a:spcBef>
+              <a:buFont typeface="Arial" panose="020B0604020202020204" pitchFamily="34" charset="0"/>
+              <a:buNone/>
+              <a:defRPr sz="2000" kern="1200">
+                <a:solidFill>
+                  <a:schemeClr val="bg1"/>
+                </a:solidFill>
+                <a:latin typeface="+mn-lt"/>
+                <a:ea typeface="+mn-ea"/>
+                <a:cs typeface="+mn-cs"/>
+              </a:defRPr>
+            </a:lvl3pPr>
+            <a:lvl4pPr marL="1371600" indent="0" algn="l" defTabSz="914400" rtl="0" eaLnBrk="1" latinLnBrk="0" hangingPunct="1">
+              <a:lnSpc>
+                <a:spcPct val="90000"/>
+              </a:lnSpc>
+              <a:spcBef>
+                <a:spcPts val="500"/>
+              </a:spcBef>
+              <a:buFont typeface="Arial" panose="020B0604020202020204" pitchFamily="34" charset="0"/>
+              <a:buNone/>
+              <a:defRPr sz="1800" kern="1200">
+                <a:solidFill>
+                  <a:schemeClr val="bg1"/>
+                </a:solidFill>
+                <a:latin typeface="+mn-lt"/>
+                <a:ea typeface="+mn-ea"/>
+                <a:cs typeface="+mn-cs"/>
+              </a:defRPr>
+            </a:lvl4pPr>
+            <a:lvl5pPr marL="1828800" indent="0" algn="l" defTabSz="914400" rtl="0" eaLnBrk="1" latinLnBrk="0" hangingPunct="1">
+              <a:lnSpc>
+                <a:spcPct val="90000"/>
+              </a:lnSpc>
+              <a:spcBef>
+                <a:spcPts val="500"/>
+              </a:spcBef>
+              <a:buFont typeface="Arial" panose="020B0604020202020204" pitchFamily="34" charset="0"/>
+              <a:buNone/>
+              <a:defRPr sz="1800" kern="1200">
+                <a:solidFill>
+                  <a:schemeClr val="bg1"/>
+                </a:solidFill>
+                <a:latin typeface="+mn-lt"/>
+                <a:ea typeface="+mn-ea"/>
+                <a:cs typeface="+mn-cs"/>
+              </a:defRPr>
+            </a:lvl5pPr>
+            <a:lvl6pPr marL="2514600" indent="-228600" algn="l" defTabSz="914400" rtl="0" eaLnBrk="1" latinLnBrk="0" hangingPunct="1">
+              <a:lnSpc>
+                <a:spcPct val="90000"/>
+              </a:lnSpc>
+              <a:spcBef>
+                <a:spcPts val="500"/>
+              </a:spcBef>
+              <a:buFont typeface="Arial" panose="020B0604020202020204" pitchFamily="34" charset="0"/>
+              <a:buChar char="•"/>
+              <a:defRPr sz="1800" kern="1200">
+                <a:solidFill>
+                  <a:schemeClr val="tx1"/>
+                </a:solidFill>
+                <a:latin typeface="+mn-lt"/>
+                <a:ea typeface="+mn-ea"/>
+                <a:cs typeface="+mn-cs"/>
+              </a:defRPr>
+            </a:lvl6pPr>
+            <a:lvl7pPr marL="2971800" indent="-228600" algn="l" defTabSz="914400" rtl="0" eaLnBrk="1" latinLnBrk="0" hangingPunct="1">
+              <a:lnSpc>
+                <a:spcPct val="90000"/>
+              </a:lnSpc>
+              <a:spcBef>
+                <a:spcPts val="500"/>
+              </a:spcBef>
+              <a:buFont typeface="Arial" panose="020B0604020202020204" pitchFamily="34" charset="0"/>
+              <a:buChar char="•"/>
+              <a:defRPr sz="1800" kern="1200">
+                <a:solidFill>
+                  <a:schemeClr val="tx1"/>
+                </a:solidFill>
+                <a:latin typeface="+mn-lt"/>
+                <a:ea typeface="+mn-ea"/>
+                <a:cs typeface="+mn-cs"/>
+              </a:defRPr>
+            </a:lvl7pPr>
+            <a:lvl8pPr marL="3429000" indent="-228600" algn="l" defTabSz="914400" rtl="0" eaLnBrk="1" latinLnBrk="0" hangingPunct="1">
+              <a:lnSpc>
+                <a:spcPct val="90000"/>
+              </a:lnSpc>
+              <a:spcBef>
+                <a:spcPts val="500"/>
+              </a:spcBef>
+              <a:buFont typeface="Arial" panose="020B0604020202020204" pitchFamily="34" charset="0"/>
+              <a:buChar char="•"/>
+              <a:defRPr sz="1800" kern="1200">
+                <a:solidFill>
+                  <a:schemeClr val="tx1"/>
+                </a:solidFill>
+                <a:latin typeface="+mn-lt"/>
+                <a:ea typeface="+mn-ea"/>
+                <a:cs typeface="+mn-cs"/>
+              </a:defRPr>
+            </a:lvl8pPr>
+            <a:lvl9pPr marL="3886200" indent="-228600" algn="l" defTabSz="914400" rtl="0" eaLnBrk="1" latinLnBrk="0" hangingPunct="1">
+              <a:lnSpc>
+                <a:spcPct val="90000"/>
+              </a:lnSpc>
+              <a:spcBef>
+                <a:spcPts val="500"/>
+              </a:spcBef>
+              <a:buFont typeface="Arial" panose="020B0604020202020204" pitchFamily="34" charset="0"/>
+              <a:buChar char="•"/>
+              <a:defRPr sz="1800" kern="1200">
+                <a:solidFill>
+                  <a:schemeClr val="tx1"/>
+                </a:solidFill>
+                <a:latin typeface="+mn-lt"/>
+                <a:ea typeface="+mn-ea"/>
+                <a:cs typeface="+mn-cs"/>
+              </a:defRPr>
+            </a:lvl9pPr>
+          </a:lstStyle>
+          <a:p>
+            <a:pPr marL="0" marR="0" lvl="0" indent="0" algn="l" defTabSz="914400" rtl="0" eaLnBrk="1" fontAlgn="auto" latinLnBrk="0" hangingPunct="1">
+              <a:lnSpc>
+                <a:spcPct val="90000"/>
+              </a:lnSpc>
+              <a:spcBef>
+                <a:spcPts val="1000"/>
+              </a:spcBef>
+              <a:spcAft>
+                <a:spcPts val="0"/>
+              </a:spcAft>
+              <a:buClrTx/>
+              <a:buSzTx/>
+              <a:buFont typeface="Arial" panose="020B0604020202020204" pitchFamily="34" charset="0"/>
+              <a:buNone/>
+              <a:tabLst/>
+              <a:defRPr/>
+            </a:pPr>
+            <a:r>
+              <a:rPr lang="en-US" sz="2800" dirty="0" smtClean="0">
+                <a:solidFill>
+                  <a:prstClr val="white"/>
+                </a:solidFill>
+                <a:latin typeface="Segoe UI Light" panose="020B0502040204020203" pitchFamily="34" charset="0"/>
+                <a:cs typeface="Segoe UI" panose="020B0502040204020203" pitchFamily="34" charset="0"/>
+              </a:rPr>
+              <a:t>Use Azure SDK to Interact with Azure Resources</a:t>
+            </a:r>
+            <a:endParaRPr lang="en-US" sz="2800" noProof="0" dirty="0" smtClean="0">
+              <a:solidFill>
+                <a:prstClr val="white"/>
+              </a:solidFill>
+              <a:latin typeface="Segoe UI Light" panose="020B0502040204020203" pitchFamily="34" charset="0"/>
+              <a:cs typeface="Segoe UI" panose="020B0502040204020203" pitchFamily="34" charset="0"/>
+            </a:endParaRPr>
+          </a:p>
+        </p:txBody>
+      </p:sp>
+      <p:sp>
+        <p:nvSpPr>
+          <p:cNvPr id="15" name="Content Placeholder 7"/>
+          <p:cNvSpPr txBox="1">
+            <a:spLocks/>
+          </p:cNvSpPr>
+          <p:nvPr/>
+        </p:nvSpPr>
+        <p:spPr>
+          <a:xfrm>
+            <a:off x="533400" y="3517900"/>
+            <a:ext cx="411162" cy="444500"/>
+          </a:xfrm>
+          <a:prstGeom prst="rect">
+            <a:avLst/>
+          </a:prstGeom>
+        </p:spPr>
+        <p:txBody>
+          <a:bodyPr/>
+          <a:lstStyle>
+            <a:lvl1pPr marL="0" indent="0" algn="l" defTabSz="914400" rtl="0" eaLnBrk="1" latinLnBrk="0" hangingPunct="1">
+              <a:lnSpc>
+                <a:spcPct val="90000"/>
+              </a:lnSpc>
+              <a:spcBef>
+                <a:spcPts val="1000"/>
+              </a:spcBef>
+              <a:buFont typeface="Arial" panose="020B0604020202020204" pitchFamily="34" charset="0"/>
+              <a:buNone/>
+              <a:defRPr sz="2800" kern="1200">
+                <a:solidFill>
+                  <a:schemeClr val="tx1">
+                    <a:lumMod val="50000"/>
+                    <a:lumOff val="50000"/>
+                  </a:schemeClr>
+                </a:solidFill>
+                <a:latin typeface="+mj-lt"/>
+                <a:ea typeface="+mn-ea"/>
+                <a:cs typeface="+mn-cs"/>
+              </a:defRPr>
+            </a:lvl1pPr>
+            <a:lvl2pPr marL="685800" indent="-228600" algn="l" defTabSz="914400" rtl="0" eaLnBrk="1" latinLnBrk="0" hangingPunct="1">
+              <a:lnSpc>
+                <a:spcPct val="90000"/>
+              </a:lnSpc>
+              <a:spcBef>
+                <a:spcPts val="500"/>
+              </a:spcBef>
+              <a:buFont typeface="Arial" panose="020B0604020202020204" pitchFamily="34" charset="0"/>
+              <a:buChar char="•"/>
+              <a:defRPr sz="2400" kern="1200">
+                <a:solidFill>
+                  <a:schemeClr val="tx1"/>
+                </a:solidFill>
+                <a:latin typeface="+mn-lt"/>
+                <a:ea typeface="+mn-ea"/>
+                <a:cs typeface="+mn-cs"/>
+              </a:defRPr>
+            </a:lvl2pPr>
+            <a:lvl3pPr marL="1143000" indent="-228600" algn="l" defTabSz="914400" rtl="0" eaLnBrk="1" latinLnBrk="0" hangingPunct="1">
+              <a:lnSpc>
+                <a:spcPct val="90000"/>
+              </a:lnSpc>
+              <a:spcBef>
+                <a:spcPts val="500"/>
+              </a:spcBef>
+              <a:buFont typeface="Arial" panose="020B0604020202020204" pitchFamily="34" charset="0"/>
+              <a:buChar char="•"/>
+              <a:defRPr sz="2000" kern="1200">
+                <a:solidFill>
+                  <a:schemeClr val="tx1"/>
+                </a:solidFill>
+                <a:latin typeface="+mn-lt"/>
+                <a:ea typeface="+mn-ea"/>
+                <a:cs typeface="+mn-cs"/>
+              </a:defRPr>
+            </a:lvl3pPr>
+            <a:lvl4pPr marL="1371600" indent="0" algn="l" defTabSz="914400" rtl="0" eaLnBrk="1" latinLnBrk="0" hangingPunct="1">
+              <a:lnSpc>
+                <a:spcPct val="90000"/>
+              </a:lnSpc>
+              <a:spcBef>
+                <a:spcPts val="500"/>
+              </a:spcBef>
+              <a:buFont typeface="Arial" panose="020B0604020202020204" pitchFamily="34" charset="0"/>
+              <a:buNone/>
+              <a:defRPr sz="1800" kern="1200">
+                <a:solidFill>
+                  <a:schemeClr val="tx1"/>
+                </a:solidFill>
+                <a:latin typeface="+mn-lt"/>
+                <a:ea typeface="+mn-ea"/>
+                <a:cs typeface="+mn-cs"/>
+              </a:defRPr>
+            </a:lvl4pPr>
+            <a:lvl5pPr marL="2057400" indent="-228600" algn="l" defTabSz="914400" rtl="0" eaLnBrk="1" latinLnBrk="0" hangingPunct="1">
+              <a:lnSpc>
+                <a:spcPct val="90000"/>
+              </a:lnSpc>
+              <a:spcBef>
+                <a:spcPts val="500"/>
+              </a:spcBef>
+              <a:buFont typeface="Arial" panose="020B0604020202020204" pitchFamily="34" charset="0"/>
+              <a:buChar char="•"/>
+              <a:defRPr sz="1800" kern="1200">
+                <a:solidFill>
+                  <a:schemeClr val="tx1"/>
+                </a:solidFill>
+                <a:latin typeface="+mn-lt"/>
+                <a:ea typeface="+mn-ea"/>
+                <a:cs typeface="+mn-cs"/>
+              </a:defRPr>
+            </a:lvl5pPr>
+            <a:lvl6pPr marL="2514600" indent="-228600" algn="l" defTabSz="914400" rtl="0" eaLnBrk="1" latinLnBrk="0" hangingPunct="1">
+              <a:lnSpc>
+                <a:spcPct val="90000"/>
+              </a:lnSpc>
+              <a:spcBef>
+                <a:spcPts val="500"/>
+              </a:spcBef>
+              <a:buFont typeface="Arial" panose="020B0604020202020204" pitchFamily="34" charset="0"/>
+              <a:buChar char="•"/>
+              <a:defRPr sz="1800" kern="1200">
+                <a:solidFill>
+                  <a:schemeClr val="tx1"/>
+                </a:solidFill>
+                <a:latin typeface="+mn-lt"/>
+                <a:ea typeface="+mn-ea"/>
+                <a:cs typeface="+mn-cs"/>
+              </a:defRPr>
+            </a:lvl6pPr>
+            <a:lvl7pPr marL="2971800" indent="-228600" algn="l" defTabSz="914400" rtl="0" eaLnBrk="1" latinLnBrk="0" hangingPunct="1">
+              <a:lnSpc>
+                <a:spcPct val="90000"/>
+              </a:lnSpc>
+              <a:spcBef>
+                <a:spcPts val="500"/>
+              </a:spcBef>
+              <a:buFont typeface="Arial" panose="020B0604020202020204" pitchFamily="34" charset="0"/>
+              <a:buChar char="•"/>
+              <a:defRPr sz="1800" kern="1200">
+                <a:solidFill>
+                  <a:schemeClr val="tx1"/>
+                </a:solidFill>
+                <a:latin typeface="+mn-lt"/>
+                <a:ea typeface="+mn-ea"/>
+                <a:cs typeface="+mn-cs"/>
+              </a:defRPr>
+            </a:lvl7pPr>
+            <a:lvl8pPr marL="3429000" indent="-228600" algn="l" defTabSz="914400" rtl="0" eaLnBrk="1" latinLnBrk="0" hangingPunct="1">
+              <a:lnSpc>
+                <a:spcPct val="90000"/>
+              </a:lnSpc>
+              <a:spcBef>
+                <a:spcPts val="500"/>
+              </a:spcBef>
+              <a:buFont typeface="Arial" panose="020B0604020202020204" pitchFamily="34" charset="0"/>
+              <a:buChar char="•"/>
+              <a:defRPr sz="1800" kern="1200">
+                <a:solidFill>
+                  <a:schemeClr val="tx1"/>
+                </a:solidFill>
+                <a:latin typeface="+mn-lt"/>
+                <a:ea typeface="+mn-ea"/>
+                <a:cs typeface="+mn-cs"/>
+              </a:defRPr>
+            </a:lvl8pPr>
+            <a:lvl9pPr marL="3886200" indent="-228600" algn="l" defTabSz="914400" rtl="0" eaLnBrk="1" latinLnBrk="0" hangingPunct="1">
+              <a:lnSpc>
+                <a:spcPct val="90000"/>
+              </a:lnSpc>
+              <a:spcBef>
+                <a:spcPts val="500"/>
+              </a:spcBef>
+              <a:buFont typeface="Arial" panose="020B0604020202020204" pitchFamily="34" charset="0"/>
+              <a:buChar char="•"/>
+              <a:defRPr sz="1800" kern="1200">
+                <a:solidFill>
+                  <a:schemeClr val="tx1"/>
+                </a:solidFill>
+                <a:latin typeface="+mn-lt"/>
+                <a:ea typeface="+mn-ea"/>
+                <a:cs typeface="+mn-cs"/>
+              </a:defRPr>
+            </a:lvl9pPr>
+          </a:lstStyle>
+          <a:p>
+            <a:pPr marL="0" marR="0" lvl="0" indent="0" algn="l" defTabSz="914400" rtl="0" eaLnBrk="1" fontAlgn="auto" latinLnBrk="0" hangingPunct="1">
+              <a:lnSpc>
+                <a:spcPct val="90000"/>
+              </a:lnSpc>
+              <a:spcBef>
+                <a:spcPts val="1000"/>
+              </a:spcBef>
+              <a:spcAft>
+                <a:spcPts val="0"/>
+              </a:spcAft>
+              <a:buClrTx/>
+              <a:buSzTx/>
+              <a:buFont typeface="Arial" panose="020B0604020202020204" pitchFamily="34" charset="0"/>
+              <a:buNone/>
+              <a:tabLst/>
+              <a:defRPr/>
+            </a:pPr>
+            <a:r>
+              <a:rPr lang="en-US" dirty="0">
+                <a:solidFill>
+                  <a:srgbClr val="0070C0"/>
+                </a:solidFill>
+                <a:latin typeface="Segoe UI Light"/>
+              </a:rPr>
+              <a:t>4</a:t>
             </a:r>
             <a:endParaRPr kumimoji="0" lang="en-US" sz="2800" b="0" i="0" u="none" strike="noStrike" kern="1200" cap="none" spc="0" normalizeH="0" baseline="0" noProof="0" dirty="0">
               <a:ln>
@@ -19676,7 +22581,7 @@
         </p:nvSpPr>
         <p:spPr>
           <a:xfrm>
-            <a:off x="573275" y="435448"/>
+            <a:off x="573275" y="76200"/>
             <a:ext cx="7160576" cy="643753"/>
           </a:xfrm>
           <a:prstGeom prst="rect">
@@ -19777,8 +22682,8 @@
         </p:nvSpPr>
         <p:spPr bwMode="ltGray">
           <a:xfrm>
-            <a:off x="518683" y="1369185"/>
-            <a:ext cx="6757188" cy="4854634"/>
+            <a:off x="518682" y="990600"/>
+            <a:ext cx="10073117" cy="4854634"/>
           </a:xfrm>
           <a:prstGeom prst="rect">
             <a:avLst/>
@@ -20030,7 +22935,7 @@
               <a:defRPr/>
             </a:pPr>
             <a:r>
-              <a:rPr kumimoji="0" lang="en-US" sz="2000" b="1" i="0" u="none" strike="noStrike" kern="1200" cap="none" spc="0" normalizeH="0" baseline="0" noProof="0" dirty="0" smtClean="0">
+              <a:rPr kumimoji="0" lang="en-US" sz="3600" b="1" i="0" u="none" strike="noStrike" kern="1200" cap="none" spc="0" normalizeH="0" baseline="0" noProof="0" dirty="0" smtClean="0">
                 <a:ln>
                   <a:noFill/>
                 </a:ln>
@@ -20044,9 +22949,26 @@
                 <a:ea typeface="+mn-ea"/>
                 <a:cs typeface="+mn-cs"/>
               </a:rPr>
-              <a:t>What ?</a:t>
-            </a:r>
-            <a:endParaRPr kumimoji="0" lang="en-US" sz="2000" b="0" i="0" u="none" strike="noStrike" kern="1200" cap="none" spc="0" normalizeH="0" baseline="0" noProof="0" dirty="0" smtClean="0">
+              <a:t>What </a:t>
+            </a:r>
+            <a:r>
+              <a:rPr kumimoji="0" lang="en-US" sz="3600" b="1" i="0" u="none" strike="noStrike" kern="1200" cap="none" spc="0" normalizeH="0" baseline="0" noProof="0" dirty="0" smtClean="0">
+                <a:ln>
+                  <a:noFill/>
+                </a:ln>
+                <a:solidFill>
+                  <a:prstClr val="black"/>
+                </a:solidFill>
+                <a:effectLst/>
+                <a:uLnTx/>
+                <a:uFillTx/>
+                <a:latin typeface="Segoe UI Light" panose="020B0502040204020203" pitchFamily="34" charset="0"/>
+                <a:ea typeface="+mn-ea"/>
+                <a:cs typeface="+mn-cs"/>
+              </a:rPr>
+              <a:t>?</a:t>
+            </a:r>
+            <a:endParaRPr kumimoji="0" lang="en-US" sz="3600" b="0" i="0" u="none" strike="noStrike" kern="1200" cap="none" spc="0" normalizeH="0" baseline="0" noProof="0" dirty="0" smtClean="0">
               <a:ln>
                 <a:noFill/>
               </a:ln>
@@ -20062,24 +22984,227 @@
             </a:endParaRPr>
           </a:p>
           <a:p>
-            <a:pPr marL="342900" marR="0" lvl="0" indent="-342900" algn="l" defTabSz="932742" rtl="0" eaLnBrk="1" fontAlgn="auto" latinLnBrk="0" hangingPunct="1">
-              <a:lnSpc>
-                <a:spcPct val="90000"/>
-              </a:lnSpc>
+            <a:pPr marL="927100" lvl="1" indent="-342900">
               <a:spcBef>
                 <a:spcPts val="0"/>
               </a:spcBef>
-              <a:spcAft>
-                <a:spcPts val="0"/>
-              </a:spcAft>
-              <a:buClrTx/>
-              <a:buSzPct val="90000"/>
-              <a:buFont typeface="Arial" panose="020B0604020202020204" pitchFamily="34" charset="0"/>
-              <a:buChar char="•"/>
-              <a:tabLst/>
               <a:defRPr/>
             </a:pPr>
-            <a:endParaRPr kumimoji="0" lang="en-US" sz="2000" b="0" i="0" u="none" strike="noStrike" kern="1200" cap="none" spc="0" normalizeH="0" baseline="0" noProof="0" dirty="0" smtClean="0">
+            <a:r>
+              <a:rPr kumimoji="0" lang="en-US" sz="2800" b="0" i="0" u="none" strike="noStrike" kern="1200" cap="none" spc="0" normalizeH="0" baseline="0" noProof="0" dirty="0" smtClean="0">
+                <a:ln>
+                  <a:noFill/>
+                </a:ln>
+                <a:solidFill>
+                  <a:prstClr val="black"/>
+                </a:solidFill>
+                <a:effectLst/>
+                <a:uLnTx/>
+                <a:uFillTx/>
+                <a:latin typeface="Segoe UI Light" panose="020B0502040204020203" pitchFamily="34" charset="0"/>
+              </a:rPr>
+              <a:t>Classic</a:t>
+            </a:r>
+            <a:r>
+              <a:rPr kumimoji="0" lang="en-US" sz="2800" b="0" i="0" u="none" strike="noStrike" kern="1200" cap="none" spc="0" normalizeH="0" noProof="0" dirty="0" smtClean="0">
+                <a:ln>
+                  <a:noFill/>
+                </a:ln>
+                <a:solidFill>
+                  <a:prstClr val="black"/>
+                </a:solidFill>
+                <a:effectLst/>
+                <a:uLnTx/>
+                <a:uFillTx/>
+                <a:latin typeface="Segoe UI Light" panose="020B0502040204020203" pitchFamily="34" charset="0"/>
+              </a:rPr>
+              <a:t> ASP</a:t>
+            </a:r>
+          </a:p>
+          <a:p>
+            <a:pPr marL="927100" lvl="1" indent="-342900">
+              <a:spcBef>
+                <a:spcPts val="0"/>
+              </a:spcBef>
+              <a:defRPr/>
+            </a:pPr>
+            <a:r>
+              <a:rPr lang="en-US" sz="2800" baseline="0" dirty="0" smtClean="0">
+                <a:solidFill>
+                  <a:prstClr val="black"/>
+                </a:solidFill>
+                <a:latin typeface="Segoe UI Light" panose="020B0502040204020203" pitchFamily="34" charset="0"/>
+              </a:rPr>
+              <a:t>ASP</a:t>
+            </a:r>
+            <a:r>
+              <a:rPr lang="en-US" sz="2800" dirty="0" smtClean="0">
+                <a:solidFill>
+                  <a:prstClr val="black"/>
+                </a:solidFill>
+                <a:latin typeface="Segoe UI Light" panose="020B0502040204020203" pitchFamily="34" charset="0"/>
+              </a:rPr>
+              <a:t> </a:t>
+            </a:r>
+            <a:r>
+              <a:rPr lang="en-US" sz="2800" dirty="0" err="1" smtClean="0">
+                <a:solidFill>
+                  <a:prstClr val="black"/>
+                </a:solidFill>
+                <a:latin typeface="Segoe UI Light" panose="020B0502040204020203" pitchFamily="34" charset="0"/>
+              </a:rPr>
+              <a:t>.Net</a:t>
+            </a:r>
+            <a:endParaRPr lang="en-US" sz="2800" dirty="0" smtClean="0">
+              <a:solidFill>
+                <a:prstClr val="black"/>
+              </a:solidFill>
+              <a:latin typeface="Segoe UI Light" panose="020B0502040204020203" pitchFamily="34" charset="0"/>
+            </a:endParaRPr>
+          </a:p>
+          <a:p>
+            <a:pPr marL="927100" lvl="1" indent="-342900">
+              <a:spcBef>
+                <a:spcPts val="0"/>
+              </a:spcBef>
+              <a:defRPr/>
+            </a:pPr>
+            <a:r>
+              <a:rPr kumimoji="0" lang="en-US" sz="2800" b="0" i="0" u="none" strike="noStrike" kern="1200" cap="none" spc="0" normalizeH="0" baseline="0" noProof="0" dirty="0" smtClean="0">
+                <a:ln>
+                  <a:noFill/>
+                </a:ln>
+                <a:solidFill>
+                  <a:prstClr val="black"/>
+                </a:solidFill>
+                <a:effectLst/>
+                <a:uLnTx/>
+                <a:uFillTx/>
+                <a:latin typeface="Segoe UI Light" panose="020B0502040204020203" pitchFamily="34" charset="0"/>
+              </a:rPr>
+              <a:t>PHP</a:t>
+            </a:r>
+          </a:p>
+          <a:p>
+            <a:pPr marL="1143000" lvl="2" indent="-342900">
+              <a:spcBef>
+                <a:spcPts val="0"/>
+              </a:spcBef>
+              <a:defRPr/>
+            </a:pPr>
+            <a:r>
+              <a:rPr lang="en-US" dirty="0" err="1" smtClean="0">
+                <a:solidFill>
+                  <a:prstClr val="black"/>
+                </a:solidFill>
+                <a:latin typeface="Segoe UI Light" panose="020B0502040204020203" pitchFamily="34" charset="0"/>
+              </a:rPr>
+              <a:t>Wordpress</a:t>
+            </a:r>
+            <a:r>
+              <a:rPr lang="en-US" dirty="0" smtClean="0">
+                <a:solidFill>
+                  <a:prstClr val="black"/>
+                </a:solidFill>
+                <a:latin typeface="Segoe UI Light" panose="020B0502040204020203" pitchFamily="34" charset="0"/>
+              </a:rPr>
+              <a:t> </a:t>
+            </a:r>
+          </a:p>
+          <a:p>
+            <a:pPr marL="1143000" lvl="2" indent="-342900">
+              <a:spcBef>
+                <a:spcPts val="0"/>
+              </a:spcBef>
+              <a:defRPr/>
+            </a:pPr>
+            <a:r>
+              <a:rPr kumimoji="0" lang="en-US" b="0" i="0" u="none" strike="noStrike" kern="1200" cap="none" spc="0" normalizeH="0" baseline="0" noProof="0" dirty="0" smtClean="0">
+                <a:ln>
+                  <a:noFill/>
+                </a:ln>
+                <a:solidFill>
+                  <a:prstClr val="black"/>
+                </a:solidFill>
+                <a:effectLst/>
+                <a:uLnTx/>
+                <a:uFillTx/>
+                <a:latin typeface="Segoe UI Light" panose="020B0502040204020203" pitchFamily="34" charset="0"/>
+              </a:rPr>
+              <a:t>Joomla,</a:t>
+            </a:r>
+            <a:r>
+              <a:rPr kumimoji="0" lang="en-US" b="0" i="0" u="none" strike="noStrike" kern="1200" cap="none" spc="0" normalizeH="0" noProof="0" dirty="0" smtClean="0">
+                <a:ln>
+                  <a:noFill/>
+                </a:ln>
+                <a:solidFill>
+                  <a:prstClr val="black"/>
+                </a:solidFill>
+                <a:effectLst/>
+                <a:uLnTx/>
+                <a:uFillTx/>
+                <a:latin typeface="Segoe UI Light" panose="020B0502040204020203" pitchFamily="34" charset="0"/>
+              </a:rPr>
+              <a:t> Cake PHP, </a:t>
+            </a:r>
+            <a:r>
+              <a:rPr kumimoji="0" lang="en-US" b="0" i="0" u="none" strike="noStrike" kern="1200" cap="none" spc="0" normalizeH="0" noProof="0" dirty="0" err="1" smtClean="0">
+                <a:ln>
+                  <a:noFill/>
+                </a:ln>
+                <a:solidFill>
+                  <a:prstClr val="black"/>
+                </a:solidFill>
+                <a:effectLst/>
+                <a:uLnTx/>
+                <a:uFillTx/>
+                <a:latin typeface="Segoe UI Light" panose="020B0502040204020203" pitchFamily="34" charset="0"/>
+              </a:rPr>
+              <a:t>Magento</a:t>
+            </a:r>
+            <a:r>
+              <a:rPr kumimoji="0" lang="en-US" b="0" i="0" u="none" strike="noStrike" kern="1200" cap="none" spc="0" normalizeH="0" noProof="0" dirty="0" smtClean="0">
+                <a:ln>
+                  <a:noFill/>
+                </a:ln>
+                <a:solidFill>
+                  <a:prstClr val="black"/>
+                </a:solidFill>
+                <a:effectLst/>
+                <a:uLnTx/>
+                <a:uFillTx/>
+                <a:latin typeface="Segoe UI Light" panose="020B0502040204020203" pitchFamily="34" charset="0"/>
+              </a:rPr>
+              <a:t>, Drupal </a:t>
+            </a:r>
+          </a:p>
+          <a:p>
+            <a:pPr marL="927100" lvl="1" indent="-342900">
+              <a:spcBef>
+                <a:spcPts val="0"/>
+              </a:spcBef>
+              <a:defRPr/>
+            </a:pPr>
+            <a:r>
+              <a:rPr lang="en-US" sz="2800" dirty="0">
+                <a:solidFill>
+                  <a:prstClr val="black"/>
+                </a:solidFill>
+                <a:latin typeface="Segoe UI Light" panose="020B0502040204020203" pitchFamily="34" charset="0"/>
+              </a:rPr>
+              <a:t>And Many Others…..</a:t>
+            </a:r>
+          </a:p>
+          <a:p>
+            <a:pPr lvl="1" indent="0">
+              <a:spcBef>
+                <a:spcPts val="0"/>
+              </a:spcBef>
+              <a:buNone/>
+              <a:defRPr/>
+            </a:pPr>
+            <a:endParaRPr kumimoji="0" lang="en-US" sz="3600" b="0" i="0" u="none" strike="noStrike" kern="1200" cap="none" spc="0" normalizeH="0" baseline="0" noProof="0" dirty="0">
               <a:ln>
                 <a:noFill/>
               </a:ln>
@@ -20095,14 +23220,25 @@
             </a:endParaRPr>
           </a:p>
           <a:p>
-            <a:pPr marL="927100" lvl="1" indent="-342900">
+            <a:pPr marL="342900" marR="0" lvl="0" indent="-342900" algn="l" defTabSz="932742" rtl="0" eaLnBrk="1" fontAlgn="auto" latinLnBrk="0" hangingPunct="1">
+              <a:lnSpc>
+                <a:spcPct val="90000"/>
+              </a:lnSpc>
               <a:spcBef>
                 <a:spcPts val="0"/>
               </a:spcBef>
+              <a:spcAft>
+                <a:spcPts val="0"/>
+              </a:spcAft>
+              <a:buClrTx/>
+              <a:buSzPct val="90000"/>
+              <a:buFont typeface="Arial" panose="020B0604020202020204" pitchFamily="34" charset="0"/>
+              <a:buChar char="•"/>
+              <a:tabLst/>
               <a:defRPr/>
             </a:pPr>
             <a:r>
-              <a:rPr kumimoji="0" lang="en-US" sz="1600" b="0" i="0" u="none" strike="noStrike" kern="1200" cap="none" spc="0" normalizeH="0" baseline="0" noProof="0" dirty="0" smtClean="0">
+              <a:rPr kumimoji="0" lang="en-US" sz="3600" b="1" i="0" u="none" strike="noStrike" kern="1200" cap="none" spc="0" normalizeH="0" baseline="0" noProof="0" dirty="0" smtClean="0">
                 <a:ln>
                   <a:noFill/>
                 </a:ln>
@@ -20113,11 +23249,13 @@
                 <a:uLnTx/>
                 <a:uFillTx/>
                 <a:latin typeface="Segoe UI Light" panose="020B0502040204020203" pitchFamily="34" charset="0"/>
+                <a:ea typeface="+mn-ea"/>
+                <a:cs typeface="+mn-cs"/>
               </a:rPr>
-              <a:t>Classic</a:t>
-            </a:r>
-            <a:r>
-              <a:rPr kumimoji="0" lang="en-US" sz="1600" b="0" i="0" u="none" strike="noStrike" kern="1200" cap="none" spc="0" normalizeH="0" noProof="0" dirty="0" smtClean="0">
+              <a:t>How </a:t>
+            </a:r>
+            <a:r>
+              <a:rPr kumimoji="0" lang="en-US" sz="3600" b="1" i="0" u="none" strike="noStrike" kern="1200" cap="none" spc="0" normalizeH="0" baseline="0" noProof="0" dirty="0" smtClean="0">
                 <a:ln>
                   <a:noFill/>
                 </a:ln>
@@ -20128,194 +23266,12 @@
                 <a:uLnTx/>
                 <a:uFillTx/>
                 <a:latin typeface="Segoe UI Light" panose="020B0502040204020203" pitchFamily="34" charset="0"/>
+                <a:ea typeface="+mn-ea"/>
+                <a:cs typeface="+mn-cs"/>
               </a:rPr>
-              <a:t> ASP</a:t>
-            </a:r>
-          </a:p>
-          <a:p>
-            <a:pPr marL="927100" lvl="1" indent="-342900">
-              <a:spcBef>
-                <a:spcPts val="0"/>
-              </a:spcBef>
-              <a:defRPr/>
-            </a:pPr>
-            <a:r>
-              <a:rPr lang="en-US" sz="1600" baseline="0" dirty="0" smtClean="0">
-                <a:solidFill>
-                  <a:prstClr val="black"/>
-                </a:solidFill>
-                <a:latin typeface="Segoe UI Light" panose="020B0502040204020203" pitchFamily="34" charset="0"/>
-              </a:rPr>
-              <a:t>ASP</a:t>
-            </a:r>
-            <a:r>
-              <a:rPr lang="en-US" sz="1600" dirty="0" smtClean="0">
-                <a:solidFill>
-                  <a:prstClr val="black"/>
-                </a:solidFill>
-                <a:latin typeface="Segoe UI Light" panose="020B0502040204020203" pitchFamily="34" charset="0"/>
-              </a:rPr>
-              <a:t> </a:t>
-            </a:r>
-            <a:r>
-              <a:rPr lang="en-US" sz="1600" dirty="0" err="1" smtClean="0">
-                <a:solidFill>
-                  <a:prstClr val="black"/>
-                </a:solidFill>
-                <a:latin typeface="Segoe UI Light" panose="020B0502040204020203" pitchFamily="34" charset="0"/>
-              </a:rPr>
-              <a:t>.Net</a:t>
-            </a:r>
-            <a:endParaRPr lang="en-US" sz="1600" dirty="0" smtClean="0">
-              <a:solidFill>
-                <a:prstClr val="black"/>
-              </a:solidFill>
-              <a:latin typeface="Segoe UI Light" panose="020B0502040204020203" pitchFamily="34" charset="0"/>
-            </a:endParaRPr>
-          </a:p>
-          <a:p>
-            <a:pPr marL="927100" lvl="1" indent="-342900">
-              <a:spcBef>
-                <a:spcPts val="0"/>
-              </a:spcBef>
-              <a:defRPr/>
-            </a:pPr>
-            <a:r>
-              <a:rPr kumimoji="0" lang="en-US" sz="1600" b="0" i="0" u="none" strike="noStrike" kern="1200" cap="none" spc="0" normalizeH="0" baseline="0" noProof="0" dirty="0" smtClean="0">
-                <a:ln>
-                  <a:noFill/>
-                </a:ln>
-                <a:solidFill>
-                  <a:prstClr val="black"/>
-                </a:solidFill>
-                <a:effectLst/>
-                <a:uLnTx/>
-                <a:uFillTx/>
-                <a:latin typeface="Segoe UI Light" panose="020B0502040204020203" pitchFamily="34" charset="0"/>
-              </a:rPr>
-              <a:t>PHP</a:t>
-            </a:r>
-          </a:p>
-          <a:p>
-            <a:pPr marL="1143000" lvl="2" indent="-342900">
-              <a:spcBef>
-                <a:spcPts val="0"/>
-              </a:spcBef>
-              <a:defRPr/>
-            </a:pPr>
-            <a:r>
-              <a:rPr lang="en-US" sz="1200" dirty="0" err="1" smtClean="0">
-                <a:solidFill>
-                  <a:prstClr val="black"/>
-                </a:solidFill>
-                <a:latin typeface="Segoe UI Light" panose="020B0502040204020203" pitchFamily="34" charset="0"/>
-              </a:rPr>
-              <a:t>Wordpress</a:t>
-            </a:r>
-            <a:r>
-              <a:rPr lang="en-US" sz="1200" dirty="0" smtClean="0">
-                <a:solidFill>
-                  <a:prstClr val="black"/>
-                </a:solidFill>
-                <a:latin typeface="Segoe UI Light" panose="020B0502040204020203" pitchFamily="34" charset="0"/>
-              </a:rPr>
-              <a:t> </a:t>
-            </a:r>
-          </a:p>
-          <a:p>
-            <a:pPr marL="1143000" lvl="2" indent="-342900">
-              <a:spcBef>
-                <a:spcPts val="0"/>
-              </a:spcBef>
-              <a:defRPr/>
-            </a:pPr>
-            <a:r>
-              <a:rPr kumimoji="0" lang="en-US" sz="1200" b="0" i="0" u="none" strike="noStrike" kern="1200" cap="none" spc="0" normalizeH="0" baseline="0" noProof="0" dirty="0" smtClean="0">
-                <a:ln>
-                  <a:noFill/>
-                </a:ln>
-                <a:solidFill>
-                  <a:prstClr val="black"/>
-                </a:solidFill>
-                <a:effectLst/>
-                <a:uLnTx/>
-                <a:uFillTx/>
-                <a:latin typeface="Segoe UI Light" panose="020B0502040204020203" pitchFamily="34" charset="0"/>
-              </a:rPr>
-              <a:t>Joomla,</a:t>
-            </a:r>
-            <a:r>
-              <a:rPr kumimoji="0" lang="en-US" sz="1200" b="0" i="0" u="none" strike="noStrike" kern="1200" cap="none" spc="0" normalizeH="0" noProof="0" dirty="0" smtClean="0">
-                <a:ln>
-                  <a:noFill/>
-                </a:ln>
-                <a:solidFill>
-                  <a:prstClr val="black"/>
-                </a:solidFill>
-                <a:effectLst/>
-                <a:uLnTx/>
-                <a:uFillTx/>
-                <a:latin typeface="Segoe UI Light" panose="020B0502040204020203" pitchFamily="34" charset="0"/>
-              </a:rPr>
-              <a:t> Cake PHP, </a:t>
-            </a:r>
-            <a:r>
-              <a:rPr kumimoji="0" lang="en-US" sz="1200" b="0" i="0" u="none" strike="noStrike" kern="1200" cap="none" spc="0" normalizeH="0" noProof="0" dirty="0" err="1" smtClean="0">
-                <a:ln>
-                  <a:noFill/>
-                </a:ln>
-                <a:solidFill>
-                  <a:prstClr val="black"/>
-                </a:solidFill>
-                <a:effectLst/>
-                <a:uLnTx/>
-                <a:uFillTx/>
-                <a:latin typeface="Segoe UI Light" panose="020B0502040204020203" pitchFamily="34" charset="0"/>
-              </a:rPr>
-              <a:t>Magento</a:t>
-            </a:r>
-            <a:r>
-              <a:rPr kumimoji="0" lang="en-US" sz="1200" b="0" i="0" u="none" strike="noStrike" kern="1200" cap="none" spc="0" normalizeH="0" noProof="0" dirty="0" smtClean="0">
-                <a:ln>
-                  <a:noFill/>
-                </a:ln>
-                <a:solidFill>
-                  <a:prstClr val="black"/>
-                </a:solidFill>
-                <a:effectLst/>
-                <a:uLnTx/>
-                <a:uFillTx/>
-                <a:latin typeface="Segoe UI Light" panose="020B0502040204020203" pitchFamily="34" charset="0"/>
-              </a:rPr>
-              <a:t>, Drupal </a:t>
-            </a:r>
-          </a:p>
-          <a:p>
-            <a:pPr marL="927100" lvl="1" indent="-342900">
-              <a:spcBef>
-                <a:spcPts val="0"/>
-              </a:spcBef>
-              <a:defRPr/>
-            </a:pPr>
-            <a:r>
-              <a:rPr lang="en-US" sz="1600" dirty="0">
-                <a:solidFill>
-                  <a:prstClr val="black"/>
-                </a:solidFill>
-                <a:latin typeface="Segoe UI Light" panose="020B0502040204020203" pitchFamily="34" charset="0"/>
-              </a:rPr>
-              <a:t>And Many Others…..</a:t>
-            </a:r>
-          </a:p>
-          <a:p>
-            <a:pPr lvl="1" indent="0">
-              <a:spcBef>
-                <a:spcPts val="0"/>
-              </a:spcBef>
-              <a:buNone/>
-              <a:defRPr/>
-            </a:pPr>
-            <a:endParaRPr kumimoji="0" lang="en-US" sz="2000" b="0" i="0" u="none" strike="noStrike" kern="1200" cap="none" spc="0" normalizeH="0" baseline="0" noProof="0" dirty="0">
+              <a:t>?</a:t>
+            </a:r>
+            <a:endParaRPr kumimoji="0" lang="en-US" sz="3600" b="1" i="0" u="none" strike="noStrike" kern="1200" cap="none" spc="0" normalizeH="0" baseline="0" noProof="0" dirty="0" smtClean="0">
               <a:ln>
                 <a:noFill/>
               </a:ln>
@@ -20331,25 +23287,31 @@
             </a:endParaRPr>
           </a:p>
           <a:p>
-            <a:pPr marL="342900" marR="0" lvl="0" indent="-342900" algn="l" defTabSz="932742" rtl="0" eaLnBrk="1" fontAlgn="auto" latinLnBrk="0" hangingPunct="1">
-              <a:lnSpc>
-                <a:spcPct val="90000"/>
-              </a:lnSpc>
+            <a:pPr marL="927100" lvl="1" indent="-342900">
               <a:spcBef>
                 <a:spcPts val="0"/>
               </a:spcBef>
-              <a:spcAft>
-                <a:spcPts val="0"/>
-              </a:spcAft>
-              <a:buClrTx/>
-              <a:buSzPct val="90000"/>
-              <a:buFont typeface="Arial" panose="020B0604020202020204" pitchFamily="34" charset="0"/>
-              <a:buChar char="•"/>
-              <a:tabLst/>
               <a:defRPr/>
             </a:pPr>
             <a:r>
-              <a:rPr kumimoji="0" lang="en-US" sz="2000" b="1" i="0" u="none" strike="noStrike" kern="1200" cap="none" spc="0" normalizeH="0" baseline="0" noProof="0" dirty="0" smtClean="0">
+              <a:rPr lang="en-US" sz="2800" dirty="0" smtClean="0">
+                <a:solidFill>
+                  <a:prstClr val="black"/>
+                </a:solidFill>
+                <a:latin typeface="Segoe UI Light" panose="020B0502040204020203" pitchFamily="34" charset="0"/>
+              </a:rPr>
+              <a:t>FTP</a:t>
+            </a:r>
+          </a:p>
+          <a:p>
+            <a:pPr marL="927100" lvl="1" indent="-342900">
+              <a:spcBef>
+                <a:spcPts val="0"/>
+              </a:spcBef>
+              <a:defRPr/>
+            </a:pPr>
+            <a:r>
+              <a:rPr kumimoji="0" lang="en-US" sz="2800" b="0" i="0" u="none" strike="noStrike" kern="1200" cap="none" spc="0" normalizeH="0" baseline="0" noProof="0" dirty="0" smtClean="0">
                 <a:ln>
                   <a:noFill/>
                 </a:ln>
@@ -20360,14 +23322,144 @@
                 <a:uLnTx/>
                 <a:uFillTx/>
                 <a:latin typeface="Segoe UI Light" panose="020B0502040204020203" pitchFamily="34" charset="0"/>
-                <a:ea typeface="+mn-ea"/>
-                <a:cs typeface="+mn-cs"/>
               </a:rPr>
-              <a:t>How ?</a:t>
-            </a:r>
-          </a:p>
-          <a:p>
-            <a:pPr marL="342900" marR="0" lvl="0" indent="-342900" algn="l" defTabSz="932742" rtl="0" eaLnBrk="1" fontAlgn="auto" latinLnBrk="0" hangingPunct="1">
+              <a:t>Web Deploy</a:t>
+            </a:r>
+          </a:p>
+          <a:p>
+            <a:pPr marL="927100" lvl="1" indent="-342900">
+              <a:spcBef>
+                <a:spcPts val="0"/>
+              </a:spcBef>
+              <a:defRPr/>
+            </a:pPr>
+            <a:r>
+              <a:rPr lang="en-US" sz="2800" dirty="0" err="1" smtClean="0">
+                <a:solidFill>
+                  <a:prstClr val="black"/>
+                </a:solidFill>
+                <a:latin typeface="Segoe UI Light" panose="020B0502040204020203" pitchFamily="34" charset="0"/>
+              </a:rPr>
+              <a:t>Git</a:t>
+            </a:r>
+            <a:r>
+              <a:rPr lang="en-US" sz="2800" dirty="0" smtClean="0">
+                <a:solidFill>
+                  <a:prstClr val="black"/>
+                </a:solidFill>
+                <a:latin typeface="Segoe UI Light" panose="020B0502040204020203" pitchFamily="34" charset="0"/>
+              </a:rPr>
+              <a:t> (</a:t>
+            </a:r>
+            <a:r>
+              <a:rPr lang="en-US" sz="2800" dirty="0" err="1" smtClean="0">
+                <a:solidFill>
+                  <a:prstClr val="black"/>
+                </a:solidFill>
+                <a:latin typeface="Segoe UI Light" panose="020B0502040204020203" pitchFamily="34" charset="0"/>
+              </a:rPr>
+              <a:t>Github</a:t>
+            </a:r>
+            <a:r>
+              <a:rPr lang="en-US" sz="2800" dirty="0" smtClean="0">
+                <a:solidFill>
+                  <a:prstClr val="black"/>
+                </a:solidFill>
+                <a:latin typeface="Segoe UI Light" panose="020B0502040204020203" pitchFamily="34" charset="0"/>
+              </a:rPr>
+              <a:t>, </a:t>
+            </a:r>
+            <a:r>
+              <a:rPr lang="en-US" sz="2800" dirty="0" err="1" smtClean="0">
+                <a:solidFill>
+                  <a:prstClr val="black"/>
+                </a:solidFill>
+                <a:latin typeface="Segoe UI Light" panose="020B0502040204020203" pitchFamily="34" charset="0"/>
+              </a:rPr>
+              <a:t>Codeplex</a:t>
+            </a:r>
+            <a:r>
+              <a:rPr lang="en-US" sz="2800" dirty="0" smtClean="0">
+                <a:solidFill>
+                  <a:prstClr val="black"/>
+                </a:solidFill>
+                <a:latin typeface="Segoe UI Light" panose="020B0502040204020203" pitchFamily="34" charset="0"/>
+              </a:rPr>
+              <a:t>, Local </a:t>
+            </a:r>
+            <a:r>
+              <a:rPr lang="en-US" sz="2800" dirty="0" err="1" smtClean="0">
+                <a:solidFill>
+                  <a:prstClr val="black"/>
+                </a:solidFill>
+                <a:latin typeface="Segoe UI Light" panose="020B0502040204020203" pitchFamily="34" charset="0"/>
+              </a:rPr>
+              <a:t>Git</a:t>
+            </a:r>
+            <a:r>
+              <a:rPr lang="en-US" sz="2800" dirty="0" smtClean="0">
+                <a:solidFill>
+                  <a:prstClr val="black"/>
+                </a:solidFill>
+                <a:latin typeface="Segoe UI Light" panose="020B0502040204020203" pitchFamily="34" charset="0"/>
+              </a:rPr>
+              <a:t>)</a:t>
+            </a:r>
+          </a:p>
+          <a:p>
+            <a:pPr marL="927100" lvl="1" indent="-342900">
+              <a:spcBef>
+                <a:spcPts val="0"/>
+              </a:spcBef>
+              <a:defRPr/>
+            </a:pPr>
+            <a:r>
+              <a:rPr kumimoji="0" lang="en-US" sz="2800" b="0" i="0" u="none" strike="noStrike" kern="1200" cap="none" spc="0" normalizeH="0" baseline="0" noProof="0" dirty="0" smtClean="0">
+                <a:ln>
+                  <a:noFill/>
+                </a:ln>
+                <a:solidFill>
+                  <a:prstClr val="black"/>
+                </a:solidFill>
+                <a:effectLst/>
+                <a:uLnTx/>
+                <a:uFillTx/>
+                <a:latin typeface="Segoe UI Light" panose="020B0502040204020203" pitchFamily="34" charset="0"/>
+              </a:rPr>
+              <a:t>TFS</a:t>
+            </a:r>
+          </a:p>
+          <a:p>
+            <a:pPr marL="927100" lvl="1" indent="-342900">
+              <a:spcBef>
+                <a:spcPts val="0"/>
+              </a:spcBef>
+              <a:defRPr/>
+            </a:pPr>
+            <a:r>
+              <a:rPr lang="en-US" sz="2800" dirty="0" smtClean="0">
+                <a:solidFill>
+                  <a:prstClr val="black"/>
+                </a:solidFill>
+                <a:latin typeface="Segoe UI Light" panose="020B0502040204020203" pitchFamily="34" charset="0"/>
+              </a:rPr>
+              <a:t>Dropbox !</a:t>
+            </a:r>
+            <a:endParaRPr kumimoji="0" lang="en-US" sz="2800" b="0" i="0" u="none" strike="noStrike" kern="1200" cap="none" spc="0" normalizeH="0" baseline="0" noProof="0" dirty="0" smtClean="0">
+              <a:ln>
+                <a:noFill/>
+              </a:ln>
+              <a:solidFill>
+                <a:prstClr val="black"/>
+              </a:solidFill>
+              <a:effectLst/>
+              <a:uLnTx/>
+              <a:uFillTx/>
+              <a:latin typeface="Segoe UI Light" panose="020B0502040204020203" pitchFamily="34" charset="0"/>
+            </a:endParaRPr>
+          </a:p>
+          <a:p>
+            <a:pPr marR="0" lvl="0" algn="l" defTabSz="932742" rtl="0" eaLnBrk="1" fontAlgn="auto" latinLnBrk="0" hangingPunct="1">
               <a:lnSpc>
                 <a:spcPct val="90000"/>
               </a:lnSpc>
@@ -20379,12 +23471,10 @@
               </a:spcAft>
               <a:buClrTx/>
               <a:buSzPct val="90000"/>
-              <a:buFont typeface="Arial" panose="020B0604020202020204" pitchFamily="34" charset="0"/>
-              <a:buChar char="•"/>
               <a:tabLst/>
               <a:defRPr/>
             </a:pPr>
-            <a:endParaRPr kumimoji="0" lang="en-US" sz="2000" b="1" i="0" u="none" strike="noStrike" kern="1200" cap="none" spc="0" normalizeH="0" baseline="0" noProof="0" dirty="0" smtClean="0">
+            <a:endParaRPr kumimoji="0" lang="en-US" sz="3600" b="0" i="0" u="none" strike="noStrike" kern="1200" cap="none" spc="0" normalizeH="0" baseline="0" noProof="0" dirty="0">
               <a:ln>
                 <a:noFill/>
               </a:ln>
@@ -20400,180 +23490,6 @@
             </a:endParaRPr>
           </a:p>
           <a:p>
-            <a:pPr marL="927100" lvl="1" indent="-342900">
-              <a:spcBef>
-                <a:spcPts val="0"/>
-              </a:spcBef>
-              <a:defRPr/>
-            </a:pPr>
-            <a:r>
-              <a:rPr lang="en-US" sz="1600" dirty="0" smtClean="0">
-                <a:solidFill>
-                  <a:prstClr val="black"/>
-                </a:solidFill>
-                <a:latin typeface="Segoe UI Light" panose="020B0502040204020203" pitchFamily="34" charset="0"/>
-              </a:rPr>
-              <a:t>FTP</a:t>
-            </a:r>
-          </a:p>
-          <a:p>
-            <a:pPr marL="927100" lvl="1" indent="-342900">
-              <a:spcBef>
-                <a:spcPts val="0"/>
-              </a:spcBef>
-              <a:defRPr/>
-            </a:pPr>
-            <a:r>
-              <a:rPr kumimoji="0" lang="en-US" sz="1600" b="0" i="0" u="none" strike="noStrike" kern="1200" cap="none" spc="0" normalizeH="0" baseline="0" noProof="0" dirty="0" smtClean="0">
-                <a:ln>
-                  <a:noFill/>
-                </a:ln>
-                <a:solidFill>
-                  <a:prstClr val="black"/>
-                </a:solidFill>
-                <a:effectLst/>
-                <a:uLnTx/>
-                <a:uFillTx/>
-                <a:latin typeface="Segoe UI Light" panose="020B0502040204020203" pitchFamily="34" charset="0"/>
-              </a:rPr>
-              <a:t>Web Deploy</a:t>
-            </a:r>
-          </a:p>
-          <a:p>
-            <a:pPr marL="927100" lvl="1" indent="-342900">
-              <a:spcBef>
-                <a:spcPts val="0"/>
-              </a:spcBef>
-              <a:defRPr/>
-            </a:pPr>
-            <a:r>
-              <a:rPr lang="en-US" sz="1600" dirty="0" err="1" smtClean="0">
-                <a:solidFill>
-                  <a:prstClr val="black"/>
-                </a:solidFill>
-                <a:latin typeface="Segoe UI Light" panose="020B0502040204020203" pitchFamily="34" charset="0"/>
-              </a:rPr>
-              <a:t>Git</a:t>
-            </a:r>
-            <a:r>
-              <a:rPr lang="en-US" sz="1600" dirty="0" smtClean="0">
-                <a:solidFill>
-                  <a:prstClr val="black"/>
-                </a:solidFill>
-                <a:latin typeface="Segoe UI Light" panose="020B0502040204020203" pitchFamily="34" charset="0"/>
-              </a:rPr>
-              <a:t> (</a:t>
-            </a:r>
-            <a:r>
-              <a:rPr lang="en-US" sz="1600" dirty="0" err="1" smtClean="0">
-                <a:solidFill>
-                  <a:prstClr val="black"/>
-                </a:solidFill>
-                <a:latin typeface="Segoe UI Light" panose="020B0502040204020203" pitchFamily="34" charset="0"/>
-              </a:rPr>
-              <a:t>Github</a:t>
-            </a:r>
-            <a:r>
-              <a:rPr lang="en-US" sz="1600" dirty="0" smtClean="0">
-                <a:solidFill>
-                  <a:prstClr val="black"/>
-                </a:solidFill>
-                <a:latin typeface="Segoe UI Light" panose="020B0502040204020203" pitchFamily="34" charset="0"/>
-              </a:rPr>
-              <a:t>, </a:t>
-            </a:r>
-            <a:r>
-              <a:rPr lang="en-US" sz="1600" dirty="0" err="1" smtClean="0">
-                <a:solidFill>
-                  <a:prstClr val="black"/>
-                </a:solidFill>
-                <a:latin typeface="Segoe UI Light" panose="020B0502040204020203" pitchFamily="34" charset="0"/>
-              </a:rPr>
-              <a:t>Codeplex</a:t>
-            </a:r>
-            <a:r>
-              <a:rPr lang="en-US" sz="1600" dirty="0" smtClean="0">
-                <a:solidFill>
-                  <a:prstClr val="black"/>
-                </a:solidFill>
-                <a:latin typeface="Segoe UI Light" panose="020B0502040204020203" pitchFamily="34" charset="0"/>
-              </a:rPr>
-              <a:t>, Local </a:t>
-            </a:r>
-            <a:r>
-              <a:rPr lang="en-US" sz="1600" dirty="0" err="1" smtClean="0">
-                <a:solidFill>
-                  <a:prstClr val="black"/>
-                </a:solidFill>
-                <a:latin typeface="Segoe UI Light" panose="020B0502040204020203" pitchFamily="34" charset="0"/>
-              </a:rPr>
-              <a:t>Git</a:t>
-            </a:r>
-            <a:r>
-              <a:rPr lang="en-US" sz="1600" dirty="0" smtClean="0">
-                <a:solidFill>
-                  <a:prstClr val="black"/>
-                </a:solidFill>
-                <a:latin typeface="Segoe UI Light" panose="020B0502040204020203" pitchFamily="34" charset="0"/>
-              </a:rPr>
-              <a:t>)</a:t>
-            </a:r>
-          </a:p>
-          <a:p>
-            <a:pPr marL="927100" lvl="1" indent="-342900">
-              <a:spcBef>
-                <a:spcPts val="0"/>
-              </a:spcBef>
-              <a:defRPr/>
-            </a:pPr>
-            <a:r>
-              <a:rPr kumimoji="0" lang="en-US" sz="1600" b="0" i="0" u="none" strike="noStrike" kern="1200" cap="none" spc="0" normalizeH="0" baseline="0" noProof="0" dirty="0" smtClean="0">
-                <a:ln>
-                  <a:noFill/>
-                </a:ln>
-                <a:solidFill>
-                  <a:prstClr val="black"/>
-                </a:solidFill>
-                <a:effectLst/>
-                <a:uLnTx/>
-                <a:uFillTx/>
-                <a:latin typeface="Segoe UI Light" panose="020B0502040204020203" pitchFamily="34" charset="0"/>
-              </a:rPr>
-              <a:t>TFS</a:t>
-            </a:r>
-          </a:p>
-          <a:p>
-            <a:pPr marR="0" lvl="0" algn="l" defTabSz="932742" rtl="0" eaLnBrk="1" fontAlgn="auto" latinLnBrk="0" hangingPunct="1">
-              <a:lnSpc>
-                <a:spcPct val="90000"/>
-              </a:lnSpc>
-              <a:spcBef>
-                <a:spcPts val="0"/>
-              </a:spcBef>
-              <a:spcAft>
-                <a:spcPts val="0"/>
-              </a:spcAft>
-              <a:buClrTx/>
-              <a:buSzPct val="90000"/>
-              <a:tabLst/>
-              <a:defRPr/>
-            </a:pPr>
-            <a:endParaRPr kumimoji="0" lang="en-US" sz="2000" b="0" i="0" u="none" strike="noStrike" kern="1200" cap="none" spc="0" normalizeH="0" baseline="0" noProof="0" dirty="0">
-              <a:ln>
-                <a:noFill/>
-              </a:ln>
-              <a:solidFill>
-                <a:prstClr val="black"/>
-              </a:solidFill>
-              <a:effectLst/>
-              <a:uLnTx/>
-              <a:uFillTx/>
-              <a:latin typeface="Segoe UI Light" panose="020B0502040204020203" pitchFamily="34" charset="0"/>
-              <a:ea typeface="+mn-ea"/>
-              <a:cs typeface="+mn-cs"/>
-            </a:endParaRPr>
-          </a:p>
-          <a:p>
             <a:pPr marL="342900" marR="0" lvl="0" indent="-342900" algn="l" defTabSz="932742" rtl="0" eaLnBrk="1" fontAlgn="auto" latinLnBrk="0" hangingPunct="1">
               <a:lnSpc>
                 <a:spcPct val="90000"/>
@@ -20591,7 +23507,7 @@
               <a:tabLst/>
               <a:defRPr/>
             </a:pPr>
-            <a:endParaRPr kumimoji="0" lang="en-US" sz="2000" b="0" i="0" u="none" strike="noStrike" kern="1200" cap="none" spc="0" normalizeH="0" baseline="0" noProof="0" dirty="0" smtClean="0">
+            <a:endParaRPr kumimoji="0" lang="en-US" sz="3600" b="0" i="0" u="none" strike="noStrike" kern="1200" cap="none" spc="0" normalizeH="0" baseline="0" noProof="0" dirty="0" smtClean="0">
               <a:ln>
                 <a:noFill/>
               </a:ln>
@@ -20647,6 +23563,663 @@
       </p:grpSpPr>
       <p:sp>
         <p:nvSpPr>
+          <p:cNvPr id="4" name="Title 1"/>
+          <p:cNvSpPr txBox="1">
+            <a:spLocks/>
+          </p:cNvSpPr>
+          <p:nvPr/>
+        </p:nvSpPr>
+        <p:spPr>
+          <a:xfrm>
+            <a:off x="573275" y="435448"/>
+            <a:ext cx="7160576" cy="643753"/>
+          </a:xfrm>
+          <a:prstGeom prst="rect">
+            <a:avLst/>
+          </a:prstGeom>
+          <a:noFill/>
+        </p:spPr>
+        <p:txBody>
+          <a:bodyPr vert="horz" lIns="91440" tIns="91440" rIns="91440" bIns="91440" rtlCol="0" anchor="t" anchorCtr="0">
+            <a:noAutofit/>
+          </a:bodyPr>
+          <a:lstStyle>
+            <a:lvl1pPr algn="ctr" defTabSz="914400" rtl="0" eaLnBrk="1" latinLnBrk="0" hangingPunct="1">
+              <a:lnSpc>
+                <a:spcPct val="90000"/>
+              </a:lnSpc>
+              <a:spcBef>
+                <a:spcPct val="0"/>
+              </a:spcBef>
+              <a:buNone/>
+              <a:defRPr sz="8800" kern="1200" spc="-100" baseline="0">
+                <a:gradFill>
+                  <a:gsLst>
+                    <a:gs pos="100000">
+                      <a:schemeClr val="tx1"/>
+                    </a:gs>
+                    <a:gs pos="0">
+                      <a:schemeClr val="tx1"/>
+                    </a:gs>
+                  </a:gsLst>
+                  <a:lin ang="5400000" scaled="0"/>
+                </a:gradFill>
+                <a:latin typeface="+mj-lt"/>
+                <a:ea typeface="+mj-ea"/>
+                <a:cs typeface="+mj-cs"/>
+              </a:defRPr>
+            </a:lvl1pPr>
+          </a:lstStyle>
+          <a:p>
+            <a:pPr marL="0" marR="0" lvl="0" indent="0" algn="l" defTabSz="914400" rtl="0" eaLnBrk="1" fontAlgn="auto" latinLnBrk="0" hangingPunct="1">
+              <a:lnSpc>
+                <a:spcPct val="90000"/>
+              </a:lnSpc>
+              <a:spcBef>
+                <a:spcPct val="0"/>
+              </a:spcBef>
+              <a:spcAft>
+                <a:spcPts val="0"/>
+              </a:spcAft>
+              <a:buClrTx/>
+              <a:buSzTx/>
+              <a:buFontTx/>
+              <a:buNone/>
+              <a:tabLst/>
+              <a:defRPr/>
+            </a:pPr>
+            <a:r>
+              <a:rPr lang="en-US" sz="4400" dirty="0" smtClean="0">
+                <a:solidFill>
+                  <a:srgbClr val="00B0F0"/>
+                </a:solidFill>
+                <a:latin typeface="Segoe UI Light" panose="020B0502040204020203" pitchFamily="34" charset="0"/>
+              </a:rPr>
+              <a:t>Supported PHP Versions</a:t>
+            </a:r>
+            <a:endParaRPr kumimoji="0" lang="en-US" sz="4400" b="0" i="0" u="none" strike="noStrike" kern="1200" cap="none" spc="-100" normalizeH="0" baseline="0" noProof="0" dirty="0">
+              <a:ln>
+                <a:noFill/>
+              </a:ln>
+              <a:solidFill>
+                <a:srgbClr val="00B0F0"/>
+              </a:solidFill>
+              <a:effectLst/>
+              <a:uLnTx/>
+              <a:uFillTx/>
+              <a:latin typeface="Segoe UI Light" panose="020B0502040204020203" pitchFamily="34" charset="0"/>
+              <a:ea typeface="+mj-ea"/>
+              <a:cs typeface="+mj-cs"/>
+            </a:endParaRPr>
+          </a:p>
+        </p:txBody>
+      </p:sp>
+      <p:sp>
+        <p:nvSpPr>
+          <p:cNvPr id="5" name="Text Placeholder 4"/>
+          <p:cNvSpPr txBox="1">
+            <a:spLocks/>
+          </p:cNvSpPr>
+          <p:nvPr/>
+        </p:nvSpPr>
+        <p:spPr bwMode="ltGray">
+          <a:xfrm>
+            <a:off x="518682" y="1369185"/>
+            <a:ext cx="10758917" cy="4854634"/>
+          </a:xfrm>
+          <a:prstGeom prst="rect">
+            <a:avLst/>
+          </a:prstGeom>
+          <a:noFill/>
+        </p:spPr>
+        <p:txBody>
+          <a:bodyPr vert="horz" wrap="square" lIns="146304" tIns="109728" rIns="146304" bIns="109728" rtlCol="0">
+            <a:noAutofit/>
+          </a:bodyPr>
+          <a:lstStyle>
+            <a:lvl1pPr marL="0" marR="0" indent="0" algn="l" defTabSz="932742" rtl="0" eaLnBrk="1" fontAlgn="auto" latinLnBrk="0" hangingPunct="1">
+              <a:lnSpc>
+                <a:spcPct val="90000"/>
+              </a:lnSpc>
+              <a:spcBef>
+                <a:spcPts val="0"/>
+              </a:spcBef>
+              <a:spcAft>
+                <a:spcPts val="0"/>
+              </a:spcAft>
+              <a:buClrTx/>
+              <a:buSzPct val="90000"/>
+              <a:buFont typeface="Arial" pitchFamily="34" charset="0"/>
+              <a:buNone/>
+              <a:tabLst/>
+              <a:defRPr sz="3200" kern="1200" spc="0" baseline="0">
+                <a:gradFill>
+                  <a:gsLst>
+                    <a:gs pos="1250">
+                      <a:srgbClr val="FFFFFF"/>
+                    </a:gs>
+                    <a:gs pos="99000">
+                      <a:srgbClr val="FFFFFF"/>
+                    </a:gs>
+                  </a:gsLst>
+                  <a:lin ang="5400000" scaled="0"/>
+                </a:gradFill>
+                <a:latin typeface="+mj-lt"/>
+                <a:ea typeface="+mn-ea"/>
+                <a:cs typeface="+mn-cs"/>
+              </a:defRPr>
+            </a:lvl1pPr>
+            <a:lvl2pPr marL="584200" marR="0" indent="-241300" algn="l" defTabSz="932742" rtl="0" eaLnBrk="1" fontAlgn="auto" latinLnBrk="0" hangingPunct="1">
+              <a:lnSpc>
+                <a:spcPct val="90000"/>
+              </a:lnSpc>
+              <a:spcBef>
+                <a:spcPct val="20000"/>
+              </a:spcBef>
+              <a:spcAft>
+                <a:spcPts val="0"/>
+              </a:spcAft>
+              <a:buClrTx/>
+              <a:buSzPct val="90000"/>
+              <a:buFont typeface="Arial" pitchFamily="34" charset="0"/>
+              <a:buChar char="•"/>
+              <a:tabLst/>
+              <a:defRPr sz="2400" kern="1200" spc="0" baseline="0">
+                <a:gradFill>
+                  <a:gsLst>
+                    <a:gs pos="1250">
+                      <a:schemeClr val="tx1"/>
+                    </a:gs>
+                    <a:gs pos="100000">
+                      <a:schemeClr val="tx1"/>
+                    </a:gs>
+                  </a:gsLst>
+                  <a:lin ang="5400000" scaled="0"/>
+                </a:gradFill>
+                <a:latin typeface="+mn-lt"/>
+                <a:ea typeface="+mn-ea"/>
+                <a:cs typeface="+mn-cs"/>
+              </a:defRPr>
+            </a:lvl2pPr>
+            <a:lvl3pPr marL="800100" marR="0" indent="-228600" algn="l" defTabSz="932742" rtl="0" eaLnBrk="1" fontAlgn="auto" latinLnBrk="0" hangingPunct="1">
+              <a:lnSpc>
+                <a:spcPct val="90000"/>
+              </a:lnSpc>
+              <a:spcBef>
+                <a:spcPct val="20000"/>
+              </a:spcBef>
+              <a:spcAft>
+                <a:spcPts val="0"/>
+              </a:spcAft>
+              <a:buClrTx/>
+              <a:buSzPct val="90000"/>
+              <a:buFont typeface="Arial" pitchFamily="34" charset="0"/>
+              <a:buChar char="•"/>
+              <a:tabLst/>
+              <a:defRPr sz="2000" kern="1200" spc="0" baseline="0">
+                <a:gradFill>
+                  <a:gsLst>
+                    <a:gs pos="1250">
+                      <a:schemeClr val="tx1"/>
+                    </a:gs>
+                    <a:gs pos="100000">
+                      <a:schemeClr val="tx1"/>
+                    </a:gs>
+                  </a:gsLst>
+                  <a:lin ang="5400000" scaled="0"/>
+                </a:gradFill>
+                <a:latin typeface="+mn-lt"/>
+                <a:ea typeface="+mn-ea"/>
+                <a:cs typeface="+mn-cs"/>
+              </a:defRPr>
+            </a:lvl3pPr>
+            <a:lvl4pPr marL="1028700" marR="0" indent="-228600" algn="l" defTabSz="932742" rtl="0" eaLnBrk="1" fontAlgn="auto" latinLnBrk="0" hangingPunct="1">
+              <a:lnSpc>
+                <a:spcPct val="90000"/>
+              </a:lnSpc>
+              <a:spcBef>
+                <a:spcPct val="20000"/>
+              </a:spcBef>
+              <a:spcAft>
+                <a:spcPts val="0"/>
+              </a:spcAft>
+              <a:buClrTx/>
+              <a:buSzPct val="90000"/>
+              <a:buFont typeface="Arial" pitchFamily="34" charset="0"/>
+              <a:buChar char="•"/>
+              <a:tabLst/>
+              <a:defRPr sz="1800" kern="1200" spc="0" baseline="0">
+                <a:gradFill>
+                  <a:gsLst>
+                    <a:gs pos="1250">
+                      <a:schemeClr val="tx1"/>
+                    </a:gs>
+                    <a:gs pos="100000">
+                      <a:schemeClr val="tx1"/>
+                    </a:gs>
+                  </a:gsLst>
+                  <a:lin ang="5400000" scaled="0"/>
+                </a:gradFill>
+                <a:latin typeface="+mn-lt"/>
+                <a:ea typeface="+mn-ea"/>
+                <a:cs typeface="+mn-cs"/>
+              </a:defRPr>
+            </a:lvl4pPr>
+            <a:lvl5pPr marL="1257300" marR="0" indent="-228600" algn="l" defTabSz="932742" rtl="0" eaLnBrk="1" fontAlgn="auto" latinLnBrk="0" hangingPunct="1">
+              <a:lnSpc>
+                <a:spcPct val="90000"/>
+              </a:lnSpc>
+              <a:spcBef>
+                <a:spcPct val="20000"/>
+              </a:spcBef>
+              <a:spcAft>
+                <a:spcPts val="0"/>
+              </a:spcAft>
+              <a:buClrTx/>
+              <a:buSzPct val="90000"/>
+              <a:buFont typeface="Arial" pitchFamily="34" charset="0"/>
+              <a:buChar char="•"/>
+              <a:tabLst/>
+              <a:defRPr sz="1800" kern="1200" spc="0" baseline="0">
+                <a:gradFill>
+                  <a:gsLst>
+                    <a:gs pos="1250">
+                      <a:schemeClr val="tx1"/>
+                    </a:gs>
+                    <a:gs pos="100000">
+                      <a:schemeClr val="tx1"/>
+                    </a:gs>
+                  </a:gsLst>
+                  <a:lin ang="5400000" scaled="0"/>
+                </a:gradFill>
+                <a:latin typeface="+mn-lt"/>
+                <a:ea typeface="+mn-ea"/>
+                <a:cs typeface="+mn-cs"/>
+              </a:defRPr>
+            </a:lvl5pPr>
+            <a:lvl6pPr marL="2565040" indent="-233186" algn="l" defTabSz="932742" rtl="0" eaLnBrk="1" latinLnBrk="0" hangingPunct="1">
+              <a:spcBef>
+                <a:spcPct val="20000"/>
+              </a:spcBef>
+              <a:buFont typeface="Arial" pitchFamily="34" charset="0"/>
+              <a:buChar char="•"/>
+              <a:defRPr sz="2000" kern="1200">
+                <a:solidFill>
+                  <a:schemeClr val="tx1"/>
+                </a:solidFill>
+                <a:latin typeface="+mn-lt"/>
+                <a:ea typeface="+mn-ea"/>
+                <a:cs typeface="+mn-cs"/>
+              </a:defRPr>
+            </a:lvl6pPr>
+            <a:lvl7pPr marL="3031412" indent="-233186" algn="l" defTabSz="932742" rtl="0" eaLnBrk="1" latinLnBrk="0" hangingPunct="1">
+              <a:spcBef>
+                <a:spcPct val="20000"/>
+              </a:spcBef>
+              <a:buFont typeface="Arial" pitchFamily="34" charset="0"/>
+              <a:buChar char="•"/>
+              <a:defRPr sz="2000" kern="1200">
+                <a:solidFill>
+                  <a:schemeClr val="tx1"/>
+                </a:solidFill>
+                <a:latin typeface="+mn-lt"/>
+                <a:ea typeface="+mn-ea"/>
+                <a:cs typeface="+mn-cs"/>
+              </a:defRPr>
+            </a:lvl7pPr>
+            <a:lvl8pPr marL="3497783" indent="-233186" algn="l" defTabSz="932742" rtl="0" eaLnBrk="1" latinLnBrk="0" hangingPunct="1">
+              <a:spcBef>
+                <a:spcPct val="20000"/>
+              </a:spcBef>
+              <a:buFont typeface="Arial" pitchFamily="34" charset="0"/>
+              <a:buChar char="•"/>
+              <a:defRPr sz="2000" kern="1200">
+                <a:solidFill>
+                  <a:schemeClr val="tx1"/>
+                </a:solidFill>
+                <a:latin typeface="+mn-lt"/>
+                <a:ea typeface="+mn-ea"/>
+                <a:cs typeface="+mn-cs"/>
+              </a:defRPr>
+            </a:lvl8pPr>
+            <a:lvl9pPr marL="3964155" indent="-233186" algn="l" defTabSz="932742" rtl="0" eaLnBrk="1" latinLnBrk="0" hangingPunct="1">
+              <a:spcBef>
+                <a:spcPct val="20000"/>
+              </a:spcBef>
+              <a:buFont typeface="Arial" pitchFamily="34" charset="0"/>
+              <a:buChar char="•"/>
+              <a:defRPr sz="2000" kern="1200">
+                <a:solidFill>
+                  <a:schemeClr val="tx1"/>
+                </a:solidFill>
+                <a:latin typeface="+mn-lt"/>
+                <a:ea typeface="+mn-ea"/>
+                <a:cs typeface="+mn-cs"/>
+              </a:defRPr>
+            </a:lvl9pPr>
+          </a:lstStyle>
+          <a:p>
+            <a:pPr marL="342900" marR="0" lvl="0" indent="-342900" algn="l" defTabSz="932742" rtl="0" eaLnBrk="1" fontAlgn="auto" latinLnBrk="0" hangingPunct="1">
+              <a:lnSpc>
+                <a:spcPct val="90000"/>
+              </a:lnSpc>
+              <a:spcBef>
+                <a:spcPts val="0"/>
+              </a:spcBef>
+              <a:spcAft>
+                <a:spcPts val="0"/>
+              </a:spcAft>
+              <a:buClrTx/>
+              <a:buSzPct val="90000"/>
+              <a:buFont typeface="Arial" panose="020B0604020202020204" pitchFamily="34" charset="0"/>
+              <a:buChar char="•"/>
+              <a:tabLst/>
+              <a:defRPr/>
+            </a:pPr>
+            <a:r>
+              <a:rPr kumimoji="0" lang="en-US" sz="3600" b="1" i="0" u="none" strike="noStrike" kern="1200" cap="none" spc="0" normalizeH="0" baseline="0" noProof="0" dirty="0" smtClean="0">
+                <a:ln>
+                  <a:noFill/>
+                </a:ln>
+                <a:solidFill>
+                  <a:prstClr val="black"/>
+                </a:solidFill>
+                <a:effectLst/>
+                <a:uLnTx/>
+                <a:uFillTx/>
+                <a:latin typeface="Segoe UI Light" panose="020B0502040204020203" pitchFamily="34" charset="0"/>
+                <a:ea typeface="+mn-ea"/>
+                <a:cs typeface="+mn-cs"/>
+              </a:rPr>
+              <a:t>Default Support</a:t>
+            </a:r>
+          </a:p>
+          <a:p>
+            <a:pPr marL="927100" lvl="1" indent="-342900">
+              <a:spcBef>
+                <a:spcPts val="0"/>
+              </a:spcBef>
+              <a:defRPr/>
+            </a:pPr>
+            <a:r>
+              <a:rPr lang="en-US" sz="3200" b="1" dirty="0" smtClean="0">
+                <a:solidFill>
+                  <a:prstClr val="black"/>
+                </a:solidFill>
+                <a:latin typeface="Segoe UI Light" panose="020B0502040204020203" pitchFamily="34" charset="0"/>
+              </a:rPr>
+              <a:t>5.3.13 (Supported)</a:t>
+            </a:r>
+          </a:p>
+          <a:p>
+            <a:pPr marL="927100" lvl="1" indent="-342900">
+              <a:spcBef>
+                <a:spcPts val="0"/>
+              </a:spcBef>
+              <a:defRPr/>
+            </a:pPr>
+            <a:r>
+              <a:rPr kumimoji="0" lang="en-US" sz="3200" b="1" i="0" u="none" strike="noStrike" kern="1200" cap="none" spc="0" normalizeH="0" baseline="0" noProof="0" dirty="0" smtClean="0">
+                <a:ln>
+                  <a:noFill/>
+                </a:ln>
+                <a:solidFill>
+                  <a:prstClr val="black"/>
+                </a:solidFill>
+                <a:effectLst/>
+                <a:uLnTx/>
+                <a:uFillTx/>
+                <a:latin typeface="Segoe UI Light" panose="020B0502040204020203" pitchFamily="34" charset="0"/>
+              </a:rPr>
+              <a:t>5.4.0 (Default Installed)</a:t>
+            </a:r>
+          </a:p>
+          <a:p>
+            <a:pPr marL="927100" lvl="1" indent="-342900">
+              <a:spcBef>
+                <a:spcPts val="0"/>
+              </a:spcBef>
+              <a:defRPr/>
+            </a:pPr>
+            <a:r>
+              <a:rPr lang="en-US" sz="3200" b="1" dirty="0" smtClean="0">
+                <a:solidFill>
+                  <a:prstClr val="black"/>
+                </a:solidFill>
+                <a:latin typeface="Segoe UI Light" panose="020B0502040204020203" pitchFamily="34" charset="0"/>
+              </a:rPr>
+              <a:t>5.5 (update to by choice) </a:t>
+            </a:r>
+          </a:p>
+          <a:p>
+            <a:pPr marL="927100" lvl="1" indent="-342900">
+              <a:spcBef>
+                <a:spcPts val="0"/>
+              </a:spcBef>
+              <a:defRPr/>
+            </a:pPr>
+            <a:r>
+              <a:rPr lang="en-US" sz="3200" b="1" dirty="0" smtClean="0">
+                <a:solidFill>
+                  <a:prstClr val="black"/>
+                </a:solidFill>
+                <a:latin typeface="Segoe UI Light" panose="020B0502040204020203" pitchFamily="34" charset="0"/>
+              </a:rPr>
+              <a:t>5.6 (update to by choice)</a:t>
+            </a:r>
+          </a:p>
+          <a:p>
+            <a:pPr marL="342900" indent="-342900">
+              <a:defRPr/>
+            </a:pPr>
+            <a:endParaRPr lang="en-US" sz="3600" b="1" dirty="0">
+              <a:solidFill>
+                <a:prstClr val="black"/>
+              </a:solidFill>
+              <a:latin typeface="Segoe UI Light" panose="020B0502040204020203" pitchFamily="34" charset="0"/>
+            </a:endParaRPr>
+          </a:p>
+          <a:p>
+            <a:pPr marL="571500" indent="-571500">
+              <a:buFont typeface="Arial" panose="020B0604020202020204" pitchFamily="34" charset="0"/>
+              <a:buChar char="•"/>
+              <a:defRPr/>
+            </a:pPr>
+            <a:r>
+              <a:rPr lang="en-US" sz="3600" b="1" dirty="0" smtClean="0">
+                <a:solidFill>
+                  <a:prstClr val="black"/>
+                </a:solidFill>
+                <a:latin typeface="Segoe UI Light" panose="020B0502040204020203" pitchFamily="34" charset="0"/>
+              </a:rPr>
+              <a:t>Opt for a custom runtime</a:t>
+            </a:r>
+          </a:p>
+          <a:p>
+            <a:pPr marL="1155700" lvl="1" indent="-571500">
+              <a:defRPr/>
+            </a:pPr>
+            <a:r>
+              <a:rPr lang="en-US" sz="2800" b="1" dirty="0" smtClean="0">
+                <a:solidFill>
+                  <a:prstClr val="black"/>
+                </a:solidFill>
+                <a:latin typeface="Segoe UI Light" panose="020B0502040204020203" pitchFamily="34" charset="0"/>
+              </a:rPr>
+              <a:t>Get a thread safe, VC9 or VC11 compatible version of </a:t>
+            </a:r>
+            <a:r>
+              <a:rPr lang="en-US" sz="2800" b="1" dirty="0" err="1" smtClean="0">
+                <a:solidFill>
+                  <a:prstClr val="black"/>
+                </a:solidFill>
+                <a:latin typeface="Segoe UI Light" panose="020B0502040204020203" pitchFamily="34" charset="0"/>
+              </a:rPr>
+              <a:t>php</a:t>
+            </a:r>
+            <a:endParaRPr lang="en-US" sz="2800" b="1" dirty="0" smtClean="0">
+              <a:solidFill>
+                <a:prstClr val="black"/>
+              </a:solidFill>
+              <a:latin typeface="Segoe UI Light" panose="020B0502040204020203" pitchFamily="34" charset="0"/>
+            </a:endParaRPr>
+          </a:p>
+          <a:p>
+            <a:pPr marL="1155700" lvl="1" indent="-571500">
+              <a:defRPr/>
+            </a:pPr>
+            <a:r>
+              <a:rPr lang="en-US" sz="2800" b="1" dirty="0" smtClean="0">
+                <a:solidFill>
+                  <a:prstClr val="black"/>
+                </a:solidFill>
+                <a:latin typeface="Segoe UI Light" panose="020B0502040204020203" pitchFamily="34" charset="0"/>
+              </a:rPr>
+              <a:t>Put your runtime in /bin folder and upload</a:t>
+            </a:r>
+          </a:p>
+          <a:p>
+            <a:pPr marL="1155700" lvl="1" indent="-571500">
+              <a:defRPr/>
+            </a:pPr>
+            <a:r>
+              <a:rPr lang="en-US" sz="2800" b="1" dirty="0" smtClean="0">
+                <a:solidFill>
+                  <a:prstClr val="black"/>
+                </a:solidFill>
+                <a:latin typeface="Segoe UI Light" panose="020B0502040204020203" pitchFamily="34" charset="0"/>
+              </a:rPr>
+              <a:t>Set the handler mapping in Azure Dashboard</a:t>
+            </a:r>
+          </a:p>
+          <a:p>
+            <a:pPr lvl="1" indent="0">
+              <a:spcBef>
+                <a:spcPts val="0"/>
+              </a:spcBef>
+              <a:buNone/>
+              <a:defRPr/>
+            </a:pPr>
+            <a:endParaRPr kumimoji="0" lang="en-US" sz="2800" b="0" i="0" u="none" strike="noStrike" kern="1200" cap="none" spc="0" normalizeH="0" baseline="0" noProof="0" dirty="0" smtClean="0">
+              <a:ln>
+                <a:noFill/>
+              </a:ln>
+              <a:solidFill>
+                <a:prstClr val="black"/>
+              </a:solidFill>
+              <a:effectLst/>
+              <a:uLnTx/>
+              <a:uFillTx/>
+              <a:latin typeface="Segoe UI Light" panose="020B0502040204020203" pitchFamily="34" charset="0"/>
+            </a:endParaRPr>
+          </a:p>
+          <a:p>
+            <a:pPr marL="0" marR="0" lvl="0" indent="0" algn="l" defTabSz="932742" rtl="0" eaLnBrk="1" fontAlgn="auto" latinLnBrk="0" hangingPunct="1">
+              <a:lnSpc>
+                <a:spcPct val="90000"/>
+              </a:lnSpc>
+              <a:spcBef>
+                <a:spcPts val="0"/>
+              </a:spcBef>
+              <a:spcAft>
+                <a:spcPts val="0"/>
+              </a:spcAft>
+              <a:buClrTx/>
+              <a:buSzPct val="90000"/>
+              <a:buFont typeface="Arial" pitchFamily="34" charset="0"/>
+              <a:buNone/>
+              <a:tabLst/>
+              <a:defRPr/>
+            </a:pPr>
+            <a:endParaRPr kumimoji="0" lang="en-US" sz="4000" b="0" i="0" u="none" strike="noStrike" kern="1200" cap="none" spc="0" normalizeH="0" baseline="0" noProof="0" dirty="0">
+              <a:ln>
+                <a:noFill/>
+              </a:ln>
+              <a:solidFill>
+                <a:prstClr val="black"/>
+              </a:solidFill>
+              <a:effectLst/>
+              <a:uLnTx/>
+              <a:uFillTx/>
+              <a:latin typeface="Segoe UI Light" panose="020B0502040204020203" pitchFamily="34" charset="0"/>
+              <a:ea typeface="+mn-ea"/>
+              <a:cs typeface="+mn-cs"/>
+            </a:endParaRPr>
+          </a:p>
+          <a:p>
+            <a:pPr marL="342900" marR="0" lvl="0" indent="-342900" algn="l" defTabSz="932742" rtl="0" eaLnBrk="1" fontAlgn="auto" latinLnBrk="0" hangingPunct="1">
+              <a:lnSpc>
+                <a:spcPct val="90000"/>
+              </a:lnSpc>
+              <a:spcBef>
+                <a:spcPts val="0"/>
+              </a:spcBef>
+              <a:spcAft>
+                <a:spcPts val="0"/>
+              </a:spcAft>
+              <a:buClrTx/>
+              <a:buSzPct val="90000"/>
+              <a:buFont typeface="Arial" panose="020B0604020202020204" pitchFamily="34" charset="0"/>
+              <a:buChar char="•"/>
+              <a:tabLst/>
+              <a:defRPr/>
+            </a:pPr>
+            <a:endParaRPr kumimoji="0" lang="en-US" sz="4000" b="0" i="0" u="none" strike="noStrike" kern="1200" cap="none" spc="0" normalizeH="0" baseline="0" noProof="0" dirty="0" smtClean="0">
+              <a:ln>
+                <a:noFill/>
+              </a:ln>
+              <a:solidFill>
+                <a:prstClr val="black"/>
+              </a:solidFill>
+              <a:effectLst/>
+              <a:uLnTx/>
+              <a:uFillTx/>
+              <a:latin typeface="Segoe UI Light" panose="020B0502040204020203" pitchFamily="34" charset="0"/>
+              <a:ea typeface="+mn-ea"/>
+              <a:cs typeface="+mn-cs"/>
+            </a:endParaRPr>
+          </a:p>
+        </p:txBody>
+      </p:sp>
+    </p:spTree>
+    <p:extLst>
+      <p:ext uri="{BB962C8B-B14F-4D97-AF65-F5344CB8AC3E}">
+        <p14:creationId xmlns:p14="http://schemas.microsoft.com/office/powerpoint/2010/main" val="1496815194"/>
+      </p:ext>
+    </p:extLst>
+  </p:cSld>
+  <p:clrMapOvr>
+    <a:masterClrMapping/>
+  </p:clrMapOvr>
+  <p:timing>
+    <p:tnLst>
+      <p:par>
+        <p:cTn id="1" dur="indefinite" restart="never" nodeType="tmRoot"/>
+      </p:par>
+    </p:tnLst>
+  </p:timing>
+</p:sld>
+</file>
+
+<file path=ppt/slides/slide7.xml><?xml version="1.0" encoding="utf-8"?>
+<p:sld xmlns:a="http://schemas.openxmlformats.org/drawingml/2006/main" xmlns:r="http://schemas.openxmlformats.org/officeDocument/2006/relationships" xmlns:p="http://schemas.openxmlformats.org/presentationml/2006/main">
+  <p:cSld>
+    <p:spTree>
+      <p:nvGrpSpPr>
+        <p:cNvPr id="1" name=""/>
+        <p:cNvGrpSpPr/>
+        <p:nvPr/>
+      </p:nvGrpSpPr>
+      <p:grpSpPr>
+        <a:xfrm>
+          <a:off x="0" y="0"/>
+          <a:ext cx="0" cy="0"/>
+          <a:chOff x="0" y="0"/>
+          <a:chExt cx="0" cy="0"/>
+        </a:xfrm>
+      </p:grpSpPr>
+      <p:sp>
+        <p:nvSpPr>
           <p:cNvPr id="2" name="Title 1"/>
           <p:cNvSpPr>
             <a:spLocks noGrp="1"/>
@@ -20672,12 +24245,6 @@
               </a:rPr>
               <a:t>Deployment</a:t>
             </a:r>
-            <a:endParaRPr lang="en-US" spc="-100" dirty="0">
-              <a:solidFill>
-                <a:srgbClr val="00B0F0"/>
-              </a:solidFill>
-              <a:latin typeface="Segoe UI Light" panose="020B0502040204020203" pitchFamily="34" charset="0"/>
-            </a:endParaRPr>
           </a:p>
         </p:txBody>
       </p:sp>
@@ -25172,7 +28739,7 @@
 </p:sld>
 </file>
 
-<file path=ppt/slides/slide7.xml><?xml version="1.0" encoding="utf-8"?>
+<file path=ppt/slides/slide8.xml><?xml version="1.0" encoding="utf-8"?>
 <p:sld xmlns:a="http://schemas.openxmlformats.org/drawingml/2006/main" xmlns:r="http://schemas.openxmlformats.org/officeDocument/2006/relationships" xmlns:p="http://schemas.openxmlformats.org/presentationml/2006/main">
   <p:cSld>
     <p:spTree>
@@ -25276,7 +28843,7 @@
 </p:sld>
 </file>
 
-<file path=ppt/slides/slide8.xml><?xml version="1.0" encoding="utf-8"?>
+<file path=ppt/slides/slide9.xml><?xml version="1.0" encoding="utf-8"?>
 <p:sld xmlns:a="http://schemas.openxmlformats.org/drawingml/2006/main" xmlns:r="http://schemas.openxmlformats.org/officeDocument/2006/relationships" xmlns:p="http://schemas.openxmlformats.org/presentationml/2006/main">
   <p:cSld>
     <p:spTree>
@@ -25584,7 +29151,6 @@
                 <a:rPr lang="en-US" sz="2800" dirty="0"/>
                 <a:t>Dev/Test </a:t>
               </a:r>
-              <a:endParaRPr lang="en-US" sz="2800" dirty="0"/>
             </a:p>
             <a:p>
               <a:pPr marL="285750" lvl="1" indent="-285750" defTabSz="1600200">
@@ -25601,11 +29167,7 @@
               </a:pPr>
               <a:r>
                 <a:rPr lang="en-US" sz="2800" dirty="0"/>
-                <a:t>1 </a:t>
-              </a:r>
-              <a:r>
-                <a:rPr lang="en-US" sz="2800" dirty="0"/>
-                <a:t>GB Disk Space</a:t>
+                <a:t>1 GB Disk Space</a:t>
               </a:r>
             </a:p>
             <a:p>
@@ -25623,11 +29185,7 @@
               </a:pPr>
               <a:r>
                 <a:rPr lang="en-US" sz="2800" dirty="0"/>
-                <a:t>1 </a:t>
-              </a:r>
-              <a:r>
-                <a:rPr lang="en-US" sz="2800" dirty="0"/>
-                <a:t>GB RAM With 60 CPU Min/day</a:t>
+                <a:t>1 GB RAM With 60 CPU Min/day</a:t>
               </a:r>
             </a:p>
             <a:p>
@@ -25759,7 +29317,7 @@
               </a:pPr>
               <a:r>
                 <a:rPr lang="en-US" sz="2200" kern="1200" dirty="0" smtClean="0"/>
-                <a:t>Shared</a:t>
+                <a:t>Shared (Preview)</a:t>
               </a:r>
               <a:endParaRPr lang="nl-BE" sz="2200" kern="1200" dirty="0"/>
             </a:p>
@@ -25908,11 +29466,7 @@
               </a:pPr>
               <a:r>
                 <a:rPr lang="en-US" sz="2800" dirty="0"/>
-                <a:t>Dev/Test </a:t>
-              </a:r>
-              <a:r>
-                <a:rPr lang="en-US" sz="2800" dirty="0"/>
-                <a:t>with Higher Limits</a:t>
+                <a:t>Dev/Test with Higher Limits</a:t>
               </a:r>
             </a:p>
             <a:p>
@@ -25930,11 +29484,7 @@
               </a:pPr>
               <a:r>
                 <a:rPr lang="en-US" sz="2800" dirty="0"/>
-                <a:t>1 </a:t>
-              </a:r>
-              <a:r>
-                <a:rPr lang="en-US" sz="2800" dirty="0"/>
-                <a:t>GB Disk Space</a:t>
+                <a:t>1 GB Disk Space</a:t>
               </a:r>
             </a:p>
             <a:p>
@@ -25952,11 +29502,7 @@
               </a:pPr>
               <a:r>
                 <a:rPr lang="en-US" sz="2800" dirty="0"/>
-                <a:t>O.5 </a:t>
-              </a:r>
-              <a:r>
-                <a:rPr lang="en-US" sz="2800" dirty="0"/>
-                <a:t>GB RAM with 240 CPU Min/day</a:t>
+                <a:t>O.5 GB RAM with 240 CPU Min/day</a:t>
               </a:r>
             </a:p>
             <a:p>
@@ -25974,11 +29520,7 @@
               </a:pPr>
               <a:r>
                 <a:rPr lang="en-US" sz="2800" dirty="0"/>
-                <a:t>581 </a:t>
-              </a:r>
-              <a:r>
-                <a:rPr lang="en-US" sz="2800" dirty="0"/>
-                <a:t>INR / </a:t>
+                <a:t>581 INR / </a:t>
               </a:r>
               <a:r>
                 <a:rPr lang="en-US" sz="2800" dirty="0" smtClean="0"/>
@@ -26245,11 +29787,7 @@
               </a:pPr>
               <a:r>
                 <a:rPr lang="en-US" sz="2800" dirty="0"/>
-                <a:t>Dev </a:t>
-              </a:r>
-              <a:r>
-                <a:rPr lang="en-US" sz="2800" dirty="0"/>
-                <a:t>+ Test + Production</a:t>
+                <a:t>Dev + Test + Production</a:t>
               </a:r>
             </a:p>
             <a:p>
@@ -26267,11 +29805,7 @@
               </a:pPr>
               <a:r>
                 <a:rPr lang="en-US" sz="2800" dirty="0"/>
-                <a:t>50 </a:t>
-              </a:r>
-              <a:r>
-                <a:rPr lang="en-US" sz="2800" dirty="0"/>
-                <a:t>GB Disk Space</a:t>
+                <a:t>50 GB Disk Space</a:t>
               </a:r>
             </a:p>
             <a:p>
@@ -26289,11 +29823,7 @@
               </a:pPr>
               <a:r>
                 <a:rPr lang="pt-BR" sz="2800" dirty="0"/>
-                <a:t>Upto </a:t>
-              </a:r>
-              <a:r>
-                <a:rPr lang="pt-BR" sz="2800" dirty="0"/>
-                <a:t>4 Core , 7 GB RAM.</a:t>
+                <a:t>Upto 4 Core , 7 GB RAM.</a:t>
               </a:r>
             </a:p>
             <a:p>
@@ -26311,17 +29841,8 @@
               </a:pPr>
               <a:r>
                 <a:rPr lang="en-US" sz="2800" dirty="0"/>
-                <a:t>6 </a:t>
+                <a:t>6 – 24 INR / Hr. Approx.</a:t>
               </a:r>
-              <a:r>
-                <a:rPr lang="en-US" sz="2800" dirty="0"/>
-                <a:t>– 24 INR / </a:t>
-              </a:r>
-              <a:r>
-                <a:rPr lang="en-US" sz="2800" dirty="0"/>
-                <a:t>Hr. Approx.</a:t>
-              </a:r>
-              <a:endParaRPr lang="en-US" sz="2800" dirty="0"/>
             </a:p>
           </p:txBody>
         </p:sp>
@@ -26342,1182 +29863,6 @@
         <p:cTn id="1" dur="indefinite" restart="never" nodeType="tmRoot"/>
       </p:par>
     </p:tnLst>
-  </p:timing>
-</p:sld>
-</file>
-
-<file path=ppt/slides/slide9.xml><?xml version="1.0" encoding="utf-8"?>
-<p:sld xmlns:a="http://schemas.openxmlformats.org/drawingml/2006/main" xmlns:r="http://schemas.openxmlformats.org/officeDocument/2006/relationships" xmlns:p="http://schemas.openxmlformats.org/presentationml/2006/main">
-  <p:cSld>
-    <p:spTree>
-      <p:nvGrpSpPr>
-        <p:cNvPr id="1" name=""/>
-        <p:cNvGrpSpPr/>
-        <p:nvPr/>
-      </p:nvGrpSpPr>
-      <p:grpSpPr>
-        <a:xfrm>
-          <a:off x="0" y="0"/>
-          <a:ext cx="0" cy="0"/>
-          <a:chOff x="0" y="0"/>
-          <a:chExt cx="0" cy="0"/>
-        </a:xfrm>
-      </p:grpSpPr>
-      <p:sp>
-        <p:nvSpPr>
-          <p:cNvPr id="4" name="Title 1"/>
-          <p:cNvSpPr>
-            <a:spLocks noGrp="1"/>
-          </p:cNvSpPr>
-          <p:nvPr>
-            <p:ph type="title"/>
-          </p:nvPr>
-        </p:nvSpPr>
-        <p:spPr>
-          <a:xfrm>
-            <a:off x="519112" y="228600"/>
-            <a:ext cx="11149013" cy="747897"/>
-          </a:xfrm>
-        </p:spPr>
-        <p:txBody>
-          <a:bodyPr/>
-          <a:lstStyle/>
-          <a:p>
-            <a:r>
-              <a:rPr lang="en-US" spc="-100" dirty="0">
-                <a:solidFill>
-                  <a:srgbClr val="00B0F0"/>
-                </a:solidFill>
-                <a:latin typeface="Segoe UI Light" panose="020B0502040204020203" pitchFamily="34" charset="0"/>
-              </a:rPr>
-              <a:t>Scaling</a:t>
-            </a:r>
-            <a:endParaRPr lang="nl-BE" dirty="0"/>
-          </a:p>
-        </p:txBody>
-      </p:sp>
-      <p:sp>
-        <p:nvSpPr>
-          <p:cNvPr id="6" name="Freeform 5"/>
-          <p:cNvSpPr/>
-          <p:nvPr/>
-        </p:nvSpPr>
-        <p:spPr>
-          <a:xfrm>
-            <a:off x="461404" y="2895600"/>
-            <a:ext cx="2021999" cy="808799"/>
-          </a:xfrm>
-          <a:custGeom>
-            <a:avLst/>
-            <a:gdLst>
-              <a:gd name="connsiteX0" fmla="*/ 0 w 2021999"/>
-              <a:gd name="connsiteY0" fmla="*/ 0 h 808799"/>
-              <a:gd name="connsiteX1" fmla="*/ 1617600 w 2021999"/>
-              <a:gd name="connsiteY1" fmla="*/ 0 h 808799"/>
-              <a:gd name="connsiteX2" fmla="*/ 2021999 w 2021999"/>
-              <a:gd name="connsiteY2" fmla="*/ 404400 h 808799"/>
-              <a:gd name="connsiteX3" fmla="*/ 1617600 w 2021999"/>
-              <a:gd name="connsiteY3" fmla="*/ 808799 h 808799"/>
-              <a:gd name="connsiteX4" fmla="*/ 0 w 2021999"/>
-              <a:gd name="connsiteY4" fmla="*/ 808799 h 808799"/>
-              <a:gd name="connsiteX5" fmla="*/ 404400 w 2021999"/>
-              <a:gd name="connsiteY5" fmla="*/ 404400 h 808799"/>
-              <a:gd name="connsiteX6" fmla="*/ 0 w 2021999"/>
-              <a:gd name="connsiteY6" fmla="*/ 0 h 808799"/>
-            </a:gdLst>
-            <a:ahLst/>
-            <a:cxnLst>
-              <a:cxn ang="0">
-                <a:pos x="connsiteX0" y="connsiteY0"/>
-              </a:cxn>
-              <a:cxn ang="0">
-                <a:pos x="connsiteX1" y="connsiteY1"/>
-              </a:cxn>
-              <a:cxn ang="0">
-                <a:pos x="connsiteX2" y="connsiteY2"/>
-              </a:cxn>
-              <a:cxn ang="0">
-                <a:pos x="connsiteX3" y="connsiteY3"/>
-              </a:cxn>
-              <a:cxn ang="0">
-                <a:pos x="connsiteX4" y="connsiteY4"/>
-              </a:cxn>
-              <a:cxn ang="0">
-                <a:pos x="connsiteX5" y="connsiteY5"/>
-              </a:cxn>
-              <a:cxn ang="0">
-                <a:pos x="connsiteX6" y="connsiteY6"/>
-              </a:cxn>
-            </a:cxnLst>
-            <a:rect l="l" t="t" r="r" b="b"/>
-            <a:pathLst>
-              <a:path w="2021999" h="808799">
-                <a:moveTo>
-                  <a:pt x="0" y="0"/>
-                </a:moveTo>
-                <a:lnTo>
-                  <a:pt x="1617600" y="0"/>
-                </a:lnTo>
-                <a:lnTo>
-                  <a:pt x="2021999" y="404400"/>
-                </a:lnTo>
-                <a:lnTo>
-                  <a:pt x="1617600" y="808799"/>
-                </a:lnTo>
-                <a:lnTo>
-                  <a:pt x="0" y="808799"/>
-                </a:lnTo>
-                <a:lnTo>
-                  <a:pt x="404400" y="404400"/>
-                </a:lnTo>
-                <a:lnTo>
-                  <a:pt x="0" y="0"/>
-                </a:lnTo>
-                <a:close/>
-              </a:path>
-            </a:pathLst>
-          </a:custGeom>
-        </p:spPr>
-        <p:style>
-          <a:lnRef idx="2">
-            <a:schemeClr val="lt1">
-              <a:hueOff val="0"/>
-              <a:satOff val="0"/>
-              <a:lumOff val="0"/>
-              <a:alphaOff val="0"/>
-            </a:schemeClr>
-          </a:lnRef>
-          <a:fillRef idx="1">
-            <a:schemeClr val="accent1">
-              <a:hueOff val="0"/>
-              <a:satOff val="0"/>
-              <a:lumOff val="0"/>
-              <a:alphaOff val="0"/>
-            </a:schemeClr>
-          </a:fillRef>
-          <a:effectRef idx="0">
-            <a:schemeClr val="accent1">
-              <a:hueOff val="0"/>
-              <a:satOff val="0"/>
-              <a:lumOff val="0"/>
-              <a:alphaOff val="0"/>
-            </a:schemeClr>
-          </a:effectRef>
-          <a:fontRef idx="minor">
-            <a:schemeClr val="lt1"/>
-          </a:fontRef>
-        </p:style>
-        <p:txBody>
-          <a:bodyPr spcFirstLastPara="0" vert="horz" wrap="square" lIns="468408" tIns="21336" rIns="425735" bIns="21336" numCol="1" spcCol="1270" anchor="ctr" anchorCtr="0">
-            <a:noAutofit/>
-          </a:bodyPr>
-          <a:lstStyle/>
-          <a:p>
-            <a:pPr lvl="0" algn="ctr" defTabSz="711200">
-              <a:lnSpc>
-                <a:spcPct val="90000"/>
-              </a:lnSpc>
-              <a:spcBef>
-                <a:spcPct val="0"/>
-              </a:spcBef>
-              <a:spcAft>
-                <a:spcPct val="35000"/>
-              </a:spcAft>
-            </a:pPr>
-            <a:r>
-              <a:rPr lang="en-US" sz="1600" kern="1200" dirty="0" smtClean="0">
-                <a:latin typeface="Segoe UI Light" panose="020B0502040204020203" pitchFamily="34" charset="0"/>
-                <a:cs typeface="Segoe UI Light" panose="020B0502040204020203" pitchFamily="34" charset="0"/>
-              </a:rPr>
-              <a:t>Free account</a:t>
-            </a:r>
-            <a:endParaRPr lang="nl-BE" sz="1600" kern="1200" dirty="0">
-              <a:latin typeface="Segoe UI Light" panose="020B0502040204020203" pitchFamily="34" charset="0"/>
-              <a:cs typeface="Segoe UI Light" panose="020B0502040204020203" pitchFamily="34" charset="0"/>
-            </a:endParaRPr>
-          </a:p>
-        </p:txBody>
-      </p:sp>
-      <p:sp>
-        <p:nvSpPr>
-          <p:cNvPr id="7" name="Freeform 6"/>
-          <p:cNvSpPr/>
-          <p:nvPr/>
-        </p:nvSpPr>
-        <p:spPr>
-          <a:xfrm>
-            <a:off x="2281203" y="2895600"/>
-            <a:ext cx="2021999" cy="808799"/>
-          </a:xfrm>
-          <a:custGeom>
-            <a:avLst/>
-            <a:gdLst>
-              <a:gd name="connsiteX0" fmla="*/ 0 w 2021999"/>
-              <a:gd name="connsiteY0" fmla="*/ 0 h 808799"/>
-              <a:gd name="connsiteX1" fmla="*/ 1617600 w 2021999"/>
-              <a:gd name="connsiteY1" fmla="*/ 0 h 808799"/>
-              <a:gd name="connsiteX2" fmla="*/ 2021999 w 2021999"/>
-              <a:gd name="connsiteY2" fmla="*/ 404400 h 808799"/>
-              <a:gd name="connsiteX3" fmla="*/ 1617600 w 2021999"/>
-              <a:gd name="connsiteY3" fmla="*/ 808799 h 808799"/>
-              <a:gd name="connsiteX4" fmla="*/ 0 w 2021999"/>
-              <a:gd name="connsiteY4" fmla="*/ 808799 h 808799"/>
-              <a:gd name="connsiteX5" fmla="*/ 404400 w 2021999"/>
-              <a:gd name="connsiteY5" fmla="*/ 404400 h 808799"/>
-              <a:gd name="connsiteX6" fmla="*/ 0 w 2021999"/>
-              <a:gd name="connsiteY6" fmla="*/ 0 h 808799"/>
-            </a:gdLst>
-            <a:ahLst/>
-            <a:cxnLst>
-              <a:cxn ang="0">
-                <a:pos x="connsiteX0" y="connsiteY0"/>
-              </a:cxn>
-              <a:cxn ang="0">
-                <a:pos x="connsiteX1" y="connsiteY1"/>
-              </a:cxn>
-              <a:cxn ang="0">
-                <a:pos x="connsiteX2" y="connsiteY2"/>
-              </a:cxn>
-              <a:cxn ang="0">
-                <a:pos x="connsiteX3" y="connsiteY3"/>
-              </a:cxn>
-              <a:cxn ang="0">
-                <a:pos x="connsiteX4" y="connsiteY4"/>
-              </a:cxn>
-              <a:cxn ang="0">
-                <a:pos x="connsiteX5" y="connsiteY5"/>
-              </a:cxn>
-              <a:cxn ang="0">
-                <a:pos x="connsiteX6" y="connsiteY6"/>
-              </a:cxn>
-            </a:cxnLst>
-            <a:rect l="l" t="t" r="r" b="b"/>
-            <a:pathLst>
-              <a:path w="2021999" h="808799">
-                <a:moveTo>
-                  <a:pt x="0" y="0"/>
-                </a:moveTo>
-                <a:lnTo>
-                  <a:pt x="1617600" y="0"/>
-                </a:lnTo>
-                <a:lnTo>
-                  <a:pt x="2021999" y="404400"/>
-                </a:lnTo>
-                <a:lnTo>
-                  <a:pt x="1617600" y="808799"/>
-                </a:lnTo>
-                <a:lnTo>
-                  <a:pt x="0" y="808799"/>
-                </a:lnTo>
-                <a:lnTo>
-                  <a:pt x="404400" y="404400"/>
-                </a:lnTo>
-                <a:lnTo>
-                  <a:pt x="0" y="0"/>
-                </a:lnTo>
-                <a:close/>
-              </a:path>
-            </a:pathLst>
-          </a:custGeom>
-        </p:spPr>
-        <p:style>
-          <a:lnRef idx="2">
-            <a:schemeClr val="lt1">
-              <a:hueOff val="0"/>
-              <a:satOff val="0"/>
-              <a:lumOff val="0"/>
-              <a:alphaOff val="0"/>
-            </a:schemeClr>
-          </a:lnRef>
-          <a:fillRef idx="1">
-            <a:schemeClr val="accent1">
-              <a:hueOff val="0"/>
-              <a:satOff val="0"/>
-              <a:lumOff val="0"/>
-              <a:alphaOff val="0"/>
-            </a:schemeClr>
-          </a:fillRef>
-          <a:effectRef idx="0">
-            <a:schemeClr val="accent1">
-              <a:hueOff val="0"/>
-              <a:satOff val="0"/>
-              <a:lumOff val="0"/>
-              <a:alphaOff val="0"/>
-            </a:schemeClr>
-          </a:effectRef>
-          <a:fontRef idx="minor">
-            <a:schemeClr val="lt1"/>
-          </a:fontRef>
-        </p:style>
-        <p:txBody>
-          <a:bodyPr spcFirstLastPara="0" vert="horz" wrap="square" lIns="468408" tIns="21336" rIns="425735" bIns="21336" numCol="1" spcCol="1270" anchor="ctr" anchorCtr="0">
-            <a:noAutofit/>
-          </a:bodyPr>
-          <a:lstStyle/>
-          <a:p>
-            <a:pPr lvl="0" algn="ctr" defTabSz="711200">
-              <a:lnSpc>
-                <a:spcPct val="90000"/>
-              </a:lnSpc>
-              <a:spcBef>
-                <a:spcPct val="0"/>
-              </a:spcBef>
-              <a:spcAft>
-                <a:spcPct val="35000"/>
-              </a:spcAft>
-            </a:pPr>
-            <a:r>
-              <a:rPr lang="en-US" sz="1600" kern="1200" dirty="0" smtClean="0">
-                <a:latin typeface="Segoe UI Light" panose="020B0502040204020203" pitchFamily="34" charset="0"/>
-                <a:cs typeface="Segoe UI Light" panose="020B0502040204020203" pitchFamily="34" charset="0"/>
-              </a:rPr>
-              <a:t>Free mode</a:t>
-            </a:r>
-            <a:endParaRPr lang="nl-BE" sz="1600" kern="1200" dirty="0">
-              <a:latin typeface="Segoe UI Light" panose="020B0502040204020203" pitchFamily="34" charset="0"/>
-              <a:cs typeface="Segoe UI Light" panose="020B0502040204020203" pitchFamily="34" charset="0"/>
-            </a:endParaRPr>
-          </a:p>
-        </p:txBody>
-      </p:sp>
-      <p:sp>
-        <p:nvSpPr>
-          <p:cNvPr id="8" name="Freeform 7"/>
-          <p:cNvSpPr/>
-          <p:nvPr/>
-        </p:nvSpPr>
-        <p:spPr>
-          <a:xfrm>
-            <a:off x="4101003" y="2895600"/>
-            <a:ext cx="2021999" cy="808799"/>
-          </a:xfrm>
-          <a:custGeom>
-            <a:avLst/>
-            <a:gdLst>
-              <a:gd name="connsiteX0" fmla="*/ 0 w 2021999"/>
-              <a:gd name="connsiteY0" fmla="*/ 0 h 808799"/>
-              <a:gd name="connsiteX1" fmla="*/ 1617600 w 2021999"/>
-              <a:gd name="connsiteY1" fmla="*/ 0 h 808799"/>
-              <a:gd name="connsiteX2" fmla="*/ 2021999 w 2021999"/>
-              <a:gd name="connsiteY2" fmla="*/ 404400 h 808799"/>
-              <a:gd name="connsiteX3" fmla="*/ 1617600 w 2021999"/>
-              <a:gd name="connsiteY3" fmla="*/ 808799 h 808799"/>
-              <a:gd name="connsiteX4" fmla="*/ 0 w 2021999"/>
-              <a:gd name="connsiteY4" fmla="*/ 808799 h 808799"/>
-              <a:gd name="connsiteX5" fmla="*/ 404400 w 2021999"/>
-              <a:gd name="connsiteY5" fmla="*/ 404400 h 808799"/>
-              <a:gd name="connsiteX6" fmla="*/ 0 w 2021999"/>
-              <a:gd name="connsiteY6" fmla="*/ 0 h 808799"/>
-            </a:gdLst>
-            <a:ahLst/>
-            <a:cxnLst>
-              <a:cxn ang="0">
-                <a:pos x="connsiteX0" y="connsiteY0"/>
-              </a:cxn>
-              <a:cxn ang="0">
-                <a:pos x="connsiteX1" y="connsiteY1"/>
-              </a:cxn>
-              <a:cxn ang="0">
-                <a:pos x="connsiteX2" y="connsiteY2"/>
-              </a:cxn>
-              <a:cxn ang="0">
-                <a:pos x="connsiteX3" y="connsiteY3"/>
-              </a:cxn>
-              <a:cxn ang="0">
-                <a:pos x="connsiteX4" y="connsiteY4"/>
-              </a:cxn>
-              <a:cxn ang="0">
-                <a:pos x="connsiteX5" y="connsiteY5"/>
-              </a:cxn>
-              <a:cxn ang="0">
-                <a:pos x="connsiteX6" y="connsiteY6"/>
-              </a:cxn>
-            </a:cxnLst>
-            <a:rect l="l" t="t" r="r" b="b"/>
-            <a:pathLst>
-              <a:path w="2021999" h="808799">
-                <a:moveTo>
-                  <a:pt x="0" y="0"/>
-                </a:moveTo>
-                <a:lnTo>
-                  <a:pt x="1617600" y="0"/>
-                </a:lnTo>
-                <a:lnTo>
-                  <a:pt x="2021999" y="404400"/>
-                </a:lnTo>
-                <a:lnTo>
-                  <a:pt x="1617600" y="808799"/>
-                </a:lnTo>
-                <a:lnTo>
-                  <a:pt x="0" y="808799"/>
-                </a:lnTo>
-                <a:lnTo>
-                  <a:pt x="404400" y="404400"/>
-                </a:lnTo>
-                <a:lnTo>
-                  <a:pt x="0" y="0"/>
-                </a:lnTo>
-                <a:close/>
-              </a:path>
-            </a:pathLst>
-          </a:custGeom>
-        </p:spPr>
-        <p:style>
-          <a:lnRef idx="2">
-            <a:schemeClr val="lt1">
-              <a:hueOff val="0"/>
-              <a:satOff val="0"/>
-              <a:lumOff val="0"/>
-              <a:alphaOff val="0"/>
-            </a:schemeClr>
-          </a:lnRef>
-          <a:fillRef idx="1">
-            <a:schemeClr val="accent1">
-              <a:hueOff val="0"/>
-              <a:satOff val="0"/>
-              <a:lumOff val="0"/>
-              <a:alphaOff val="0"/>
-            </a:schemeClr>
-          </a:fillRef>
-          <a:effectRef idx="0">
-            <a:schemeClr val="accent1">
-              <a:hueOff val="0"/>
-              <a:satOff val="0"/>
-              <a:lumOff val="0"/>
-              <a:alphaOff val="0"/>
-            </a:schemeClr>
-          </a:effectRef>
-          <a:fontRef idx="minor">
-            <a:schemeClr val="lt1"/>
-          </a:fontRef>
-        </p:style>
-        <p:txBody>
-          <a:bodyPr spcFirstLastPara="0" vert="horz" wrap="square" lIns="468408" tIns="21336" rIns="425735" bIns="21336" numCol="1" spcCol="1270" anchor="ctr" anchorCtr="0">
-            <a:noAutofit/>
-          </a:bodyPr>
-          <a:lstStyle/>
-          <a:p>
-            <a:pPr lvl="0" algn="ctr" defTabSz="711200">
-              <a:lnSpc>
-                <a:spcPct val="90000"/>
-              </a:lnSpc>
-              <a:spcBef>
-                <a:spcPct val="0"/>
-              </a:spcBef>
-              <a:spcAft>
-                <a:spcPct val="35000"/>
-              </a:spcAft>
-            </a:pPr>
-            <a:r>
-              <a:rPr lang="en-US" sz="1600" kern="1200" dirty="0" smtClean="0">
-                <a:latin typeface="Segoe UI Light" panose="020B0502040204020203" pitchFamily="34" charset="0"/>
-                <a:cs typeface="Segoe UI Light" panose="020B0502040204020203" pitchFamily="34" charset="0"/>
-              </a:rPr>
-              <a:t>Move to Shared</a:t>
-            </a:r>
-            <a:endParaRPr lang="nl-BE" sz="1600" kern="1200" dirty="0">
-              <a:latin typeface="Segoe UI Light" panose="020B0502040204020203" pitchFamily="34" charset="0"/>
-              <a:cs typeface="Segoe UI Light" panose="020B0502040204020203" pitchFamily="34" charset="0"/>
-            </a:endParaRPr>
-          </a:p>
-        </p:txBody>
-      </p:sp>
-      <p:sp>
-        <p:nvSpPr>
-          <p:cNvPr id="9" name="Freeform 8"/>
-          <p:cNvSpPr/>
-          <p:nvPr/>
-        </p:nvSpPr>
-        <p:spPr>
-          <a:xfrm>
-            <a:off x="5920802" y="2895600"/>
-            <a:ext cx="2021999" cy="808799"/>
-          </a:xfrm>
-          <a:custGeom>
-            <a:avLst/>
-            <a:gdLst>
-              <a:gd name="connsiteX0" fmla="*/ 0 w 2021999"/>
-              <a:gd name="connsiteY0" fmla="*/ 0 h 808799"/>
-              <a:gd name="connsiteX1" fmla="*/ 1617600 w 2021999"/>
-              <a:gd name="connsiteY1" fmla="*/ 0 h 808799"/>
-              <a:gd name="connsiteX2" fmla="*/ 2021999 w 2021999"/>
-              <a:gd name="connsiteY2" fmla="*/ 404400 h 808799"/>
-              <a:gd name="connsiteX3" fmla="*/ 1617600 w 2021999"/>
-              <a:gd name="connsiteY3" fmla="*/ 808799 h 808799"/>
-              <a:gd name="connsiteX4" fmla="*/ 0 w 2021999"/>
-              <a:gd name="connsiteY4" fmla="*/ 808799 h 808799"/>
-              <a:gd name="connsiteX5" fmla="*/ 404400 w 2021999"/>
-              <a:gd name="connsiteY5" fmla="*/ 404400 h 808799"/>
-              <a:gd name="connsiteX6" fmla="*/ 0 w 2021999"/>
-              <a:gd name="connsiteY6" fmla="*/ 0 h 808799"/>
-            </a:gdLst>
-            <a:ahLst/>
-            <a:cxnLst>
-              <a:cxn ang="0">
-                <a:pos x="connsiteX0" y="connsiteY0"/>
-              </a:cxn>
-              <a:cxn ang="0">
-                <a:pos x="connsiteX1" y="connsiteY1"/>
-              </a:cxn>
-              <a:cxn ang="0">
-                <a:pos x="connsiteX2" y="connsiteY2"/>
-              </a:cxn>
-              <a:cxn ang="0">
-                <a:pos x="connsiteX3" y="connsiteY3"/>
-              </a:cxn>
-              <a:cxn ang="0">
-                <a:pos x="connsiteX4" y="connsiteY4"/>
-              </a:cxn>
-              <a:cxn ang="0">
-                <a:pos x="connsiteX5" y="connsiteY5"/>
-              </a:cxn>
-              <a:cxn ang="0">
-                <a:pos x="connsiteX6" y="connsiteY6"/>
-              </a:cxn>
-            </a:cxnLst>
-            <a:rect l="l" t="t" r="r" b="b"/>
-            <a:pathLst>
-              <a:path w="2021999" h="808799">
-                <a:moveTo>
-                  <a:pt x="0" y="0"/>
-                </a:moveTo>
-                <a:lnTo>
-                  <a:pt x="1617600" y="0"/>
-                </a:lnTo>
-                <a:lnTo>
-                  <a:pt x="2021999" y="404400"/>
-                </a:lnTo>
-                <a:lnTo>
-                  <a:pt x="1617600" y="808799"/>
-                </a:lnTo>
-                <a:lnTo>
-                  <a:pt x="0" y="808799"/>
-                </a:lnTo>
-                <a:lnTo>
-                  <a:pt x="404400" y="404400"/>
-                </a:lnTo>
-                <a:lnTo>
-                  <a:pt x="0" y="0"/>
-                </a:lnTo>
-                <a:close/>
-              </a:path>
-            </a:pathLst>
-          </a:custGeom>
-        </p:spPr>
-        <p:style>
-          <a:lnRef idx="2">
-            <a:schemeClr val="lt1">
-              <a:hueOff val="0"/>
-              <a:satOff val="0"/>
-              <a:lumOff val="0"/>
-              <a:alphaOff val="0"/>
-            </a:schemeClr>
-          </a:lnRef>
-          <a:fillRef idx="1">
-            <a:schemeClr val="accent1">
-              <a:hueOff val="0"/>
-              <a:satOff val="0"/>
-              <a:lumOff val="0"/>
-              <a:alphaOff val="0"/>
-            </a:schemeClr>
-          </a:fillRef>
-          <a:effectRef idx="0">
-            <a:schemeClr val="accent1">
-              <a:hueOff val="0"/>
-              <a:satOff val="0"/>
-              <a:lumOff val="0"/>
-              <a:alphaOff val="0"/>
-            </a:schemeClr>
-          </a:effectRef>
-          <a:fontRef idx="minor">
-            <a:schemeClr val="lt1"/>
-          </a:fontRef>
-        </p:style>
-        <p:txBody>
-          <a:bodyPr spcFirstLastPara="0" vert="horz" wrap="square" lIns="468408" tIns="21336" rIns="425735" bIns="21336" numCol="1" spcCol="1270" anchor="ctr" anchorCtr="0">
-            <a:noAutofit/>
-          </a:bodyPr>
-          <a:lstStyle/>
-          <a:p>
-            <a:pPr lvl="0" algn="ctr" defTabSz="711200">
-              <a:lnSpc>
-                <a:spcPct val="90000"/>
-              </a:lnSpc>
-              <a:spcBef>
-                <a:spcPct val="0"/>
-              </a:spcBef>
-              <a:spcAft>
-                <a:spcPct val="35000"/>
-              </a:spcAft>
-            </a:pPr>
-            <a:r>
-              <a:rPr lang="en-US" sz="1600" kern="1200" dirty="0" smtClean="0">
-                <a:latin typeface="Segoe UI Light" panose="020B0502040204020203" pitchFamily="34" charset="0"/>
-                <a:cs typeface="Segoe UI Light" panose="020B0502040204020203" pitchFamily="34" charset="0"/>
-              </a:rPr>
-              <a:t>Map domain name</a:t>
-            </a:r>
-            <a:endParaRPr lang="nl-BE" sz="1600" kern="1200" dirty="0">
-              <a:latin typeface="Segoe UI Light" panose="020B0502040204020203" pitchFamily="34" charset="0"/>
-              <a:cs typeface="Segoe UI Light" panose="020B0502040204020203" pitchFamily="34" charset="0"/>
-            </a:endParaRPr>
-          </a:p>
-        </p:txBody>
-      </p:sp>
-      <p:sp>
-        <p:nvSpPr>
-          <p:cNvPr id="10" name="Freeform 9"/>
-          <p:cNvSpPr/>
-          <p:nvPr/>
-        </p:nvSpPr>
-        <p:spPr>
-          <a:xfrm>
-            <a:off x="7740601" y="2895600"/>
-            <a:ext cx="2021999" cy="808799"/>
-          </a:xfrm>
-          <a:custGeom>
-            <a:avLst/>
-            <a:gdLst>
-              <a:gd name="connsiteX0" fmla="*/ 0 w 2021999"/>
-              <a:gd name="connsiteY0" fmla="*/ 0 h 808799"/>
-              <a:gd name="connsiteX1" fmla="*/ 1617600 w 2021999"/>
-              <a:gd name="connsiteY1" fmla="*/ 0 h 808799"/>
-              <a:gd name="connsiteX2" fmla="*/ 2021999 w 2021999"/>
-              <a:gd name="connsiteY2" fmla="*/ 404400 h 808799"/>
-              <a:gd name="connsiteX3" fmla="*/ 1617600 w 2021999"/>
-              <a:gd name="connsiteY3" fmla="*/ 808799 h 808799"/>
-              <a:gd name="connsiteX4" fmla="*/ 0 w 2021999"/>
-              <a:gd name="connsiteY4" fmla="*/ 808799 h 808799"/>
-              <a:gd name="connsiteX5" fmla="*/ 404400 w 2021999"/>
-              <a:gd name="connsiteY5" fmla="*/ 404400 h 808799"/>
-              <a:gd name="connsiteX6" fmla="*/ 0 w 2021999"/>
-              <a:gd name="connsiteY6" fmla="*/ 0 h 808799"/>
-            </a:gdLst>
-            <a:ahLst/>
-            <a:cxnLst>
-              <a:cxn ang="0">
-                <a:pos x="connsiteX0" y="connsiteY0"/>
-              </a:cxn>
-              <a:cxn ang="0">
-                <a:pos x="connsiteX1" y="connsiteY1"/>
-              </a:cxn>
-              <a:cxn ang="0">
-                <a:pos x="connsiteX2" y="connsiteY2"/>
-              </a:cxn>
-              <a:cxn ang="0">
-                <a:pos x="connsiteX3" y="connsiteY3"/>
-              </a:cxn>
-              <a:cxn ang="0">
-                <a:pos x="connsiteX4" y="connsiteY4"/>
-              </a:cxn>
-              <a:cxn ang="0">
-                <a:pos x="connsiteX5" y="connsiteY5"/>
-              </a:cxn>
-              <a:cxn ang="0">
-                <a:pos x="connsiteX6" y="connsiteY6"/>
-              </a:cxn>
-            </a:cxnLst>
-            <a:rect l="l" t="t" r="r" b="b"/>
-            <a:pathLst>
-              <a:path w="2021999" h="808799">
-                <a:moveTo>
-                  <a:pt x="0" y="0"/>
-                </a:moveTo>
-                <a:lnTo>
-                  <a:pt x="1617600" y="0"/>
-                </a:lnTo>
-                <a:lnTo>
-                  <a:pt x="2021999" y="404400"/>
-                </a:lnTo>
-                <a:lnTo>
-                  <a:pt x="1617600" y="808799"/>
-                </a:lnTo>
-                <a:lnTo>
-                  <a:pt x="0" y="808799"/>
-                </a:lnTo>
-                <a:lnTo>
-                  <a:pt x="404400" y="404400"/>
-                </a:lnTo>
-                <a:lnTo>
-                  <a:pt x="0" y="0"/>
-                </a:lnTo>
-                <a:close/>
-              </a:path>
-            </a:pathLst>
-          </a:custGeom>
-        </p:spPr>
-        <p:style>
-          <a:lnRef idx="2">
-            <a:schemeClr val="lt1">
-              <a:hueOff val="0"/>
-              <a:satOff val="0"/>
-              <a:lumOff val="0"/>
-              <a:alphaOff val="0"/>
-            </a:schemeClr>
-          </a:lnRef>
-          <a:fillRef idx="1">
-            <a:schemeClr val="accent1">
-              <a:hueOff val="0"/>
-              <a:satOff val="0"/>
-              <a:lumOff val="0"/>
-              <a:alphaOff val="0"/>
-            </a:schemeClr>
-          </a:fillRef>
-          <a:effectRef idx="0">
-            <a:schemeClr val="accent1">
-              <a:hueOff val="0"/>
-              <a:satOff val="0"/>
-              <a:lumOff val="0"/>
-              <a:alphaOff val="0"/>
-            </a:schemeClr>
-          </a:effectRef>
-          <a:fontRef idx="minor">
-            <a:schemeClr val="lt1"/>
-          </a:fontRef>
-        </p:style>
-        <p:txBody>
-          <a:bodyPr spcFirstLastPara="0" vert="horz" wrap="square" lIns="468408" tIns="21336" rIns="425735" bIns="21336" numCol="1" spcCol="1270" anchor="ctr" anchorCtr="0">
-            <a:noAutofit/>
-          </a:bodyPr>
-          <a:lstStyle/>
-          <a:p>
-            <a:pPr lvl="0" algn="ctr" defTabSz="711200">
-              <a:lnSpc>
-                <a:spcPct val="90000"/>
-              </a:lnSpc>
-              <a:spcBef>
-                <a:spcPct val="0"/>
-              </a:spcBef>
-              <a:spcAft>
-                <a:spcPct val="35000"/>
-              </a:spcAft>
-            </a:pPr>
-            <a:r>
-              <a:rPr lang="en-US" sz="1600" kern="1200" dirty="0" smtClean="0">
-                <a:latin typeface="Segoe UI Light" panose="020B0502040204020203" pitchFamily="34" charset="0"/>
-                <a:cs typeface="Segoe UI Light" panose="020B0502040204020203" pitchFamily="34" charset="0"/>
-              </a:rPr>
-              <a:t>Traffic increase + revenue</a:t>
-            </a:r>
-          </a:p>
-        </p:txBody>
-      </p:sp>
-      <p:sp>
-        <p:nvSpPr>
-          <p:cNvPr id="11" name="Freeform 10"/>
-          <p:cNvSpPr/>
-          <p:nvPr/>
-        </p:nvSpPr>
-        <p:spPr>
-          <a:xfrm>
-            <a:off x="9560401" y="2895600"/>
-            <a:ext cx="2021999" cy="808799"/>
-          </a:xfrm>
-          <a:custGeom>
-            <a:avLst/>
-            <a:gdLst>
-              <a:gd name="connsiteX0" fmla="*/ 0 w 2021999"/>
-              <a:gd name="connsiteY0" fmla="*/ 0 h 808799"/>
-              <a:gd name="connsiteX1" fmla="*/ 1617600 w 2021999"/>
-              <a:gd name="connsiteY1" fmla="*/ 0 h 808799"/>
-              <a:gd name="connsiteX2" fmla="*/ 2021999 w 2021999"/>
-              <a:gd name="connsiteY2" fmla="*/ 404400 h 808799"/>
-              <a:gd name="connsiteX3" fmla="*/ 1617600 w 2021999"/>
-              <a:gd name="connsiteY3" fmla="*/ 808799 h 808799"/>
-              <a:gd name="connsiteX4" fmla="*/ 0 w 2021999"/>
-              <a:gd name="connsiteY4" fmla="*/ 808799 h 808799"/>
-              <a:gd name="connsiteX5" fmla="*/ 404400 w 2021999"/>
-              <a:gd name="connsiteY5" fmla="*/ 404400 h 808799"/>
-              <a:gd name="connsiteX6" fmla="*/ 0 w 2021999"/>
-              <a:gd name="connsiteY6" fmla="*/ 0 h 808799"/>
-            </a:gdLst>
-            <a:ahLst/>
-            <a:cxnLst>
-              <a:cxn ang="0">
-                <a:pos x="connsiteX0" y="connsiteY0"/>
-              </a:cxn>
-              <a:cxn ang="0">
-                <a:pos x="connsiteX1" y="connsiteY1"/>
-              </a:cxn>
-              <a:cxn ang="0">
-                <a:pos x="connsiteX2" y="connsiteY2"/>
-              </a:cxn>
-              <a:cxn ang="0">
-                <a:pos x="connsiteX3" y="connsiteY3"/>
-              </a:cxn>
-              <a:cxn ang="0">
-                <a:pos x="connsiteX4" y="connsiteY4"/>
-              </a:cxn>
-              <a:cxn ang="0">
-                <a:pos x="connsiteX5" y="connsiteY5"/>
-              </a:cxn>
-              <a:cxn ang="0">
-                <a:pos x="connsiteX6" y="connsiteY6"/>
-              </a:cxn>
-            </a:cxnLst>
-            <a:rect l="l" t="t" r="r" b="b"/>
-            <a:pathLst>
-              <a:path w="2021999" h="808799">
-                <a:moveTo>
-                  <a:pt x="0" y="0"/>
-                </a:moveTo>
-                <a:lnTo>
-                  <a:pt x="1617600" y="0"/>
-                </a:lnTo>
-                <a:lnTo>
-                  <a:pt x="2021999" y="404400"/>
-                </a:lnTo>
-                <a:lnTo>
-                  <a:pt x="1617600" y="808799"/>
-                </a:lnTo>
-                <a:lnTo>
-                  <a:pt x="0" y="808799"/>
-                </a:lnTo>
-                <a:lnTo>
-                  <a:pt x="404400" y="404400"/>
-                </a:lnTo>
-                <a:lnTo>
-                  <a:pt x="0" y="0"/>
-                </a:lnTo>
-                <a:close/>
-              </a:path>
-            </a:pathLst>
-          </a:custGeom>
-        </p:spPr>
-        <p:style>
-          <a:lnRef idx="2">
-            <a:schemeClr val="lt1">
-              <a:hueOff val="0"/>
-              <a:satOff val="0"/>
-              <a:lumOff val="0"/>
-              <a:alphaOff val="0"/>
-            </a:schemeClr>
-          </a:lnRef>
-          <a:fillRef idx="1">
-            <a:schemeClr val="accent1">
-              <a:hueOff val="0"/>
-              <a:satOff val="0"/>
-              <a:lumOff val="0"/>
-              <a:alphaOff val="0"/>
-            </a:schemeClr>
-          </a:fillRef>
-          <a:effectRef idx="0">
-            <a:schemeClr val="accent1">
-              <a:hueOff val="0"/>
-              <a:satOff val="0"/>
-              <a:lumOff val="0"/>
-              <a:alphaOff val="0"/>
-            </a:schemeClr>
-          </a:effectRef>
-          <a:fontRef idx="minor">
-            <a:schemeClr val="lt1"/>
-          </a:fontRef>
-        </p:style>
-        <p:txBody>
-          <a:bodyPr spcFirstLastPara="0" vert="horz" wrap="square" lIns="468408" tIns="21336" rIns="425735" bIns="21336" numCol="1" spcCol="1270" anchor="ctr" anchorCtr="0">
-            <a:noAutofit/>
-          </a:bodyPr>
-          <a:lstStyle/>
-          <a:p>
-            <a:pPr lvl="0" algn="ctr" defTabSz="711200">
-              <a:lnSpc>
-                <a:spcPct val="90000"/>
-              </a:lnSpc>
-              <a:spcBef>
-                <a:spcPct val="0"/>
-              </a:spcBef>
-              <a:spcAft>
-                <a:spcPct val="35000"/>
-              </a:spcAft>
-            </a:pPr>
-            <a:r>
-              <a:rPr lang="en-US" sz="1600" kern="1200" dirty="0" smtClean="0">
-                <a:latin typeface="Segoe UI Light" panose="020B0502040204020203" pitchFamily="34" charset="0"/>
-                <a:cs typeface="Segoe UI Light" panose="020B0502040204020203" pitchFamily="34" charset="0"/>
-              </a:rPr>
-              <a:t>Scale</a:t>
-            </a:r>
-          </a:p>
-        </p:txBody>
-      </p:sp>
-    </p:spTree>
-    <p:extLst>
-      <p:ext uri="{BB962C8B-B14F-4D97-AF65-F5344CB8AC3E}">
-        <p14:creationId xmlns:p14="http://schemas.microsoft.com/office/powerpoint/2010/main" val="188014866"/>
-      </p:ext>
-    </p:extLst>
-  </p:cSld>
-  <p:clrMapOvr>
-    <a:masterClrMapping/>
-  </p:clrMapOvr>
-  <p:timing>
-    <p:tnLst>
-      <p:par>
-        <p:cTn id="1" dur="indefinite" restart="never" nodeType="tmRoot">
-          <p:childTnLst>
-            <p:seq concurrent="1" nextAc="seek">
-              <p:cTn id="2" dur="indefinite" nodeType="mainSeq">
-                <p:childTnLst>
-                  <p:par>
-                    <p:cTn id="3" fill="hold">
-                      <p:stCondLst>
-                        <p:cond delay="indefinite"/>
-                        <p:cond evt="onBegin" delay="0">
-                          <p:tn val="2"/>
-                        </p:cond>
-                      </p:stCondLst>
-                      <p:childTnLst>
-                        <p:par>
-                          <p:cTn id="4" fill="hold">
-                            <p:stCondLst>
-                              <p:cond delay="0"/>
-                            </p:stCondLst>
-                            <p:childTnLst>
-                              <p:par>
-                                <p:cTn id="5" presetID="10" presetClass="entr" presetSubtype="0" fill="hold" grpId="0" nodeType="afterEffect">
-                                  <p:stCondLst>
-                                    <p:cond delay="1000"/>
-                                  </p:stCondLst>
-                                  <p:childTnLst>
-                                    <p:set>
-                                      <p:cBhvr>
-                                        <p:cTn id="6" dur="1" fill="hold">
-                                          <p:stCondLst>
-                                            <p:cond delay="0"/>
-                                          </p:stCondLst>
-                                        </p:cTn>
-                                        <p:tgtEl>
-                                          <p:spTgt spid="7"/>
-                                        </p:tgtEl>
-                                        <p:attrNameLst>
-                                          <p:attrName>style.visibility</p:attrName>
-                                        </p:attrNameLst>
-                                      </p:cBhvr>
-                                      <p:to>
-                                        <p:strVal val="visible"/>
-                                      </p:to>
-                                    </p:set>
-                                    <p:animEffect transition="in" filter="fade">
-                                      <p:cBhvr>
-                                        <p:cTn id="7" dur="500"/>
-                                        <p:tgtEl>
-                                          <p:spTgt spid="7"/>
-                                        </p:tgtEl>
-                                      </p:cBhvr>
-                                    </p:animEffect>
-                                  </p:childTnLst>
-                                </p:cTn>
-                              </p:par>
-                            </p:childTnLst>
-                          </p:cTn>
-                        </p:par>
-                        <p:par>
-                          <p:cTn id="8" fill="hold">
-                            <p:stCondLst>
-                              <p:cond delay="1500"/>
-                            </p:stCondLst>
-                            <p:childTnLst>
-                              <p:par>
-                                <p:cTn id="9" presetID="10" presetClass="entr" presetSubtype="0" fill="hold" grpId="0" nodeType="afterEffect">
-                                  <p:stCondLst>
-                                    <p:cond delay="1000"/>
-                                  </p:stCondLst>
-                                  <p:childTnLst>
-                                    <p:set>
-                                      <p:cBhvr>
-                                        <p:cTn id="10" dur="1" fill="hold">
-                                          <p:stCondLst>
-                                            <p:cond delay="0"/>
-                                          </p:stCondLst>
-                                        </p:cTn>
-                                        <p:tgtEl>
-                                          <p:spTgt spid="8"/>
-                                        </p:tgtEl>
-                                        <p:attrNameLst>
-                                          <p:attrName>style.visibility</p:attrName>
-                                        </p:attrNameLst>
-                                      </p:cBhvr>
-                                      <p:to>
-                                        <p:strVal val="visible"/>
-                                      </p:to>
-                                    </p:set>
-                                    <p:animEffect transition="in" filter="fade">
-                                      <p:cBhvr>
-                                        <p:cTn id="11" dur="500"/>
-                                        <p:tgtEl>
-                                          <p:spTgt spid="8"/>
-                                        </p:tgtEl>
-                                      </p:cBhvr>
-                                    </p:animEffect>
-                                  </p:childTnLst>
-                                </p:cTn>
-                              </p:par>
-                            </p:childTnLst>
-                          </p:cTn>
-                        </p:par>
-                        <p:par>
-                          <p:cTn id="12" fill="hold">
-                            <p:stCondLst>
-                              <p:cond delay="3000"/>
-                            </p:stCondLst>
-                            <p:childTnLst>
-                              <p:par>
-                                <p:cTn id="13" presetID="10" presetClass="entr" presetSubtype="0" fill="hold" grpId="0" nodeType="afterEffect">
-                                  <p:stCondLst>
-                                    <p:cond delay="1000"/>
-                                  </p:stCondLst>
-                                  <p:childTnLst>
-                                    <p:set>
-                                      <p:cBhvr>
-                                        <p:cTn id="14" dur="1" fill="hold">
-                                          <p:stCondLst>
-                                            <p:cond delay="0"/>
-                                          </p:stCondLst>
-                                        </p:cTn>
-                                        <p:tgtEl>
-                                          <p:spTgt spid="9"/>
-                                        </p:tgtEl>
-                                        <p:attrNameLst>
-                                          <p:attrName>style.visibility</p:attrName>
-                                        </p:attrNameLst>
-                                      </p:cBhvr>
-                                      <p:to>
-                                        <p:strVal val="visible"/>
-                                      </p:to>
-                                    </p:set>
-                                    <p:animEffect transition="in" filter="fade">
-                                      <p:cBhvr>
-                                        <p:cTn id="15" dur="500"/>
-                                        <p:tgtEl>
-                                          <p:spTgt spid="9"/>
-                                        </p:tgtEl>
-                                      </p:cBhvr>
-                                    </p:animEffect>
-                                  </p:childTnLst>
-                                </p:cTn>
-                              </p:par>
-                            </p:childTnLst>
-                          </p:cTn>
-                        </p:par>
-                        <p:par>
-                          <p:cTn id="16" fill="hold">
-                            <p:stCondLst>
-                              <p:cond delay="4500"/>
-                            </p:stCondLst>
-                            <p:childTnLst>
-                              <p:par>
-                                <p:cTn id="17" presetID="10" presetClass="entr" presetSubtype="0" fill="hold" grpId="0" nodeType="afterEffect">
-                                  <p:stCondLst>
-                                    <p:cond delay="1000"/>
-                                  </p:stCondLst>
-                                  <p:childTnLst>
-                                    <p:set>
-                                      <p:cBhvr>
-                                        <p:cTn id="18" dur="1" fill="hold">
-                                          <p:stCondLst>
-                                            <p:cond delay="0"/>
-                                          </p:stCondLst>
-                                        </p:cTn>
-                                        <p:tgtEl>
-                                          <p:spTgt spid="10"/>
-                                        </p:tgtEl>
-                                        <p:attrNameLst>
-                                          <p:attrName>style.visibility</p:attrName>
-                                        </p:attrNameLst>
-                                      </p:cBhvr>
-                                      <p:to>
-                                        <p:strVal val="visible"/>
-                                      </p:to>
-                                    </p:set>
-                                    <p:animEffect transition="in" filter="fade">
-                                      <p:cBhvr>
-                                        <p:cTn id="19" dur="500"/>
-                                        <p:tgtEl>
-                                          <p:spTgt spid="10"/>
-                                        </p:tgtEl>
-                                      </p:cBhvr>
-                                    </p:animEffect>
-                                  </p:childTnLst>
-                                </p:cTn>
-                              </p:par>
-                            </p:childTnLst>
-                          </p:cTn>
-                        </p:par>
-                        <p:par>
-                          <p:cTn id="20" fill="hold">
-                            <p:stCondLst>
-                              <p:cond delay="6000"/>
-                            </p:stCondLst>
-                            <p:childTnLst>
-                              <p:par>
-                                <p:cTn id="21" presetID="10" presetClass="entr" presetSubtype="0" fill="hold" grpId="0" nodeType="afterEffect">
-                                  <p:stCondLst>
-                                    <p:cond delay="1000"/>
-                                  </p:stCondLst>
-                                  <p:childTnLst>
-                                    <p:set>
-                                      <p:cBhvr>
-                                        <p:cTn id="22" dur="1" fill="hold">
-                                          <p:stCondLst>
-                                            <p:cond delay="0"/>
-                                          </p:stCondLst>
-                                        </p:cTn>
-                                        <p:tgtEl>
-                                          <p:spTgt spid="11"/>
-                                        </p:tgtEl>
-                                        <p:attrNameLst>
-                                          <p:attrName>style.visibility</p:attrName>
-                                        </p:attrNameLst>
-                                      </p:cBhvr>
-                                      <p:to>
-                                        <p:strVal val="visible"/>
-                                      </p:to>
-                                    </p:set>
-                                    <p:animEffect transition="in" filter="fade">
-                                      <p:cBhvr>
-                                        <p:cTn id="23" dur="500"/>
-                                        <p:tgtEl>
-                                          <p:spTgt spid="11"/>
-                                        </p:tgtEl>
-                                      </p:cBhvr>
-                                    </p:animEffect>
-                                  </p:childTnLst>
-                                </p:cTn>
-                              </p:par>
-                            </p:childTnLst>
-                          </p:cTn>
-                        </p:par>
-                      </p:childTnLst>
-                    </p:cTn>
-                  </p:par>
-                </p:childTnLst>
-              </p:cTn>
-              <p:prevCondLst>
-                <p:cond evt="onPrev" delay="0">
-                  <p:tgtEl>
-                    <p:sldTgt/>
-                  </p:tgtEl>
-                </p:cond>
-              </p:prevCondLst>
-              <p:nextCondLst>
-                <p:cond evt="onNext" delay="0">
-                  <p:tgtEl>
-                    <p:sldTgt/>
-                  </p:tgtEl>
-                </p:cond>
-              </p:nextCondLst>
-            </p:seq>
-          </p:childTnLst>
-        </p:cTn>
-      </p:par>
-    </p:tnLst>
-    <p:bldLst>
-      <p:bldP spid="7" grpId="0" animBg="1"/>
-      <p:bldP spid="8" grpId="0" animBg="1"/>
-      <p:bldP spid="9" grpId="0" animBg="1"/>
-      <p:bldP spid="10" grpId="0" animBg="1"/>
-      <p:bldP spid="11" grpId="0" animBg="1"/>
-    </p:bldLst>
   </p:timing>
 </p:sld>
 </file>

--- a/PHP/Future Unleashed_PHPWebApp.pptx
+++ b/PHP/Future Unleashed_PHPWebApp.pptx
@@ -5,36 +5,43 @@
     <p:sldMasterId id="2147483648" r:id="rId1"/>
     <p:sldMasterId id="2147483650" r:id="rId2"/>
     <p:sldMasterId id="2147483663" r:id="rId3"/>
+    <p:sldMasterId id="2147483682" r:id="rId4"/>
   </p:sldMasterIdLst>
   <p:notesMasterIdLst>
-    <p:notesMasterId r:id="rId29"/>
+    <p:notesMasterId r:id="rId36"/>
   </p:notesMasterIdLst>
   <p:sldIdLst>
-    <p:sldId id="256" r:id="rId4"/>
-    <p:sldId id="258" r:id="rId5"/>
-    <p:sldId id="259" r:id="rId6"/>
-    <p:sldId id="289" r:id="rId7"/>
-    <p:sldId id="284" r:id="rId8"/>
-    <p:sldId id="271" r:id="rId9"/>
-    <p:sldId id="272" r:id="rId10"/>
-    <p:sldId id="285" r:id="rId11"/>
-    <p:sldId id="286" r:id="rId12"/>
-    <p:sldId id="287" r:id="rId13"/>
-    <p:sldId id="283" r:id="rId14"/>
-    <p:sldId id="273" r:id="rId15"/>
-    <p:sldId id="274" r:id="rId16"/>
-    <p:sldId id="275" r:id="rId17"/>
-    <p:sldId id="288" r:id="rId18"/>
-    <p:sldId id="276" r:id="rId19"/>
-    <p:sldId id="277" r:id="rId20"/>
-    <p:sldId id="278" r:id="rId21"/>
-    <p:sldId id="279" r:id="rId22"/>
-    <p:sldId id="282" r:id="rId23"/>
-    <p:sldId id="280" r:id="rId24"/>
-    <p:sldId id="281" r:id="rId25"/>
-    <p:sldId id="265" r:id="rId26"/>
-    <p:sldId id="269" r:id="rId27"/>
-    <p:sldId id="270" r:id="rId28"/>
+    <p:sldId id="256" r:id="rId5"/>
+    <p:sldId id="258" r:id="rId6"/>
+    <p:sldId id="259" r:id="rId7"/>
+    <p:sldId id="289" r:id="rId8"/>
+    <p:sldId id="284" r:id="rId9"/>
+    <p:sldId id="271" r:id="rId10"/>
+    <p:sldId id="272" r:id="rId11"/>
+    <p:sldId id="285" r:id="rId12"/>
+    <p:sldId id="286" r:id="rId13"/>
+    <p:sldId id="287" r:id="rId14"/>
+    <p:sldId id="283" r:id="rId15"/>
+    <p:sldId id="273" r:id="rId16"/>
+    <p:sldId id="274" r:id="rId17"/>
+    <p:sldId id="275" r:id="rId18"/>
+    <p:sldId id="288" r:id="rId19"/>
+    <p:sldId id="276" r:id="rId20"/>
+    <p:sldId id="277" r:id="rId21"/>
+    <p:sldId id="278" r:id="rId22"/>
+    <p:sldId id="279" r:id="rId23"/>
+    <p:sldId id="282" r:id="rId24"/>
+    <p:sldId id="280" r:id="rId25"/>
+    <p:sldId id="281" r:id="rId26"/>
+    <p:sldId id="265" r:id="rId27"/>
+    <p:sldId id="269" r:id="rId28"/>
+    <p:sldId id="270" r:id="rId29"/>
+    <p:sldId id="290" r:id="rId30"/>
+    <p:sldId id="291" r:id="rId31"/>
+    <p:sldId id="292" r:id="rId32"/>
+    <p:sldId id="293" r:id="rId33"/>
+    <p:sldId id="294" r:id="rId34"/>
+    <p:sldId id="295" r:id="rId35"/>
   </p:sldIdLst>
   <p:sldSz cx="12192000" cy="6858000"/>
   <p:notesSz cx="6858000" cy="9144000"/>
@@ -137,6 +144,9 @@
     <p:ext uri="{EFAFB233-063F-42B5-8137-9DF3F51BA10A}">
       <p15:sldGuideLst xmlns:p15="http://schemas.microsoft.com/office/powerpoint/2012/main"/>
     </p:ext>
+    <p:ext uri="{2D200454-40CA-4A62-9FC3-DE9A4176ACB9}">
+      <p15:notesGuideLst xmlns:p15="http://schemas.microsoft.com/office/powerpoint/2012/main"/>
+    </p:ext>
   </p:extLst>
 </p:presentation>
 </file>
@@ -223,7 +233,7 @@
           <a:p>
             <a:fld id="{2535D150-81E3-4D58-8998-B40AA4994AF4}" type="datetimeFigureOut">
               <a:rPr lang="en-US" smtClean="0"/>
-              <a:t>11/2/2015</a:t>
+              <a:t>11/6/2015</a:t>
             </a:fld>
             <a:endParaRPr lang="en-US"/>
           </a:p>
@@ -1333,7 +1343,7 @@
           <a:p>
             <a:fld id="{615B8220-D6CE-4EBA-9DF4-44184996CC87}" type="datetimeFigureOut">
               <a:rPr lang="en-IN" smtClean="0"/>
-              <a:t>02-11-2015</a:t>
+              <a:t>06-11-2015</a:t>
             </a:fld>
             <a:endParaRPr lang="en-IN"/>
           </a:p>
@@ -1586,7 +1596,7 @@
           <a:p>
             <a:fld id="{615B8220-D6CE-4EBA-9DF4-44184996CC87}" type="datetimeFigureOut">
               <a:rPr lang="en-IN" smtClean="0"/>
-              <a:t>02-11-2015</a:t>
+              <a:t>06-11-2015</a:t>
             </a:fld>
             <a:endParaRPr lang="en-IN"/>
           </a:p>
@@ -1756,7 +1766,7 @@
           <a:p>
             <a:fld id="{615B8220-D6CE-4EBA-9DF4-44184996CC87}" type="datetimeFigureOut">
               <a:rPr lang="en-IN" smtClean="0"/>
-              <a:t>02-11-2015</a:t>
+              <a:t>06-11-2015</a:t>
             </a:fld>
             <a:endParaRPr lang="en-IN"/>
           </a:p>
@@ -1936,7 +1946,7 @@
           <a:p>
             <a:fld id="{615B8220-D6CE-4EBA-9DF4-44184996CC87}" type="datetimeFigureOut">
               <a:rPr lang="en-IN" smtClean="0"/>
-              <a:t>02-11-2015</a:t>
+              <a:t>06-11-2015</a:t>
             </a:fld>
             <a:endParaRPr lang="en-IN"/>
           </a:p>
@@ -3829,7 +3839,7 @@
           <a:p>
             <a:fld id="{615B8220-D6CE-4EBA-9DF4-44184996CC87}" type="datetimeFigureOut">
               <a:rPr lang="en-IN" smtClean="0"/>
-              <a:t>02-11-2015</a:t>
+              <a:t>06-11-2015</a:t>
             </a:fld>
             <a:endParaRPr lang="en-IN"/>
           </a:p>
@@ -6714,7 +6724,7 @@
           <a:p>
             <a:fld id="{615B8220-D6CE-4EBA-9DF4-44184996CC87}" type="datetimeFigureOut">
               <a:rPr lang="en-IN" smtClean="0"/>
-              <a:t>02-11-2015</a:t>
+              <a:t>06-11-2015</a:t>
             </a:fld>
             <a:endParaRPr lang="en-IN"/>
           </a:p>
@@ -7169,6 +7179,3086 @@
 </p:sldLayout>
 </file>
 
+<file path=ppt/slideLayouts/slideLayout32.xml><?xml version="1.0" encoding="utf-8"?>
+<p:sldLayout xmlns:a="http://schemas.openxmlformats.org/drawingml/2006/main" xmlns:r="http://schemas.openxmlformats.org/officeDocument/2006/relationships" xmlns:p="http://schemas.openxmlformats.org/presentationml/2006/main" type="title" preserve="1">
+  <p:cSld name="Title Slide">
+    <p:spTree>
+      <p:nvGrpSpPr>
+        <p:cNvPr id="1" name=""/>
+        <p:cNvGrpSpPr/>
+        <p:nvPr/>
+      </p:nvGrpSpPr>
+      <p:grpSpPr>
+        <a:xfrm>
+          <a:off x="0" y="0"/>
+          <a:ext cx="0" cy="0"/>
+          <a:chOff x="0" y="0"/>
+          <a:chExt cx="0" cy="0"/>
+        </a:xfrm>
+      </p:grpSpPr>
+      <p:pic>
+        <p:nvPicPr>
+          <p:cNvPr id="10" name="Picture 9"/>
+          <p:cNvPicPr>
+            <a:picLocks noChangeAspect="1"/>
+          </p:cNvPicPr>
+          <p:nvPr userDrawn="1"/>
+        </p:nvPicPr>
+        <p:blipFill>
+          <a:blip r:embed="rId2" cstate="print">
+            <a:extLst>
+              <a:ext uri="{28A0092B-C50C-407E-A947-70E740481C1C}">
+                <a14:useLocalDpi xmlns:a14="http://schemas.microsoft.com/office/drawing/2010/main" val="0"/>
+              </a:ext>
+            </a:extLst>
+          </a:blip>
+          <a:stretch>
+            <a:fillRect/>
+          </a:stretch>
+        </p:blipFill>
+        <p:spPr>
+          <a:xfrm>
+            <a:off x="-152401" y="-92774"/>
+            <a:ext cx="12417431" cy="6985913"/>
+          </a:xfrm>
+          <a:prstGeom prst="rect">
+            <a:avLst/>
+          </a:prstGeom>
+        </p:spPr>
+      </p:pic>
+      <p:sp>
+        <p:nvSpPr>
+          <p:cNvPr id="2" name="Title 1"/>
+          <p:cNvSpPr>
+            <a:spLocks noGrp="1"/>
+          </p:cNvSpPr>
+          <p:nvPr>
+            <p:ph type="ctrTitle"/>
+          </p:nvPr>
+        </p:nvSpPr>
+        <p:spPr>
+          <a:xfrm>
+            <a:off x="1524000" y="1122363"/>
+            <a:ext cx="9144000" cy="2387600"/>
+          </a:xfrm>
+        </p:spPr>
+        <p:txBody>
+          <a:bodyPr anchor="b"/>
+          <a:lstStyle>
+            <a:lvl1pPr algn="ctr">
+              <a:defRPr sz="6000"/>
+            </a:lvl1pPr>
+          </a:lstStyle>
+          <a:p>
+            <a:r>
+              <a:rPr lang="en-US" smtClean="0"/>
+              <a:t>Click to edit Master title style</a:t>
+            </a:r>
+            <a:endParaRPr lang="en-IN"/>
+          </a:p>
+        </p:txBody>
+      </p:sp>
+      <p:sp>
+        <p:nvSpPr>
+          <p:cNvPr id="3" name="Subtitle 2"/>
+          <p:cNvSpPr>
+            <a:spLocks noGrp="1"/>
+          </p:cNvSpPr>
+          <p:nvPr>
+            <p:ph type="subTitle" idx="1"/>
+          </p:nvPr>
+        </p:nvSpPr>
+        <p:spPr>
+          <a:xfrm>
+            <a:off x="1524000" y="3602038"/>
+            <a:ext cx="9144000" cy="1655762"/>
+          </a:xfrm>
+        </p:spPr>
+        <p:txBody>
+          <a:bodyPr/>
+          <a:lstStyle>
+            <a:lvl1pPr marL="0" indent="0" algn="ctr">
+              <a:buNone/>
+              <a:defRPr sz="2400"/>
+            </a:lvl1pPr>
+            <a:lvl2pPr marL="457200" indent="0" algn="ctr">
+              <a:buNone/>
+              <a:defRPr sz="2000"/>
+            </a:lvl2pPr>
+            <a:lvl3pPr marL="914400" indent="0" algn="ctr">
+              <a:buNone/>
+              <a:defRPr sz="1800"/>
+            </a:lvl3pPr>
+            <a:lvl4pPr marL="1371600" indent="0" algn="ctr">
+              <a:buNone/>
+              <a:defRPr sz="1600"/>
+            </a:lvl4pPr>
+            <a:lvl5pPr marL="1828800" indent="0" algn="ctr">
+              <a:buNone/>
+              <a:defRPr sz="1600"/>
+            </a:lvl5pPr>
+            <a:lvl6pPr marL="2286000" indent="0" algn="ctr">
+              <a:buNone/>
+              <a:defRPr sz="1600"/>
+            </a:lvl6pPr>
+            <a:lvl7pPr marL="2743200" indent="0" algn="ctr">
+              <a:buNone/>
+              <a:defRPr sz="1600"/>
+            </a:lvl7pPr>
+            <a:lvl8pPr marL="3200400" indent="0" algn="ctr">
+              <a:buNone/>
+              <a:defRPr sz="1600"/>
+            </a:lvl8pPr>
+            <a:lvl9pPr marL="3657600" indent="0" algn="ctr">
+              <a:buNone/>
+              <a:defRPr sz="1600"/>
+            </a:lvl9pPr>
+          </a:lstStyle>
+          <a:p>
+            <a:r>
+              <a:rPr lang="en-US" smtClean="0"/>
+              <a:t>Click to edit Master subtitle style</a:t>
+            </a:r>
+            <a:endParaRPr lang="en-IN"/>
+          </a:p>
+        </p:txBody>
+      </p:sp>
+      <p:sp>
+        <p:nvSpPr>
+          <p:cNvPr id="4" name="Date Placeholder 3"/>
+          <p:cNvSpPr>
+            <a:spLocks noGrp="1"/>
+          </p:cNvSpPr>
+          <p:nvPr>
+            <p:ph type="dt" sz="half" idx="10"/>
+          </p:nvPr>
+        </p:nvSpPr>
+        <p:spPr/>
+        <p:txBody>
+          <a:bodyPr/>
+          <a:lstStyle/>
+          <a:p>
+            <a:pPr marL="0" marR="0" lvl="0" indent="0" algn="l" defTabSz="914400" rtl="0" eaLnBrk="1" fontAlgn="auto" latinLnBrk="0" hangingPunct="1">
+              <a:lnSpc>
+                <a:spcPct val="100000"/>
+              </a:lnSpc>
+              <a:spcBef>
+                <a:spcPts val="0"/>
+              </a:spcBef>
+              <a:spcAft>
+                <a:spcPts val="0"/>
+              </a:spcAft>
+              <a:buClrTx/>
+              <a:buSzTx/>
+              <a:buFontTx/>
+              <a:buNone/>
+              <a:tabLst/>
+              <a:defRPr/>
+            </a:pPr>
+            <a:fld id="{615B8220-D6CE-4EBA-9DF4-44184996CC87}" type="datetimeFigureOut">
+              <a:rPr kumimoji="0" lang="en-IN" sz="1200" b="0" i="0" u="none" strike="noStrike" kern="1200" cap="none" spc="0" normalizeH="0" baseline="0" noProof="0" smtClean="0">
+                <a:ln>
+                  <a:noFill/>
+                </a:ln>
+                <a:solidFill>
+                  <a:prstClr val="black">
+                    <a:tint val="75000"/>
+                  </a:prstClr>
+                </a:solidFill>
+                <a:effectLst/>
+                <a:uLnTx/>
+                <a:uFillTx/>
+                <a:latin typeface="Calibri" panose="020F0502020204030204"/>
+                <a:ea typeface="+mn-ea"/>
+                <a:cs typeface="+mn-cs"/>
+              </a:rPr>
+              <a:pPr marL="0" marR="0" lvl="0" indent="0" algn="l" defTabSz="914400" rtl="0" eaLnBrk="1" fontAlgn="auto" latinLnBrk="0" hangingPunct="1">
+                <a:lnSpc>
+                  <a:spcPct val="100000"/>
+                </a:lnSpc>
+                <a:spcBef>
+                  <a:spcPts val="0"/>
+                </a:spcBef>
+                <a:spcAft>
+                  <a:spcPts val="0"/>
+                </a:spcAft>
+                <a:buClrTx/>
+                <a:buSzTx/>
+                <a:buFontTx/>
+                <a:buNone/>
+                <a:tabLst/>
+                <a:defRPr/>
+              </a:pPr>
+              <a:t>06-11-2015</a:t>
+            </a:fld>
+            <a:endParaRPr kumimoji="0" lang="en-IN" sz="1200" b="0" i="0" u="none" strike="noStrike" kern="1200" cap="none" spc="0" normalizeH="0" baseline="0" noProof="0">
+              <a:ln>
+                <a:noFill/>
+              </a:ln>
+              <a:solidFill>
+                <a:prstClr val="black">
+                  <a:tint val="75000"/>
+                </a:prstClr>
+              </a:solidFill>
+              <a:effectLst/>
+              <a:uLnTx/>
+              <a:uFillTx/>
+              <a:latin typeface="Calibri" panose="020F0502020204030204"/>
+              <a:ea typeface="+mn-ea"/>
+              <a:cs typeface="+mn-cs"/>
+            </a:endParaRPr>
+          </a:p>
+        </p:txBody>
+      </p:sp>
+      <p:sp>
+        <p:nvSpPr>
+          <p:cNvPr id="5" name="Footer Placeholder 4"/>
+          <p:cNvSpPr>
+            <a:spLocks noGrp="1"/>
+          </p:cNvSpPr>
+          <p:nvPr>
+            <p:ph type="ftr" sz="quarter" idx="11"/>
+          </p:nvPr>
+        </p:nvSpPr>
+        <p:spPr/>
+        <p:txBody>
+          <a:bodyPr/>
+          <a:lstStyle/>
+          <a:p>
+            <a:pPr marL="0" marR="0" lvl="0" indent="0" algn="ctr" defTabSz="914400" rtl="0" eaLnBrk="1" fontAlgn="auto" latinLnBrk="0" hangingPunct="1">
+              <a:lnSpc>
+                <a:spcPct val="100000"/>
+              </a:lnSpc>
+              <a:spcBef>
+                <a:spcPts val="0"/>
+              </a:spcBef>
+              <a:spcAft>
+                <a:spcPts val="0"/>
+              </a:spcAft>
+              <a:buClrTx/>
+              <a:buSzTx/>
+              <a:buFontTx/>
+              <a:buNone/>
+              <a:tabLst/>
+              <a:defRPr/>
+            </a:pPr>
+            <a:endParaRPr kumimoji="0" lang="en-IN" sz="1200" b="0" i="0" u="none" strike="noStrike" kern="1200" cap="none" spc="0" normalizeH="0" baseline="0" noProof="0">
+              <a:ln>
+                <a:noFill/>
+              </a:ln>
+              <a:solidFill>
+                <a:prstClr val="black">
+                  <a:tint val="75000"/>
+                </a:prstClr>
+              </a:solidFill>
+              <a:effectLst/>
+              <a:uLnTx/>
+              <a:uFillTx/>
+              <a:latin typeface="Calibri" panose="020F0502020204030204"/>
+              <a:ea typeface="+mn-ea"/>
+              <a:cs typeface="+mn-cs"/>
+            </a:endParaRPr>
+          </a:p>
+        </p:txBody>
+      </p:sp>
+      <p:sp>
+        <p:nvSpPr>
+          <p:cNvPr id="6" name="Slide Number Placeholder 5"/>
+          <p:cNvSpPr>
+            <a:spLocks noGrp="1"/>
+          </p:cNvSpPr>
+          <p:nvPr>
+            <p:ph type="sldNum" sz="quarter" idx="12"/>
+          </p:nvPr>
+        </p:nvSpPr>
+        <p:spPr/>
+        <p:txBody>
+          <a:bodyPr/>
+          <a:lstStyle/>
+          <a:p>
+            <a:pPr marL="0" marR="0" lvl="0" indent="0" algn="r" defTabSz="914400" rtl="0" eaLnBrk="1" fontAlgn="auto" latinLnBrk="0" hangingPunct="1">
+              <a:lnSpc>
+                <a:spcPct val="100000"/>
+              </a:lnSpc>
+              <a:spcBef>
+                <a:spcPts val="0"/>
+              </a:spcBef>
+              <a:spcAft>
+                <a:spcPts val="0"/>
+              </a:spcAft>
+              <a:buClrTx/>
+              <a:buSzTx/>
+              <a:buFontTx/>
+              <a:buNone/>
+              <a:tabLst/>
+              <a:defRPr/>
+            </a:pPr>
+            <a:fld id="{72C2F659-9614-4C11-ABEC-5C229DA454D6}" type="slidenum">
+              <a:rPr kumimoji="0" lang="en-IN" sz="1200" b="0" i="0" u="none" strike="noStrike" kern="1200" cap="none" spc="0" normalizeH="0" baseline="0" noProof="0" smtClean="0">
+                <a:ln>
+                  <a:noFill/>
+                </a:ln>
+                <a:solidFill>
+                  <a:prstClr val="black">
+                    <a:tint val="75000"/>
+                  </a:prstClr>
+                </a:solidFill>
+                <a:effectLst/>
+                <a:uLnTx/>
+                <a:uFillTx/>
+                <a:latin typeface="Calibri" panose="020F0502020204030204"/>
+                <a:ea typeface="+mn-ea"/>
+                <a:cs typeface="+mn-cs"/>
+              </a:rPr>
+              <a:pPr marL="0" marR="0" lvl="0" indent="0" algn="r" defTabSz="914400" rtl="0" eaLnBrk="1" fontAlgn="auto" latinLnBrk="0" hangingPunct="1">
+                <a:lnSpc>
+                  <a:spcPct val="100000"/>
+                </a:lnSpc>
+                <a:spcBef>
+                  <a:spcPts val="0"/>
+                </a:spcBef>
+                <a:spcAft>
+                  <a:spcPts val="0"/>
+                </a:spcAft>
+                <a:buClrTx/>
+                <a:buSzTx/>
+                <a:buFontTx/>
+                <a:buNone/>
+                <a:tabLst/>
+                <a:defRPr/>
+              </a:pPr>
+              <a:t>‹#›</a:t>
+            </a:fld>
+            <a:endParaRPr kumimoji="0" lang="en-IN" sz="1200" b="0" i="0" u="none" strike="noStrike" kern="1200" cap="none" spc="0" normalizeH="0" baseline="0" noProof="0">
+              <a:ln>
+                <a:noFill/>
+              </a:ln>
+              <a:solidFill>
+                <a:prstClr val="black">
+                  <a:tint val="75000"/>
+                </a:prstClr>
+              </a:solidFill>
+              <a:effectLst/>
+              <a:uLnTx/>
+              <a:uFillTx/>
+              <a:latin typeface="Calibri" panose="020F0502020204030204"/>
+              <a:ea typeface="+mn-ea"/>
+              <a:cs typeface="+mn-cs"/>
+            </a:endParaRPr>
+          </a:p>
+        </p:txBody>
+      </p:sp>
+      <p:pic>
+        <p:nvPicPr>
+          <p:cNvPr id="11" name="Picture 10"/>
+          <p:cNvPicPr>
+            <a:picLocks noChangeAspect="1"/>
+          </p:cNvPicPr>
+          <p:nvPr userDrawn="1"/>
+        </p:nvPicPr>
+        <p:blipFill>
+          <a:blip r:embed="rId3">
+            <a:extLst>
+              <a:ext uri="{28A0092B-C50C-407E-A947-70E740481C1C}">
+                <a14:useLocalDpi xmlns:a14="http://schemas.microsoft.com/office/drawing/2010/main" val="0"/>
+              </a:ext>
+            </a:extLst>
+          </a:blip>
+          <a:stretch>
+            <a:fillRect/>
+          </a:stretch>
+        </p:blipFill>
+        <p:spPr>
+          <a:xfrm>
+            <a:off x="10640830" y="6471713"/>
+            <a:ext cx="1263089" cy="264367"/>
+          </a:xfrm>
+          <a:prstGeom prst="rect">
+            <a:avLst/>
+          </a:prstGeom>
+        </p:spPr>
+      </p:pic>
+      <p:pic>
+        <p:nvPicPr>
+          <p:cNvPr id="9" name="Picture 8"/>
+          <p:cNvPicPr>
+            <a:picLocks noChangeAspect="1"/>
+          </p:cNvPicPr>
+          <p:nvPr userDrawn="1"/>
+        </p:nvPicPr>
+        <p:blipFill>
+          <a:blip r:embed="rId4" cstate="print">
+            <a:extLst>
+              <a:ext uri="{28A0092B-C50C-407E-A947-70E740481C1C}">
+                <a14:useLocalDpi xmlns:a14="http://schemas.microsoft.com/office/drawing/2010/main" val="0"/>
+              </a:ext>
+            </a:extLst>
+          </a:blip>
+          <a:stretch>
+            <a:fillRect/>
+          </a:stretch>
+        </p:blipFill>
+        <p:spPr>
+          <a:xfrm>
+            <a:off x="11321142" y="0"/>
+            <a:ext cx="844732" cy="513538"/>
+          </a:xfrm>
+          <a:prstGeom prst="rect">
+            <a:avLst/>
+          </a:prstGeom>
+        </p:spPr>
+      </p:pic>
+    </p:spTree>
+    <p:extLst>
+      <p:ext uri="{BB962C8B-B14F-4D97-AF65-F5344CB8AC3E}">
+        <p14:creationId xmlns:p14="http://schemas.microsoft.com/office/powerpoint/2010/main" val="1218656967"/>
+      </p:ext>
+    </p:extLst>
+  </p:cSld>
+  <p:clrMapOvr>
+    <a:masterClrMapping/>
+  </p:clrMapOvr>
+</p:sldLayout>
+</file>
+
+<file path=ppt/slideLayouts/slideLayout33.xml><?xml version="1.0" encoding="utf-8"?>
+<p:sldLayout xmlns:a="http://schemas.openxmlformats.org/drawingml/2006/main" xmlns:r="http://schemas.openxmlformats.org/officeDocument/2006/relationships" xmlns:p="http://schemas.openxmlformats.org/presentationml/2006/main" type="obj" preserve="1">
+  <p:cSld name="Title and Content">
+    <p:spTree>
+      <p:nvGrpSpPr>
+        <p:cNvPr id="1" name=""/>
+        <p:cNvGrpSpPr/>
+        <p:nvPr/>
+      </p:nvGrpSpPr>
+      <p:grpSpPr>
+        <a:xfrm>
+          <a:off x="0" y="0"/>
+          <a:ext cx="0" cy="0"/>
+          <a:chOff x="0" y="0"/>
+          <a:chExt cx="0" cy="0"/>
+        </a:xfrm>
+      </p:grpSpPr>
+      <p:sp>
+        <p:nvSpPr>
+          <p:cNvPr id="2" name="Title 1"/>
+          <p:cNvSpPr>
+            <a:spLocks noGrp="1"/>
+          </p:cNvSpPr>
+          <p:nvPr>
+            <p:ph type="title"/>
+          </p:nvPr>
+        </p:nvSpPr>
+        <p:spPr/>
+        <p:txBody>
+          <a:bodyPr/>
+          <a:lstStyle/>
+          <a:p>
+            <a:r>
+              <a:rPr lang="en-US" smtClean="0"/>
+              <a:t>Click to edit Master title style</a:t>
+            </a:r>
+            <a:endParaRPr lang="en-IN"/>
+          </a:p>
+        </p:txBody>
+      </p:sp>
+      <p:sp>
+        <p:nvSpPr>
+          <p:cNvPr id="3" name="Content Placeholder 2"/>
+          <p:cNvSpPr>
+            <a:spLocks noGrp="1"/>
+          </p:cNvSpPr>
+          <p:nvPr>
+            <p:ph idx="1"/>
+          </p:nvPr>
+        </p:nvSpPr>
+        <p:spPr/>
+        <p:txBody>
+          <a:bodyPr/>
+          <a:lstStyle/>
+          <a:p>
+            <a:pPr lvl="0"/>
+            <a:r>
+              <a:rPr lang="en-US" smtClean="0"/>
+              <a:t>Click to edit Master text styles</a:t>
+            </a:r>
+          </a:p>
+          <a:p>
+            <a:pPr lvl="1"/>
+            <a:r>
+              <a:rPr lang="en-US" smtClean="0"/>
+              <a:t>Second level</a:t>
+            </a:r>
+          </a:p>
+          <a:p>
+            <a:pPr lvl="2"/>
+            <a:r>
+              <a:rPr lang="en-US" smtClean="0"/>
+              <a:t>Third level</a:t>
+            </a:r>
+          </a:p>
+          <a:p>
+            <a:pPr lvl="3"/>
+            <a:r>
+              <a:rPr lang="en-US" smtClean="0"/>
+              <a:t>Fourth level</a:t>
+            </a:r>
+          </a:p>
+          <a:p>
+            <a:pPr lvl="4"/>
+            <a:r>
+              <a:rPr lang="en-US" smtClean="0"/>
+              <a:t>Fifth level</a:t>
+            </a:r>
+            <a:endParaRPr lang="en-IN"/>
+          </a:p>
+        </p:txBody>
+      </p:sp>
+      <p:sp>
+        <p:nvSpPr>
+          <p:cNvPr id="4" name="Date Placeholder 3"/>
+          <p:cNvSpPr>
+            <a:spLocks noGrp="1"/>
+          </p:cNvSpPr>
+          <p:nvPr>
+            <p:ph type="dt" sz="half" idx="10"/>
+          </p:nvPr>
+        </p:nvSpPr>
+        <p:spPr/>
+        <p:txBody>
+          <a:bodyPr/>
+          <a:lstStyle/>
+          <a:p>
+            <a:pPr marL="0" marR="0" lvl="0" indent="0" algn="l" defTabSz="914400" rtl="0" eaLnBrk="1" fontAlgn="auto" latinLnBrk="0" hangingPunct="1">
+              <a:lnSpc>
+                <a:spcPct val="100000"/>
+              </a:lnSpc>
+              <a:spcBef>
+                <a:spcPts val="0"/>
+              </a:spcBef>
+              <a:spcAft>
+                <a:spcPts val="0"/>
+              </a:spcAft>
+              <a:buClrTx/>
+              <a:buSzTx/>
+              <a:buFontTx/>
+              <a:buNone/>
+              <a:tabLst/>
+              <a:defRPr/>
+            </a:pPr>
+            <a:fld id="{615B8220-D6CE-4EBA-9DF4-44184996CC87}" type="datetimeFigureOut">
+              <a:rPr kumimoji="0" lang="en-IN" sz="1200" b="0" i="0" u="none" strike="noStrike" kern="1200" cap="none" spc="0" normalizeH="0" baseline="0" noProof="0" smtClean="0">
+                <a:ln>
+                  <a:noFill/>
+                </a:ln>
+                <a:solidFill>
+                  <a:prstClr val="black">
+                    <a:tint val="75000"/>
+                  </a:prstClr>
+                </a:solidFill>
+                <a:effectLst/>
+                <a:uLnTx/>
+                <a:uFillTx/>
+                <a:latin typeface="Calibri" panose="020F0502020204030204"/>
+                <a:ea typeface="+mn-ea"/>
+                <a:cs typeface="+mn-cs"/>
+              </a:rPr>
+              <a:pPr marL="0" marR="0" lvl="0" indent="0" algn="l" defTabSz="914400" rtl="0" eaLnBrk="1" fontAlgn="auto" latinLnBrk="0" hangingPunct="1">
+                <a:lnSpc>
+                  <a:spcPct val="100000"/>
+                </a:lnSpc>
+                <a:spcBef>
+                  <a:spcPts val="0"/>
+                </a:spcBef>
+                <a:spcAft>
+                  <a:spcPts val="0"/>
+                </a:spcAft>
+                <a:buClrTx/>
+                <a:buSzTx/>
+                <a:buFontTx/>
+                <a:buNone/>
+                <a:tabLst/>
+                <a:defRPr/>
+              </a:pPr>
+              <a:t>06-11-2015</a:t>
+            </a:fld>
+            <a:endParaRPr kumimoji="0" lang="en-IN" sz="1200" b="0" i="0" u="none" strike="noStrike" kern="1200" cap="none" spc="0" normalizeH="0" baseline="0" noProof="0">
+              <a:ln>
+                <a:noFill/>
+              </a:ln>
+              <a:solidFill>
+                <a:prstClr val="black">
+                  <a:tint val="75000"/>
+                </a:prstClr>
+              </a:solidFill>
+              <a:effectLst/>
+              <a:uLnTx/>
+              <a:uFillTx/>
+              <a:latin typeface="Calibri" panose="020F0502020204030204"/>
+              <a:ea typeface="+mn-ea"/>
+              <a:cs typeface="+mn-cs"/>
+            </a:endParaRPr>
+          </a:p>
+        </p:txBody>
+      </p:sp>
+      <p:sp>
+        <p:nvSpPr>
+          <p:cNvPr id="5" name="Footer Placeholder 4"/>
+          <p:cNvSpPr>
+            <a:spLocks noGrp="1"/>
+          </p:cNvSpPr>
+          <p:nvPr>
+            <p:ph type="ftr" sz="quarter" idx="11"/>
+          </p:nvPr>
+        </p:nvSpPr>
+        <p:spPr/>
+        <p:txBody>
+          <a:bodyPr/>
+          <a:lstStyle/>
+          <a:p>
+            <a:pPr marL="0" marR="0" lvl="0" indent="0" algn="ctr" defTabSz="914400" rtl="0" eaLnBrk="1" fontAlgn="auto" latinLnBrk="0" hangingPunct="1">
+              <a:lnSpc>
+                <a:spcPct val="100000"/>
+              </a:lnSpc>
+              <a:spcBef>
+                <a:spcPts val="0"/>
+              </a:spcBef>
+              <a:spcAft>
+                <a:spcPts val="0"/>
+              </a:spcAft>
+              <a:buClrTx/>
+              <a:buSzTx/>
+              <a:buFontTx/>
+              <a:buNone/>
+              <a:tabLst/>
+              <a:defRPr/>
+            </a:pPr>
+            <a:endParaRPr kumimoji="0" lang="en-IN" sz="1200" b="0" i="0" u="none" strike="noStrike" kern="1200" cap="none" spc="0" normalizeH="0" baseline="0" noProof="0">
+              <a:ln>
+                <a:noFill/>
+              </a:ln>
+              <a:solidFill>
+                <a:prstClr val="black">
+                  <a:tint val="75000"/>
+                </a:prstClr>
+              </a:solidFill>
+              <a:effectLst/>
+              <a:uLnTx/>
+              <a:uFillTx/>
+              <a:latin typeface="Calibri" panose="020F0502020204030204"/>
+              <a:ea typeface="+mn-ea"/>
+              <a:cs typeface="+mn-cs"/>
+            </a:endParaRPr>
+          </a:p>
+        </p:txBody>
+      </p:sp>
+      <p:sp>
+        <p:nvSpPr>
+          <p:cNvPr id="6" name="Slide Number Placeholder 5"/>
+          <p:cNvSpPr>
+            <a:spLocks noGrp="1"/>
+          </p:cNvSpPr>
+          <p:nvPr>
+            <p:ph type="sldNum" sz="quarter" idx="12"/>
+          </p:nvPr>
+        </p:nvSpPr>
+        <p:spPr/>
+        <p:txBody>
+          <a:bodyPr/>
+          <a:lstStyle/>
+          <a:p>
+            <a:pPr marL="0" marR="0" lvl="0" indent="0" algn="r" defTabSz="914400" rtl="0" eaLnBrk="1" fontAlgn="auto" latinLnBrk="0" hangingPunct="1">
+              <a:lnSpc>
+                <a:spcPct val="100000"/>
+              </a:lnSpc>
+              <a:spcBef>
+                <a:spcPts val="0"/>
+              </a:spcBef>
+              <a:spcAft>
+                <a:spcPts val="0"/>
+              </a:spcAft>
+              <a:buClrTx/>
+              <a:buSzTx/>
+              <a:buFontTx/>
+              <a:buNone/>
+              <a:tabLst/>
+              <a:defRPr/>
+            </a:pPr>
+            <a:fld id="{72C2F659-9614-4C11-ABEC-5C229DA454D6}" type="slidenum">
+              <a:rPr kumimoji="0" lang="en-IN" sz="1200" b="0" i="0" u="none" strike="noStrike" kern="1200" cap="none" spc="0" normalizeH="0" baseline="0" noProof="0" smtClean="0">
+                <a:ln>
+                  <a:noFill/>
+                </a:ln>
+                <a:solidFill>
+                  <a:prstClr val="black">
+                    <a:tint val="75000"/>
+                  </a:prstClr>
+                </a:solidFill>
+                <a:effectLst/>
+                <a:uLnTx/>
+                <a:uFillTx/>
+                <a:latin typeface="Calibri" panose="020F0502020204030204"/>
+                <a:ea typeface="+mn-ea"/>
+                <a:cs typeface="+mn-cs"/>
+              </a:rPr>
+              <a:pPr marL="0" marR="0" lvl="0" indent="0" algn="r" defTabSz="914400" rtl="0" eaLnBrk="1" fontAlgn="auto" latinLnBrk="0" hangingPunct="1">
+                <a:lnSpc>
+                  <a:spcPct val="100000"/>
+                </a:lnSpc>
+                <a:spcBef>
+                  <a:spcPts val="0"/>
+                </a:spcBef>
+                <a:spcAft>
+                  <a:spcPts val="0"/>
+                </a:spcAft>
+                <a:buClrTx/>
+                <a:buSzTx/>
+                <a:buFontTx/>
+                <a:buNone/>
+                <a:tabLst/>
+                <a:defRPr/>
+              </a:pPr>
+              <a:t>‹#›</a:t>
+            </a:fld>
+            <a:endParaRPr kumimoji="0" lang="en-IN" sz="1200" b="0" i="0" u="none" strike="noStrike" kern="1200" cap="none" spc="0" normalizeH="0" baseline="0" noProof="0">
+              <a:ln>
+                <a:noFill/>
+              </a:ln>
+              <a:solidFill>
+                <a:prstClr val="black">
+                  <a:tint val="75000"/>
+                </a:prstClr>
+              </a:solidFill>
+              <a:effectLst/>
+              <a:uLnTx/>
+              <a:uFillTx/>
+              <a:latin typeface="Calibri" panose="020F0502020204030204"/>
+              <a:ea typeface="+mn-ea"/>
+              <a:cs typeface="+mn-cs"/>
+            </a:endParaRPr>
+          </a:p>
+        </p:txBody>
+      </p:sp>
+      <p:pic>
+        <p:nvPicPr>
+          <p:cNvPr id="7" name="Picture 6"/>
+          <p:cNvPicPr>
+            <a:picLocks noChangeAspect="1"/>
+          </p:cNvPicPr>
+          <p:nvPr userDrawn="1"/>
+        </p:nvPicPr>
+        <p:blipFill>
+          <a:blip r:embed="rId2" cstate="print">
+            <a:extLst>
+              <a:ext uri="{28A0092B-C50C-407E-A947-70E740481C1C}">
+                <a14:useLocalDpi xmlns:a14="http://schemas.microsoft.com/office/drawing/2010/main" val="0"/>
+              </a:ext>
+            </a:extLst>
+          </a:blip>
+          <a:stretch>
+            <a:fillRect/>
+          </a:stretch>
+        </p:blipFill>
+        <p:spPr>
+          <a:xfrm>
+            <a:off x="10460441" y="6295811"/>
+            <a:ext cx="1623869" cy="597329"/>
+          </a:xfrm>
+          <a:prstGeom prst="rect">
+            <a:avLst/>
+          </a:prstGeom>
+        </p:spPr>
+      </p:pic>
+    </p:spTree>
+    <p:extLst>
+      <p:ext uri="{BB962C8B-B14F-4D97-AF65-F5344CB8AC3E}">
+        <p14:creationId xmlns:p14="http://schemas.microsoft.com/office/powerpoint/2010/main" val="3518960678"/>
+      </p:ext>
+    </p:extLst>
+  </p:cSld>
+  <p:clrMapOvr>
+    <a:masterClrMapping/>
+  </p:clrMapOvr>
+</p:sldLayout>
+</file>
+
+<file path=ppt/slideLayouts/slideLayout34.xml><?xml version="1.0" encoding="utf-8"?>
+<p:sldLayout xmlns:a="http://schemas.openxmlformats.org/drawingml/2006/main" xmlns:r="http://schemas.openxmlformats.org/officeDocument/2006/relationships" xmlns:p="http://schemas.openxmlformats.org/presentationml/2006/main" type="obj" preserve="1">
+  <p:cSld name="1_Title and Content">
+    <p:spTree>
+      <p:nvGrpSpPr>
+        <p:cNvPr id="1" name=""/>
+        <p:cNvGrpSpPr/>
+        <p:nvPr/>
+      </p:nvGrpSpPr>
+      <p:grpSpPr>
+        <a:xfrm>
+          <a:off x="0" y="0"/>
+          <a:ext cx="0" cy="0"/>
+          <a:chOff x="0" y="0"/>
+          <a:chExt cx="0" cy="0"/>
+        </a:xfrm>
+      </p:grpSpPr>
+      <p:pic>
+        <p:nvPicPr>
+          <p:cNvPr id="21" name="Picture 20"/>
+          <p:cNvPicPr>
+            <a:picLocks noChangeAspect="1"/>
+          </p:cNvPicPr>
+          <p:nvPr userDrawn="1"/>
+        </p:nvPicPr>
+        <p:blipFill>
+          <a:blip r:embed="rId2" cstate="print">
+            <a:extLst>
+              <a:ext uri="{28A0092B-C50C-407E-A947-70E740481C1C}">
+                <a14:useLocalDpi xmlns:a14="http://schemas.microsoft.com/office/drawing/2010/main" val="0"/>
+              </a:ext>
+            </a:extLst>
+          </a:blip>
+          <a:stretch>
+            <a:fillRect/>
+          </a:stretch>
+        </p:blipFill>
+        <p:spPr>
+          <a:xfrm>
+            <a:off x="-152401" y="-92774"/>
+            <a:ext cx="12417431" cy="6985913"/>
+          </a:xfrm>
+          <a:prstGeom prst="rect">
+            <a:avLst/>
+          </a:prstGeom>
+        </p:spPr>
+      </p:pic>
+      <p:pic>
+        <p:nvPicPr>
+          <p:cNvPr id="22" name="Picture 21"/>
+          <p:cNvPicPr>
+            <a:picLocks noChangeAspect="1"/>
+          </p:cNvPicPr>
+          <p:nvPr userDrawn="1"/>
+        </p:nvPicPr>
+        <p:blipFill>
+          <a:blip r:embed="rId3">
+            <a:extLst>
+              <a:ext uri="{28A0092B-C50C-407E-A947-70E740481C1C}">
+                <a14:useLocalDpi xmlns:a14="http://schemas.microsoft.com/office/drawing/2010/main" val="0"/>
+              </a:ext>
+            </a:extLst>
+          </a:blip>
+          <a:stretch>
+            <a:fillRect/>
+          </a:stretch>
+        </p:blipFill>
+        <p:spPr>
+          <a:xfrm>
+            <a:off x="10640830" y="6471713"/>
+            <a:ext cx="1263089" cy="264367"/>
+          </a:xfrm>
+          <a:prstGeom prst="rect">
+            <a:avLst/>
+          </a:prstGeom>
+        </p:spPr>
+      </p:pic>
+      <p:sp>
+        <p:nvSpPr>
+          <p:cNvPr id="2" name="Title 1"/>
+          <p:cNvSpPr>
+            <a:spLocks noGrp="1"/>
+          </p:cNvSpPr>
+          <p:nvPr>
+            <p:ph type="title"/>
+          </p:nvPr>
+        </p:nvSpPr>
+        <p:spPr/>
+        <p:txBody>
+          <a:bodyPr/>
+          <a:lstStyle/>
+          <a:p>
+            <a:r>
+              <a:rPr lang="en-US" smtClean="0"/>
+              <a:t>Click to edit Master title style</a:t>
+            </a:r>
+            <a:endParaRPr lang="en-IN"/>
+          </a:p>
+        </p:txBody>
+      </p:sp>
+      <p:sp>
+        <p:nvSpPr>
+          <p:cNvPr id="3" name="Content Placeholder 2"/>
+          <p:cNvSpPr>
+            <a:spLocks noGrp="1"/>
+          </p:cNvSpPr>
+          <p:nvPr>
+            <p:ph idx="1"/>
+          </p:nvPr>
+        </p:nvSpPr>
+        <p:spPr/>
+        <p:txBody>
+          <a:bodyPr/>
+          <a:lstStyle/>
+          <a:p>
+            <a:pPr lvl="0"/>
+            <a:r>
+              <a:rPr lang="en-US" smtClean="0"/>
+              <a:t>Click to edit Master text styles</a:t>
+            </a:r>
+          </a:p>
+          <a:p>
+            <a:pPr lvl="1"/>
+            <a:r>
+              <a:rPr lang="en-US" smtClean="0"/>
+              <a:t>Second level</a:t>
+            </a:r>
+          </a:p>
+          <a:p>
+            <a:pPr lvl="2"/>
+            <a:r>
+              <a:rPr lang="en-US" smtClean="0"/>
+              <a:t>Third level</a:t>
+            </a:r>
+          </a:p>
+          <a:p>
+            <a:pPr lvl="3"/>
+            <a:r>
+              <a:rPr lang="en-US" smtClean="0"/>
+              <a:t>Fourth level</a:t>
+            </a:r>
+          </a:p>
+          <a:p>
+            <a:pPr lvl="4"/>
+            <a:r>
+              <a:rPr lang="en-US" smtClean="0"/>
+              <a:t>Fifth level</a:t>
+            </a:r>
+            <a:endParaRPr lang="en-IN"/>
+          </a:p>
+        </p:txBody>
+      </p:sp>
+      <p:sp>
+        <p:nvSpPr>
+          <p:cNvPr id="4" name="Date Placeholder 3"/>
+          <p:cNvSpPr>
+            <a:spLocks noGrp="1"/>
+          </p:cNvSpPr>
+          <p:nvPr>
+            <p:ph type="dt" sz="half" idx="10"/>
+          </p:nvPr>
+        </p:nvSpPr>
+        <p:spPr/>
+        <p:txBody>
+          <a:bodyPr/>
+          <a:lstStyle/>
+          <a:p>
+            <a:pPr marL="0" marR="0" lvl="0" indent="0" algn="l" defTabSz="914400" rtl="0" eaLnBrk="1" fontAlgn="auto" latinLnBrk="0" hangingPunct="1">
+              <a:lnSpc>
+                <a:spcPct val="100000"/>
+              </a:lnSpc>
+              <a:spcBef>
+                <a:spcPts val="0"/>
+              </a:spcBef>
+              <a:spcAft>
+                <a:spcPts val="0"/>
+              </a:spcAft>
+              <a:buClrTx/>
+              <a:buSzTx/>
+              <a:buFontTx/>
+              <a:buNone/>
+              <a:tabLst/>
+              <a:defRPr/>
+            </a:pPr>
+            <a:fld id="{615B8220-D6CE-4EBA-9DF4-44184996CC87}" type="datetimeFigureOut">
+              <a:rPr kumimoji="0" lang="en-IN" sz="1200" b="0" i="0" u="none" strike="noStrike" kern="1200" cap="none" spc="0" normalizeH="0" baseline="0" noProof="0" smtClean="0">
+                <a:ln>
+                  <a:noFill/>
+                </a:ln>
+                <a:solidFill>
+                  <a:prstClr val="black">
+                    <a:tint val="75000"/>
+                  </a:prstClr>
+                </a:solidFill>
+                <a:effectLst/>
+                <a:uLnTx/>
+                <a:uFillTx/>
+                <a:latin typeface="Calibri" panose="020F0502020204030204"/>
+                <a:ea typeface="+mn-ea"/>
+                <a:cs typeface="+mn-cs"/>
+              </a:rPr>
+              <a:pPr marL="0" marR="0" lvl="0" indent="0" algn="l" defTabSz="914400" rtl="0" eaLnBrk="1" fontAlgn="auto" latinLnBrk="0" hangingPunct="1">
+                <a:lnSpc>
+                  <a:spcPct val="100000"/>
+                </a:lnSpc>
+                <a:spcBef>
+                  <a:spcPts val="0"/>
+                </a:spcBef>
+                <a:spcAft>
+                  <a:spcPts val="0"/>
+                </a:spcAft>
+                <a:buClrTx/>
+                <a:buSzTx/>
+                <a:buFontTx/>
+                <a:buNone/>
+                <a:tabLst/>
+                <a:defRPr/>
+              </a:pPr>
+              <a:t>06-11-2015</a:t>
+            </a:fld>
+            <a:endParaRPr kumimoji="0" lang="en-IN" sz="1200" b="0" i="0" u="none" strike="noStrike" kern="1200" cap="none" spc="0" normalizeH="0" baseline="0" noProof="0">
+              <a:ln>
+                <a:noFill/>
+              </a:ln>
+              <a:solidFill>
+                <a:prstClr val="black">
+                  <a:tint val="75000"/>
+                </a:prstClr>
+              </a:solidFill>
+              <a:effectLst/>
+              <a:uLnTx/>
+              <a:uFillTx/>
+              <a:latin typeface="Calibri" panose="020F0502020204030204"/>
+              <a:ea typeface="+mn-ea"/>
+              <a:cs typeface="+mn-cs"/>
+            </a:endParaRPr>
+          </a:p>
+        </p:txBody>
+      </p:sp>
+      <p:sp>
+        <p:nvSpPr>
+          <p:cNvPr id="5" name="Footer Placeholder 4"/>
+          <p:cNvSpPr>
+            <a:spLocks noGrp="1"/>
+          </p:cNvSpPr>
+          <p:nvPr>
+            <p:ph type="ftr" sz="quarter" idx="11"/>
+          </p:nvPr>
+        </p:nvSpPr>
+        <p:spPr/>
+        <p:txBody>
+          <a:bodyPr/>
+          <a:lstStyle/>
+          <a:p>
+            <a:pPr marL="0" marR="0" lvl="0" indent="0" algn="ctr" defTabSz="914400" rtl="0" eaLnBrk="1" fontAlgn="auto" latinLnBrk="0" hangingPunct="1">
+              <a:lnSpc>
+                <a:spcPct val="100000"/>
+              </a:lnSpc>
+              <a:spcBef>
+                <a:spcPts val="0"/>
+              </a:spcBef>
+              <a:spcAft>
+                <a:spcPts val="0"/>
+              </a:spcAft>
+              <a:buClrTx/>
+              <a:buSzTx/>
+              <a:buFontTx/>
+              <a:buNone/>
+              <a:tabLst/>
+              <a:defRPr/>
+            </a:pPr>
+            <a:endParaRPr kumimoji="0" lang="en-IN" sz="1200" b="0" i="0" u="none" strike="noStrike" kern="1200" cap="none" spc="0" normalizeH="0" baseline="0" noProof="0">
+              <a:ln>
+                <a:noFill/>
+              </a:ln>
+              <a:solidFill>
+                <a:prstClr val="black">
+                  <a:tint val="75000"/>
+                </a:prstClr>
+              </a:solidFill>
+              <a:effectLst/>
+              <a:uLnTx/>
+              <a:uFillTx/>
+              <a:latin typeface="Calibri" panose="020F0502020204030204"/>
+              <a:ea typeface="+mn-ea"/>
+              <a:cs typeface="+mn-cs"/>
+            </a:endParaRPr>
+          </a:p>
+        </p:txBody>
+      </p:sp>
+      <p:sp>
+        <p:nvSpPr>
+          <p:cNvPr id="6" name="Slide Number Placeholder 5"/>
+          <p:cNvSpPr>
+            <a:spLocks noGrp="1"/>
+          </p:cNvSpPr>
+          <p:nvPr>
+            <p:ph type="sldNum" sz="quarter" idx="12"/>
+          </p:nvPr>
+        </p:nvSpPr>
+        <p:spPr/>
+        <p:txBody>
+          <a:bodyPr/>
+          <a:lstStyle/>
+          <a:p>
+            <a:pPr marL="0" marR="0" lvl="0" indent="0" algn="r" defTabSz="914400" rtl="0" eaLnBrk="1" fontAlgn="auto" latinLnBrk="0" hangingPunct="1">
+              <a:lnSpc>
+                <a:spcPct val="100000"/>
+              </a:lnSpc>
+              <a:spcBef>
+                <a:spcPts val="0"/>
+              </a:spcBef>
+              <a:spcAft>
+                <a:spcPts val="0"/>
+              </a:spcAft>
+              <a:buClrTx/>
+              <a:buSzTx/>
+              <a:buFontTx/>
+              <a:buNone/>
+              <a:tabLst/>
+              <a:defRPr/>
+            </a:pPr>
+            <a:fld id="{72C2F659-9614-4C11-ABEC-5C229DA454D6}" type="slidenum">
+              <a:rPr kumimoji="0" lang="en-IN" sz="1200" b="0" i="0" u="none" strike="noStrike" kern="1200" cap="none" spc="0" normalizeH="0" baseline="0" noProof="0" smtClean="0">
+                <a:ln>
+                  <a:noFill/>
+                </a:ln>
+                <a:solidFill>
+                  <a:prstClr val="black">
+                    <a:tint val="75000"/>
+                  </a:prstClr>
+                </a:solidFill>
+                <a:effectLst/>
+                <a:uLnTx/>
+                <a:uFillTx/>
+                <a:latin typeface="Calibri" panose="020F0502020204030204"/>
+                <a:ea typeface="+mn-ea"/>
+                <a:cs typeface="+mn-cs"/>
+              </a:rPr>
+              <a:pPr marL="0" marR="0" lvl="0" indent="0" algn="r" defTabSz="914400" rtl="0" eaLnBrk="1" fontAlgn="auto" latinLnBrk="0" hangingPunct="1">
+                <a:lnSpc>
+                  <a:spcPct val="100000"/>
+                </a:lnSpc>
+                <a:spcBef>
+                  <a:spcPts val="0"/>
+                </a:spcBef>
+                <a:spcAft>
+                  <a:spcPts val="0"/>
+                </a:spcAft>
+                <a:buClrTx/>
+                <a:buSzTx/>
+                <a:buFontTx/>
+                <a:buNone/>
+                <a:tabLst/>
+                <a:defRPr/>
+              </a:pPr>
+              <a:t>‹#›</a:t>
+            </a:fld>
+            <a:endParaRPr kumimoji="0" lang="en-IN" sz="1200" b="0" i="0" u="none" strike="noStrike" kern="1200" cap="none" spc="0" normalizeH="0" baseline="0" noProof="0">
+              <a:ln>
+                <a:noFill/>
+              </a:ln>
+              <a:solidFill>
+                <a:prstClr val="black">
+                  <a:tint val="75000"/>
+                </a:prstClr>
+              </a:solidFill>
+              <a:effectLst/>
+              <a:uLnTx/>
+              <a:uFillTx/>
+              <a:latin typeface="Calibri" panose="020F0502020204030204"/>
+              <a:ea typeface="+mn-ea"/>
+              <a:cs typeface="+mn-cs"/>
+            </a:endParaRPr>
+          </a:p>
+        </p:txBody>
+      </p:sp>
+      <p:pic>
+        <p:nvPicPr>
+          <p:cNvPr id="19" name="Picture 18"/>
+          <p:cNvPicPr>
+            <a:picLocks noChangeAspect="1"/>
+          </p:cNvPicPr>
+          <p:nvPr userDrawn="1"/>
+        </p:nvPicPr>
+        <p:blipFill>
+          <a:blip r:embed="rId4" cstate="print">
+            <a:extLst>
+              <a:ext uri="{28A0092B-C50C-407E-A947-70E740481C1C}">
+                <a14:useLocalDpi xmlns:a14="http://schemas.microsoft.com/office/drawing/2010/main" val="0"/>
+              </a:ext>
+            </a:extLst>
+          </a:blip>
+          <a:stretch>
+            <a:fillRect/>
+          </a:stretch>
+        </p:blipFill>
+        <p:spPr>
+          <a:xfrm>
+            <a:off x="381000" y="6013820"/>
+            <a:ext cx="1164041" cy="707655"/>
+          </a:xfrm>
+          <a:prstGeom prst="rect">
+            <a:avLst/>
+          </a:prstGeom>
+        </p:spPr>
+      </p:pic>
+    </p:spTree>
+    <p:extLst>
+      <p:ext uri="{BB962C8B-B14F-4D97-AF65-F5344CB8AC3E}">
+        <p14:creationId xmlns:p14="http://schemas.microsoft.com/office/powerpoint/2010/main" val="3927415155"/>
+      </p:ext>
+    </p:extLst>
+  </p:cSld>
+  <p:clrMapOvr>
+    <a:masterClrMapping/>
+  </p:clrMapOvr>
+</p:sldLayout>
+</file>
+
+<file path=ppt/slideLayouts/slideLayout35.xml><?xml version="1.0" encoding="utf-8"?>
+<p:sldLayout xmlns:a="http://schemas.openxmlformats.org/drawingml/2006/main" xmlns:r="http://schemas.openxmlformats.org/officeDocument/2006/relationships" xmlns:p="http://schemas.openxmlformats.org/presentationml/2006/main" type="secHead" preserve="1">
+  <p:cSld name="Section Header">
+    <p:spTree>
+      <p:nvGrpSpPr>
+        <p:cNvPr id="1" name=""/>
+        <p:cNvGrpSpPr/>
+        <p:nvPr/>
+      </p:nvGrpSpPr>
+      <p:grpSpPr>
+        <a:xfrm>
+          <a:off x="0" y="0"/>
+          <a:ext cx="0" cy="0"/>
+          <a:chOff x="0" y="0"/>
+          <a:chExt cx="0" cy="0"/>
+        </a:xfrm>
+      </p:grpSpPr>
+      <p:sp>
+        <p:nvSpPr>
+          <p:cNvPr id="2" name="Title 1"/>
+          <p:cNvSpPr>
+            <a:spLocks noGrp="1"/>
+          </p:cNvSpPr>
+          <p:nvPr>
+            <p:ph type="title"/>
+          </p:nvPr>
+        </p:nvSpPr>
+        <p:spPr>
+          <a:xfrm>
+            <a:off x="831850" y="1709738"/>
+            <a:ext cx="10515600" cy="2852737"/>
+          </a:xfrm>
+        </p:spPr>
+        <p:txBody>
+          <a:bodyPr anchor="b"/>
+          <a:lstStyle>
+            <a:lvl1pPr>
+              <a:defRPr sz="6000"/>
+            </a:lvl1pPr>
+          </a:lstStyle>
+          <a:p>
+            <a:r>
+              <a:rPr lang="en-US" smtClean="0"/>
+              <a:t>Click to edit Master title style</a:t>
+            </a:r>
+            <a:endParaRPr lang="en-IN"/>
+          </a:p>
+        </p:txBody>
+      </p:sp>
+      <p:sp>
+        <p:nvSpPr>
+          <p:cNvPr id="3" name="Text Placeholder 2"/>
+          <p:cNvSpPr>
+            <a:spLocks noGrp="1"/>
+          </p:cNvSpPr>
+          <p:nvPr>
+            <p:ph type="body" idx="1"/>
+          </p:nvPr>
+        </p:nvSpPr>
+        <p:spPr>
+          <a:xfrm>
+            <a:off x="831850" y="4589463"/>
+            <a:ext cx="10515600" cy="1500187"/>
+          </a:xfrm>
+        </p:spPr>
+        <p:txBody>
+          <a:bodyPr/>
+          <a:lstStyle>
+            <a:lvl1pPr marL="0" indent="0">
+              <a:buNone/>
+              <a:defRPr sz="2400">
+                <a:solidFill>
+                  <a:schemeClr val="tx1">
+                    <a:tint val="75000"/>
+                  </a:schemeClr>
+                </a:solidFill>
+              </a:defRPr>
+            </a:lvl1pPr>
+            <a:lvl2pPr marL="457200" indent="0">
+              <a:buNone/>
+              <a:defRPr sz="2000">
+                <a:solidFill>
+                  <a:schemeClr val="tx1">
+                    <a:tint val="75000"/>
+                  </a:schemeClr>
+                </a:solidFill>
+              </a:defRPr>
+            </a:lvl2pPr>
+            <a:lvl3pPr marL="914400" indent="0">
+              <a:buNone/>
+              <a:defRPr sz="1800">
+                <a:solidFill>
+                  <a:schemeClr val="tx1">
+                    <a:tint val="75000"/>
+                  </a:schemeClr>
+                </a:solidFill>
+              </a:defRPr>
+            </a:lvl3pPr>
+            <a:lvl4pPr marL="1371600" indent="0">
+              <a:buNone/>
+              <a:defRPr sz="1600">
+                <a:solidFill>
+                  <a:schemeClr val="tx1">
+                    <a:tint val="75000"/>
+                  </a:schemeClr>
+                </a:solidFill>
+              </a:defRPr>
+            </a:lvl4pPr>
+            <a:lvl5pPr marL="1828800" indent="0">
+              <a:buNone/>
+              <a:defRPr sz="1600">
+                <a:solidFill>
+                  <a:schemeClr val="tx1">
+                    <a:tint val="75000"/>
+                  </a:schemeClr>
+                </a:solidFill>
+              </a:defRPr>
+            </a:lvl5pPr>
+            <a:lvl6pPr marL="2286000" indent="0">
+              <a:buNone/>
+              <a:defRPr sz="1600">
+                <a:solidFill>
+                  <a:schemeClr val="tx1">
+                    <a:tint val="75000"/>
+                  </a:schemeClr>
+                </a:solidFill>
+              </a:defRPr>
+            </a:lvl6pPr>
+            <a:lvl7pPr marL="2743200" indent="0">
+              <a:buNone/>
+              <a:defRPr sz="1600">
+                <a:solidFill>
+                  <a:schemeClr val="tx1">
+                    <a:tint val="75000"/>
+                  </a:schemeClr>
+                </a:solidFill>
+              </a:defRPr>
+            </a:lvl7pPr>
+            <a:lvl8pPr marL="3200400" indent="0">
+              <a:buNone/>
+              <a:defRPr sz="1600">
+                <a:solidFill>
+                  <a:schemeClr val="tx1">
+                    <a:tint val="75000"/>
+                  </a:schemeClr>
+                </a:solidFill>
+              </a:defRPr>
+            </a:lvl8pPr>
+            <a:lvl9pPr marL="3657600" indent="0">
+              <a:buNone/>
+              <a:defRPr sz="1600">
+                <a:solidFill>
+                  <a:schemeClr val="tx1">
+                    <a:tint val="75000"/>
+                  </a:schemeClr>
+                </a:solidFill>
+              </a:defRPr>
+            </a:lvl9pPr>
+          </a:lstStyle>
+          <a:p>
+            <a:pPr lvl="0"/>
+            <a:r>
+              <a:rPr lang="en-US" smtClean="0"/>
+              <a:t>Click to edit Master text styles</a:t>
+            </a:r>
+          </a:p>
+        </p:txBody>
+      </p:sp>
+      <p:sp>
+        <p:nvSpPr>
+          <p:cNvPr id="4" name="Date Placeholder 3"/>
+          <p:cNvSpPr>
+            <a:spLocks noGrp="1"/>
+          </p:cNvSpPr>
+          <p:nvPr>
+            <p:ph type="dt" sz="half" idx="10"/>
+          </p:nvPr>
+        </p:nvSpPr>
+        <p:spPr/>
+        <p:txBody>
+          <a:bodyPr/>
+          <a:lstStyle/>
+          <a:p>
+            <a:pPr marL="0" marR="0" lvl="0" indent="0" algn="l" defTabSz="914400" rtl="0" eaLnBrk="1" fontAlgn="auto" latinLnBrk="0" hangingPunct="1">
+              <a:lnSpc>
+                <a:spcPct val="100000"/>
+              </a:lnSpc>
+              <a:spcBef>
+                <a:spcPts val="0"/>
+              </a:spcBef>
+              <a:spcAft>
+                <a:spcPts val="0"/>
+              </a:spcAft>
+              <a:buClrTx/>
+              <a:buSzTx/>
+              <a:buFontTx/>
+              <a:buNone/>
+              <a:tabLst/>
+              <a:defRPr/>
+            </a:pPr>
+            <a:fld id="{615B8220-D6CE-4EBA-9DF4-44184996CC87}" type="datetimeFigureOut">
+              <a:rPr kumimoji="0" lang="en-IN" sz="1200" b="0" i="0" u="none" strike="noStrike" kern="1200" cap="none" spc="0" normalizeH="0" baseline="0" noProof="0" smtClean="0">
+                <a:ln>
+                  <a:noFill/>
+                </a:ln>
+                <a:solidFill>
+                  <a:prstClr val="black">
+                    <a:tint val="75000"/>
+                  </a:prstClr>
+                </a:solidFill>
+                <a:effectLst/>
+                <a:uLnTx/>
+                <a:uFillTx/>
+                <a:latin typeface="Calibri" panose="020F0502020204030204"/>
+                <a:ea typeface="+mn-ea"/>
+                <a:cs typeface="+mn-cs"/>
+              </a:rPr>
+              <a:pPr marL="0" marR="0" lvl="0" indent="0" algn="l" defTabSz="914400" rtl="0" eaLnBrk="1" fontAlgn="auto" latinLnBrk="0" hangingPunct="1">
+                <a:lnSpc>
+                  <a:spcPct val="100000"/>
+                </a:lnSpc>
+                <a:spcBef>
+                  <a:spcPts val="0"/>
+                </a:spcBef>
+                <a:spcAft>
+                  <a:spcPts val="0"/>
+                </a:spcAft>
+                <a:buClrTx/>
+                <a:buSzTx/>
+                <a:buFontTx/>
+                <a:buNone/>
+                <a:tabLst/>
+                <a:defRPr/>
+              </a:pPr>
+              <a:t>06-11-2015</a:t>
+            </a:fld>
+            <a:endParaRPr kumimoji="0" lang="en-IN" sz="1200" b="0" i="0" u="none" strike="noStrike" kern="1200" cap="none" spc="0" normalizeH="0" baseline="0" noProof="0">
+              <a:ln>
+                <a:noFill/>
+              </a:ln>
+              <a:solidFill>
+                <a:prstClr val="black">
+                  <a:tint val="75000"/>
+                </a:prstClr>
+              </a:solidFill>
+              <a:effectLst/>
+              <a:uLnTx/>
+              <a:uFillTx/>
+              <a:latin typeface="Calibri" panose="020F0502020204030204"/>
+              <a:ea typeface="+mn-ea"/>
+              <a:cs typeface="+mn-cs"/>
+            </a:endParaRPr>
+          </a:p>
+        </p:txBody>
+      </p:sp>
+      <p:sp>
+        <p:nvSpPr>
+          <p:cNvPr id="5" name="Footer Placeholder 4"/>
+          <p:cNvSpPr>
+            <a:spLocks noGrp="1"/>
+          </p:cNvSpPr>
+          <p:nvPr>
+            <p:ph type="ftr" sz="quarter" idx="11"/>
+          </p:nvPr>
+        </p:nvSpPr>
+        <p:spPr/>
+        <p:txBody>
+          <a:bodyPr/>
+          <a:lstStyle/>
+          <a:p>
+            <a:pPr marL="0" marR="0" lvl="0" indent="0" algn="ctr" defTabSz="914400" rtl="0" eaLnBrk="1" fontAlgn="auto" latinLnBrk="0" hangingPunct="1">
+              <a:lnSpc>
+                <a:spcPct val="100000"/>
+              </a:lnSpc>
+              <a:spcBef>
+                <a:spcPts val="0"/>
+              </a:spcBef>
+              <a:spcAft>
+                <a:spcPts val="0"/>
+              </a:spcAft>
+              <a:buClrTx/>
+              <a:buSzTx/>
+              <a:buFontTx/>
+              <a:buNone/>
+              <a:tabLst/>
+              <a:defRPr/>
+            </a:pPr>
+            <a:endParaRPr kumimoji="0" lang="en-IN" sz="1200" b="0" i="0" u="none" strike="noStrike" kern="1200" cap="none" spc="0" normalizeH="0" baseline="0" noProof="0">
+              <a:ln>
+                <a:noFill/>
+              </a:ln>
+              <a:solidFill>
+                <a:prstClr val="black">
+                  <a:tint val="75000"/>
+                </a:prstClr>
+              </a:solidFill>
+              <a:effectLst/>
+              <a:uLnTx/>
+              <a:uFillTx/>
+              <a:latin typeface="Calibri" panose="020F0502020204030204"/>
+              <a:ea typeface="+mn-ea"/>
+              <a:cs typeface="+mn-cs"/>
+            </a:endParaRPr>
+          </a:p>
+        </p:txBody>
+      </p:sp>
+      <p:sp>
+        <p:nvSpPr>
+          <p:cNvPr id="6" name="Slide Number Placeholder 5"/>
+          <p:cNvSpPr>
+            <a:spLocks noGrp="1"/>
+          </p:cNvSpPr>
+          <p:nvPr>
+            <p:ph type="sldNum" sz="quarter" idx="12"/>
+          </p:nvPr>
+        </p:nvSpPr>
+        <p:spPr/>
+        <p:txBody>
+          <a:bodyPr/>
+          <a:lstStyle/>
+          <a:p>
+            <a:pPr marL="0" marR="0" lvl="0" indent="0" algn="r" defTabSz="914400" rtl="0" eaLnBrk="1" fontAlgn="auto" latinLnBrk="0" hangingPunct="1">
+              <a:lnSpc>
+                <a:spcPct val="100000"/>
+              </a:lnSpc>
+              <a:spcBef>
+                <a:spcPts val="0"/>
+              </a:spcBef>
+              <a:spcAft>
+                <a:spcPts val="0"/>
+              </a:spcAft>
+              <a:buClrTx/>
+              <a:buSzTx/>
+              <a:buFontTx/>
+              <a:buNone/>
+              <a:tabLst/>
+              <a:defRPr/>
+            </a:pPr>
+            <a:fld id="{72C2F659-9614-4C11-ABEC-5C229DA454D6}" type="slidenum">
+              <a:rPr kumimoji="0" lang="en-IN" sz="1200" b="0" i="0" u="none" strike="noStrike" kern="1200" cap="none" spc="0" normalizeH="0" baseline="0" noProof="0" smtClean="0">
+                <a:ln>
+                  <a:noFill/>
+                </a:ln>
+                <a:solidFill>
+                  <a:prstClr val="black">
+                    <a:tint val="75000"/>
+                  </a:prstClr>
+                </a:solidFill>
+                <a:effectLst/>
+                <a:uLnTx/>
+                <a:uFillTx/>
+                <a:latin typeface="Calibri" panose="020F0502020204030204"/>
+                <a:ea typeface="+mn-ea"/>
+                <a:cs typeface="+mn-cs"/>
+              </a:rPr>
+              <a:pPr marL="0" marR="0" lvl="0" indent="0" algn="r" defTabSz="914400" rtl="0" eaLnBrk="1" fontAlgn="auto" latinLnBrk="0" hangingPunct="1">
+                <a:lnSpc>
+                  <a:spcPct val="100000"/>
+                </a:lnSpc>
+                <a:spcBef>
+                  <a:spcPts val="0"/>
+                </a:spcBef>
+                <a:spcAft>
+                  <a:spcPts val="0"/>
+                </a:spcAft>
+                <a:buClrTx/>
+                <a:buSzTx/>
+                <a:buFontTx/>
+                <a:buNone/>
+                <a:tabLst/>
+                <a:defRPr/>
+              </a:pPr>
+              <a:t>‹#›</a:t>
+            </a:fld>
+            <a:endParaRPr kumimoji="0" lang="en-IN" sz="1200" b="0" i="0" u="none" strike="noStrike" kern="1200" cap="none" spc="0" normalizeH="0" baseline="0" noProof="0">
+              <a:ln>
+                <a:noFill/>
+              </a:ln>
+              <a:solidFill>
+                <a:prstClr val="black">
+                  <a:tint val="75000"/>
+                </a:prstClr>
+              </a:solidFill>
+              <a:effectLst/>
+              <a:uLnTx/>
+              <a:uFillTx/>
+              <a:latin typeface="Calibri" panose="020F0502020204030204"/>
+              <a:ea typeface="+mn-ea"/>
+              <a:cs typeface="+mn-cs"/>
+            </a:endParaRPr>
+          </a:p>
+        </p:txBody>
+      </p:sp>
+    </p:spTree>
+    <p:extLst>
+      <p:ext uri="{BB962C8B-B14F-4D97-AF65-F5344CB8AC3E}">
+        <p14:creationId xmlns:p14="http://schemas.microsoft.com/office/powerpoint/2010/main" val="4051425158"/>
+      </p:ext>
+    </p:extLst>
+  </p:cSld>
+  <p:clrMapOvr>
+    <a:masterClrMapping/>
+  </p:clrMapOvr>
+</p:sldLayout>
+</file>
+
+<file path=ppt/slideLayouts/slideLayout36.xml><?xml version="1.0" encoding="utf-8"?>
+<p:sldLayout xmlns:a="http://schemas.openxmlformats.org/drawingml/2006/main" xmlns:r="http://schemas.openxmlformats.org/officeDocument/2006/relationships" xmlns:p="http://schemas.openxmlformats.org/presentationml/2006/main" type="twoObj" preserve="1">
+  <p:cSld name="Two Content">
+    <p:spTree>
+      <p:nvGrpSpPr>
+        <p:cNvPr id="1" name=""/>
+        <p:cNvGrpSpPr/>
+        <p:nvPr/>
+      </p:nvGrpSpPr>
+      <p:grpSpPr>
+        <a:xfrm>
+          <a:off x="0" y="0"/>
+          <a:ext cx="0" cy="0"/>
+          <a:chOff x="0" y="0"/>
+          <a:chExt cx="0" cy="0"/>
+        </a:xfrm>
+      </p:grpSpPr>
+      <p:sp>
+        <p:nvSpPr>
+          <p:cNvPr id="2" name="Title 1"/>
+          <p:cNvSpPr>
+            <a:spLocks noGrp="1"/>
+          </p:cNvSpPr>
+          <p:nvPr>
+            <p:ph type="title"/>
+          </p:nvPr>
+        </p:nvSpPr>
+        <p:spPr/>
+        <p:txBody>
+          <a:bodyPr/>
+          <a:lstStyle/>
+          <a:p>
+            <a:r>
+              <a:rPr lang="en-US" smtClean="0"/>
+              <a:t>Click to edit Master title style</a:t>
+            </a:r>
+            <a:endParaRPr lang="en-IN"/>
+          </a:p>
+        </p:txBody>
+      </p:sp>
+      <p:sp>
+        <p:nvSpPr>
+          <p:cNvPr id="3" name="Content Placeholder 2"/>
+          <p:cNvSpPr>
+            <a:spLocks noGrp="1"/>
+          </p:cNvSpPr>
+          <p:nvPr>
+            <p:ph sz="half" idx="1"/>
+          </p:nvPr>
+        </p:nvSpPr>
+        <p:spPr>
+          <a:xfrm>
+            <a:off x="838200" y="1825625"/>
+            <a:ext cx="5181600" cy="4351338"/>
+          </a:xfrm>
+        </p:spPr>
+        <p:txBody>
+          <a:bodyPr/>
+          <a:lstStyle/>
+          <a:p>
+            <a:pPr lvl="0"/>
+            <a:r>
+              <a:rPr lang="en-US" smtClean="0"/>
+              <a:t>Click to edit Master text styles</a:t>
+            </a:r>
+          </a:p>
+          <a:p>
+            <a:pPr lvl="1"/>
+            <a:r>
+              <a:rPr lang="en-US" smtClean="0"/>
+              <a:t>Second level</a:t>
+            </a:r>
+          </a:p>
+          <a:p>
+            <a:pPr lvl="2"/>
+            <a:r>
+              <a:rPr lang="en-US" smtClean="0"/>
+              <a:t>Third level</a:t>
+            </a:r>
+          </a:p>
+          <a:p>
+            <a:pPr lvl="3"/>
+            <a:r>
+              <a:rPr lang="en-US" smtClean="0"/>
+              <a:t>Fourth level</a:t>
+            </a:r>
+          </a:p>
+          <a:p>
+            <a:pPr lvl="4"/>
+            <a:r>
+              <a:rPr lang="en-US" smtClean="0"/>
+              <a:t>Fifth level</a:t>
+            </a:r>
+            <a:endParaRPr lang="en-IN"/>
+          </a:p>
+        </p:txBody>
+      </p:sp>
+      <p:sp>
+        <p:nvSpPr>
+          <p:cNvPr id="4" name="Content Placeholder 3"/>
+          <p:cNvSpPr>
+            <a:spLocks noGrp="1"/>
+          </p:cNvSpPr>
+          <p:nvPr>
+            <p:ph sz="half" idx="2"/>
+          </p:nvPr>
+        </p:nvSpPr>
+        <p:spPr>
+          <a:xfrm>
+            <a:off x="6172200" y="1825625"/>
+            <a:ext cx="5181600" cy="4351338"/>
+          </a:xfrm>
+        </p:spPr>
+        <p:txBody>
+          <a:bodyPr/>
+          <a:lstStyle/>
+          <a:p>
+            <a:pPr lvl="0"/>
+            <a:r>
+              <a:rPr lang="en-US" smtClean="0"/>
+              <a:t>Click to edit Master text styles</a:t>
+            </a:r>
+          </a:p>
+          <a:p>
+            <a:pPr lvl="1"/>
+            <a:r>
+              <a:rPr lang="en-US" smtClean="0"/>
+              <a:t>Second level</a:t>
+            </a:r>
+          </a:p>
+          <a:p>
+            <a:pPr lvl="2"/>
+            <a:r>
+              <a:rPr lang="en-US" smtClean="0"/>
+              <a:t>Third level</a:t>
+            </a:r>
+          </a:p>
+          <a:p>
+            <a:pPr lvl="3"/>
+            <a:r>
+              <a:rPr lang="en-US" smtClean="0"/>
+              <a:t>Fourth level</a:t>
+            </a:r>
+          </a:p>
+          <a:p>
+            <a:pPr lvl="4"/>
+            <a:r>
+              <a:rPr lang="en-US" smtClean="0"/>
+              <a:t>Fifth level</a:t>
+            </a:r>
+            <a:endParaRPr lang="en-IN"/>
+          </a:p>
+        </p:txBody>
+      </p:sp>
+      <p:sp>
+        <p:nvSpPr>
+          <p:cNvPr id="5" name="Date Placeholder 4"/>
+          <p:cNvSpPr>
+            <a:spLocks noGrp="1"/>
+          </p:cNvSpPr>
+          <p:nvPr>
+            <p:ph type="dt" sz="half" idx="10"/>
+          </p:nvPr>
+        </p:nvSpPr>
+        <p:spPr/>
+        <p:txBody>
+          <a:bodyPr/>
+          <a:lstStyle/>
+          <a:p>
+            <a:pPr marL="0" marR="0" lvl="0" indent="0" algn="l" defTabSz="914400" rtl="0" eaLnBrk="1" fontAlgn="auto" latinLnBrk="0" hangingPunct="1">
+              <a:lnSpc>
+                <a:spcPct val="100000"/>
+              </a:lnSpc>
+              <a:spcBef>
+                <a:spcPts val="0"/>
+              </a:spcBef>
+              <a:spcAft>
+                <a:spcPts val="0"/>
+              </a:spcAft>
+              <a:buClrTx/>
+              <a:buSzTx/>
+              <a:buFontTx/>
+              <a:buNone/>
+              <a:tabLst/>
+              <a:defRPr/>
+            </a:pPr>
+            <a:fld id="{615B8220-D6CE-4EBA-9DF4-44184996CC87}" type="datetimeFigureOut">
+              <a:rPr kumimoji="0" lang="en-IN" sz="1200" b="0" i="0" u="none" strike="noStrike" kern="1200" cap="none" spc="0" normalizeH="0" baseline="0" noProof="0" smtClean="0">
+                <a:ln>
+                  <a:noFill/>
+                </a:ln>
+                <a:solidFill>
+                  <a:prstClr val="black">
+                    <a:tint val="75000"/>
+                  </a:prstClr>
+                </a:solidFill>
+                <a:effectLst/>
+                <a:uLnTx/>
+                <a:uFillTx/>
+                <a:latin typeface="Calibri" panose="020F0502020204030204"/>
+                <a:ea typeface="+mn-ea"/>
+                <a:cs typeface="+mn-cs"/>
+              </a:rPr>
+              <a:pPr marL="0" marR="0" lvl="0" indent="0" algn="l" defTabSz="914400" rtl="0" eaLnBrk="1" fontAlgn="auto" latinLnBrk="0" hangingPunct="1">
+                <a:lnSpc>
+                  <a:spcPct val="100000"/>
+                </a:lnSpc>
+                <a:spcBef>
+                  <a:spcPts val="0"/>
+                </a:spcBef>
+                <a:spcAft>
+                  <a:spcPts val="0"/>
+                </a:spcAft>
+                <a:buClrTx/>
+                <a:buSzTx/>
+                <a:buFontTx/>
+                <a:buNone/>
+                <a:tabLst/>
+                <a:defRPr/>
+              </a:pPr>
+              <a:t>06-11-2015</a:t>
+            </a:fld>
+            <a:endParaRPr kumimoji="0" lang="en-IN" sz="1200" b="0" i="0" u="none" strike="noStrike" kern="1200" cap="none" spc="0" normalizeH="0" baseline="0" noProof="0">
+              <a:ln>
+                <a:noFill/>
+              </a:ln>
+              <a:solidFill>
+                <a:prstClr val="black">
+                  <a:tint val="75000"/>
+                </a:prstClr>
+              </a:solidFill>
+              <a:effectLst/>
+              <a:uLnTx/>
+              <a:uFillTx/>
+              <a:latin typeface="Calibri" panose="020F0502020204030204"/>
+              <a:ea typeface="+mn-ea"/>
+              <a:cs typeface="+mn-cs"/>
+            </a:endParaRPr>
+          </a:p>
+        </p:txBody>
+      </p:sp>
+      <p:sp>
+        <p:nvSpPr>
+          <p:cNvPr id="6" name="Footer Placeholder 5"/>
+          <p:cNvSpPr>
+            <a:spLocks noGrp="1"/>
+          </p:cNvSpPr>
+          <p:nvPr>
+            <p:ph type="ftr" sz="quarter" idx="11"/>
+          </p:nvPr>
+        </p:nvSpPr>
+        <p:spPr/>
+        <p:txBody>
+          <a:bodyPr/>
+          <a:lstStyle/>
+          <a:p>
+            <a:pPr marL="0" marR="0" lvl="0" indent="0" algn="ctr" defTabSz="914400" rtl="0" eaLnBrk="1" fontAlgn="auto" latinLnBrk="0" hangingPunct="1">
+              <a:lnSpc>
+                <a:spcPct val="100000"/>
+              </a:lnSpc>
+              <a:spcBef>
+                <a:spcPts val="0"/>
+              </a:spcBef>
+              <a:spcAft>
+                <a:spcPts val="0"/>
+              </a:spcAft>
+              <a:buClrTx/>
+              <a:buSzTx/>
+              <a:buFontTx/>
+              <a:buNone/>
+              <a:tabLst/>
+              <a:defRPr/>
+            </a:pPr>
+            <a:endParaRPr kumimoji="0" lang="en-IN" sz="1200" b="0" i="0" u="none" strike="noStrike" kern="1200" cap="none" spc="0" normalizeH="0" baseline="0" noProof="0">
+              <a:ln>
+                <a:noFill/>
+              </a:ln>
+              <a:solidFill>
+                <a:prstClr val="black">
+                  <a:tint val="75000"/>
+                </a:prstClr>
+              </a:solidFill>
+              <a:effectLst/>
+              <a:uLnTx/>
+              <a:uFillTx/>
+              <a:latin typeface="Calibri" panose="020F0502020204030204"/>
+              <a:ea typeface="+mn-ea"/>
+              <a:cs typeface="+mn-cs"/>
+            </a:endParaRPr>
+          </a:p>
+        </p:txBody>
+      </p:sp>
+      <p:sp>
+        <p:nvSpPr>
+          <p:cNvPr id="7" name="Slide Number Placeholder 6"/>
+          <p:cNvSpPr>
+            <a:spLocks noGrp="1"/>
+          </p:cNvSpPr>
+          <p:nvPr>
+            <p:ph type="sldNum" sz="quarter" idx="12"/>
+          </p:nvPr>
+        </p:nvSpPr>
+        <p:spPr/>
+        <p:txBody>
+          <a:bodyPr/>
+          <a:lstStyle/>
+          <a:p>
+            <a:pPr marL="0" marR="0" lvl="0" indent="0" algn="r" defTabSz="914400" rtl="0" eaLnBrk="1" fontAlgn="auto" latinLnBrk="0" hangingPunct="1">
+              <a:lnSpc>
+                <a:spcPct val="100000"/>
+              </a:lnSpc>
+              <a:spcBef>
+                <a:spcPts val="0"/>
+              </a:spcBef>
+              <a:spcAft>
+                <a:spcPts val="0"/>
+              </a:spcAft>
+              <a:buClrTx/>
+              <a:buSzTx/>
+              <a:buFontTx/>
+              <a:buNone/>
+              <a:tabLst/>
+              <a:defRPr/>
+            </a:pPr>
+            <a:fld id="{72C2F659-9614-4C11-ABEC-5C229DA454D6}" type="slidenum">
+              <a:rPr kumimoji="0" lang="en-IN" sz="1200" b="0" i="0" u="none" strike="noStrike" kern="1200" cap="none" spc="0" normalizeH="0" baseline="0" noProof="0" smtClean="0">
+                <a:ln>
+                  <a:noFill/>
+                </a:ln>
+                <a:solidFill>
+                  <a:prstClr val="black">
+                    <a:tint val="75000"/>
+                  </a:prstClr>
+                </a:solidFill>
+                <a:effectLst/>
+                <a:uLnTx/>
+                <a:uFillTx/>
+                <a:latin typeface="Calibri" panose="020F0502020204030204"/>
+                <a:ea typeface="+mn-ea"/>
+                <a:cs typeface="+mn-cs"/>
+              </a:rPr>
+              <a:pPr marL="0" marR="0" lvl="0" indent="0" algn="r" defTabSz="914400" rtl="0" eaLnBrk="1" fontAlgn="auto" latinLnBrk="0" hangingPunct="1">
+                <a:lnSpc>
+                  <a:spcPct val="100000"/>
+                </a:lnSpc>
+                <a:spcBef>
+                  <a:spcPts val="0"/>
+                </a:spcBef>
+                <a:spcAft>
+                  <a:spcPts val="0"/>
+                </a:spcAft>
+                <a:buClrTx/>
+                <a:buSzTx/>
+                <a:buFontTx/>
+                <a:buNone/>
+                <a:tabLst/>
+                <a:defRPr/>
+              </a:pPr>
+              <a:t>‹#›</a:t>
+            </a:fld>
+            <a:endParaRPr kumimoji="0" lang="en-IN" sz="1200" b="0" i="0" u="none" strike="noStrike" kern="1200" cap="none" spc="0" normalizeH="0" baseline="0" noProof="0">
+              <a:ln>
+                <a:noFill/>
+              </a:ln>
+              <a:solidFill>
+                <a:prstClr val="black">
+                  <a:tint val="75000"/>
+                </a:prstClr>
+              </a:solidFill>
+              <a:effectLst/>
+              <a:uLnTx/>
+              <a:uFillTx/>
+              <a:latin typeface="Calibri" panose="020F0502020204030204"/>
+              <a:ea typeface="+mn-ea"/>
+              <a:cs typeface="+mn-cs"/>
+            </a:endParaRPr>
+          </a:p>
+        </p:txBody>
+      </p:sp>
+    </p:spTree>
+    <p:extLst>
+      <p:ext uri="{BB962C8B-B14F-4D97-AF65-F5344CB8AC3E}">
+        <p14:creationId xmlns:p14="http://schemas.microsoft.com/office/powerpoint/2010/main" val="2525665698"/>
+      </p:ext>
+    </p:extLst>
+  </p:cSld>
+  <p:clrMapOvr>
+    <a:masterClrMapping/>
+  </p:clrMapOvr>
+</p:sldLayout>
+</file>
+
+<file path=ppt/slideLayouts/slideLayout37.xml><?xml version="1.0" encoding="utf-8"?>
+<p:sldLayout xmlns:a="http://schemas.openxmlformats.org/drawingml/2006/main" xmlns:r="http://schemas.openxmlformats.org/officeDocument/2006/relationships" xmlns:p="http://schemas.openxmlformats.org/presentationml/2006/main" type="twoTxTwoObj" preserve="1">
+  <p:cSld name="Comparison">
+    <p:spTree>
+      <p:nvGrpSpPr>
+        <p:cNvPr id="1" name=""/>
+        <p:cNvGrpSpPr/>
+        <p:nvPr/>
+      </p:nvGrpSpPr>
+      <p:grpSpPr>
+        <a:xfrm>
+          <a:off x="0" y="0"/>
+          <a:ext cx="0" cy="0"/>
+          <a:chOff x="0" y="0"/>
+          <a:chExt cx="0" cy="0"/>
+        </a:xfrm>
+      </p:grpSpPr>
+      <p:sp>
+        <p:nvSpPr>
+          <p:cNvPr id="2" name="Title 1"/>
+          <p:cNvSpPr>
+            <a:spLocks noGrp="1"/>
+          </p:cNvSpPr>
+          <p:nvPr>
+            <p:ph type="title"/>
+          </p:nvPr>
+        </p:nvSpPr>
+        <p:spPr>
+          <a:xfrm>
+            <a:off x="839788" y="365125"/>
+            <a:ext cx="10515600" cy="1325563"/>
+          </a:xfrm>
+        </p:spPr>
+        <p:txBody>
+          <a:bodyPr/>
+          <a:lstStyle/>
+          <a:p>
+            <a:r>
+              <a:rPr lang="en-US" smtClean="0"/>
+              <a:t>Click to edit Master title style</a:t>
+            </a:r>
+            <a:endParaRPr lang="en-IN"/>
+          </a:p>
+        </p:txBody>
+      </p:sp>
+      <p:sp>
+        <p:nvSpPr>
+          <p:cNvPr id="3" name="Text Placeholder 2"/>
+          <p:cNvSpPr>
+            <a:spLocks noGrp="1"/>
+          </p:cNvSpPr>
+          <p:nvPr>
+            <p:ph type="body" idx="1"/>
+          </p:nvPr>
+        </p:nvSpPr>
+        <p:spPr>
+          <a:xfrm>
+            <a:off x="839788" y="1681163"/>
+            <a:ext cx="5157787" cy="823912"/>
+          </a:xfrm>
+        </p:spPr>
+        <p:txBody>
+          <a:bodyPr anchor="b"/>
+          <a:lstStyle>
+            <a:lvl1pPr marL="0" indent="0">
+              <a:buNone/>
+              <a:defRPr sz="2400" b="1"/>
+            </a:lvl1pPr>
+            <a:lvl2pPr marL="457200" indent="0">
+              <a:buNone/>
+              <a:defRPr sz="2000" b="1"/>
+            </a:lvl2pPr>
+            <a:lvl3pPr marL="914400" indent="0">
+              <a:buNone/>
+              <a:defRPr sz="1800" b="1"/>
+            </a:lvl3pPr>
+            <a:lvl4pPr marL="1371600" indent="0">
+              <a:buNone/>
+              <a:defRPr sz="1600" b="1"/>
+            </a:lvl4pPr>
+            <a:lvl5pPr marL="1828800" indent="0">
+              <a:buNone/>
+              <a:defRPr sz="1600" b="1"/>
+            </a:lvl5pPr>
+            <a:lvl6pPr marL="2286000" indent="0">
+              <a:buNone/>
+              <a:defRPr sz="1600" b="1"/>
+            </a:lvl6pPr>
+            <a:lvl7pPr marL="2743200" indent="0">
+              <a:buNone/>
+              <a:defRPr sz="1600" b="1"/>
+            </a:lvl7pPr>
+            <a:lvl8pPr marL="3200400" indent="0">
+              <a:buNone/>
+              <a:defRPr sz="1600" b="1"/>
+            </a:lvl8pPr>
+            <a:lvl9pPr marL="3657600" indent="0">
+              <a:buNone/>
+              <a:defRPr sz="1600" b="1"/>
+            </a:lvl9pPr>
+          </a:lstStyle>
+          <a:p>
+            <a:pPr lvl="0"/>
+            <a:r>
+              <a:rPr lang="en-US" smtClean="0"/>
+              <a:t>Click to edit Master text styles</a:t>
+            </a:r>
+          </a:p>
+        </p:txBody>
+      </p:sp>
+      <p:sp>
+        <p:nvSpPr>
+          <p:cNvPr id="4" name="Content Placeholder 3"/>
+          <p:cNvSpPr>
+            <a:spLocks noGrp="1"/>
+          </p:cNvSpPr>
+          <p:nvPr>
+            <p:ph sz="half" idx="2"/>
+          </p:nvPr>
+        </p:nvSpPr>
+        <p:spPr>
+          <a:xfrm>
+            <a:off x="839788" y="2505075"/>
+            <a:ext cx="5157787" cy="3684588"/>
+          </a:xfrm>
+        </p:spPr>
+        <p:txBody>
+          <a:bodyPr/>
+          <a:lstStyle/>
+          <a:p>
+            <a:pPr lvl="0"/>
+            <a:r>
+              <a:rPr lang="en-US" smtClean="0"/>
+              <a:t>Click to edit Master text styles</a:t>
+            </a:r>
+          </a:p>
+          <a:p>
+            <a:pPr lvl="1"/>
+            <a:r>
+              <a:rPr lang="en-US" smtClean="0"/>
+              <a:t>Second level</a:t>
+            </a:r>
+          </a:p>
+          <a:p>
+            <a:pPr lvl="2"/>
+            <a:r>
+              <a:rPr lang="en-US" smtClean="0"/>
+              <a:t>Third level</a:t>
+            </a:r>
+          </a:p>
+          <a:p>
+            <a:pPr lvl="3"/>
+            <a:r>
+              <a:rPr lang="en-US" smtClean="0"/>
+              <a:t>Fourth level</a:t>
+            </a:r>
+          </a:p>
+          <a:p>
+            <a:pPr lvl="4"/>
+            <a:r>
+              <a:rPr lang="en-US" smtClean="0"/>
+              <a:t>Fifth level</a:t>
+            </a:r>
+            <a:endParaRPr lang="en-IN"/>
+          </a:p>
+        </p:txBody>
+      </p:sp>
+      <p:sp>
+        <p:nvSpPr>
+          <p:cNvPr id="5" name="Text Placeholder 4"/>
+          <p:cNvSpPr>
+            <a:spLocks noGrp="1"/>
+          </p:cNvSpPr>
+          <p:nvPr>
+            <p:ph type="body" sz="quarter" idx="3"/>
+          </p:nvPr>
+        </p:nvSpPr>
+        <p:spPr>
+          <a:xfrm>
+            <a:off x="6172200" y="1681163"/>
+            <a:ext cx="5183188" cy="823912"/>
+          </a:xfrm>
+        </p:spPr>
+        <p:txBody>
+          <a:bodyPr anchor="b"/>
+          <a:lstStyle>
+            <a:lvl1pPr marL="0" indent="0">
+              <a:buNone/>
+              <a:defRPr sz="2400" b="1"/>
+            </a:lvl1pPr>
+            <a:lvl2pPr marL="457200" indent="0">
+              <a:buNone/>
+              <a:defRPr sz="2000" b="1"/>
+            </a:lvl2pPr>
+            <a:lvl3pPr marL="914400" indent="0">
+              <a:buNone/>
+              <a:defRPr sz="1800" b="1"/>
+            </a:lvl3pPr>
+            <a:lvl4pPr marL="1371600" indent="0">
+              <a:buNone/>
+              <a:defRPr sz="1600" b="1"/>
+            </a:lvl4pPr>
+            <a:lvl5pPr marL="1828800" indent="0">
+              <a:buNone/>
+              <a:defRPr sz="1600" b="1"/>
+            </a:lvl5pPr>
+            <a:lvl6pPr marL="2286000" indent="0">
+              <a:buNone/>
+              <a:defRPr sz="1600" b="1"/>
+            </a:lvl6pPr>
+            <a:lvl7pPr marL="2743200" indent="0">
+              <a:buNone/>
+              <a:defRPr sz="1600" b="1"/>
+            </a:lvl7pPr>
+            <a:lvl8pPr marL="3200400" indent="0">
+              <a:buNone/>
+              <a:defRPr sz="1600" b="1"/>
+            </a:lvl8pPr>
+            <a:lvl9pPr marL="3657600" indent="0">
+              <a:buNone/>
+              <a:defRPr sz="1600" b="1"/>
+            </a:lvl9pPr>
+          </a:lstStyle>
+          <a:p>
+            <a:pPr lvl="0"/>
+            <a:r>
+              <a:rPr lang="en-US" smtClean="0"/>
+              <a:t>Click to edit Master text styles</a:t>
+            </a:r>
+          </a:p>
+        </p:txBody>
+      </p:sp>
+      <p:sp>
+        <p:nvSpPr>
+          <p:cNvPr id="6" name="Content Placeholder 5"/>
+          <p:cNvSpPr>
+            <a:spLocks noGrp="1"/>
+          </p:cNvSpPr>
+          <p:nvPr>
+            <p:ph sz="quarter" idx="4"/>
+          </p:nvPr>
+        </p:nvSpPr>
+        <p:spPr>
+          <a:xfrm>
+            <a:off x="6172200" y="2505075"/>
+            <a:ext cx="5183188" cy="3684588"/>
+          </a:xfrm>
+        </p:spPr>
+        <p:txBody>
+          <a:bodyPr/>
+          <a:lstStyle/>
+          <a:p>
+            <a:pPr lvl="0"/>
+            <a:r>
+              <a:rPr lang="en-US" smtClean="0"/>
+              <a:t>Click to edit Master text styles</a:t>
+            </a:r>
+          </a:p>
+          <a:p>
+            <a:pPr lvl="1"/>
+            <a:r>
+              <a:rPr lang="en-US" smtClean="0"/>
+              <a:t>Second level</a:t>
+            </a:r>
+          </a:p>
+          <a:p>
+            <a:pPr lvl="2"/>
+            <a:r>
+              <a:rPr lang="en-US" smtClean="0"/>
+              <a:t>Third level</a:t>
+            </a:r>
+          </a:p>
+          <a:p>
+            <a:pPr lvl="3"/>
+            <a:r>
+              <a:rPr lang="en-US" smtClean="0"/>
+              <a:t>Fourth level</a:t>
+            </a:r>
+          </a:p>
+          <a:p>
+            <a:pPr lvl="4"/>
+            <a:r>
+              <a:rPr lang="en-US" smtClean="0"/>
+              <a:t>Fifth level</a:t>
+            </a:r>
+            <a:endParaRPr lang="en-IN"/>
+          </a:p>
+        </p:txBody>
+      </p:sp>
+      <p:sp>
+        <p:nvSpPr>
+          <p:cNvPr id="7" name="Date Placeholder 6"/>
+          <p:cNvSpPr>
+            <a:spLocks noGrp="1"/>
+          </p:cNvSpPr>
+          <p:nvPr>
+            <p:ph type="dt" sz="half" idx="10"/>
+          </p:nvPr>
+        </p:nvSpPr>
+        <p:spPr/>
+        <p:txBody>
+          <a:bodyPr/>
+          <a:lstStyle/>
+          <a:p>
+            <a:pPr marL="0" marR="0" lvl="0" indent="0" algn="l" defTabSz="914400" rtl="0" eaLnBrk="1" fontAlgn="auto" latinLnBrk="0" hangingPunct="1">
+              <a:lnSpc>
+                <a:spcPct val="100000"/>
+              </a:lnSpc>
+              <a:spcBef>
+                <a:spcPts val="0"/>
+              </a:spcBef>
+              <a:spcAft>
+                <a:spcPts val="0"/>
+              </a:spcAft>
+              <a:buClrTx/>
+              <a:buSzTx/>
+              <a:buFontTx/>
+              <a:buNone/>
+              <a:tabLst/>
+              <a:defRPr/>
+            </a:pPr>
+            <a:fld id="{615B8220-D6CE-4EBA-9DF4-44184996CC87}" type="datetimeFigureOut">
+              <a:rPr kumimoji="0" lang="en-IN" sz="1200" b="0" i="0" u="none" strike="noStrike" kern="1200" cap="none" spc="0" normalizeH="0" baseline="0" noProof="0" smtClean="0">
+                <a:ln>
+                  <a:noFill/>
+                </a:ln>
+                <a:solidFill>
+                  <a:prstClr val="black">
+                    <a:tint val="75000"/>
+                  </a:prstClr>
+                </a:solidFill>
+                <a:effectLst/>
+                <a:uLnTx/>
+                <a:uFillTx/>
+                <a:latin typeface="Calibri" panose="020F0502020204030204"/>
+                <a:ea typeface="+mn-ea"/>
+                <a:cs typeface="+mn-cs"/>
+              </a:rPr>
+              <a:pPr marL="0" marR="0" lvl="0" indent="0" algn="l" defTabSz="914400" rtl="0" eaLnBrk="1" fontAlgn="auto" latinLnBrk="0" hangingPunct="1">
+                <a:lnSpc>
+                  <a:spcPct val="100000"/>
+                </a:lnSpc>
+                <a:spcBef>
+                  <a:spcPts val="0"/>
+                </a:spcBef>
+                <a:spcAft>
+                  <a:spcPts val="0"/>
+                </a:spcAft>
+                <a:buClrTx/>
+                <a:buSzTx/>
+                <a:buFontTx/>
+                <a:buNone/>
+                <a:tabLst/>
+                <a:defRPr/>
+              </a:pPr>
+              <a:t>06-11-2015</a:t>
+            </a:fld>
+            <a:endParaRPr kumimoji="0" lang="en-IN" sz="1200" b="0" i="0" u="none" strike="noStrike" kern="1200" cap="none" spc="0" normalizeH="0" baseline="0" noProof="0">
+              <a:ln>
+                <a:noFill/>
+              </a:ln>
+              <a:solidFill>
+                <a:prstClr val="black">
+                  <a:tint val="75000"/>
+                </a:prstClr>
+              </a:solidFill>
+              <a:effectLst/>
+              <a:uLnTx/>
+              <a:uFillTx/>
+              <a:latin typeface="Calibri" panose="020F0502020204030204"/>
+              <a:ea typeface="+mn-ea"/>
+              <a:cs typeface="+mn-cs"/>
+            </a:endParaRPr>
+          </a:p>
+        </p:txBody>
+      </p:sp>
+      <p:sp>
+        <p:nvSpPr>
+          <p:cNvPr id="8" name="Footer Placeholder 7"/>
+          <p:cNvSpPr>
+            <a:spLocks noGrp="1"/>
+          </p:cNvSpPr>
+          <p:nvPr>
+            <p:ph type="ftr" sz="quarter" idx="11"/>
+          </p:nvPr>
+        </p:nvSpPr>
+        <p:spPr/>
+        <p:txBody>
+          <a:bodyPr/>
+          <a:lstStyle/>
+          <a:p>
+            <a:pPr marL="0" marR="0" lvl="0" indent="0" algn="ctr" defTabSz="914400" rtl="0" eaLnBrk="1" fontAlgn="auto" latinLnBrk="0" hangingPunct="1">
+              <a:lnSpc>
+                <a:spcPct val="100000"/>
+              </a:lnSpc>
+              <a:spcBef>
+                <a:spcPts val="0"/>
+              </a:spcBef>
+              <a:spcAft>
+                <a:spcPts val="0"/>
+              </a:spcAft>
+              <a:buClrTx/>
+              <a:buSzTx/>
+              <a:buFontTx/>
+              <a:buNone/>
+              <a:tabLst/>
+              <a:defRPr/>
+            </a:pPr>
+            <a:endParaRPr kumimoji="0" lang="en-IN" sz="1200" b="0" i="0" u="none" strike="noStrike" kern="1200" cap="none" spc="0" normalizeH="0" baseline="0" noProof="0">
+              <a:ln>
+                <a:noFill/>
+              </a:ln>
+              <a:solidFill>
+                <a:prstClr val="black">
+                  <a:tint val="75000"/>
+                </a:prstClr>
+              </a:solidFill>
+              <a:effectLst/>
+              <a:uLnTx/>
+              <a:uFillTx/>
+              <a:latin typeface="Calibri" panose="020F0502020204030204"/>
+              <a:ea typeface="+mn-ea"/>
+              <a:cs typeface="+mn-cs"/>
+            </a:endParaRPr>
+          </a:p>
+        </p:txBody>
+      </p:sp>
+      <p:sp>
+        <p:nvSpPr>
+          <p:cNvPr id="9" name="Slide Number Placeholder 8"/>
+          <p:cNvSpPr>
+            <a:spLocks noGrp="1"/>
+          </p:cNvSpPr>
+          <p:nvPr>
+            <p:ph type="sldNum" sz="quarter" idx="12"/>
+          </p:nvPr>
+        </p:nvSpPr>
+        <p:spPr/>
+        <p:txBody>
+          <a:bodyPr/>
+          <a:lstStyle/>
+          <a:p>
+            <a:pPr marL="0" marR="0" lvl="0" indent="0" algn="r" defTabSz="914400" rtl="0" eaLnBrk="1" fontAlgn="auto" latinLnBrk="0" hangingPunct="1">
+              <a:lnSpc>
+                <a:spcPct val="100000"/>
+              </a:lnSpc>
+              <a:spcBef>
+                <a:spcPts val="0"/>
+              </a:spcBef>
+              <a:spcAft>
+                <a:spcPts val="0"/>
+              </a:spcAft>
+              <a:buClrTx/>
+              <a:buSzTx/>
+              <a:buFontTx/>
+              <a:buNone/>
+              <a:tabLst/>
+              <a:defRPr/>
+            </a:pPr>
+            <a:fld id="{72C2F659-9614-4C11-ABEC-5C229DA454D6}" type="slidenum">
+              <a:rPr kumimoji="0" lang="en-IN" sz="1200" b="0" i="0" u="none" strike="noStrike" kern="1200" cap="none" spc="0" normalizeH="0" baseline="0" noProof="0" smtClean="0">
+                <a:ln>
+                  <a:noFill/>
+                </a:ln>
+                <a:solidFill>
+                  <a:prstClr val="black">
+                    <a:tint val="75000"/>
+                  </a:prstClr>
+                </a:solidFill>
+                <a:effectLst/>
+                <a:uLnTx/>
+                <a:uFillTx/>
+                <a:latin typeface="Calibri" panose="020F0502020204030204"/>
+                <a:ea typeface="+mn-ea"/>
+                <a:cs typeface="+mn-cs"/>
+              </a:rPr>
+              <a:pPr marL="0" marR="0" lvl="0" indent="0" algn="r" defTabSz="914400" rtl="0" eaLnBrk="1" fontAlgn="auto" latinLnBrk="0" hangingPunct="1">
+                <a:lnSpc>
+                  <a:spcPct val="100000"/>
+                </a:lnSpc>
+                <a:spcBef>
+                  <a:spcPts val="0"/>
+                </a:spcBef>
+                <a:spcAft>
+                  <a:spcPts val="0"/>
+                </a:spcAft>
+                <a:buClrTx/>
+                <a:buSzTx/>
+                <a:buFontTx/>
+                <a:buNone/>
+                <a:tabLst/>
+                <a:defRPr/>
+              </a:pPr>
+              <a:t>‹#›</a:t>
+            </a:fld>
+            <a:endParaRPr kumimoji="0" lang="en-IN" sz="1200" b="0" i="0" u="none" strike="noStrike" kern="1200" cap="none" spc="0" normalizeH="0" baseline="0" noProof="0">
+              <a:ln>
+                <a:noFill/>
+              </a:ln>
+              <a:solidFill>
+                <a:prstClr val="black">
+                  <a:tint val="75000"/>
+                </a:prstClr>
+              </a:solidFill>
+              <a:effectLst/>
+              <a:uLnTx/>
+              <a:uFillTx/>
+              <a:latin typeface="Calibri" panose="020F0502020204030204"/>
+              <a:ea typeface="+mn-ea"/>
+              <a:cs typeface="+mn-cs"/>
+            </a:endParaRPr>
+          </a:p>
+        </p:txBody>
+      </p:sp>
+    </p:spTree>
+    <p:extLst>
+      <p:ext uri="{BB962C8B-B14F-4D97-AF65-F5344CB8AC3E}">
+        <p14:creationId xmlns:p14="http://schemas.microsoft.com/office/powerpoint/2010/main" val="2141188614"/>
+      </p:ext>
+    </p:extLst>
+  </p:cSld>
+  <p:clrMapOvr>
+    <a:masterClrMapping/>
+  </p:clrMapOvr>
+</p:sldLayout>
+</file>
+
+<file path=ppt/slideLayouts/slideLayout38.xml><?xml version="1.0" encoding="utf-8"?>
+<p:sldLayout xmlns:a="http://schemas.openxmlformats.org/drawingml/2006/main" xmlns:r="http://schemas.openxmlformats.org/officeDocument/2006/relationships" xmlns:p="http://schemas.openxmlformats.org/presentationml/2006/main" type="titleOnly" preserve="1">
+  <p:cSld name="Title Only">
+    <p:spTree>
+      <p:nvGrpSpPr>
+        <p:cNvPr id="1" name=""/>
+        <p:cNvGrpSpPr/>
+        <p:nvPr/>
+      </p:nvGrpSpPr>
+      <p:grpSpPr>
+        <a:xfrm>
+          <a:off x="0" y="0"/>
+          <a:ext cx="0" cy="0"/>
+          <a:chOff x="0" y="0"/>
+          <a:chExt cx="0" cy="0"/>
+        </a:xfrm>
+      </p:grpSpPr>
+      <p:sp>
+        <p:nvSpPr>
+          <p:cNvPr id="2" name="Title 1"/>
+          <p:cNvSpPr>
+            <a:spLocks noGrp="1"/>
+          </p:cNvSpPr>
+          <p:nvPr>
+            <p:ph type="title"/>
+          </p:nvPr>
+        </p:nvSpPr>
+        <p:spPr/>
+        <p:txBody>
+          <a:bodyPr/>
+          <a:lstStyle/>
+          <a:p>
+            <a:r>
+              <a:rPr lang="en-US" smtClean="0"/>
+              <a:t>Click to edit Master title style</a:t>
+            </a:r>
+            <a:endParaRPr lang="en-IN"/>
+          </a:p>
+        </p:txBody>
+      </p:sp>
+      <p:sp>
+        <p:nvSpPr>
+          <p:cNvPr id="3" name="Date Placeholder 2"/>
+          <p:cNvSpPr>
+            <a:spLocks noGrp="1"/>
+          </p:cNvSpPr>
+          <p:nvPr>
+            <p:ph type="dt" sz="half" idx="10"/>
+          </p:nvPr>
+        </p:nvSpPr>
+        <p:spPr/>
+        <p:txBody>
+          <a:bodyPr/>
+          <a:lstStyle/>
+          <a:p>
+            <a:pPr marL="0" marR="0" lvl="0" indent="0" algn="l" defTabSz="914400" rtl="0" eaLnBrk="1" fontAlgn="auto" latinLnBrk="0" hangingPunct="1">
+              <a:lnSpc>
+                <a:spcPct val="100000"/>
+              </a:lnSpc>
+              <a:spcBef>
+                <a:spcPts val="0"/>
+              </a:spcBef>
+              <a:spcAft>
+                <a:spcPts val="0"/>
+              </a:spcAft>
+              <a:buClrTx/>
+              <a:buSzTx/>
+              <a:buFontTx/>
+              <a:buNone/>
+              <a:tabLst/>
+              <a:defRPr/>
+            </a:pPr>
+            <a:fld id="{615B8220-D6CE-4EBA-9DF4-44184996CC87}" type="datetimeFigureOut">
+              <a:rPr kumimoji="0" lang="en-IN" sz="1200" b="0" i="0" u="none" strike="noStrike" kern="1200" cap="none" spc="0" normalizeH="0" baseline="0" noProof="0" smtClean="0">
+                <a:ln>
+                  <a:noFill/>
+                </a:ln>
+                <a:solidFill>
+                  <a:prstClr val="black">
+                    <a:tint val="75000"/>
+                  </a:prstClr>
+                </a:solidFill>
+                <a:effectLst/>
+                <a:uLnTx/>
+                <a:uFillTx/>
+                <a:latin typeface="Calibri" panose="020F0502020204030204"/>
+                <a:ea typeface="+mn-ea"/>
+                <a:cs typeface="+mn-cs"/>
+              </a:rPr>
+              <a:pPr marL="0" marR="0" lvl="0" indent="0" algn="l" defTabSz="914400" rtl="0" eaLnBrk="1" fontAlgn="auto" latinLnBrk="0" hangingPunct="1">
+                <a:lnSpc>
+                  <a:spcPct val="100000"/>
+                </a:lnSpc>
+                <a:spcBef>
+                  <a:spcPts val="0"/>
+                </a:spcBef>
+                <a:spcAft>
+                  <a:spcPts val="0"/>
+                </a:spcAft>
+                <a:buClrTx/>
+                <a:buSzTx/>
+                <a:buFontTx/>
+                <a:buNone/>
+                <a:tabLst/>
+                <a:defRPr/>
+              </a:pPr>
+              <a:t>06-11-2015</a:t>
+            </a:fld>
+            <a:endParaRPr kumimoji="0" lang="en-IN" sz="1200" b="0" i="0" u="none" strike="noStrike" kern="1200" cap="none" spc="0" normalizeH="0" baseline="0" noProof="0">
+              <a:ln>
+                <a:noFill/>
+              </a:ln>
+              <a:solidFill>
+                <a:prstClr val="black">
+                  <a:tint val="75000"/>
+                </a:prstClr>
+              </a:solidFill>
+              <a:effectLst/>
+              <a:uLnTx/>
+              <a:uFillTx/>
+              <a:latin typeface="Calibri" panose="020F0502020204030204"/>
+              <a:ea typeface="+mn-ea"/>
+              <a:cs typeface="+mn-cs"/>
+            </a:endParaRPr>
+          </a:p>
+        </p:txBody>
+      </p:sp>
+      <p:sp>
+        <p:nvSpPr>
+          <p:cNvPr id="4" name="Footer Placeholder 3"/>
+          <p:cNvSpPr>
+            <a:spLocks noGrp="1"/>
+          </p:cNvSpPr>
+          <p:nvPr>
+            <p:ph type="ftr" sz="quarter" idx="11"/>
+          </p:nvPr>
+        </p:nvSpPr>
+        <p:spPr/>
+        <p:txBody>
+          <a:bodyPr/>
+          <a:lstStyle/>
+          <a:p>
+            <a:pPr marL="0" marR="0" lvl="0" indent="0" algn="ctr" defTabSz="914400" rtl="0" eaLnBrk="1" fontAlgn="auto" latinLnBrk="0" hangingPunct="1">
+              <a:lnSpc>
+                <a:spcPct val="100000"/>
+              </a:lnSpc>
+              <a:spcBef>
+                <a:spcPts val="0"/>
+              </a:spcBef>
+              <a:spcAft>
+                <a:spcPts val="0"/>
+              </a:spcAft>
+              <a:buClrTx/>
+              <a:buSzTx/>
+              <a:buFontTx/>
+              <a:buNone/>
+              <a:tabLst/>
+              <a:defRPr/>
+            </a:pPr>
+            <a:endParaRPr kumimoji="0" lang="en-IN" sz="1200" b="0" i="0" u="none" strike="noStrike" kern="1200" cap="none" spc="0" normalizeH="0" baseline="0" noProof="0">
+              <a:ln>
+                <a:noFill/>
+              </a:ln>
+              <a:solidFill>
+                <a:prstClr val="black">
+                  <a:tint val="75000"/>
+                </a:prstClr>
+              </a:solidFill>
+              <a:effectLst/>
+              <a:uLnTx/>
+              <a:uFillTx/>
+              <a:latin typeface="Calibri" panose="020F0502020204030204"/>
+              <a:ea typeface="+mn-ea"/>
+              <a:cs typeface="+mn-cs"/>
+            </a:endParaRPr>
+          </a:p>
+        </p:txBody>
+      </p:sp>
+      <p:sp>
+        <p:nvSpPr>
+          <p:cNvPr id="5" name="Slide Number Placeholder 4"/>
+          <p:cNvSpPr>
+            <a:spLocks noGrp="1"/>
+          </p:cNvSpPr>
+          <p:nvPr>
+            <p:ph type="sldNum" sz="quarter" idx="12"/>
+          </p:nvPr>
+        </p:nvSpPr>
+        <p:spPr/>
+        <p:txBody>
+          <a:bodyPr/>
+          <a:lstStyle/>
+          <a:p>
+            <a:pPr marL="0" marR="0" lvl="0" indent="0" algn="r" defTabSz="914400" rtl="0" eaLnBrk="1" fontAlgn="auto" latinLnBrk="0" hangingPunct="1">
+              <a:lnSpc>
+                <a:spcPct val="100000"/>
+              </a:lnSpc>
+              <a:spcBef>
+                <a:spcPts val="0"/>
+              </a:spcBef>
+              <a:spcAft>
+                <a:spcPts val="0"/>
+              </a:spcAft>
+              <a:buClrTx/>
+              <a:buSzTx/>
+              <a:buFontTx/>
+              <a:buNone/>
+              <a:tabLst/>
+              <a:defRPr/>
+            </a:pPr>
+            <a:fld id="{72C2F659-9614-4C11-ABEC-5C229DA454D6}" type="slidenum">
+              <a:rPr kumimoji="0" lang="en-IN" sz="1200" b="0" i="0" u="none" strike="noStrike" kern="1200" cap="none" spc="0" normalizeH="0" baseline="0" noProof="0" smtClean="0">
+                <a:ln>
+                  <a:noFill/>
+                </a:ln>
+                <a:solidFill>
+                  <a:prstClr val="black">
+                    <a:tint val="75000"/>
+                  </a:prstClr>
+                </a:solidFill>
+                <a:effectLst/>
+                <a:uLnTx/>
+                <a:uFillTx/>
+                <a:latin typeface="Calibri" panose="020F0502020204030204"/>
+                <a:ea typeface="+mn-ea"/>
+                <a:cs typeface="+mn-cs"/>
+              </a:rPr>
+              <a:pPr marL="0" marR="0" lvl="0" indent="0" algn="r" defTabSz="914400" rtl="0" eaLnBrk="1" fontAlgn="auto" latinLnBrk="0" hangingPunct="1">
+                <a:lnSpc>
+                  <a:spcPct val="100000"/>
+                </a:lnSpc>
+                <a:spcBef>
+                  <a:spcPts val="0"/>
+                </a:spcBef>
+                <a:spcAft>
+                  <a:spcPts val="0"/>
+                </a:spcAft>
+                <a:buClrTx/>
+                <a:buSzTx/>
+                <a:buFontTx/>
+                <a:buNone/>
+                <a:tabLst/>
+                <a:defRPr/>
+              </a:pPr>
+              <a:t>‹#›</a:t>
+            </a:fld>
+            <a:endParaRPr kumimoji="0" lang="en-IN" sz="1200" b="0" i="0" u="none" strike="noStrike" kern="1200" cap="none" spc="0" normalizeH="0" baseline="0" noProof="0">
+              <a:ln>
+                <a:noFill/>
+              </a:ln>
+              <a:solidFill>
+                <a:prstClr val="black">
+                  <a:tint val="75000"/>
+                </a:prstClr>
+              </a:solidFill>
+              <a:effectLst/>
+              <a:uLnTx/>
+              <a:uFillTx/>
+              <a:latin typeface="Calibri" panose="020F0502020204030204"/>
+              <a:ea typeface="+mn-ea"/>
+              <a:cs typeface="+mn-cs"/>
+            </a:endParaRPr>
+          </a:p>
+        </p:txBody>
+      </p:sp>
+    </p:spTree>
+    <p:extLst>
+      <p:ext uri="{BB962C8B-B14F-4D97-AF65-F5344CB8AC3E}">
+        <p14:creationId xmlns:p14="http://schemas.microsoft.com/office/powerpoint/2010/main" val="2479702020"/>
+      </p:ext>
+    </p:extLst>
+  </p:cSld>
+  <p:clrMapOvr>
+    <a:masterClrMapping/>
+  </p:clrMapOvr>
+</p:sldLayout>
+</file>
+
+<file path=ppt/slideLayouts/slideLayout39.xml><?xml version="1.0" encoding="utf-8"?>
+<p:sldLayout xmlns:a="http://schemas.openxmlformats.org/drawingml/2006/main" xmlns:r="http://schemas.openxmlformats.org/officeDocument/2006/relationships" xmlns:p="http://schemas.openxmlformats.org/presentationml/2006/main" type="blank" preserve="1">
+  <p:cSld name="Blank">
+    <p:spTree>
+      <p:nvGrpSpPr>
+        <p:cNvPr id="1" name=""/>
+        <p:cNvGrpSpPr/>
+        <p:nvPr/>
+      </p:nvGrpSpPr>
+      <p:grpSpPr>
+        <a:xfrm>
+          <a:off x="0" y="0"/>
+          <a:ext cx="0" cy="0"/>
+          <a:chOff x="0" y="0"/>
+          <a:chExt cx="0" cy="0"/>
+        </a:xfrm>
+      </p:grpSpPr>
+      <p:sp>
+        <p:nvSpPr>
+          <p:cNvPr id="2" name="Date Placeholder 1"/>
+          <p:cNvSpPr>
+            <a:spLocks noGrp="1"/>
+          </p:cNvSpPr>
+          <p:nvPr>
+            <p:ph type="dt" sz="half" idx="10"/>
+          </p:nvPr>
+        </p:nvSpPr>
+        <p:spPr/>
+        <p:txBody>
+          <a:bodyPr/>
+          <a:lstStyle/>
+          <a:p>
+            <a:pPr marL="0" marR="0" lvl="0" indent="0" algn="l" defTabSz="914400" rtl="0" eaLnBrk="1" fontAlgn="auto" latinLnBrk="0" hangingPunct="1">
+              <a:lnSpc>
+                <a:spcPct val="100000"/>
+              </a:lnSpc>
+              <a:spcBef>
+                <a:spcPts val="0"/>
+              </a:spcBef>
+              <a:spcAft>
+                <a:spcPts val="0"/>
+              </a:spcAft>
+              <a:buClrTx/>
+              <a:buSzTx/>
+              <a:buFontTx/>
+              <a:buNone/>
+              <a:tabLst/>
+              <a:defRPr/>
+            </a:pPr>
+            <a:fld id="{615B8220-D6CE-4EBA-9DF4-44184996CC87}" type="datetimeFigureOut">
+              <a:rPr kumimoji="0" lang="en-IN" sz="1200" b="0" i="0" u="none" strike="noStrike" kern="1200" cap="none" spc="0" normalizeH="0" baseline="0" noProof="0" smtClean="0">
+                <a:ln>
+                  <a:noFill/>
+                </a:ln>
+                <a:solidFill>
+                  <a:prstClr val="black">
+                    <a:tint val="75000"/>
+                  </a:prstClr>
+                </a:solidFill>
+                <a:effectLst/>
+                <a:uLnTx/>
+                <a:uFillTx/>
+                <a:latin typeface="Calibri" panose="020F0502020204030204"/>
+                <a:ea typeface="+mn-ea"/>
+                <a:cs typeface="+mn-cs"/>
+              </a:rPr>
+              <a:pPr marL="0" marR="0" lvl="0" indent="0" algn="l" defTabSz="914400" rtl="0" eaLnBrk="1" fontAlgn="auto" latinLnBrk="0" hangingPunct="1">
+                <a:lnSpc>
+                  <a:spcPct val="100000"/>
+                </a:lnSpc>
+                <a:spcBef>
+                  <a:spcPts val="0"/>
+                </a:spcBef>
+                <a:spcAft>
+                  <a:spcPts val="0"/>
+                </a:spcAft>
+                <a:buClrTx/>
+                <a:buSzTx/>
+                <a:buFontTx/>
+                <a:buNone/>
+                <a:tabLst/>
+                <a:defRPr/>
+              </a:pPr>
+              <a:t>06-11-2015</a:t>
+            </a:fld>
+            <a:endParaRPr kumimoji="0" lang="en-IN" sz="1200" b="0" i="0" u="none" strike="noStrike" kern="1200" cap="none" spc="0" normalizeH="0" baseline="0" noProof="0">
+              <a:ln>
+                <a:noFill/>
+              </a:ln>
+              <a:solidFill>
+                <a:prstClr val="black">
+                  <a:tint val="75000"/>
+                </a:prstClr>
+              </a:solidFill>
+              <a:effectLst/>
+              <a:uLnTx/>
+              <a:uFillTx/>
+              <a:latin typeface="Calibri" panose="020F0502020204030204"/>
+              <a:ea typeface="+mn-ea"/>
+              <a:cs typeface="+mn-cs"/>
+            </a:endParaRPr>
+          </a:p>
+        </p:txBody>
+      </p:sp>
+      <p:sp>
+        <p:nvSpPr>
+          <p:cNvPr id="3" name="Footer Placeholder 2"/>
+          <p:cNvSpPr>
+            <a:spLocks noGrp="1"/>
+          </p:cNvSpPr>
+          <p:nvPr>
+            <p:ph type="ftr" sz="quarter" idx="11"/>
+          </p:nvPr>
+        </p:nvSpPr>
+        <p:spPr/>
+        <p:txBody>
+          <a:bodyPr/>
+          <a:lstStyle/>
+          <a:p>
+            <a:pPr marL="0" marR="0" lvl="0" indent="0" algn="ctr" defTabSz="914400" rtl="0" eaLnBrk="1" fontAlgn="auto" latinLnBrk="0" hangingPunct="1">
+              <a:lnSpc>
+                <a:spcPct val="100000"/>
+              </a:lnSpc>
+              <a:spcBef>
+                <a:spcPts val="0"/>
+              </a:spcBef>
+              <a:spcAft>
+                <a:spcPts val="0"/>
+              </a:spcAft>
+              <a:buClrTx/>
+              <a:buSzTx/>
+              <a:buFontTx/>
+              <a:buNone/>
+              <a:tabLst/>
+              <a:defRPr/>
+            </a:pPr>
+            <a:endParaRPr kumimoji="0" lang="en-IN" sz="1200" b="0" i="0" u="none" strike="noStrike" kern="1200" cap="none" spc="0" normalizeH="0" baseline="0" noProof="0">
+              <a:ln>
+                <a:noFill/>
+              </a:ln>
+              <a:solidFill>
+                <a:prstClr val="black">
+                  <a:tint val="75000"/>
+                </a:prstClr>
+              </a:solidFill>
+              <a:effectLst/>
+              <a:uLnTx/>
+              <a:uFillTx/>
+              <a:latin typeface="Calibri" panose="020F0502020204030204"/>
+              <a:ea typeface="+mn-ea"/>
+              <a:cs typeface="+mn-cs"/>
+            </a:endParaRPr>
+          </a:p>
+        </p:txBody>
+      </p:sp>
+      <p:sp>
+        <p:nvSpPr>
+          <p:cNvPr id="4" name="Slide Number Placeholder 3"/>
+          <p:cNvSpPr>
+            <a:spLocks noGrp="1"/>
+          </p:cNvSpPr>
+          <p:nvPr>
+            <p:ph type="sldNum" sz="quarter" idx="12"/>
+          </p:nvPr>
+        </p:nvSpPr>
+        <p:spPr/>
+        <p:txBody>
+          <a:bodyPr/>
+          <a:lstStyle/>
+          <a:p>
+            <a:pPr marL="0" marR="0" lvl="0" indent="0" algn="r" defTabSz="914400" rtl="0" eaLnBrk="1" fontAlgn="auto" latinLnBrk="0" hangingPunct="1">
+              <a:lnSpc>
+                <a:spcPct val="100000"/>
+              </a:lnSpc>
+              <a:spcBef>
+                <a:spcPts val="0"/>
+              </a:spcBef>
+              <a:spcAft>
+                <a:spcPts val="0"/>
+              </a:spcAft>
+              <a:buClrTx/>
+              <a:buSzTx/>
+              <a:buFontTx/>
+              <a:buNone/>
+              <a:tabLst/>
+              <a:defRPr/>
+            </a:pPr>
+            <a:fld id="{72C2F659-9614-4C11-ABEC-5C229DA454D6}" type="slidenum">
+              <a:rPr kumimoji="0" lang="en-IN" sz="1200" b="0" i="0" u="none" strike="noStrike" kern="1200" cap="none" spc="0" normalizeH="0" baseline="0" noProof="0" smtClean="0">
+                <a:ln>
+                  <a:noFill/>
+                </a:ln>
+                <a:solidFill>
+                  <a:prstClr val="black">
+                    <a:tint val="75000"/>
+                  </a:prstClr>
+                </a:solidFill>
+                <a:effectLst/>
+                <a:uLnTx/>
+                <a:uFillTx/>
+                <a:latin typeface="Calibri" panose="020F0502020204030204"/>
+                <a:ea typeface="+mn-ea"/>
+                <a:cs typeface="+mn-cs"/>
+              </a:rPr>
+              <a:pPr marL="0" marR="0" lvl="0" indent="0" algn="r" defTabSz="914400" rtl="0" eaLnBrk="1" fontAlgn="auto" latinLnBrk="0" hangingPunct="1">
+                <a:lnSpc>
+                  <a:spcPct val="100000"/>
+                </a:lnSpc>
+                <a:spcBef>
+                  <a:spcPts val="0"/>
+                </a:spcBef>
+                <a:spcAft>
+                  <a:spcPts val="0"/>
+                </a:spcAft>
+                <a:buClrTx/>
+                <a:buSzTx/>
+                <a:buFontTx/>
+                <a:buNone/>
+                <a:tabLst/>
+                <a:defRPr/>
+              </a:pPr>
+              <a:t>‹#›</a:t>
+            </a:fld>
+            <a:endParaRPr kumimoji="0" lang="en-IN" sz="1200" b="0" i="0" u="none" strike="noStrike" kern="1200" cap="none" spc="0" normalizeH="0" baseline="0" noProof="0">
+              <a:ln>
+                <a:noFill/>
+              </a:ln>
+              <a:solidFill>
+                <a:prstClr val="black">
+                  <a:tint val="75000"/>
+                </a:prstClr>
+              </a:solidFill>
+              <a:effectLst/>
+              <a:uLnTx/>
+              <a:uFillTx/>
+              <a:latin typeface="Calibri" panose="020F0502020204030204"/>
+              <a:ea typeface="+mn-ea"/>
+              <a:cs typeface="+mn-cs"/>
+            </a:endParaRPr>
+          </a:p>
+        </p:txBody>
+      </p:sp>
+    </p:spTree>
+    <p:extLst>
+      <p:ext uri="{BB962C8B-B14F-4D97-AF65-F5344CB8AC3E}">
+        <p14:creationId xmlns:p14="http://schemas.microsoft.com/office/powerpoint/2010/main" val="3726940315"/>
+      </p:ext>
+    </p:extLst>
+  </p:cSld>
+  <p:clrMapOvr>
+    <a:masterClrMapping/>
+  </p:clrMapOvr>
+</p:sldLayout>
+</file>
+
 <file path=ppt/slideLayouts/slideLayout4.xml><?xml version="1.0" encoding="utf-8"?>
 <p:sldLayout xmlns:a="http://schemas.openxmlformats.org/drawingml/2006/main" xmlns:r="http://schemas.openxmlformats.org/officeDocument/2006/relationships" xmlns:p="http://schemas.openxmlformats.org/presentationml/2006/main" type="obj" preserve="1">
   <p:cSld name="1_Title and Content">
@@ -7338,7 +10428,7 @@
           <a:p>
             <a:fld id="{615B8220-D6CE-4EBA-9DF4-44184996CC87}" type="datetimeFigureOut">
               <a:rPr lang="en-IN" smtClean="0"/>
-              <a:t>02-11-2015</a:t>
+              <a:t>06-11-2015</a:t>
             </a:fld>
             <a:endParaRPr lang="en-IN"/>
           </a:p>
@@ -7420,6 +10510,1526 @@
     <p:extLst>
       <p:ext uri="{BB962C8B-B14F-4D97-AF65-F5344CB8AC3E}">
         <p14:creationId xmlns:p14="http://schemas.microsoft.com/office/powerpoint/2010/main" val="945099366"/>
+      </p:ext>
+    </p:extLst>
+  </p:cSld>
+  <p:clrMapOvr>
+    <a:masterClrMapping/>
+  </p:clrMapOvr>
+</p:sldLayout>
+</file>
+
+<file path=ppt/slideLayouts/slideLayout40.xml><?xml version="1.0" encoding="utf-8"?>
+<p:sldLayout xmlns:a="http://schemas.openxmlformats.org/drawingml/2006/main" xmlns:r="http://schemas.openxmlformats.org/officeDocument/2006/relationships" xmlns:p="http://schemas.openxmlformats.org/presentationml/2006/main" type="objTx" preserve="1">
+  <p:cSld name="Content with Caption">
+    <p:spTree>
+      <p:nvGrpSpPr>
+        <p:cNvPr id="1" name=""/>
+        <p:cNvGrpSpPr/>
+        <p:nvPr/>
+      </p:nvGrpSpPr>
+      <p:grpSpPr>
+        <a:xfrm>
+          <a:off x="0" y="0"/>
+          <a:ext cx="0" cy="0"/>
+          <a:chOff x="0" y="0"/>
+          <a:chExt cx="0" cy="0"/>
+        </a:xfrm>
+      </p:grpSpPr>
+      <p:sp>
+        <p:nvSpPr>
+          <p:cNvPr id="2" name="Title 1"/>
+          <p:cNvSpPr>
+            <a:spLocks noGrp="1"/>
+          </p:cNvSpPr>
+          <p:nvPr>
+            <p:ph type="title"/>
+          </p:nvPr>
+        </p:nvSpPr>
+        <p:spPr>
+          <a:xfrm>
+            <a:off x="839788" y="457200"/>
+            <a:ext cx="3932237" cy="1600200"/>
+          </a:xfrm>
+        </p:spPr>
+        <p:txBody>
+          <a:bodyPr anchor="b"/>
+          <a:lstStyle>
+            <a:lvl1pPr>
+              <a:defRPr sz="3200"/>
+            </a:lvl1pPr>
+          </a:lstStyle>
+          <a:p>
+            <a:r>
+              <a:rPr lang="en-US" smtClean="0"/>
+              <a:t>Click to edit Master title style</a:t>
+            </a:r>
+            <a:endParaRPr lang="en-IN"/>
+          </a:p>
+        </p:txBody>
+      </p:sp>
+      <p:sp>
+        <p:nvSpPr>
+          <p:cNvPr id="3" name="Content Placeholder 2"/>
+          <p:cNvSpPr>
+            <a:spLocks noGrp="1"/>
+          </p:cNvSpPr>
+          <p:nvPr>
+            <p:ph idx="1"/>
+          </p:nvPr>
+        </p:nvSpPr>
+        <p:spPr>
+          <a:xfrm>
+            <a:off x="5183188" y="987425"/>
+            <a:ext cx="6172200" cy="4873625"/>
+          </a:xfrm>
+        </p:spPr>
+        <p:txBody>
+          <a:bodyPr/>
+          <a:lstStyle>
+            <a:lvl1pPr>
+              <a:defRPr sz="3200"/>
+            </a:lvl1pPr>
+            <a:lvl2pPr>
+              <a:defRPr sz="2800"/>
+            </a:lvl2pPr>
+            <a:lvl3pPr>
+              <a:defRPr sz="2400"/>
+            </a:lvl3pPr>
+            <a:lvl4pPr>
+              <a:defRPr sz="2000"/>
+            </a:lvl4pPr>
+            <a:lvl5pPr>
+              <a:defRPr sz="2000"/>
+            </a:lvl5pPr>
+            <a:lvl6pPr>
+              <a:defRPr sz="2000"/>
+            </a:lvl6pPr>
+            <a:lvl7pPr>
+              <a:defRPr sz="2000"/>
+            </a:lvl7pPr>
+            <a:lvl8pPr>
+              <a:defRPr sz="2000"/>
+            </a:lvl8pPr>
+            <a:lvl9pPr>
+              <a:defRPr sz="2000"/>
+            </a:lvl9pPr>
+          </a:lstStyle>
+          <a:p>
+            <a:pPr lvl="0"/>
+            <a:r>
+              <a:rPr lang="en-US" smtClean="0"/>
+              <a:t>Click to edit Master text styles</a:t>
+            </a:r>
+          </a:p>
+          <a:p>
+            <a:pPr lvl="1"/>
+            <a:r>
+              <a:rPr lang="en-US" smtClean="0"/>
+              <a:t>Second level</a:t>
+            </a:r>
+          </a:p>
+          <a:p>
+            <a:pPr lvl="2"/>
+            <a:r>
+              <a:rPr lang="en-US" smtClean="0"/>
+              <a:t>Third level</a:t>
+            </a:r>
+          </a:p>
+          <a:p>
+            <a:pPr lvl="3"/>
+            <a:r>
+              <a:rPr lang="en-US" smtClean="0"/>
+              <a:t>Fourth level</a:t>
+            </a:r>
+          </a:p>
+          <a:p>
+            <a:pPr lvl="4"/>
+            <a:r>
+              <a:rPr lang="en-US" smtClean="0"/>
+              <a:t>Fifth level</a:t>
+            </a:r>
+            <a:endParaRPr lang="en-IN"/>
+          </a:p>
+        </p:txBody>
+      </p:sp>
+      <p:sp>
+        <p:nvSpPr>
+          <p:cNvPr id="4" name="Text Placeholder 3"/>
+          <p:cNvSpPr>
+            <a:spLocks noGrp="1"/>
+          </p:cNvSpPr>
+          <p:nvPr>
+            <p:ph type="body" sz="half" idx="2"/>
+          </p:nvPr>
+        </p:nvSpPr>
+        <p:spPr>
+          <a:xfrm>
+            <a:off x="839788" y="2057400"/>
+            <a:ext cx="3932237" cy="3811588"/>
+          </a:xfrm>
+        </p:spPr>
+        <p:txBody>
+          <a:bodyPr/>
+          <a:lstStyle>
+            <a:lvl1pPr marL="0" indent="0">
+              <a:buNone/>
+              <a:defRPr sz="1600"/>
+            </a:lvl1pPr>
+            <a:lvl2pPr marL="457200" indent="0">
+              <a:buNone/>
+              <a:defRPr sz="1400"/>
+            </a:lvl2pPr>
+            <a:lvl3pPr marL="914400" indent="0">
+              <a:buNone/>
+              <a:defRPr sz="1200"/>
+            </a:lvl3pPr>
+            <a:lvl4pPr marL="1371600" indent="0">
+              <a:buNone/>
+              <a:defRPr sz="1000"/>
+            </a:lvl4pPr>
+            <a:lvl5pPr marL="1828800" indent="0">
+              <a:buNone/>
+              <a:defRPr sz="1000"/>
+            </a:lvl5pPr>
+            <a:lvl6pPr marL="2286000" indent="0">
+              <a:buNone/>
+              <a:defRPr sz="1000"/>
+            </a:lvl6pPr>
+            <a:lvl7pPr marL="2743200" indent="0">
+              <a:buNone/>
+              <a:defRPr sz="1000"/>
+            </a:lvl7pPr>
+            <a:lvl8pPr marL="3200400" indent="0">
+              <a:buNone/>
+              <a:defRPr sz="1000"/>
+            </a:lvl8pPr>
+            <a:lvl9pPr marL="3657600" indent="0">
+              <a:buNone/>
+              <a:defRPr sz="1000"/>
+            </a:lvl9pPr>
+          </a:lstStyle>
+          <a:p>
+            <a:pPr lvl="0"/>
+            <a:r>
+              <a:rPr lang="en-US" smtClean="0"/>
+              <a:t>Click to edit Master text styles</a:t>
+            </a:r>
+          </a:p>
+        </p:txBody>
+      </p:sp>
+      <p:sp>
+        <p:nvSpPr>
+          <p:cNvPr id="5" name="Date Placeholder 4"/>
+          <p:cNvSpPr>
+            <a:spLocks noGrp="1"/>
+          </p:cNvSpPr>
+          <p:nvPr>
+            <p:ph type="dt" sz="half" idx="10"/>
+          </p:nvPr>
+        </p:nvSpPr>
+        <p:spPr/>
+        <p:txBody>
+          <a:bodyPr/>
+          <a:lstStyle/>
+          <a:p>
+            <a:pPr marL="0" marR="0" lvl="0" indent="0" algn="l" defTabSz="914400" rtl="0" eaLnBrk="1" fontAlgn="auto" latinLnBrk="0" hangingPunct="1">
+              <a:lnSpc>
+                <a:spcPct val="100000"/>
+              </a:lnSpc>
+              <a:spcBef>
+                <a:spcPts val="0"/>
+              </a:spcBef>
+              <a:spcAft>
+                <a:spcPts val="0"/>
+              </a:spcAft>
+              <a:buClrTx/>
+              <a:buSzTx/>
+              <a:buFontTx/>
+              <a:buNone/>
+              <a:tabLst/>
+              <a:defRPr/>
+            </a:pPr>
+            <a:fld id="{615B8220-D6CE-4EBA-9DF4-44184996CC87}" type="datetimeFigureOut">
+              <a:rPr kumimoji="0" lang="en-IN" sz="1200" b="0" i="0" u="none" strike="noStrike" kern="1200" cap="none" spc="0" normalizeH="0" baseline="0" noProof="0" smtClean="0">
+                <a:ln>
+                  <a:noFill/>
+                </a:ln>
+                <a:solidFill>
+                  <a:prstClr val="black">
+                    <a:tint val="75000"/>
+                  </a:prstClr>
+                </a:solidFill>
+                <a:effectLst/>
+                <a:uLnTx/>
+                <a:uFillTx/>
+                <a:latin typeface="Calibri" panose="020F0502020204030204"/>
+                <a:ea typeface="+mn-ea"/>
+                <a:cs typeface="+mn-cs"/>
+              </a:rPr>
+              <a:pPr marL="0" marR="0" lvl="0" indent="0" algn="l" defTabSz="914400" rtl="0" eaLnBrk="1" fontAlgn="auto" latinLnBrk="0" hangingPunct="1">
+                <a:lnSpc>
+                  <a:spcPct val="100000"/>
+                </a:lnSpc>
+                <a:spcBef>
+                  <a:spcPts val="0"/>
+                </a:spcBef>
+                <a:spcAft>
+                  <a:spcPts val="0"/>
+                </a:spcAft>
+                <a:buClrTx/>
+                <a:buSzTx/>
+                <a:buFontTx/>
+                <a:buNone/>
+                <a:tabLst/>
+                <a:defRPr/>
+              </a:pPr>
+              <a:t>06-11-2015</a:t>
+            </a:fld>
+            <a:endParaRPr kumimoji="0" lang="en-IN" sz="1200" b="0" i="0" u="none" strike="noStrike" kern="1200" cap="none" spc="0" normalizeH="0" baseline="0" noProof="0">
+              <a:ln>
+                <a:noFill/>
+              </a:ln>
+              <a:solidFill>
+                <a:prstClr val="black">
+                  <a:tint val="75000"/>
+                </a:prstClr>
+              </a:solidFill>
+              <a:effectLst/>
+              <a:uLnTx/>
+              <a:uFillTx/>
+              <a:latin typeface="Calibri" panose="020F0502020204030204"/>
+              <a:ea typeface="+mn-ea"/>
+              <a:cs typeface="+mn-cs"/>
+            </a:endParaRPr>
+          </a:p>
+        </p:txBody>
+      </p:sp>
+      <p:sp>
+        <p:nvSpPr>
+          <p:cNvPr id="6" name="Footer Placeholder 5"/>
+          <p:cNvSpPr>
+            <a:spLocks noGrp="1"/>
+          </p:cNvSpPr>
+          <p:nvPr>
+            <p:ph type="ftr" sz="quarter" idx="11"/>
+          </p:nvPr>
+        </p:nvSpPr>
+        <p:spPr/>
+        <p:txBody>
+          <a:bodyPr/>
+          <a:lstStyle/>
+          <a:p>
+            <a:pPr marL="0" marR="0" lvl="0" indent="0" algn="ctr" defTabSz="914400" rtl="0" eaLnBrk="1" fontAlgn="auto" latinLnBrk="0" hangingPunct="1">
+              <a:lnSpc>
+                <a:spcPct val="100000"/>
+              </a:lnSpc>
+              <a:spcBef>
+                <a:spcPts val="0"/>
+              </a:spcBef>
+              <a:spcAft>
+                <a:spcPts val="0"/>
+              </a:spcAft>
+              <a:buClrTx/>
+              <a:buSzTx/>
+              <a:buFontTx/>
+              <a:buNone/>
+              <a:tabLst/>
+              <a:defRPr/>
+            </a:pPr>
+            <a:endParaRPr kumimoji="0" lang="en-IN" sz="1200" b="0" i="0" u="none" strike="noStrike" kern="1200" cap="none" spc="0" normalizeH="0" baseline="0" noProof="0">
+              <a:ln>
+                <a:noFill/>
+              </a:ln>
+              <a:solidFill>
+                <a:prstClr val="black">
+                  <a:tint val="75000"/>
+                </a:prstClr>
+              </a:solidFill>
+              <a:effectLst/>
+              <a:uLnTx/>
+              <a:uFillTx/>
+              <a:latin typeface="Calibri" panose="020F0502020204030204"/>
+              <a:ea typeface="+mn-ea"/>
+              <a:cs typeface="+mn-cs"/>
+            </a:endParaRPr>
+          </a:p>
+        </p:txBody>
+      </p:sp>
+      <p:sp>
+        <p:nvSpPr>
+          <p:cNvPr id="7" name="Slide Number Placeholder 6"/>
+          <p:cNvSpPr>
+            <a:spLocks noGrp="1"/>
+          </p:cNvSpPr>
+          <p:nvPr>
+            <p:ph type="sldNum" sz="quarter" idx="12"/>
+          </p:nvPr>
+        </p:nvSpPr>
+        <p:spPr/>
+        <p:txBody>
+          <a:bodyPr/>
+          <a:lstStyle/>
+          <a:p>
+            <a:pPr marL="0" marR="0" lvl="0" indent="0" algn="r" defTabSz="914400" rtl="0" eaLnBrk="1" fontAlgn="auto" latinLnBrk="0" hangingPunct="1">
+              <a:lnSpc>
+                <a:spcPct val="100000"/>
+              </a:lnSpc>
+              <a:spcBef>
+                <a:spcPts val="0"/>
+              </a:spcBef>
+              <a:spcAft>
+                <a:spcPts val="0"/>
+              </a:spcAft>
+              <a:buClrTx/>
+              <a:buSzTx/>
+              <a:buFontTx/>
+              <a:buNone/>
+              <a:tabLst/>
+              <a:defRPr/>
+            </a:pPr>
+            <a:fld id="{72C2F659-9614-4C11-ABEC-5C229DA454D6}" type="slidenum">
+              <a:rPr kumimoji="0" lang="en-IN" sz="1200" b="0" i="0" u="none" strike="noStrike" kern="1200" cap="none" spc="0" normalizeH="0" baseline="0" noProof="0" smtClean="0">
+                <a:ln>
+                  <a:noFill/>
+                </a:ln>
+                <a:solidFill>
+                  <a:prstClr val="black">
+                    <a:tint val="75000"/>
+                  </a:prstClr>
+                </a:solidFill>
+                <a:effectLst/>
+                <a:uLnTx/>
+                <a:uFillTx/>
+                <a:latin typeface="Calibri" panose="020F0502020204030204"/>
+                <a:ea typeface="+mn-ea"/>
+                <a:cs typeface="+mn-cs"/>
+              </a:rPr>
+              <a:pPr marL="0" marR="0" lvl="0" indent="0" algn="r" defTabSz="914400" rtl="0" eaLnBrk="1" fontAlgn="auto" latinLnBrk="0" hangingPunct="1">
+                <a:lnSpc>
+                  <a:spcPct val="100000"/>
+                </a:lnSpc>
+                <a:spcBef>
+                  <a:spcPts val="0"/>
+                </a:spcBef>
+                <a:spcAft>
+                  <a:spcPts val="0"/>
+                </a:spcAft>
+                <a:buClrTx/>
+                <a:buSzTx/>
+                <a:buFontTx/>
+                <a:buNone/>
+                <a:tabLst/>
+                <a:defRPr/>
+              </a:pPr>
+              <a:t>‹#›</a:t>
+            </a:fld>
+            <a:endParaRPr kumimoji="0" lang="en-IN" sz="1200" b="0" i="0" u="none" strike="noStrike" kern="1200" cap="none" spc="0" normalizeH="0" baseline="0" noProof="0">
+              <a:ln>
+                <a:noFill/>
+              </a:ln>
+              <a:solidFill>
+                <a:prstClr val="black">
+                  <a:tint val="75000"/>
+                </a:prstClr>
+              </a:solidFill>
+              <a:effectLst/>
+              <a:uLnTx/>
+              <a:uFillTx/>
+              <a:latin typeface="Calibri" panose="020F0502020204030204"/>
+              <a:ea typeface="+mn-ea"/>
+              <a:cs typeface="+mn-cs"/>
+            </a:endParaRPr>
+          </a:p>
+        </p:txBody>
+      </p:sp>
+    </p:spTree>
+    <p:extLst>
+      <p:ext uri="{BB962C8B-B14F-4D97-AF65-F5344CB8AC3E}">
+        <p14:creationId xmlns:p14="http://schemas.microsoft.com/office/powerpoint/2010/main" val="1717892620"/>
+      </p:ext>
+    </p:extLst>
+  </p:cSld>
+  <p:clrMapOvr>
+    <a:masterClrMapping/>
+  </p:clrMapOvr>
+</p:sldLayout>
+</file>
+
+<file path=ppt/slideLayouts/slideLayout41.xml><?xml version="1.0" encoding="utf-8"?>
+<p:sldLayout xmlns:a="http://schemas.openxmlformats.org/drawingml/2006/main" xmlns:r="http://schemas.openxmlformats.org/officeDocument/2006/relationships" xmlns:p="http://schemas.openxmlformats.org/presentationml/2006/main" type="picTx" preserve="1">
+  <p:cSld name="Picture with Caption">
+    <p:spTree>
+      <p:nvGrpSpPr>
+        <p:cNvPr id="1" name=""/>
+        <p:cNvGrpSpPr/>
+        <p:nvPr/>
+      </p:nvGrpSpPr>
+      <p:grpSpPr>
+        <a:xfrm>
+          <a:off x="0" y="0"/>
+          <a:ext cx="0" cy="0"/>
+          <a:chOff x="0" y="0"/>
+          <a:chExt cx="0" cy="0"/>
+        </a:xfrm>
+      </p:grpSpPr>
+      <p:sp>
+        <p:nvSpPr>
+          <p:cNvPr id="2" name="Title 1"/>
+          <p:cNvSpPr>
+            <a:spLocks noGrp="1"/>
+          </p:cNvSpPr>
+          <p:nvPr>
+            <p:ph type="title"/>
+          </p:nvPr>
+        </p:nvSpPr>
+        <p:spPr>
+          <a:xfrm>
+            <a:off x="839788" y="457200"/>
+            <a:ext cx="3932237" cy="1600200"/>
+          </a:xfrm>
+        </p:spPr>
+        <p:txBody>
+          <a:bodyPr anchor="b"/>
+          <a:lstStyle>
+            <a:lvl1pPr>
+              <a:defRPr sz="3200"/>
+            </a:lvl1pPr>
+          </a:lstStyle>
+          <a:p>
+            <a:r>
+              <a:rPr lang="en-US" smtClean="0"/>
+              <a:t>Click to edit Master title style</a:t>
+            </a:r>
+            <a:endParaRPr lang="en-IN"/>
+          </a:p>
+        </p:txBody>
+      </p:sp>
+      <p:sp>
+        <p:nvSpPr>
+          <p:cNvPr id="3" name="Picture Placeholder 2"/>
+          <p:cNvSpPr>
+            <a:spLocks noGrp="1"/>
+          </p:cNvSpPr>
+          <p:nvPr>
+            <p:ph type="pic" idx="1"/>
+          </p:nvPr>
+        </p:nvSpPr>
+        <p:spPr>
+          <a:xfrm>
+            <a:off x="5183188" y="987425"/>
+            <a:ext cx="6172200" cy="4873625"/>
+          </a:xfrm>
+        </p:spPr>
+        <p:txBody>
+          <a:bodyPr/>
+          <a:lstStyle>
+            <a:lvl1pPr marL="0" indent="0">
+              <a:buNone/>
+              <a:defRPr sz="3200"/>
+            </a:lvl1pPr>
+            <a:lvl2pPr marL="457200" indent="0">
+              <a:buNone/>
+              <a:defRPr sz="2800"/>
+            </a:lvl2pPr>
+            <a:lvl3pPr marL="914400" indent="0">
+              <a:buNone/>
+              <a:defRPr sz="2400"/>
+            </a:lvl3pPr>
+            <a:lvl4pPr marL="1371600" indent="0">
+              <a:buNone/>
+              <a:defRPr sz="2000"/>
+            </a:lvl4pPr>
+            <a:lvl5pPr marL="1828800" indent="0">
+              <a:buNone/>
+              <a:defRPr sz="2000"/>
+            </a:lvl5pPr>
+            <a:lvl6pPr marL="2286000" indent="0">
+              <a:buNone/>
+              <a:defRPr sz="2000"/>
+            </a:lvl6pPr>
+            <a:lvl7pPr marL="2743200" indent="0">
+              <a:buNone/>
+              <a:defRPr sz="2000"/>
+            </a:lvl7pPr>
+            <a:lvl8pPr marL="3200400" indent="0">
+              <a:buNone/>
+              <a:defRPr sz="2000"/>
+            </a:lvl8pPr>
+            <a:lvl9pPr marL="3657600" indent="0">
+              <a:buNone/>
+              <a:defRPr sz="2000"/>
+            </a:lvl9pPr>
+          </a:lstStyle>
+          <a:p>
+            <a:endParaRPr lang="en-IN"/>
+          </a:p>
+        </p:txBody>
+      </p:sp>
+      <p:sp>
+        <p:nvSpPr>
+          <p:cNvPr id="4" name="Text Placeholder 3"/>
+          <p:cNvSpPr>
+            <a:spLocks noGrp="1"/>
+          </p:cNvSpPr>
+          <p:nvPr>
+            <p:ph type="body" sz="half" idx="2"/>
+          </p:nvPr>
+        </p:nvSpPr>
+        <p:spPr>
+          <a:xfrm>
+            <a:off x="839788" y="2057400"/>
+            <a:ext cx="3932237" cy="3811588"/>
+          </a:xfrm>
+        </p:spPr>
+        <p:txBody>
+          <a:bodyPr/>
+          <a:lstStyle>
+            <a:lvl1pPr marL="0" indent="0">
+              <a:buNone/>
+              <a:defRPr sz="1600"/>
+            </a:lvl1pPr>
+            <a:lvl2pPr marL="457200" indent="0">
+              <a:buNone/>
+              <a:defRPr sz="1400"/>
+            </a:lvl2pPr>
+            <a:lvl3pPr marL="914400" indent="0">
+              <a:buNone/>
+              <a:defRPr sz="1200"/>
+            </a:lvl3pPr>
+            <a:lvl4pPr marL="1371600" indent="0">
+              <a:buNone/>
+              <a:defRPr sz="1000"/>
+            </a:lvl4pPr>
+            <a:lvl5pPr marL="1828800" indent="0">
+              <a:buNone/>
+              <a:defRPr sz="1000"/>
+            </a:lvl5pPr>
+            <a:lvl6pPr marL="2286000" indent="0">
+              <a:buNone/>
+              <a:defRPr sz="1000"/>
+            </a:lvl6pPr>
+            <a:lvl7pPr marL="2743200" indent="0">
+              <a:buNone/>
+              <a:defRPr sz="1000"/>
+            </a:lvl7pPr>
+            <a:lvl8pPr marL="3200400" indent="0">
+              <a:buNone/>
+              <a:defRPr sz="1000"/>
+            </a:lvl8pPr>
+            <a:lvl9pPr marL="3657600" indent="0">
+              <a:buNone/>
+              <a:defRPr sz="1000"/>
+            </a:lvl9pPr>
+          </a:lstStyle>
+          <a:p>
+            <a:pPr lvl="0"/>
+            <a:r>
+              <a:rPr lang="en-US" smtClean="0"/>
+              <a:t>Click to edit Master text styles</a:t>
+            </a:r>
+          </a:p>
+        </p:txBody>
+      </p:sp>
+      <p:sp>
+        <p:nvSpPr>
+          <p:cNvPr id="5" name="Date Placeholder 4"/>
+          <p:cNvSpPr>
+            <a:spLocks noGrp="1"/>
+          </p:cNvSpPr>
+          <p:nvPr>
+            <p:ph type="dt" sz="half" idx="10"/>
+          </p:nvPr>
+        </p:nvSpPr>
+        <p:spPr/>
+        <p:txBody>
+          <a:bodyPr/>
+          <a:lstStyle/>
+          <a:p>
+            <a:pPr marL="0" marR="0" lvl="0" indent="0" algn="l" defTabSz="914400" rtl="0" eaLnBrk="1" fontAlgn="auto" latinLnBrk="0" hangingPunct="1">
+              <a:lnSpc>
+                <a:spcPct val="100000"/>
+              </a:lnSpc>
+              <a:spcBef>
+                <a:spcPts val="0"/>
+              </a:spcBef>
+              <a:spcAft>
+                <a:spcPts val="0"/>
+              </a:spcAft>
+              <a:buClrTx/>
+              <a:buSzTx/>
+              <a:buFontTx/>
+              <a:buNone/>
+              <a:tabLst/>
+              <a:defRPr/>
+            </a:pPr>
+            <a:fld id="{615B8220-D6CE-4EBA-9DF4-44184996CC87}" type="datetimeFigureOut">
+              <a:rPr kumimoji="0" lang="en-IN" sz="1200" b="0" i="0" u="none" strike="noStrike" kern="1200" cap="none" spc="0" normalizeH="0" baseline="0" noProof="0" smtClean="0">
+                <a:ln>
+                  <a:noFill/>
+                </a:ln>
+                <a:solidFill>
+                  <a:prstClr val="black">
+                    <a:tint val="75000"/>
+                  </a:prstClr>
+                </a:solidFill>
+                <a:effectLst/>
+                <a:uLnTx/>
+                <a:uFillTx/>
+                <a:latin typeface="Calibri" panose="020F0502020204030204"/>
+                <a:ea typeface="+mn-ea"/>
+                <a:cs typeface="+mn-cs"/>
+              </a:rPr>
+              <a:pPr marL="0" marR="0" lvl="0" indent="0" algn="l" defTabSz="914400" rtl="0" eaLnBrk="1" fontAlgn="auto" latinLnBrk="0" hangingPunct="1">
+                <a:lnSpc>
+                  <a:spcPct val="100000"/>
+                </a:lnSpc>
+                <a:spcBef>
+                  <a:spcPts val="0"/>
+                </a:spcBef>
+                <a:spcAft>
+                  <a:spcPts val="0"/>
+                </a:spcAft>
+                <a:buClrTx/>
+                <a:buSzTx/>
+                <a:buFontTx/>
+                <a:buNone/>
+                <a:tabLst/>
+                <a:defRPr/>
+              </a:pPr>
+              <a:t>06-11-2015</a:t>
+            </a:fld>
+            <a:endParaRPr kumimoji="0" lang="en-IN" sz="1200" b="0" i="0" u="none" strike="noStrike" kern="1200" cap="none" spc="0" normalizeH="0" baseline="0" noProof="0">
+              <a:ln>
+                <a:noFill/>
+              </a:ln>
+              <a:solidFill>
+                <a:prstClr val="black">
+                  <a:tint val="75000"/>
+                </a:prstClr>
+              </a:solidFill>
+              <a:effectLst/>
+              <a:uLnTx/>
+              <a:uFillTx/>
+              <a:latin typeface="Calibri" panose="020F0502020204030204"/>
+              <a:ea typeface="+mn-ea"/>
+              <a:cs typeface="+mn-cs"/>
+            </a:endParaRPr>
+          </a:p>
+        </p:txBody>
+      </p:sp>
+      <p:sp>
+        <p:nvSpPr>
+          <p:cNvPr id="6" name="Footer Placeholder 5"/>
+          <p:cNvSpPr>
+            <a:spLocks noGrp="1"/>
+          </p:cNvSpPr>
+          <p:nvPr>
+            <p:ph type="ftr" sz="quarter" idx="11"/>
+          </p:nvPr>
+        </p:nvSpPr>
+        <p:spPr/>
+        <p:txBody>
+          <a:bodyPr/>
+          <a:lstStyle/>
+          <a:p>
+            <a:pPr marL="0" marR="0" lvl="0" indent="0" algn="ctr" defTabSz="914400" rtl="0" eaLnBrk="1" fontAlgn="auto" latinLnBrk="0" hangingPunct="1">
+              <a:lnSpc>
+                <a:spcPct val="100000"/>
+              </a:lnSpc>
+              <a:spcBef>
+                <a:spcPts val="0"/>
+              </a:spcBef>
+              <a:spcAft>
+                <a:spcPts val="0"/>
+              </a:spcAft>
+              <a:buClrTx/>
+              <a:buSzTx/>
+              <a:buFontTx/>
+              <a:buNone/>
+              <a:tabLst/>
+              <a:defRPr/>
+            </a:pPr>
+            <a:endParaRPr kumimoji="0" lang="en-IN" sz="1200" b="0" i="0" u="none" strike="noStrike" kern="1200" cap="none" spc="0" normalizeH="0" baseline="0" noProof="0">
+              <a:ln>
+                <a:noFill/>
+              </a:ln>
+              <a:solidFill>
+                <a:prstClr val="black">
+                  <a:tint val="75000"/>
+                </a:prstClr>
+              </a:solidFill>
+              <a:effectLst/>
+              <a:uLnTx/>
+              <a:uFillTx/>
+              <a:latin typeface="Calibri" panose="020F0502020204030204"/>
+              <a:ea typeface="+mn-ea"/>
+              <a:cs typeface="+mn-cs"/>
+            </a:endParaRPr>
+          </a:p>
+        </p:txBody>
+      </p:sp>
+      <p:sp>
+        <p:nvSpPr>
+          <p:cNvPr id="7" name="Slide Number Placeholder 6"/>
+          <p:cNvSpPr>
+            <a:spLocks noGrp="1"/>
+          </p:cNvSpPr>
+          <p:nvPr>
+            <p:ph type="sldNum" sz="quarter" idx="12"/>
+          </p:nvPr>
+        </p:nvSpPr>
+        <p:spPr/>
+        <p:txBody>
+          <a:bodyPr/>
+          <a:lstStyle/>
+          <a:p>
+            <a:pPr marL="0" marR="0" lvl="0" indent="0" algn="r" defTabSz="914400" rtl="0" eaLnBrk="1" fontAlgn="auto" latinLnBrk="0" hangingPunct="1">
+              <a:lnSpc>
+                <a:spcPct val="100000"/>
+              </a:lnSpc>
+              <a:spcBef>
+                <a:spcPts val="0"/>
+              </a:spcBef>
+              <a:spcAft>
+                <a:spcPts val="0"/>
+              </a:spcAft>
+              <a:buClrTx/>
+              <a:buSzTx/>
+              <a:buFontTx/>
+              <a:buNone/>
+              <a:tabLst/>
+              <a:defRPr/>
+            </a:pPr>
+            <a:fld id="{72C2F659-9614-4C11-ABEC-5C229DA454D6}" type="slidenum">
+              <a:rPr kumimoji="0" lang="en-IN" sz="1200" b="0" i="0" u="none" strike="noStrike" kern="1200" cap="none" spc="0" normalizeH="0" baseline="0" noProof="0" smtClean="0">
+                <a:ln>
+                  <a:noFill/>
+                </a:ln>
+                <a:solidFill>
+                  <a:prstClr val="black">
+                    <a:tint val="75000"/>
+                  </a:prstClr>
+                </a:solidFill>
+                <a:effectLst/>
+                <a:uLnTx/>
+                <a:uFillTx/>
+                <a:latin typeface="Calibri" panose="020F0502020204030204"/>
+                <a:ea typeface="+mn-ea"/>
+                <a:cs typeface="+mn-cs"/>
+              </a:rPr>
+              <a:pPr marL="0" marR="0" lvl="0" indent="0" algn="r" defTabSz="914400" rtl="0" eaLnBrk="1" fontAlgn="auto" latinLnBrk="0" hangingPunct="1">
+                <a:lnSpc>
+                  <a:spcPct val="100000"/>
+                </a:lnSpc>
+                <a:spcBef>
+                  <a:spcPts val="0"/>
+                </a:spcBef>
+                <a:spcAft>
+                  <a:spcPts val="0"/>
+                </a:spcAft>
+                <a:buClrTx/>
+                <a:buSzTx/>
+                <a:buFontTx/>
+                <a:buNone/>
+                <a:tabLst/>
+                <a:defRPr/>
+              </a:pPr>
+              <a:t>‹#›</a:t>
+            </a:fld>
+            <a:endParaRPr kumimoji="0" lang="en-IN" sz="1200" b="0" i="0" u="none" strike="noStrike" kern="1200" cap="none" spc="0" normalizeH="0" baseline="0" noProof="0">
+              <a:ln>
+                <a:noFill/>
+              </a:ln>
+              <a:solidFill>
+                <a:prstClr val="black">
+                  <a:tint val="75000"/>
+                </a:prstClr>
+              </a:solidFill>
+              <a:effectLst/>
+              <a:uLnTx/>
+              <a:uFillTx/>
+              <a:latin typeface="Calibri" panose="020F0502020204030204"/>
+              <a:ea typeface="+mn-ea"/>
+              <a:cs typeface="+mn-cs"/>
+            </a:endParaRPr>
+          </a:p>
+        </p:txBody>
+      </p:sp>
+    </p:spTree>
+    <p:extLst>
+      <p:ext uri="{BB962C8B-B14F-4D97-AF65-F5344CB8AC3E}">
+        <p14:creationId xmlns:p14="http://schemas.microsoft.com/office/powerpoint/2010/main" val="2715096831"/>
+      </p:ext>
+    </p:extLst>
+  </p:cSld>
+  <p:clrMapOvr>
+    <a:masterClrMapping/>
+  </p:clrMapOvr>
+</p:sldLayout>
+</file>
+
+<file path=ppt/slideLayouts/slideLayout42.xml><?xml version="1.0" encoding="utf-8"?>
+<p:sldLayout xmlns:a="http://schemas.openxmlformats.org/drawingml/2006/main" xmlns:r="http://schemas.openxmlformats.org/officeDocument/2006/relationships" xmlns:p="http://schemas.openxmlformats.org/presentationml/2006/main" type="vertTx" preserve="1">
+  <p:cSld name="Title and Vertical Text">
+    <p:spTree>
+      <p:nvGrpSpPr>
+        <p:cNvPr id="1" name=""/>
+        <p:cNvGrpSpPr/>
+        <p:nvPr/>
+      </p:nvGrpSpPr>
+      <p:grpSpPr>
+        <a:xfrm>
+          <a:off x="0" y="0"/>
+          <a:ext cx="0" cy="0"/>
+          <a:chOff x="0" y="0"/>
+          <a:chExt cx="0" cy="0"/>
+        </a:xfrm>
+      </p:grpSpPr>
+      <p:sp>
+        <p:nvSpPr>
+          <p:cNvPr id="2" name="Title 1"/>
+          <p:cNvSpPr>
+            <a:spLocks noGrp="1"/>
+          </p:cNvSpPr>
+          <p:nvPr>
+            <p:ph type="title"/>
+          </p:nvPr>
+        </p:nvSpPr>
+        <p:spPr/>
+        <p:txBody>
+          <a:bodyPr/>
+          <a:lstStyle/>
+          <a:p>
+            <a:r>
+              <a:rPr lang="en-US" smtClean="0"/>
+              <a:t>Click to edit Master title style</a:t>
+            </a:r>
+            <a:endParaRPr lang="en-IN"/>
+          </a:p>
+        </p:txBody>
+      </p:sp>
+      <p:sp>
+        <p:nvSpPr>
+          <p:cNvPr id="3" name="Vertical Text Placeholder 2"/>
+          <p:cNvSpPr>
+            <a:spLocks noGrp="1"/>
+          </p:cNvSpPr>
+          <p:nvPr>
+            <p:ph type="body" orient="vert" idx="1"/>
+          </p:nvPr>
+        </p:nvSpPr>
+        <p:spPr/>
+        <p:txBody>
+          <a:bodyPr vert="eaVert"/>
+          <a:lstStyle/>
+          <a:p>
+            <a:pPr lvl="0"/>
+            <a:r>
+              <a:rPr lang="en-US" smtClean="0"/>
+              <a:t>Click to edit Master text styles</a:t>
+            </a:r>
+          </a:p>
+          <a:p>
+            <a:pPr lvl="1"/>
+            <a:r>
+              <a:rPr lang="en-US" smtClean="0"/>
+              <a:t>Second level</a:t>
+            </a:r>
+          </a:p>
+          <a:p>
+            <a:pPr lvl="2"/>
+            <a:r>
+              <a:rPr lang="en-US" smtClean="0"/>
+              <a:t>Third level</a:t>
+            </a:r>
+          </a:p>
+          <a:p>
+            <a:pPr lvl="3"/>
+            <a:r>
+              <a:rPr lang="en-US" smtClean="0"/>
+              <a:t>Fourth level</a:t>
+            </a:r>
+          </a:p>
+          <a:p>
+            <a:pPr lvl="4"/>
+            <a:r>
+              <a:rPr lang="en-US" smtClean="0"/>
+              <a:t>Fifth level</a:t>
+            </a:r>
+            <a:endParaRPr lang="en-IN"/>
+          </a:p>
+        </p:txBody>
+      </p:sp>
+      <p:sp>
+        <p:nvSpPr>
+          <p:cNvPr id="4" name="Date Placeholder 3"/>
+          <p:cNvSpPr>
+            <a:spLocks noGrp="1"/>
+          </p:cNvSpPr>
+          <p:nvPr>
+            <p:ph type="dt" sz="half" idx="10"/>
+          </p:nvPr>
+        </p:nvSpPr>
+        <p:spPr/>
+        <p:txBody>
+          <a:bodyPr/>
+          <a:lstStyle/>
+          <a:p>
+            <a:pPr marL="0" marR="0" lvl="0" indent="0" algn="l" defTabSz="914400" rtl="0" eaLnBrk="1" fontAlgn="auto" latinLnBrk="0" hangingPunct="1">
+              <a:lnSpc>
+                <a:spcPct val="100000"/>
+              </a:lnSpc>
+              <a:spcBef>
+                <a:spcPts val="0"/>
+              </a:spcBef>
+              <a:spcAft>
+                <a:spcPts val="0"/>
+              </a:spcAft>
+              <a:buClrTx/>
+              <a:buSzTx/>
+              <a:buFontTx/>
+              <a:buNone/>
+              <a:tabLst/>
+              <a:defRPr/>
+            </a:pPr>
+            <a:fld id="{615B8220-D6CE-4EBA-9DF4-44184996CC87}" type="datetimeFigureOut">
+              <a:rPr kumimoji="0" lang="en-IN" sz="1200" b="0" i="0" u="none" strike="noStrike" kern="1200" cap="none" spc="0" normalizeH="0" baseline="0" noProof="0" smtClean="0">
+                <a:ln>
+                  <a:noFill/>
+                </a:ln>
+                <a:solidFill>
+                  <a:prstClr val="black">
+                    <a:tint val="75000"/>
+                  </a:prstClr>
+                </a:solidFill>
+                <a:effectLst/>
+                <a:uLnTx/>
+                <a:uFillTx/>
+                <a:latin typeface="Calibri" panose="020F0502020204030204"/>
+                <a:ea typeface="+mn-ea"/>
+                <a:cs typeface="+mn-cs"/>
+              </a:rPr>
+              <a:pPr marL="0" marR="0" lvl="0" indent="0" algn="l" defTabSz="914400" rtl="0" eaLnBrk="1" fontAlgn="auto" latinLnBrk="0" hangingPunct="1">
+                <a:lnSpc>
+                  <a:spcPct val="100000"/>
+                </a:lnSpc>
+                <a:spcBef>
+                  <a:spcPts val="0"/>
+                </a:spcBef>
+                <a:spcAft>
+                  <a:spcPts val="0"/>
+                </a:spcAft>
+                <a:buClrTx/>
+                <a:buSzTx/>
+                <a:buFontTx/>
+                <a:buNone/>
+                <a:tabLst/>
+                <a:defRPr/>
+              </a:pPr>
+              <a:t>06-11-2015</a:t>
+            </a:fld>
+            <a:endParaRPr kumimoji="0" lang="en-IN" sz="1200" b="0" i="0" u="none" strike="noStrike" kern="1200" cap="none" spc="0" normalizeH="0" baseline="0" noProof="0">
+              <a:ln>
+                <a:noFill/>
+              </a:ln>
+              <a:solidFill>
+                <a:prstClr val="black">
+                  <a:tint val="75000"/>
+                </a:prstClr>
+              </a:solidFill>
+              <a:effectLst/>
+              <a:uLnTx/>
+              <a:uFillTx/>
+              <a:latin typeface="Calibri" panose="020F0502020204030204"/>
+              <a:ea typeface="+mn-ea"/>
+              <a:cs typeface="+mn-cs"/>
+            </a:endParaRPr>
+          </a:p>
+        </p:txBody>
+      </p:sp>
+      <p:sp>
+        <p:nvSpPr>
+          <p:cNvPr id="5" name="Footer Placeholder 4"/>
+          <p:cNvSpPr>
+            <a:spLocks noGrp="1"/>
+          </p:cNvSpPr>
+          <p:nvPr>
+            <p:ph type="ftr" sz="quarter" idx="11"/>
+          </p:nvPr>
+        </p:nvSpPr>
+        <p:spPr/>
+        <p:txBody>
+          <a:bodyPr/>
+          <a:lstStyle/>
+          <a:p>
+            <a:pPr marL="0" marR="0" lvl="0" indent="0" algn="ctr" defTabSz="914400" rtl="0" eaLnBrk="1" fontAlgn="auto" latinLnBrk="0" hangingPunct="1">
+              <a:lnSpc>
+                <a:spcPct val="100000"/>
+              </a:lnSpc>
+              <a:spcBef>
+                <a:spcPts val="0"/>
+              </a:spcBef>
+              <a:spcAft>
+                <a:spcPts val="0"/>
+              </a:spcAft>
+              <a:buClrTx/>
+              <a:buSzTx/>
+              <a:buFontTx/>
+              <a:buNone/>
+              <a:tabLst/>
+              <a:defRPr/>
+            </a:pPr>
+            <a:endParaRPr kumimoji="0" lang="en-IN" sz="1200" b="0" i="0" u="none" strike="noStrike" kern="1200" cap="none" spc="0" normalizeH="0" baseline="0" noProof="0">
+              <a:ln>
+                <a:noFill/>
+              </a:ln>
+              <a:solidFill>
+                <a:prstClr val="black">
+                  <a:tint val="75000"/>
+                </a:prstClr>
+              </a:solidFill>
+              <a:effectLst/>
+              <a:uLnTx/>
+              <a:uFillTx/>
+              <a:latin typeface="Calibri" panose="020F0502020204030204"/>
+              <a:ea typeface="+mn-ea"/>
+              <a:cs typeface="+mn-cs"/>
+            </a:endParaRPr>
+          </a:p>
+        </p:txBody>
+      </p:sp>
+      <p:sp>
+        <p:nvSpPr>
+          <p:cNvPr id="6" name="Slide Number Placeholder 5"/>
+          <p:cNvSpPr>
+            <a:spLocks noGrp="1"/>
+          </p:cNvSpPr>
+          <p:nvPr>
+            <p:ph type="sldNum" sz="quarter" idx="12"/>
+          </p:nvPr>
+        </p:nvSpPr>
+        <p:spPr/>
+        <p:txBody>
+          <a:bodyPr/>
+          <a:lstStyle/>
+          <a:p>
+            <a:pPr marL="0" marR="0" lvl="0" indent="0" algn="r" defTabSz="914400" rtl="0" eaLnBrk="1" fontAlgn="auto" latinLnBrk="0" hangingPunct="1">
+              <a:lnSpc>
+                <a:spcPct val="100000"/>
+              </a:lnSpc>
+              <a:spcBef>
+                <a:spcPts val="0"/>
+              </a:spcBef>
+              <a:spcAft>
+                <a:spcPts val="0"/>
+              </a:spcAft>
+              <a:buClrTx/>
+              <a:buSzTx/>
+              <a:buFontTx/>
+              <a:buNone/>
+              <a:tabLst/>
+              <a:defRPr/>
+            </a:pPr>
+            <a:fld id="{72C2F659-9614-4C11-ABEC-5C229DA454D6}" type="slidenum">
+              <a:rPr kumimoji="0" lang="en-IN" sz="1200" b="0" i="0" u="none" strike="noStrike" kern="1200" cap="none" spc="0" normalizeH="0" baseline="0" noProof="0" smtClean="0">
+                <a:ln>
+                  <a:noFill/>
+                </a:ln>
+                <a:solidFill>
+                  <a:prstClr val="black">
+                    <a:tint val="75000"/>
+                  </a:prstClr>
+                </a:solidFill>
+                <a:effectLst/>
+                <a:uLnTx/>
+                <a:uFillTx/>
+                <a:latin typeface="Calibri" panose="020F0502020204030204"/>
+                <a:ea typeface="+mn-ea"/>
+                <a:cs typeface="+mn-cs"/>
+              </a:rPr>
+              <a:pPr marL="0" marR="0" lvl="0" indent="0" algn="r" defTabSz="914400" rtl="0" eaLnBrk="1" fontAlgn="auto" latinLnBrk="0" hangingPunct="1">
+                <a:lnSpc>
+                  <a:spcPct val="100000"/>
+                </a:lnSpc>
+                <a:spcBef>
+                  <a:spcPts val="0"/>
+                </a:spcBef>
+                <a:spcAft>
+                  <a:spcPts val="0"/>
+                </a:spcAft>
+                <a:buClrTx/>
+                <a:buSzTx/>
+                <a:buFontTx/>
+                <a:buNone/>
+                <a:tabLst/>
+                <a:defRPr/>
+              </a:pPr>
+              <a:t>‹#›</a:t>
+            </a:fld>
+            <a:endParaRPr kumimoji="0" lang="en-IN" sz="1200" b="0" i="0" u="none" strike="noStrike" kern="1200" cap="none" spc="0" normalizeH="0" baseline="0" noProof="0">
+              <a:ln>
+                <a:noFill/>
+              </a:ln>
+              <a:solidFill>
+                <a:prstClr val="black">
+                  <a:tint val="75000"/>
+                </a:prstClr>
+              </a:solidFill>
+              <a:effectLst/>
+              <a:uLnTx/>
+              <a:uFillTx/>
+              <a:latin typeface="Calibri" panose="020F0502020204030204"/>
+              <a:ea typeface="+mn-ea"/>
+              <a:cs typeface="+mn-cs"/>
+            </a:endParaRPr>
+          </a:p>
+        </p:txBody>
+      </p:sp>
+    </p:spTree>
+    <p:extLst>
+      <p:ext uri="{BB962C8B-B14F-4D97-AF65-F5344CB8AC3E}">
+        <p14:creationId xmlns:p14="http://schemas.microsoft.com/office/powerpoint/2010/main" val="1047891884"/>
+      </p:ext>
+    </p:extLst>
+  </p:cSld>
+  <p:clrMapOvr>
+    <a:masterClrMapping/>
+  </p:clrMapOvr>
+</p:sldLayout>
+</file>
+
+<file path=ppt/slideLayouts/slideLayout43.xml><?xml version="1.0" encoding="utf-8"?>
+<p:sldLayout xmlns:a="http://schemas.openxmlformats.org/drawingml/2006/main" xmlns:r="http://schemas.openxmlformats.org/officeDocument/2006/relationships" xmlns:p="http://schemas.openxmlformats.org/presentationml/2006/main" type="vertTitleAndTx" preserve="1">
+  <p:cSld name="Vertical Title and Text">
+    <p:spTree>
+      <p:nvGrpSpPr>
+        <p:cNvPr id="1" name=""/>
+        <p:cNvGrpSpPr/>
+        <p:nvPr/>
+      </p:nvGrpSpPr>
+      <p:grpSpPr>
+        <a:xfrm>
+          <a:off x="0" y="0"/>
+          <a:ext cx="0" cy="0"/>
+          <a:chOff x="0" y="0"/>
+          <a:chExt cx="0" cy="0"/>
+        </a:xfrm>
+      </p:grpSpPr>
+      <p:sp>
+        <p:nvSpPr>
+          <p:cNvPr id="2" name="Vertical Title 1"/>
+          <p:cNvSpPr>
+            <a:spLocks noGrp="1"/>
+          </p:cNvSpPr>
+          <p:nvPr>
+            <p:ph type="title" orient="vert"/>
+          </p:nvPr>
+        </p:nvSpPr>
+        <p:spPr>
+          <a:xfrm>
+            <a:off x="8724900" y="365125"/>
+            <a:ext cx="2628900" cy="5811838"/>
+          </a:xfrm>
+        </p:spPr>
+        <p:txBody>
+          <a:bodyPr vert="eaVert"/>
+          <a:lstStyle/>
+          <a:p>
+            <a:r>
+              <a:rPr lang="en-US" smtClean="0"/>
+              <a:t>Click to edit Master title style</a:t>
+            </a:r>
+            <a:endParaRPr lang="en-IN"/>
+          </a:p>
+        </p:txBody>
+      </p:sp>
+      <p:sp>
+        <p:nvSpPr>
+          <p:cNvPr id="3" name="Vertical Text Placeholder 2"/>
+          <p:cNvSpPr>
+            <a:spLocks noGrp="1"/>
+          </p:cNvSpPr>
+          <p:nvPr>
+            <p:ph type="body" orient="vert" idx="1"/>
+          </p:nvPr>
+        </p:nvSpPr>
+        <p:spPr>
+          <a:xfrm>
+            <a:off x="838200" y="365125"/>
+            <a:ext cx="7734300" cy="5811838"/>
+          </a:xfrm>
+        </p:spPr>
+        <p:txBody>
+          <a:bodyPr vert="eaVert"/>
+          <a:lstStyle/>
+          <a:p>
+            <a:pPr lvl="0"/>
+            <a:r>
+              <a:rPr lang="en-US" smtClean="0"/>
+              <a:t>Click to edit Master text styles</a:t>
+            </a:r>
+          </a:p>
+          <a:p>
+            <a:pPr lvl="1"/>
+            <a:r>
+              <a:rPr lang="en-US" smtClean="0"/>
+              <a:t>Second level</a:t>
+            </a:r>
+          </a:p>
+          <a:p>
+            <a:pPr lvl="2"/>
+            <a:r>
+              <a:rPr lang="en-US" smtClean="0"/>
+              <a:t>Third level</a:t>
+            </a:r>
+          </a:p>
+          <a:p>
+            <a:pPr lvl="3"/>
+            <a:r>
+              <a:rPr lang="en-US" smtClean="0"/>
+              <a:t>Fourth level</a:t>
+            </a:r>
+          </a:p>
+          <a:p>
+            <a:pPr lvl="4"/>
+            <a:r>
+              <a:rPr lang="en-US" smtClean="0"/>
+              <a:t>Fifth level</a:t>
+            </a:r>
+            <a:endParaRPr lang="en-IN"/>
+          </a:p>
+        </p:txBody>
+      </p:sp>
+      <p:sp>
+        <p:nvSpPr>
+          <p:cNvPr id="4" name="Date Placeholder 3"/>
+          <p:cNvSpPr>
+            <a:spLocks noGrp="1"/>
+          </p:cNvSpPr>
+          <p:nvPr>
+            <p:ph type="dt" sz="half" idx="10"/>
+          </p:nvPr>
+        </p:nvSpPr>
+        <p:spPr/>
+        <p:txBody>
+          <a:bodyPr/>
+          <a:lstStyle/>
+          <a:p>
+            <a:pPr marL="0" marR="0" lvl="0" indent="0" algn="l" defTabSz="914400" rtl="0" eaLnBrk="1" fontAlgn="auto" latinLnBrk="0" hangingPunct="1">
+              <a:lnSpc>
+                <a:spcPct val="100000"/>
+              </a:lnSpc>
+              <a:spcBef>
+                <a:spcPts val="0"/>
+              </a:spcBef>
+              <a:spcAft>
+                <a:spcPts val="0"/>
+              </a:spcAft>
+              <a:buClrTx/>
+              <a:buSzTx/>
+              <a:buFontTx/>
+              <a:buNone/>
+              <a:tabLst/>
+              <a:defRPr/>
+            </a:pPr>
+            <a:fld id="{615B8220-D6CE-4EBA-9DF4-44184996CC87}" type="datetimeFigureOut">
+              <a:rPr kumimoji="0" lang="en-IN" sz="1200" b="0" i="0" u="none" strike="noStrike" kern="1200" cap="none" spc="0" normalizeH="0" baseline="0" noProof="0" smtClean="0">
+                <a:ln>
+                  <a:noFill/>
+                </a:ln>
+                <a:solidFill>
+                  <a:prstClr val="black">
+                    <a:tint val="75000"/>
+                  </a:prstClr>
+                </a:solidFill>
+                <a:effectLst/>
+                <a:uLnTx/>
+                <a:uFillTx/>
+                <a:latin typeface="Calibri" panose="020F0502020204030204"/>
+                <a:ea typeface="+mn-ea"/>
+                <a:cs typeface="+mn-cs"/>
+              </a:rPr>
+              <a:pPr marL="0" marR="0" lvl="0" indent="0" algn="l" defTabSz="914400" rtl="0" eaLnBrk="1" fontAlgn="auto" latinLnBrk="0" hangingPunct="1">
+                <a:lnSpc>
+                  <a:spcPct val="100000"/>
+                </a:lnSpc>
+                <a:spcBef>
+                  <a:spcPts val="0"/>
+                </a:spcBef>
+                <a:spcAft>
+                  <a:spcPts val="0"/>
+                </a:spcAft>
+                <a:buClrTx/>
+                <a:buSzTx/>
+                <a:buFontTx/>
+                <a:buNone/>
+                <a:tabLst/>
+                <a:defRPr/>
+              </a:pPr>
+              <a:t>06-11-2015</a:t>
+            </a:fld>
+            <a:endParaRPr kumimoji="0" lang="en-IN" sz="1200" b="0" i="0" u="none" strike="noStrike" kern="1200" cap="none" spc="0" normalizeH="0" baseline="0" noProof="0">
+              <a:ln>
+                <a:noFill/>
+              </a:ln>
+              <a:solidFill>
+                <a:prstClr val="black">
+                  <a:tint val="75000"/>
+                </a:prstClr>
+              </a:solidFill>
+              <a:effectLst/>
+              <a:uLnTx/>
+              <a:uFillTx/>
+              <a:latin typeface="Calibri" panose="020F0502020204030204"/>
+              <a:ea typeface="+mn-ea"/>
+              <a:cs typeface="+mn-cs"/>
+            </a:endParaRPr>
+          </a:p>
+        </p:txBody>
+      </p:sp>
+      <p:sp>
+        <p:nvSpPr>
+          <p:cNvPr id="5" name="Footer Placeholder 4"/>
+          <p:cNvSpPr>
+            <a:spLocks noGrp="1"/>
+          </p:cNvSpPr>
+          <p:nvPr>
+            <p:ph type="ftr" sz="quarter" idx="11"/>
+          </p:nvPr>
+        </p:nvSpPr>
+        <p:spPr/>
+        <p:txBody>
+          <a:bodyPr/>
+          <a:lstStyle/>
+          <a:p>
+            <a:pPr marL="0" marR="0" lvl="0" indent="0" algn="ctr" defTabSz="914400" rtl="0" eaLnBrk="1" fontAlgn="auto" latinLnBrk="0" hangingPunct="1">
+              <a:lnSpc>
+                <a:spcPct val="100000"/>
+              </a:lnSpc>
+              <a:spcBef>
+                <a:spcPts val="0"/>
+              </a:spcBef>
+              <a:spcAft>
+                <a:spcPts val="0"/>
+              </a:spcAft>
+              <a:buClrTx/>
+              <a:buSzTx/>
+              <a:buFontTx/>
+              <a:buNone/>
+              <a:tabLst/>
+              <a:defRPr/>
+            </a:pPr>
+            <a:endParaRPr kumimoji="0" lang="en-IN" sz="1200" b="0" i="0" u="none" strike="noStrike" kern="1200" cap="none" spc="0" normalizeH="0" baseline="0" noProof="0">
+              <a:ln>
+                <a:noFill/>
+              </a:ln>
+              <a:solidFill>
+                <a:prstClr val="black">
+                  <a:tint val="75000"/>
+                </a:prstClr>
+              </a:solidFill>
+              <a:effectLst/>
+              <a:uLnTx/>
+              <a:uFillTx/>
+              <a:latin typeface="Calibri" panose="020F0502020204030204"/>
+              <a:ea typeface="+mn-ea"/>
+              <a:cs typeface="+mn-cs"/>
+            </a:endParaRPr>
+          </a:p>
+        </p:txBody>
+      </p:sp>
+      <p:sp>
+        <p:nvSpPr>
+          <p:cNvPr id="6" name="Slide Number Placeholder 5"/>
+          <p:cNvSpPr>
+            <a:spLocks noGrp="1"/>
+          </p:cNvSpPr>
+          <p:nvPr>
+            <p:ph type="sldNum" sz="quarter" idx="12"/>
+          </p:nvPr>
+        </p:nvSpPr>
+        <p:spPr/>
+        <p:txBody>
+          <a:bodyPr/>
+          <a:lstStyle/>
+          <a:p>
+            <a:pPr marL="0" marR="0" lvl="0" indent="0" algn="r" defTabSz="914400" rtl="0" eaLnBrk="1" fontAlgn="auto" latinLnBrk="0" hangingPunct="1">
+              <a:lnSpc>
+                <a:spcPct val="100000"/>
+              </a:lnSpc>
+              <a:spcBef>
+                <a:spcPts val="0"/>
+              </a:spcBef>
+              <a:spcAft>
+                <a:spcPts val="0"/>
+              </a:spcAft>
+              <a:buClrTx/>
+              <a:buSzTx/>
+              <a:buFontTx/>
+              <a:buNone/>
+              <a:tabLst/>
+              <a:defRPr/>
+            </a:pPr>
+            <a:fld id="{72C2F659-9614-4C11-ABEC-5C229DA454D6}" type="slidenum">
+              <a:rPr kumimoji="0" lang="en-IN" sz="1200" b="0" i="0" u="none" strike="noStrike" kern="1200" cap="none" spc="0" normalizeH="0" baseline="0" noProof="0" smtClean="0">
+                <a:ln>
+                  <a:noFill/>
+                </a:ln>
+                <a:solidFill>
+                  <a:prstClr val="black">
+                    <a:tint val="75000"/>
+                  </a:prstClr>
+                </a:solidFill>
+                <a:effectLst/>
+                <a:uLnTx/>
+                <a:uFillTx/>
+                <a:latin typeface="Calibri" panose="020F0502020204030204"/>
+                <a:ea typeface="+mn-ea"/>
+                <a:cs typeface="+mn-cs"/>
+              </a:rPr>
+              <a:pPr marL="0" marR="0" lvl="0" indent="0" algn="r" defTabSz="914400" rtl="0" eaLnBrk="1" fontAlgn="auto" latinLnBrk="0" hangingPunct="1">
+                <a:lnSpc>
+                  <a:spcPct val="100000"/>
+                </a:lnSpc>
+                <a:spcBef>
+                  <a:spcPts val="0"/>
+                </a:spcBef>
+                <a:spcAft>
+                  <a:spcPts val="0"/>
+                </a:spcAft>
+                <a:buClrTx/>
+                <a:buSzTx/>
+                <a:buFontTx/>
+                <a:buNone/>
+                <a:tabLst/>
+                <a:defRPr/>
+              </a:pPr>
+              <a:t>‹#›</a:t>
+            </a:fld>
+            <a:endParaRPr kumimoji="0" lang="en-IN" sz="1200" b="0" i="0" u="none" strike="noStrike" kern="1200" cap="none" spc="0" normalizeH="0" baseline="0" noProof="0">
+              <a:ln>
+                <a:noFill/>
+              </a:ln>
+              <a:solidFill>
+                <a:prstClr val="black">
+                  <a:tint val="75000"/>
+                </a:prstClr>
+              </a:solidFill>
+              <a:effectLst/>
+              <a:uLnTx/>
+              <a:uFillTx/>
+              <a:latin typeface="Calibri" panose="020F0502020204030204"/>
+              <a:ea typeface="+mn-ea"/>
+              <a:cs typeface="+mn-cs"/>
+            </a:endParaRPr>
+          </a:p>
+        </p:txBody>
+      </p:sp>
+    </p:spTree>
+    <p:extLst>
+      <p:ext uri="{BB962C8B-B14F-4D97-AF65-F5344CB8AC3E}">
+        <p14:creationId xmlns:p14="http://schemas.microsoft.com/office/powerpoint/2010/main" val="3349905707"/>
       </p:ext>
     </p:extLst>
   </p:cSld>
@@ -7614,7 +12224,7 @@
           <a:p>
             <a:fld id="{615B8220-D6CE-4EBA-9DF4-44184996CC87}" type="datetimeFigureOut">
               <a:rPr lang="en-IN" smtClean="0"/>
-              <a:t>02-11-2015</a:t>
+              <a:t>06-11-2015</a:t>
             </a:fld>
             <a:endParaRPr lang="en-IN"/>
           </a:p>
@@ -7846,7 +12456,7 @@
           <a:p>
             <a:fld id="{615B8220-D6CE-4EBA-9DF4-44184996CC87}" type="datetimeFigureOut">
               <a:rPr lang="en-IN" smtClean="0"/>
-              <a:t>02-11-2015</a:t>
+              <a:t>06-11-2015</a:t>
             </a:fld>
             <a:endParaRPr lang="en-IN"/>
           </a:p>
@@ -8213,7 +12823,7 @@
           <a:p>
             <a:fld id="{615B8220-D6CE-4EBA-9DF4-44184996CC87}" type="datetimeFigureOut">
               <a:rPr lang="en-IN" smtClean="0"/>
-              <a:t>02-11-2015</a:t>
+              <a:t>06-11-2015</a:t>
             </a:fld>
             <a:endParaRPr lang="en-IN"/>
           </a:p>
@@ -8331,7 +12941,7 @@
           <a:p>
             <a:fld id="{615B8220-D6CE-4EBA-9DF4-44184996CC87}" type="datetimeFigureOut">
               <a:rPr lang="en-IN" smtClean="0"/>
-              <a:t>02-11-2015</a:t>
+              <a:t>06-11-2015</a:t>
             </a:fld>
             <a:endParaRPr lang="en-IN"/>
           </a:p>
@@ -8426,7 +13036,7 @@
           <a:p>
             <a:fld id="{615B8220-D6CE-4EBA-9DF4-44184996CC87}" type="datetimeFigureOut">
               <a:rPr lang="en-IN" smtClean="0"/>
-              <a:t>02-11-2015</a:t>
+              <a:t>06-11-2015</a:t>
             </a:fld>
             <a:endParaRPr lang="en-IN"/>
           </a:p>
@@ -9063,7 +13673,7 @@
           <a:p>
             <a:fld id="{615B8220-D6CE-4EBA-9DF4-44184996CC87}" type="datetimeFigureOut">
               <a:rPr lang="en-IN" smtClean="0"/>
-              <a:t>02-11-2015</a:t>
+              <a:t>06-11-2015</a:t>
             </a:fld>
             <a:endParaRPr lang="en-IN"/>
           </a:p>
@@ -10052,6 +14662,784 @@
 </p:sldMaster>
 </file>
 
+<file path=ppt/slideMasters/slideMaster4.xml><?xml version="1.0" encoding="utf-8"?>
+<p:sldMaster xmlns:a="http://schemas.openxmlformats.org/drawingml/2006/main" xmlns:r="http://schemas.openxmlformats.org/officeDocument/2006/relationships" xmlns:p="http://schemas.openxmlformats.org/presentationml/2006/main" preserve="1">
+  <p:cSld>
+    <p:bg>
+      <p:bgRef idx="1001">
+        <a:schemeClr val="bg1"/>
+      </p:bgRef>
+    </p:bg>
+    <p:spTree>
+      <p:nvGrpSpPr>
+        <p:cNvPr id="1" name=""/>
+        <p:cNvGrpSpPr/>
+        <p:nvPr/>
+      </p:nvGrpSpPr>
+      <p:grpSpPr>
+        <a:xfrm>
+          <a:off x="0" y="0"/>
+          <a:ext cx="0" cy="0"/>
+          <a:chOff x="0" y="0"/>
+          <a:chExt cx="0" cy="0"/>
+        </a:xfrm>
+      </p:grpSpPr>
+      <p:sp>
+        <p:nvSpPr>
+          <p:cNvPr id="7" name="Rectangle 6"/>
+          <p:cNvSpPr/>
+          <p:nvPr userDrawn="1"/>
+        </p:nvSpPr>
+        <p:spPr>
+          <a:xfrm>
+            <a:off x="0" y="0"/>
+            <a:ext cx="12192000" cy="6858000"/>
+          </a:xfrm>
+          <a:prstGeom prst="rect">
+            <a:avLst/>
+          </a:prstGeom>
+          <a:solidFill>
+            <a:schemeClr val="bg1">
+              <a:lumMod val="95000"/>
+            </a:schemeClr>
+          </a:solidFill>
+          <a:ln>
+            <a:noFill/>
+          </a:ln>
+        </p:spPr>
+        <p:style>
+          <a:lnRef idx="2">
+            <a:schemeClr val="accent1">
+              <a:shade val="50000"/>
+            </a:schemeClr>
+          </a:lnRef>
+          <a:fillRef idx="1">
+            <a:schemeClr val="accent1"/>
+          </a:fillRef>
+          <a:effectRef idx="0">
+            <a:schemeClr val="accent1"/>
+          </a:effectRef>
+          <a:fontRef idx="minor">
+            <a:schemeClr val="lt1"/>
+          </a:fontRef>
+        </p:style>
+        <p:txBody>
+          <a:bodyPr rtlCol="0" anchor="ctr"/>
+          <a:lstStyle/>
+          <a:p>
+            <a:pPr marL="0" marR="0" lvl="0" indent="0" algn="ctr" defTabSz="914400" rtl="0" eaLnBrk="1" fontAlgn="auto" latinLnBrk="0" hangingPunct="1">
+              <a:lnSpc>
+                <a:spcPct val="100000"/>
+              </a:lnSpc>
+              <a:spcBef>
+                <a:spcPts val="0"/>
+              </a:spcBef>
+              <a:spcAft>
+                <a:spcPts val="0"/>
+              </a:spcAft>
+              <a:buClrTx/>
+              <a:buSzTx/>
+              <a:buFontTx/>
+              <a:buNone/>
+              <a:tabLst/>
+              <a:defRPr/>
+            </a:pPr>
+            <a:endParaRPr kumimoji="0" lang="en-IN" sz="1800" b="0" i="0" u="none" strike="noStrike" kern="1200" cap="none" spc="0" normalizeH="0" baseline="0" noProof="0">
+              <a:ln>
+                <a:noFill/>
+              </a:ln>
+              <a:solidFill>
+                <a:prstClr val="white"/>
+              </a:solidFill>
+              <a:effectLst/>
+              <a:uLnTx/>
+              <a:uFillTx/>
+              <a:latin typeface="Calibri" panose="020F0502020204030204"/>
+              <a:ea typeface="+mn-ea"/>
+              <a:cs typeface="+mn-cs"/>
+            </a:endParaRPr>
+          </a:p>
+        </p:txBody>
+      </p:sp>
+      <p:sp>
+        <p:nvSpPr>
+          <p:cNvPr id="2" name="Title Placeholder 1"/>
+          <p:cNvSpPr>
+            <a:spLocks noGrp="1"/>
+          </p:cNvSpPr>
+          <p:nvPr>
+            <p:ph type="title"/>
+          </p:nvPr>
+        </p:nvSpPr>
+        <p:spPr>
+          <a:xfrm>
+            <a:off x="838200" y="365125"/>
+            <a:ext cx="10515600" cy="1325563"/>
+          </a:xfrm>
+          <a:prstGeom prst="rect">
+            <a:avLst/>
+          </a:prstGeom>
+        </p:spPr>
+        <p:txBody>
+          <a:bodyPr vert="horz" lIns="91440" tIns="45720" rIns="91440" bIns="45720" rtlCol="0" anchor="ctr">
+            <a:normAutofit/>
+          </a:bodyPr>
+          <a:lstStyle/>
+          <a:p>
+            <a:r>
+              <a:rPr lang="en-US" smtClean="0"/>
+              <a:t>Click to edit Master title style</a:t>
+            </a:r>
+            <a:endParaRPr lang="en-IN"/>
+          </a:p>
+        </p:txBody>
+      </p:sp>
+      <p:sp>
+        <p:nvSpPr>
+          <p:cNvPr id="3" name="Text Placeholder 2"/>
+          <p:cNvSpPr>
+            <a:spLocks noGrp="1"/>
+          </p:cNvSpPr>
+          <p:nvPr>
+            <p:ph type="body" idx="1"/>
+          </p:nvPr>
+        </p:nvSpPr>
+        <p:spPr>
+          <a:xfrm>
+            <a:off x="838200" y="1825625"/>
+            <a:ext cx="10515600" cy="4351338"/>
+          </a:xfrm>
+          <a:prstGeom prst="rect">
+            <a:avLst/>
+          </a:prstGeom>
+        </p:spPr>
+        <p:txBody>
+          <a:bodyPr vert="horz" lIns="91440" tIns="45720" rIns="91440" bIns="45720" rtlCol="0">
+            <a:normAutofit/>
+          </a:bodyPr>
+          <a:lstStyle/>
+          <a:p>
+            <a:pPr lvl="0"/>
+            <a:r>
+              <a:rPr lang="en-US" smtClean="0"/>
+              <a:t>Click to edit Master text styles</a:t>
+            </a:r>
+          </a:p>
+          <a:p>
+            <a:pPr lvl="1"/>
+            <a:r>
+              <a:rPr lang="en-US" smtClean="0"/>
+              <a:t>Second level</a:t>
+            </a:r>
+          </a:p>
+          <a:p>
+            <a:pPr lvl="2"/>
+            <a:r>
+              <a:rPr lang="en-US" smtClean="0"/>
+              <a:t>Third level</a:t>
+            </a:r>
+          </a:p>
+          <a:p>
+            <a:pPr lvl="3"/>
+            <a:r>
+              <a:rPr lang="en-US" smtClean="0"/>
+              <a:t>Fourth level</a:t>
+            </a:r>
+          </a:p>
+          <a:p>
+            <a:pPr lvl="4"/>
+            <a:r>
+              <a:rPr lang="en-US" smtClean="0"/>
+              <a:t>Fifth level</a:t>
+            </a:r>
+            <a:endParaRPr lang="en-IN"/>
+          </a:p>
+        </p:txBody>
+      </p:sp>
+      <p:sp>
+        <p:nvSpPr>
+          <p:cNvPr id="4" name="Date Placeholder 3"/>
+          <p:cNvSpPr>
+            <a:spLocks noGrp="1"/>
+          </p:cNvSpPr>
+          <p:nvPr>
+            <p:ph type="dt" sz="half" idx="2"/>
+          </p:nvPr>
+        </p:nvSpPr>
+        <p:spPr>
+          <a:xfrm>
+            <a:off x="838200" y="6356350"/>
+            <a:ext cx="2743200" cy="365125"/>
+          </a:xfrm>
+          <a:prstGeom prst="rect">
+            <a:avLst/>
+          </a:prstGeom>
+        </p:spPr>
+        <p:txBody>
+          <a:bodyPr vert="horz" lIns="91440" tIns="45720" rIns="91440" bIns="45720" rtlCol="0" anchor="ctr"/>
+          <a:lstStyle>
+            <a:lvl1pPr algn="l">
+              <a:defRPr sz="1200">
+                <a:solidFill>
+                  <a:schemeClr val="tx1">
+                    <a:tint val="75000"/>
+                  </a:schemeClr>
+                </a:solidFill>
+              </a:defRPr>
+            </a:lvl1pPr>
+          </a:lstStyle>
+          <a:p>
+            <a:pPr marL="0" marR="0" lvl="0" indent="0" algn="l" defTabSz="914400" rtl="0" eaLnBrk="1" fontAlgn="auto" latinLnBrk="0" hangingPunct="1">
+              <a:lnSpc>
+                <a:spcPct val="100000"/>
+              </a:lnSpc>
+              <a:spcBef>
+                <a:spcPts val="0"/>
+              </a:spcBef>
+              <a:spcAft>
+                <a:spcPts val="0"/>
+              </a:spcAft>
+              <a:buClrTx/>
+              <a:buSzTx/>
+              <a:buFontTx/>
+              <a:buNone/>
+              <a:tabLst/>
+              <a:defRPr/>
+            </a:pPr>
+            <a:fld id="{615B8220-D6CE-4EBA-9DF4-44184996CC87}" type="datetimeFigureOut">
+              <a:rPr kumimoji="0" lang="en-IN" sz="1200" b="0" i="0" u="none" strike="noStrike" kern="1200" cap="none" spc="0" normalizeH="0" baseline="0" noProof="0" smtClean="0">
+                <a:ln>
+                  <a:noFill/>
+                </a:ln>
+                <a:solidFill>
+                  <a:prstClr val="black">
+                    <a:tint val="75000"/>
+                  </a:prstClr>
+                </a:solidFill>
+                <a:effectLst/>
+                <a:uLnTx/>
+                <a:uFillTx/>
+                <a:latin typeface="Calibri" panose="020F0502020204030204"/>
+                <a:ea typeface="+mn-ea"/>
+                <a:cs typeface="+mn-cs"/>
+              </a:rPr>
+              <a:pPr marL="0" marR="0" lvl="0" indent="0" algn="l" defTabSz="914400" rtl="0" eaLnBrk="1" fontAlgn="auto" latinLnBrk="0" hangingPunct="1">
+                <a:lnSpc>
+                  <a:spcPct val="100000"/>
+                </a:lnSpc>
+                <a:spcBef>
+                  <a:spcPts val="0"/>
+                </a:spcBef>
+                <a:spcAft>
+                  <a:spcPts val="0"/>
+                </a:spcAft>
+                <a:buClrTx/>
+                <a:buSzTx/>
+                <a:buFontTx/>
+                <a:buNone/>
+                <a:tabLst/>
+                <a:defRPr/>
+              </a:pPr>
+              <a:t>06-11-2015</a:t>
+            </a:fld>
+            <a:endParaRPr kumimoji="0" lang="en-IN" sz="1200" b="0" i="0" u="none" strike="noStrike" kern="1200" cap="none" spc="0" normalizeH="0" baseline="0" noProof="0">
+              <a:ln>
+                <a:noFill/>
+              </a:ln>
+              <a:solidFill>
+                <a:prstClr val="black">
+                  <a:tint val="75000"/>
+                </a:prstClr>
+              </a:solidFill>
+              <a:effectLst/>
+              <a:uLnTx/>
+              <a:uFillTx/>
+              <a:latin typeface="Calibri" panose="020F0502020204030204"/>
+              <a:ea typeface="+mn-ea"/>
+              <a:cs typeface="+mn-cs"/>
+            </a:endParaRPr>
+          </a:p>
+        </p:txBody>
+      </p:sp>
+      <p:sp>
+        <p:nvSpPr>
+          <p:cNvPr id="5" name="Footer Placeholder 4"/>
+          <p:cNvSpPr>
+            <a:spLocks noGrp="1"/>
+          </p:cNvSpPr>
+          <p:nvPr>
+            <p:ph type="ftr" sz="quarter" idx="3"/>
+          </p:nvPr>
+        </p:nvSpPr>
+        <p:spPr>
+          <a:xfrm>
+            <a:off x="4038600" y="6356350"/>
+            <a:ext cx="4114800" cy="365125"/>
+          </a:xfrm>
+          <a:prstGeom prst="rect">
+            <a:avLst/>
+          </a:prstGeom>
+        </p:spPr>
+        <p:txBody>
+          <a:bodyPr vert="horz" lIns="91440" tIns="45720" rIns="91440" bIns="45720" rtlCol="0" anchor="ctr"/>
+          <a:lstStyle>
+            <a:lvl1pPr algn="ctr">
+              <a:defRPr sz="1200">
+                <a:solidFill>
+                  <a:schemeClr val="tx1">
+                    <a:tint val="75000"/>
+                  </a:schemeClr>
+                </a:solidFill>
+              </a:defRPr>
+            </a:lvl1pPr>
+          </a:lstStyle>
+          <a:p>
+            <a:pPr marL="0" marR="0" lvl="0" indent="0" algn="ctr" defTabSz="914400" rtl="0" eaLnBrk="1" fontAlgn="auto" latinLnBrk="0" hangingPunct="1">
+              <a:lnSpc>
+                <a:spcPct val="100000"/>
+              </a:lnSpc>
+              <a:spcBef>
+                <a:spcPts val="0"/>
+              </a:spcBef>
+              <a:spcAft>
+                <a:spcPts val="0"/>
+              </a:spcAft>
+              <a:buClrTx/>
+              <a:buSzTx/>
+              <a:buFontTx/>
+              <a:buNone/>
+              <a:tabLst/>
+              <a:defRPr/>
+            </a:pPr>
+            <a:endParaRPr kumimoji="0" lang="en-IN" sz="1200" b="0" i="0" u="none" strike="noStrike" kern="1200" cap="none" spc="0" normalizeH="0" baseline="0" noProof="0">
+              <a:ln>
+                <a:noFill/>
+              </a:ln>
+              <a:solidFill>
+                <a:prstClr val="black">
+                  <a:tint val="75000"/>
+                </a:prstClr>
+              </a:solidFill>
+              <a:effectLst/>
+              <a:uLnTx/>
+              <a:uFillTx/>
+              <a:latin typeface="Calibri" panose="020F0502020204030204"/>
+              <a:ea typeface="+mn-ea"/>
+              <a:cs typeface="+mn-cs"/>
+            </a:endParaRPr>
+          </a:p>
+        </p:txBody>
+      </p:sp>
+      <p:sp>
+        <p:nvSpPr>
+          <p:cNvPr id="6" name="Slide Number Placeholder 5"/>
+          <p:cNvSpPr>
+            <a:spLocks noGrp="1"/>
+          </p:cNvSpPr>
+          <p:nvPr>
+            <p:ph type="sldNum" sz="quarter" idx="4"/>
+          </p:nvPr>
+        </p:nvSpPr>
+        <p:spPr>
+          <a:xfrm>
+            <a:off x="8610600" y="6356350"/>
+            <a:ext cx="2743200" cy="365125"/>
+          </a:xfrm>
+          <a:prstGeom prst="rect">
+            <a:avLst/>
+          </a:prstGeom>
+        </p:spPr>
+        <p:txBody>
+          <a:bodyPr vert="horz" lIns="91440" tIns="45720" rIns="91440" bIns="45720" rtlCol="0" anchor="ctr"/>
+          <a:lstStyle>
+            <a:lvl1pPr algn="r">
+              <a:defRPr sz="1200">
+                <a:solidFill>
+                  <a:schemeClr val="tx1">
+                    <a:tint val="75000"/>
+                  </a:schemeClr>
+                </a:solidFill>
+              </a:defRPr>
+            </a:lvl1pPr>
+          </a:lstStyle>
+          <a:p>
+            <a:pPr marL="0" marR="0" lvl="0" indent="0" algn="r" defTabSz="914400" rtl="0" eaLnBrk="1" fontAlgn="auto" latinLnBrk="0" hangingPunct="1">
+              <a:lnSpc>
+                <a:spcPct val="100000"/>
+              </a:lnSpc>
+              <a:spcBef>
+                <a:spcPts val="0"/>
+              </a:spcBef>
+              <a:spcAft>
+                <a:spcPts val="0"/>
+              </a:spcAft>
+              <a:buClrTx/>
+              <a:buSzTx/>
+              <a:buFontTx/>
+              <a:buNone/>
+              <a:tabLst/>
+              <a:defRPr/>
+            </a:pPr>
+            <a:fld id="{72C2F659-9614-4C11-ABEC-5C229DA454D6}" type="slidenum">
+              <a:rPr kumimoji="0" lang="en-IN" sz="1200" b="0" i="0" u="none" strike="noStrike" kern="1200" cap="none" spc="0" normalizeH="0" baseline="0" noProof="0" smtClean="0">
+                <a:ln>
+                  <a:noFill/>
+                </a:ln>
+                <a:solidFill>
+                  <a:prstClr val="black">
+                    <a:tint val="75000"/>
+                  </a:prstClr>
+                </a:solidFill>
+                <a:effectLst/>
+                <a:uLnTx/>
+                <a:uFillTx/>
+                <a:latin typeface="Calibri" panose="020F0502020204030204"/>
+                <a:ea typeface="+mn-ea"/>
+                <a:cs typeface="+mn-cs"/>
+              </a:rPr>
+              <a:pPr marL="0" marR="0" lvl="0" indent="0" algn="r" defTabSz="914400" rtl="0" eaLnBrk="1" fontAlgn="auto" latinLnBrk="0" hangingPunct="1">
+                <a:lnSpc>
+                  <a:spcPct val="100000"/>
+                </a:lnSpc>
+                <a:spcBef>
+                  <a:spcPts val="0"/>
+                </a:spcBef>
+                <a:spcAft>
+                  <a:spcPts val="0"/>
+                </a:spcAft>
+                <a:buClrTx/>
+                <a:buSzTx/>
+                <a:buFontTx/>
+                <a:buNone/>
+                <a:tabLst/>
+                <a:defRPr/>
+              </a:pPr>
+              <a:t>‹#›</a:t>
+            </a:fld>
+            <a:endParaRPr kumimoji="0" lang="en-IN" sz="1200" b="0" i="0" u="none" strike="noStrike" kern="1200" cap="none" spc="0" normalizeH="0" baseline="0" noProof="0">
+              <a:ln>
+                <a:noFill/>
+              </a:ln>
+              <a:solidFill>
+                <a:prstClr val="black">
+                  <a:tint val="75000"/>
+                </a:prstClr>
+              </a:solidFill>
+              <a:effectLst/>
+              <a:uLnTx/>
+              <a:uFillTx/>
+              <a:latin typeface="Calibri" panose="020F0502020204030204"/>
+              <a:ea typeface="+mn-ea"/>
+              <a:cs typeface="+mn-cs"/>
+            </a:endParaRPr>
+          </a:p>
+        </p:txBody>
+      </p:sp>
+    </p:spTree>
+    <p:extLst>
+      <p:ext uri="{BB962C8B-B14F-4D97-AF65-F5344CB8AC3E}">
+        <p14:creationId xmlns:p14="http://schemas.microsoft.com/office/powerpoint/2010/main" val="476802002"/>
+      </p:ext>
+    </p:extLst>
+  </p:cSld>
+  <p:clrMap bg1="lt1" tx1="dk1" bg2="lt2" tx2="dk2" accent1="accent1" accent2="accent2" accent3="accent3" accent4="accent4" accent5="accent5" accent6="accent6" hlink="hlink" folHlink="folHlink"/>
+  <p:sldLayoutIdLst>
+    <p:sldLayoutId id="2147483683" r:id="rId1"/>
+    <p:sldLayoutId id="2147483684" r:id="rId2"/>
+    <p:sldLayoutId id="2147483685" r:id="rId3"/>
+    <p:sldLayoutId id="2147483686" r:id="rId4"/>
+    <p:sldLayoutId id="2147483687" r:id="rId5"/>
+    <p:sldLayoutId id="2147483688" r:id="rId6"/>
+    <p:sldLayoutId id="2147483689" r:id="rId7"/>
+    <p:sldLayoutId id="2147483690" r:id="rId8"/>
+    <p:sldLayoutId id="2147483691" r:id="rId9"/>
+    <p:sldLayoutId id="2147483692" r:id="rId10"/>
+    <p:sldLayoutId id="2147483693" r:id="rId11"/>
+    <p:sldLayoutId id="2147483694" r:id="rId12"/>
+  </p:sldLayoutIdLst>
+  <p:txStyles>
+    <p:titleStyle>
+      <a:lvl1pPr algn="l" defTabSz="914400" rtl="0" eaLnBrk="1" latinLnBrk="0" hangingPunct="1">
+        <a:lnSpc>
+          <a:spcPct val="90000"/>
+        </a:lnSpc>
+        <a:spcBef>
+          <a:spcPct val="0"/>
+        </a:spcBef>
+        <a:buNone/>
+        <a:defRPr sz="4400" kern="1200">
+          <a:solidFill>
+            <a:schemeClr val="tx1"/>
+          </a:solidFill>
+          <a:latin typeface="+mj-lt"/>
+          <a:ea typeface="+mj-ea"/>
+          <a:cs typeface="+mj-cs"/>
+        </a:defRPr>
+      </a:lvl1pPr>
+    </p:titleStyle>
+    <p:bodyStyle>
+      <a:lvl1pPr marL="228600" indent="-228600" algn="l" defTabSz="914400" rtl="0" eaLnBrk="1" latinLnBrk="0" hangingPunct="1">
+        <a:lnSpc>
+          <a:spcPct val="90000"/>
+        </a:lnSpc>
+        <a:spcBef>
+          <a:spcPts val="1000"/>
+        </a:spcBef>
+        <a:buFont typeface="Arial" panose="020B0604020202020204" pitchFamily="34" charset="0"/>
+        <a:buChar char="•"/>
+        <a:defRPr sz="2800" kern="1200">
+          <a:solidFill>
+            <a:schemeClr val="tx1"/>
+          </a:solidFill>
+          <a:latin typeface="+mn-lt"/>
+          <a:ea typeface="+mn-ea"/>
+          <a:cs typeface="+mn-cs"/>
+        </a:defRPr>
+      </a:lvl1pPr>
+      <a:lvl2pPr marL="685800" indent="-228600" algn="l" defTabSz="914400" rtl="0" eaLnBrk="1" latinLnBrk="0" hangingPunct="1">
+        <a:lnSpc>
+          <a:spcPct val="90000"/>
+        </a:lnSpc>
+        <a:spcBef>
+          <a:spcPts val="500"/>
+        </a:spcBef>
+        <a:buFont typeface="Arial" panose="020B0604020202020204" pitchFamily="34" charset="0"/>
+        <a:buChar char="•"/>
+        <a:defRPr sz="2400" kern="1200">
+          <a:solidFill>
+            <a:schemeClr val="tx1"/>
+          </a:solidFill>
+          <a:latin typeface="+mn-lt"/>
+          <a:ea typeface="+mn-ea"/>
+          <a:cs typeface="+mn-cs"/>
+        </a:defRPr>
+      </a:lvl2pPr>
+      <a:lvl3pPr marL="1143000" indent="-228600" algn="l" defTabSz="914400" rtl="0" eaLnBrk="1" latinLnBrk="0" hangingPunct="1">
+        <a:lnSpc>
+          <a:spcPct val="90000"/>
+        </a:lnSpc>
+        <a:spcBef>
+          <a:spcPts val="500"/>
+        </a:spcBef>
+        <a:buFont typeface="Arial" panose="020B0604020202020204" pitchFamily="34" charset="0"/>
+        <a:buChar char="•"/>
+        <a:defRPr sz="2000" kern="1200">
+          <a:solidFill>
+            <a:schemeClr val="tx1"/>
+          </a:solidFill>
+          <a:latin typeface="+mn-lt"/>
+          <a:ea typeface="+mn-ea"/>
+          <a:cs typeface="+mn-cs"/>
+        </a:defRPr>
+      </a:lvl3pPr>
+      <a:lvl4pPr marL="1600200" indent="-228600" algn="l" defTabSz="914400" rtl="0" eaLnBrk="1" latinLnBrk="0" hangingPunct="1">
+        <a:lnSpc>
+          <a:spcPct val="90000"/>
+        </a:lnSpc>
+        <a:spcBef>
+          <a:spcPts val="500"/>
+        </a:spcBef>
+        <a:buFont typeface="Arial" panose="020B0604020202020204" pitchFamily="34" charset="0"/>
+        <a:buChar char="•"/>
+        <a:defRPr sz="1800" kern="1200">
+          <a:solidFill>
+            <a:schemeClr val="tx1"/>
+          </a:solidFill>
+          <a:latin typeface="+mn-lt"/>
+          <a:ea typeface="+mn-ea"/>
+          <a:cs typeface="+mn-cs"/>
+        </a:defRPr>
+      </a:lvl4pPr>
+      <a:lvl5pPr marL="2057400" indent="-228600" algn="l" defTabSz="914400" rtl="0" eaLnBrk="1" latinLnBrk="0" hangingPunct="1">
+        <a:lnSpc>
+          <a:spcPct val="90000"/>
+        </a:lnSpc>
+        <a:spcBef>
+          <a:spcPts val="500"/>
+        </a:spcBef>
+        <a:buFont typeface="Arial" panose="020B0604020202020204" pitchFamily="34" charset="0"/>
+        <a:buChar char="•"/>
+        <a:defRPr sz="1800" kern="1200">
+          <a:solidFill>
+            <a:schemeClr val="tx1"/>
+          </a:solidFill>
+          <a:latin typeface="+mn-lt"/>
+          <a:ea typeface="+mn-ea"/>
+          <a:cs typeface="+mn-cs"/>
+        </a:defRPr>
+      </a:lvl5pPr>
+      <a:lvl6pPr marL="2514600" indent="-228600" algn="l" defTabSz="914400" rtl="0" eaLnBrk="1" latinLnBrk="0" hangingPunct="1">
+        <a:lnSpc>
+          <a:spcPct val="90000"/>
+        </a:lnSpc>
+        <a:spcBef>
+          <a:spcPts val="500"/>
+        </a:spcBef>
+        <a:buFont typeface="Arial" panose="020B0604020202020204" pitchFamily="34" charset="0"/>
+        <a:buChar char="•"/>
+        <a:defRPr sz="1800" kern="1200">
+          <a:solidFill>
+            <a:schemeClr val="tx1"/>
+          </a:solidFill>
+          <a:latin typeface="+mn-lt"/>
+          <a:ea typeface="+mn-ea"/>
+          <a:cs typeface="+mn-cs"/>
+        </a:defRPr>
+      </a:lvl6pPr>
+      <a:lvl7pPr marL="2971800" indent="-228600" algn="l" defTabSz="914400" rtl="0" eaLnBrk="1" latinLnBrk="0" hangingPunct="1">
+        <a:lnSpc>
+          <a:spcPct val="90000"/>
+        </a:lnSpc>
+        <a:spcBef>
+          <a:spcPts val="500"/>
+        </a:spcBef>
+        <a:buFont typeface="Arial" panose="020B0604020202020204" pitchFamily="34" charset="0"/>
+        <a:buChar char="•"/>
+        <a:defRPr sz="1800" kern="1200">
+          <a:solidFill>
+            <a:schemeClr val="tx1"/>
+          </a:solidFill>
+          <a:latin typeface="+mn-lt"/>
+          <a:ea typeface="+mn-ea"/>
+          <a:cs typeface="+mn-cs"/>
+        </a:defRPr>
+      </a:lvl7pPr>
+      <a:lvl8pPr marL="3429000" indent="-228600" algn="l" defTabSz="914400" rtl="0" eaLnBrk="1" latinLnBrk="0" hangingPunct="1">
+        <a:lnSpc>
+          <a:spcPct val="90000"/>
+        </a:lnSpc>
+        <a:spcBef>
+          <a:spcPts val="500"/>
+        </a:spcBef>
+        <a:buFont typeface="Arial" panose="020B0604020202020204" pitchFamily="34" charset="0"/>
+        <a:buChar char="•"/>
+        <a:defRPr sz="1800" kern="1200">
+          <a:solidFill>
+            <a:schemeClr val="tx1"/>
+          </a:solidFill>
+          <a:latin typeface="+mn-lt"/>
+          <a:ea typeface="+mn-ea"/>
+          <a:cs typeface="+mn-cs"/>
+        </a:defRPr>
+      </a:lvl8pPr>
+      <a:lvl9pPr marL="3886200" indent="-228600" algn="l" defTabSz="914400" rtl="0" eaLnBrk="1" latinLnBrk="0" hangingPunct="1">
+        <a:lnSpc>
+          <a:spcPct val="90000"/>
+        </a:lnSpc>
+        <a:spcBef>
+          <a:spcPts val="500"/>
+        </a:spcBef>
+        <a:buFont typeface="Arial" panose="020B0604020202020204" pitchFamily="34" charset="0"/>
+        <a:buChar char="•"/>
+        <a:defRPr sz="1800" kern="1200">
+          <a:solidFill>
+            <a:schemeClr val="tx1"/>
+          </a:solidFill>
+          <a:latin typeface="+mn-lt"/>
+          <a:ea typeface="+mn-ea"/>
+          <a:cs typeface="+mn-cs"/>
+        </a:defRPr>
+      </a:lvl9pPr>
+    </p:bodyStyle>
+    <p:otherStyle>
+      <a:defPPr>
+        <a:defRPr lang="en-US"/>
+      </a:defPPr>
+      <a:lvl1pPr marL="0" algn="l" defTabSz="914400" rtl="0" eaLnBrk="1" latinLnBrk="0" hangingPunct="1">
+        <a:defRPr sz="1800" kern="1200">
+          <a:solidFill>
+            <a:schemeClr val="tx1"/>
+          </a:solidFill>
+          <a:latin typeface="+mn-lt"/>
+          <a:ea typeface="+mn-ea"/>
+          <a:cs typeface="+mn-cs"/>
+        </a:defRPr>
+      </a:lvl1pPr>
+      <a:lvl2pPr marL="457200" algn="l" defTabSz="914400" rtl="0" eaLnBrk="1" latinLnBrk="0" hangingPunct="1">
+        <a:defRPr sz="1800" kern="1200">
+          <a:solidFill>
+            <a:schemeClr val="tx1"/>
+          </a:solidFill>
+          <a:latin typeface="+mn-lt"/>
+          <a:ea typeface="+mn-ea"/>
+          <a:cs typeface="+mn-cs"/>
+        </a:defRPr>
+      </a:lvl2pPr>
+      <a:lvl3pPr marL="914400" algn="l" defTabSz="914400" rtl="0" eaLnBrk="1" latinLnBrk="0" hangingPunct="1">
+        <a:defRPr sz="1800" kern="1200">
+          <a:solidFill>
+            <a:schemeClr val="tx1"/>
+          </a:solidFill>
+          <a:latin typeface="+mn-lt"/>
+          <a:ea typeface="+mn-ea"/>
+          <a:cs typeface="+mn-cs"/>
+        </a:defRPr>
+      </a:lvl3pPr>
+      <a:lvl4pPr marL="1371600" algn="l" defTabSz="914400" rtl="0" eaLnBrk="1" latinLnBrk="0" hangingPunct="1">
+        <a:defRPr sz="1800" kern="1200">
+          <a:solidFill>
+            <a:schemeClr val="tx1"/>
+          </a:solidFill>
+          <a:latin typeface="+mn-lt"/>
+          <a:ea typeface="+mn-ea"/>
+          <a:cs typeface="+mn-cs"/>
+        </a:defRPr>
+      </a:lvl4pPr>
+      <a:lvl5pPr marL="1828800" algn="l" defTabSz="914400" rtl="0" eaLnBrk="1" latinLnBrk="0" hangingPunct="1">
+        <a:defRPr sz="1800" kern="1200">
+          <a:solidFill>
+            <a:schemeClr val="tx1"/>
+          </a:solidFill>
+          <a:latin typeface="+mn-lt"/>
+          <a:ea typeface="+mn-ea"/>
+          <a:cs typeface="+mn-cs"/>
+        </a:defRPr>
+      </a:lvl5pPr>
+      <a:lvl6pPr marL="2286000" algn="l" defTabSz="914400" rtl="0" eaLnBrk="1" latinLnBrk="0" hangingPunct="1">
+        <a:defRPr sz="1800" kern="1200">
+          <a:solidFill>
+            <a:schemeClr val="tx1"/>
+          </a:solidFill>
+          <a:latin typeface="+mn-lt"/>
+          <a:ea typeface="+mn-ea"/>
+          <a:cs typeface="+mn-cs"/>
+        </a:defRPr>
+      </a:lvl6pPr>
+      <a:lvl7pPr marL="2743200" algn="l" defTabSz="914400" rtl="0" eaLnBrk="1" latinLnBrk="0" hangingPunct="1">
+        <a:defRPr sz="1800" kern="1200">
+          <a:solidFill>
+            <a:schemeClr val="tx1"/>
+          </a:solidFill>
+          <a:latin typeface="+mn-lt"/>
+          <a:ea typeface="+mn-ea"/>
+          <a:cs typeface="+mn-cs"/>
+        </a:defRPr>
+      </a:lvl7pPr>
+      <a:lvl8pPr marL="3200400" algn="l" defTabSz="914400" rtl="0" eaLnBrk="1" latinLnBrk="0" hangingPunct="1">
+        <a:defRPr sz="1800" kern="1200">
+          <a:solidFill>
+            <a:schemeClr val="tx1"/>
+          </a:solidFill>
+          <a:latin typeface="+mn-lt"/>
+          <a:ea typeface="+mn-ea"/>
+          <a:cs typeface="+mn-cs"/>
+        </a:defRPr>
+      </a:lvl8pPr>
+      <a:lvl9pPr marL="3657600" algn="l" defTabSz="914400" rtl="0" eaLnBrk="1" latinLnBrk="0" hangingPunct="1">
+        <a:defRPr sz="1800" kern="1200">
+          <a:solidFill>
+            <a:schemeClr val="tx1"/>
+          </a:solidFill>
+          <a:latin typeface="+mn-lt"/>
+          <a:ea typeface="+mn-ea"/>
+          <a:cs typeface="+mn-cs"/>
+        </a:defRPr>
+      </a:lvl9pPr>
+    </p:otherStyle>
+  </p:txStyles>
+</p:sldMaster>
+</file>
+
 <file path=ppt/slides/slide1.xml><?xml version="1.0" encoding="utf-8"?>
 <p:sld xmlns:a="http://schemas.openxmlformats.org/drawingml/2006/main" xmlns:r="http://schemas.openxmlformats.org/officeDocument/2006/relationships" xmlns:p="http://schemas.openxmlformats.org/presentationml/2006/main">
   <p:cSld>
@@ -10447,16 +15835,7 @@
                   </a:solidFill>
                   <a:latin typeface="Segoe UI Light"/>
                 </a:rPr>
-                <a:t>Sr. Tech Evangelist (</a:t>
-              </a:r>
-              <a:r>
-                <a:rPr lang="en-US" sz="2000" b="1" dirty="0" smtClean="0">
-                  <a:solidFill>
-                    <a:schemeClr val="bg1"/>
-                  </a:solidFill>
-                  <a:latin typeface="Segoe UI Light"/>
-                </a:rPr>
-                <a:t>OSS)</a:t>
+                <a:t>Sr. Tech Evangelist (OSS)</a:t>
               </a:r>
               <a:endParaRPr lang="en-US" sz="2000" dirty="0" smtClean="0">
                 <a:solidFill>
@@ -10478,11 +15857,11 @@
   <p:clrMapOvr>
     <a:masterClrMapping/>
   </p:clrMapOvr>
-  <mc:AlternateContent xmlns:mc="http://schemas.openxmlformats.org/markup-compatibility/2006">
-    <mc:Choice xmlns:p14="http://schemas.microsoft.com/office/powerpoint/2010/main" Requires="p14">
+  <mc:AlternateContent xmlns:mc="http://schemas.openxmlformats.org/markup-compatibility/2006" xmlns:p14="http://schemas.microsoft.com/office/powerpoint/2010/main">
+    <mc:Choice Requires="p14">
       <p:transition spd="slow" p14:dur="2000" advTm="1408"/>
     </mc:Choice>
-    <mc:Fallback>
+    <mc:Fallback xmlns="">
       <p:transition spd="slow" advTm="1408"/>
     </mc:Fallback>
   </mc:AlternateContent>
@@ -11089,11 +16468,11 @@
   <p:clrMapOvr>
     <a:masterClrMapping/>
   </p:clrMapOvr>
-  <mc:AlternateContent xmlns:mc="http://schemas.openxmlformats.org/markup-compatibility/2006">
-    <mc:Choice xmlns:p14="http://schemas.microsoft.com/office/powerpoint/2010/main" Requires="p14">
+  <mc:AlternateContent xmlns:mc="http://schemas.openxmlformats.org/markup-compatibility/2006" xmlns:p14="http://schemas.microsoft.com/office/powerpoint/2010/main">
+    <mc:Choice Requires="p14">
       <p:transition spd="slow" p14:dur="2000" advTm="42591"/>
     </mc:Choice>
-    <mc:Fallback>
+    <mc:Fallback xmlns="">
       <p:transition spd="slow" advTm="42591"/>
     </mc:Fallback>
   </mc:AlternateContent>
@@ -11763,11 +17142,11 @@
   <p:clrMapOvr>
     <a:masterClrMapping/>
   </p:clrMapOvr>
-  <mc:AlternateContent xmlns:mc="http://schemas.openxmlformats.org/markup-compatibility/2006">
-    <mc:Choice xmlns:p14="http://schemas.microsoft.com/office/powerpoint/2010/main" Requires="p14">
+  <mc:AlternateContent xmlns:mc="http://schemas.openxmlformats.org/markup-compatibility/2006" xmlns:p14="http://schemas.microsoft.com/office/powerpoint/2010/main">
+    <mc:Choice Requires="p14">
       <p:transition spd="slow" p14:dur="2000" advTm="84922"/>
     </mc:Choice>
-    <mc:Fallback>
+    <mc:Fallback xmlns="">
       <p:transition spd="slow" advTm="84922"/>
     </mc:Fallback>
   </mc:AlternateContent>
@@ -15987,11 +21366,11 @@
   <p:clrMapOvr>
     <a:masterClrMapping/>
   </p:clrMapOvr>
-  <mc:AlternateContent xmlns:mc="http://schemas.openxmlformats.org/markup-compatibility/2006">
-    <mc:Choice xmlns:p14="http://schemas.microsoft.com/office/powerpoint/2010/main" Requires="p14">
+  <mc:AlternateContent xmlns:mc="http://schemas.openxmlformats.org/markup-compatibility/2006" xmlns:p14="http://schemas.microsoft.com/office/powerpoint/2010/main">
+    <mc:Choice Requires="p14">
       <p:transition spd="slow" p14:dur="2000" advTm="31394"/>
     </mc:Choice>
-    <mc:Fallback>
+    <mc:Fallback xmlns="">
       <p:transition spd="slow" advTm="31394"/>
     </mc:Fallback>
   </mc:AlternateContent>
@@ -16515,11 +21894,11 @@
   <p:clrMapOvr>
     <a:masterClrMapping/>
   </p:clrMapOvr>
-  <mc:AlternateContent xmlns:mc="http://schemas.openxmlformats.org/markup-compatibility/2006">
-    <mc:Choice xmlns:p14="http://schemas.microsoft.com/office/powerpoint/2010/main" Requires="p14">
+  <mc:AlternateContent xmlns:mc="http://schemas.openxmlformats.org/markup-compatibility/2006" xmlns:p14="http://schemas.microsoft.com/office/powerpoint/2010/main">
+    <mc:Choice Requires="p14">
       <p:transition spd="slow" p14:dur="2000" advTm="70193"/>
     </mc:Choice>
-    <mc:Fallback>
+    <mc:Fallback xmlns="">
       <p:transition spd="slow" advTm="70193"/>
     </mc:Fallback>
   </mc:AlternateContent>
@@ -16617,11 +21996,11 @@
   <p:clrMapOvr>
     <a:masterClrMapping/>
   </p:clrMapOvr>
-  <mc:AlternateContent xmlns:mc="http://schemas.openxmlformats.org/markup-compatibility/2006">
-    <mc:Choice xmlns:p14="http://schemas.microsoft.com/office/powerpoint/2010/main" Requires="p14">
+  <mc:AlternateContent xmlns:mc="http://schemas.openxmlformats.org/markup-compatibility/2006" xmlns:p14="http://schemas.microsoft.com/office/powerpoint/2010/main">
+    <mc:Choice Requires="p14">
       <p:transition spd="slow" p14:dur="2000" advTm="66831"/>
     </mc:Choice>
-    <mc:Fallback>
+    <mc:Fallback xmlns="">
       <p:transition spd="slow" advTm="66831"/>
     </mc:Fallback>
   </mc:AlternateContent>
@@ -17539,11 +22918,11 @@
   <p:clrMapOvr>
     <a:masterClrMapping/>
   </p:clrMapOvr>
-  <mc:AlternateContent xmlns:mc="http://schemas.openxmlformats.org/markup-compatibility/2006">
-    <mc:Choice xmlns:p14="http://schemas.microsoft.com/office/powerpoint/2010/main" Requires="p14">
+  <mc:AlternateContent xmlns:mc="http://schemas.openxmlformats.org/markup-compatibility/2006" xmlns:p14="http://schemas.microsoft.com/office/powerpoint/2010/main">
+    <mc:Choice Requires="p14">
       <p:transition spd="slow" p14:dur="2000"/>
     </mc:Choice>
-    <mc:Fallback>
+    <mc:Fallback xmlns="">
       <p:transition spd="slow"/>
     </mc:Fallback>
   </mc:AlternateContent>
@@ -18029,11 +23408,11 @@
   <p:clrMapOvr>
     <a:masterClrMapping/>
   </p:clrMapOvr>
-  <mc:AlternateContent xmlns:mc="http://schemas.openxmlformats.org/markup-compatibility/2006">
-    <mc:Choice xmlns:p14="http://schemas.microsoft.com/office/powerpoint/2010/main" Requires="p14">
+  <mc:AlternateContent xmlns:mc="http://schemas.openxmlformats.org/markup-compatibility/2006" xmlns:p14="http://schemas.microsoft.com/office/powerpoint/2010/main">
+    <mc:Choice Requires="p14">
       <p:transition spd="slow" p14:dur="2000" advTm="1895"/>
     </mc:Choice>
-    <mc:Fallback>
+    <mc:Fallback xmlns="">
       <p:transition spd="slow" advTm="1895"/>
     </mc:Fallback>
   </mc:AlternateContent>
@@ -20237,11 +25616,11 @@
   <p:clrMapOvr>
     <a:masterClrMapping/>
   </p:clrMapOvr>
-  <mc:AlternateContent xmlns:mc="http://schemas.openxmlformats.org/markup-compatibility/2006">
-    <mc:Choice xmlns:p14="http://schemas.microsoft.com/office/powerpoint/2010/main" Requires="p14">
+  <mc:AlternateContent xmlns:mc="http://schemas.openxmlformats.org/markup-compatibility/2006" xmlns:p14="http://schemas.microsoft.com/office/powerpoint/2010/main">
+    <mc:Choice Requires="p14">
       <p:transition spd="slow" p14:dur="2000" advTm="83945"/>
     </mc:Choice>
-    <mc:Fallback>
+    <mc:Fallback xmlns="">
       <p:transition spd="slow" advTm="83945"/>
     </mc:Fallback>
   </mc:AlternateContent>
@@ -23072,11 +28451,11 @@
   <p:clrMapOvr>
     <a:masterClrMapping/>
   </p:clrMapOvr>
-  <mc:AlternateContent xmlns:mc="http://schemas.openxmlformats.org/markup-compatibility/2006">
-    <mc:Choice xmlns:p14="http://schemas.microsoft.com/office/powerpoint/2010/main" Requires="p14">
+  <mc:AlternateContent xmlns:mc="http://schemas.openxmlformats.org/markup-compatibility/2006" xmlns:p14="http://schemas.microsoft.com/office/powerpoint/2010/main">
+    <mc:Choice Requires="p14">
       <p:transition spd="slow" p14:dur="2000" advTm="36568"/>
     </mc:Choice>
-    <mc:Fallback>
+    <mc:Fallback xmlns="">
       <p:transition spd="slow" advTm="36568"/>
     </mc:Fallback>
   </mc:AlternateContent>
@@ -24592,16 +29971,8 @@
           <a:lstStyle/>
           <a:p>
             <a:r>
-              <a:rPr lang="en-US" dirty="0" err="1" smtClean="0"/>
-              <a:t>Cardback</a:t>
-            </a:r>
-            <a:endParaRPr lang="en-US" dirty="0" smtClean="0"/>
-          </a:p>
-          <a:p>
-            <a:pPr lvl="1"/>
-            <a:r>
               <a:rPr lang="en-US" dirty="0" smtClean="0"/>
-              <a:t>A Credit Card + Purchase optimization App</a:t>
+              <a:t>One of the key leaders in Finance and Credit Card Optimization in India uses PHP Azure Web Apps and API Services for Continuous Integration and ease of scale. </a:t>
             </a:r>
           </a:p>
           <a:p>
@@ -24610,17 +29981,23 @@
           </a:p>
           <a:p>
             <a:r>
+              <a:rPr lang="en-US" dirty="0" smtClean="0"/>
+              <a:t>Another upcoming Web based education service is also using PHP Azure </a:t>
+            </a:r>
+            <a:r>
               <a:rPr lang="en-US" dirty="0" err="1" smtClean="0"/>
-              <a:t>ExtraMarks</a:t>
-            </a:r>
+              <a:t>webapps</a:t>
+            </a:r>
+            <a:r>
+              <a:rPr lang="en-US" dirty="0" smtClean="0"/>
+              <a:t>.</a:t>
+            </a:r>
+          </a:p>
+          <a:p>
+            <a:pPr marL="0" indent="0">
+              <a:buNone/>
+            </a:pPr>
             <a:endParaRPr lang="en-US" dirty="0" smtClean="0"/>
-          </a:p>
-          <a:p>
-            <a:pPr lvl="1"/>
-            <a:r>
-              <a:rPr lang="en-US" dirty="0" smtClean="0"/>
-              <a:t>Online Education Website</a:t>
-            </a:r>
           </a:p>
           <a:p>
             <a:endParaRPr lang="en-US" dirty="0"/>
@@ -24667,66 +30044,6 @@
           </a:p>
         </p:txBody>
       </p:sp>
-      <p:pic>
-        <p:nvPicPr>
-          <p:cNvPr id="2" name="Picture 1"/>
-          <p:cNvPicPr>
-            <a:picLocks noChangeAspect="1"/>
-          </p:cNvPicPr>
-          <p:nvPr/>
-        </p:nvPicPr>
-        <p:blipFill>
-          <a:blip r:embed="rId3">
-            <a:extLst>
-              <a:ext uri="{28A0092B-C50C-407E-A947-70E740481C1C}">
-                <a14:useLocalDpi xmlns:a14="http://schemas.microsoft.com/office/drawing/2010/main" val="0"/>
-              </a:ext>
-            </a:extLst>
-          </a:blip>
-          <a:stretch>
-            <a:fillRect/>
-          </a:stretch>
-        </p:blipFill>
-        <p:spPr>
-          <a:xfrm>
-            <a:off x="7315200" y="1596273"/>
-            <a:ext cx="3810000" cy="762000"/>
-          </a:xfrm>
-          <a:prstGeom prst="rect">
-            <a:avLst/>
-          </a:prstGeom>
-        </p:spPr>
-      </p:pic>
-      <p:pic>
-        <p:nvPicPr>
-          <p:cNvPr id="8" name="Picture 7"/>
-          <p:cNvPicPr>
-            <a:picLocks noChangeAspect="1"/>
-          </p:cNvPicPr>
-          <p:nvPr/>
-        </p:nvPicPr>
-        <p:blipFill>
-          <a:blip r:embed="rId4">
-            <a:extLst>
-              <a:ext uri="{28A0092B-C50C-407E-A947-70E740481C1C}">
-                <a14:useLocalDpi xmlns:a14="http://schemas.microsoft.com/office/drawing/2010/main" val="0"/>
-              </a:ext>
-            </a:extLst>
-          </a:blip>
-          <a:stretch>
-            <a:fillRect/>
-          </a:stretch>
-        </p:blipFill>
-        <p:spPr>
-          <a:xfrm>
-            <a:off x="7096126" y="2353117"/>
-            <a:ext cx="4333874" cy="2066483"/>
-          </a:xfrm>
-          <a:prstGeom prst="rect">
-            <a:avLst/>
-          </a:prstGeom>
-        </p:spPr>
-      </p:pic>
     </p:spTree>
     <p:extLst>
       <p:ext uri="{BB962C8B-B14F-4D97-AF65-F5344CB8AC3E}">
@@ -24737,11 +30054,11 @@
   <p:clrMapOvr>
     <a:masterClrMapping/>
   </p:clrMapOvr>
-  <mc:AlternateContent xmlns:mc="http://schemas.openxmlformats.org/markup-compatibility/2006">
-    <mc:Choice xmlns:p14="http://schemas.microsoft.com/office/powerpoint/2010/main" Requires="p14">
+  <mc:AlternateContent xmlns:mc="http://schemas.openxmlformats.org/markup-compatibility/2006" xmlns:p14="http://schemas.microsoft.com/office/powerpoint/2010/main">
+    <mc:Choice Requires="p14">
       <p:transition spd="slow" p14:dur="2000" advTm="37533"/>
     </mc:Choice>
-    <mc:Fallback>
+    <mc:Fallback xmlns="">
       <p:transition spd="slow" advTm="37533"/>
     </mc:Fallback>
   </mc:AlternateContent>
@@ -24892,11 +30209,11 @@
   <p:clrMapOvr>
     <a:masterClrMapping/>
   </p:clrMapOvr>
-  <mc:AlternateContent xmlns:mc="http://schemas.openxmlformats.org/markup-compatibility/2006">
-    <mc:Choice xmlns:p14="http://schemas.microsoft.com/office/powerpoint/2010/main" Requires="p14">
+  <mc:AlternateContent xmlns:mc="http://schemas.openxmlformats.org/markup-compatibility/2006" xmlns:p14="http://schemas.microsoft.com/office/powerpoint/2010/main">
+    <mc:Choice Requires="p14">
       <p:transition spd="slow" p14:dur="2000" advTm="31810"/>
     </mc:Choice>
-    <mc:Fallback>
+    <mc:Fallback xmlns="">
       <p:transition spd="slow" advTm="31810"/>
     </mc:Fallback>
   </mc:AlternateContent>
@@ -25238,7 +30555,6 @@
               <a:rPr lang="nl-BE" dirty="0" smtClean="0"/>
               <a:t> </a:t>
             </a:r>
-            <a:endParaRPr lang="nl-BE" dirty="0" smtClean="0"/>
           </a:p>
           <a:p>
             <a:endParaRPr lang="nl-BE" dirty="0" smtClean="0"/>
@@ -26137,7 +31453,7 @@
               </a:rPr>
             </a:br>
             <a:r>
-              <a:rPr lang="en-US" sz="3600" i="1" u="sng" dirty="0" smtClean="0">
+              <a:rPr lang="en-US" sz="3600" i="1" dirty="0" smtClean="0">
                 <a:latin typeface="Segoe UI Light" panose="020B0502040204020203" pitchFamily="34" charset="0"/>
               </a:rPr>
               <a:t>this</a:t>
@@ -26158,7 +31474,7 @@
       </p:sp>
       <p:pic>
         <p:nvPicPr>
-          <p:cNvPr id="7" name="Picture 6"/>
+          <p:cNvPr id="2" name="Picture 1"/>
           <p:cNvPicPr>
             <a:picLocks noChangeAspect="1"/>
           </p:cNvPicPr>
@@ -26178,17 +31494,12 @@
         </p:blipFill>
         <p:spPr>
           <a:xfrm>
-            <a:off x="1000984" y="2248335"/>
-            <a:ext cx="3269566" cy="3269566"/>
+            <a:off x="827341" y="2139616"/>
+            <a:ext cx="4184984" cy="4184984"/>
           </a:xfrm>
           <a:prstGeom prst="rect">
             <a:avLst/>
           </a:prstGeom>
-          <a:ln>
-            <a:solidFill>
-              <a:srgbClr val="8C8C8C"/>
-            </a:solidFill>
-          </a:ln>
         </p:spPr>
       </p:pic>
     </p:spTree>
@@ -26615,6 +31926,1121 @@
       </p:par>
     </p:tnLst>
   </p:timing>
+</p:sld>
+</file>
+
+<file path=ppt/slides/slide26.xml><?xml version="1.0" encoding="utf-8"?>
+<p:sld xmlns:a="http://schemas.openxmlformats.org/drawingml/2006/main" xmlns:r="http://schemas.openxmlformats.org/officeDocument/2006/relationships" xmlns:p="http://schemas.openxmlformats.org/presentationml/2006/main">
+  <p:cSld>
+    <p:spTree>
+      <p:nvGrpSpPr>
+        <p:cNvPr id="1" name=""/>
+        <p:cNvGrpSpPr/>
+        <p:nvPr/>
+      </p:nvGrpSpPr>
+      <p:grpSpPr>
+        <a:xfrm>
+          <a:off x="0" y="0"/>
+          <a:ext cx="0" cy="0"/>
+          <a:chOff x="0" y="0"/>
+          <a:chExt cx="0" cy="0"/>
+        </a:xfrm>
+      </p:grpSpPr>
+      <p:sp>
+        <p:nvSpPr>
+          <p:cNvPr id="9" name="Rectangle 8"/>
+          <p:cNvSpPr/>
+          <p:nvPr/>
+        </p:nvSpPr>
+        <p:spPr>
+          <a:xfrm>
+            <a:off x="838200" y="570411"/>
+            <a:ext cx="10759660" cy="3670663"/>
+          </a:xfrm>
+          <a:prstGeom prst="rect">
+            <a:avLst/>
+          </a:prstGeom>
+          <a:noFill/>
+          <a:ln>
+            <a:noFill/>
+          </a:ln>
+        </p:spPr>
+        <p:style>
+          <a:lnRef idx="2">
+            <a:schemeClr val="accent1">
+              <a:shade val="50000"/>
+            </a:schemeClr>
+          </a:lnRef>
+          <a:fillRef idx="1">
+            <a:schemeClr val="accent1"/>
+          </a:fillRef>
+          <a:effectRef idx="0">
+            <a:schemeClr val="accent1"/>
+          </a:effectRef>
+          <a:fontRef idx="minor">
+            <a:schemeClr val="lt1"/>
+          </a:fontRef>
+        </p:style>
+        <p:txBody>
+          <a:bodyPr rtlCol="0" anchor="ctr"/>
+          <a:lstStyle/>
+          <a:p>
+            <a:pPr marL="0" marR="0" lvl="0" indent="0" algn="ctr" defTabSz="914400" rtl="0" eaLnBrk="1" fontAlgn="auto" latinLnBrk="0" hangingPunct="1">
+              <a:lnSpc>
+                <a:spcPct val="100000"/>
+              </a:lnSpc>
+              <a:spcBef>
+                <a:spcPts val="0"/>
+              </a:spcBef>
+              <a:spcAft>
+                <a:spcPts val="0"/>
+              </a:spcAft>
+              <a:buClrTx/>
+              <a:buSzTx/>
+              <a:buFontTx/>
+              <a:buNone/>
+              <a:tabLst/>
+              <a:defRPr/>
+            </a:pPr>
+            <a:r>
+              <a:rPr kumimoji="0" lang="en-US" sz="4000" b="0" i="0" u="none" strike="noStrike" kern="1200" cap="none" spc="0" normalizeH="0" baseline="0" noProof="0" dirty="0" smtClean="0">
+                <a:ln>
+                  <a:noFill/>
+                </a:ln>
+                <a:solidFill>
+                  <a:srgbClr val="44546A"/>
+                </a:solidFill>
+                <a:effectLst/>
+                <a:uLnTx/>
+                <a:uFillTx/>
+                <a:latin typeface="Segoe UI" panose="020B0502040204020203" pitchFamily="34" charset="0"/>
+                <a:ea typeface="+mn-ea"/>
+                <a:cs typeface="Segoe UI" panose="020B0502040204020203" pitchFamily="34" charset="0"/>
+              </a:rPr>
+              <a:t>Attend the last session of the day and</a:t>
+            </a:r>
+          </a:p>
+          <a:p>
+            <a:pPr marL="0" marR="0" lvl="0" indent="0" algn="ctr" defTabSz="914400" rtl="0" eaLnBrk="1" fontAlgn="auto" latinLnBrk="0" hangingPunct="1">
+              <a:lnSpc>
+                <a:spcPct val="100000"/>
+              </a:lnSpc>
+              <a:spcBef>
+                <a:spcPts val="0"/>
+              </a:spcBef>
+              <a:spcAft>
+                <a:spcPts val="0"/>
+              </a:spcAft>
+              <a:buClrTx/>
+              <a:buSzTx/>
+              <a:buFontTx/>
+              <a:buNone/>
+              <a:tabLst/>
+              <a:defRPr/>
+            </a:pPr>
+            <a:r>
+              <a:rPr kumimoji="0" lang="en-US" sz="4000" b="0" i="0" u="none" strike="noStrike" kern="1200" cap="none" spc="0" normalizeH="0" baseline="0" noProof="0" dirty="0" smtClean="0">
+                <a:ln>
+                  <a:noFill/>
+                </a:ln>
+                <a:solidFill>
+                  <a:srgbClr val="44546A"/>
+                </a:solidFill>
+                <a:effectLst/>
+                <a:uLnTx/>
+                <a:uFillTx/>
+                <a:latin typeface="Segoe UI" panose="020B0502040204020203" pitchFamily="34" charset="0"/>
+                <a:ea typeface="+mn-ea"/>
+                <a:cs typeface="Segoe UI" panose="020B0502040204020203" pitchFamily="34" charset="0"/>
+              </a:rPr>
+              <a:t>get a chance to</a:t>
+            </a:r>
+            <a:endParaRPr kumimoji="0" lang="en-US" sz="4000" b="0" i="0" u="none" strike="noStrike" kern="1200" cap="none" spc="0" normalizeH="0" baseline="0" noProof="0" dirty="0">
+              <a:ln>
+                <a:noFill/>
+              </a:ln>
+              <a:solidFill>
+                <a:srgbClr val="FF0000"/>
+              </a:solidFill>
+              <a:effectLst/>
+              <a:uLnTx/>
+              <a:uFillTx/>
+              <a:latin typeface="Segoe UI" panose="020B0502040204020203" pitchFamily="34" charset="0"/>
+              <a:ea typeface="+mn-ea"/>
+              <a:cs typeface="Segoe UI" panose="020B0502040204020203" pitchFamily="34" charset="0"/>
+            </a:endParaRPr>
+          </a:p>
+          <a:p>
+            <a:pPr marL="0" marR="0" lvl="0" indent="0" algn="ctr" defTabSz="914400" rtl="0" eaLnBrk="1" fontAlgn="auto" latinLnBrk="0" hangingPunct="1">
+              <a:lnSpc>
+                <a:spcPct val="100000"/>
+              </a:lnSpc>
+              <a:spcBef>
+                <a:spcPts val="0"/>
+              </a:spcBef>
+              <a:spcAft>
+                <a:spcPts val="0"/>
+              </a:spcAft>
+              <a:buClrTx/>
+              <a:buSzTx/>
+              <a:buFontTx/>
+              <a:buNone/>
+              <a:tabLst/>
+              <a:defRPr/>
+            </a:pPr>
+            <a:r>
+              <a:rPr kumimoji="0" lang="en-US" sz="4000" b="0" i="0" u="none" strike="noStrike" kern="1200" cap="none" spc="0" normalizeH="0" baseline="0" noProof="0" dirty="0">
+                <a:ln>
+                  <a:noFill/>
+                </a:ln>
+                <a:solidFill>
+                  <a:srgbClr val="FF0000"/>
+                </a:solidFill>
+                <a:effectLst/>
+                <a:uLnTx/>
+                <a:uFillTx/>
+                <a:latin typeface="Segoe UI" panose="020B0502040204020203" pitchFamily="34" charset="0"/>
+                <a:ea typeface="+mn-ea"/>
+                <a:cs typeface="Segoe UI" panose="020B0502040204020203" pitchFamily="34" charset="0"/>
+              </a:rPr>
+              <a:t>W</a:t>
+            </a:r>
+            <a:r>
+              <a:rPr kumimoji="0" lang="en-US" sz="4000" b="0" i="0" u="none" strike="noStrike" kern="1200" cap="none" spc="0" normalizeH="0" baseline="0" noProof="0" dirty="0" smtClean="0">
+                <a:ln>
+                  <a:noFill/>
+                </a:ln>
+                <a:solidFill>
+                  <a:srgbClr val="FF0000"/>
+                </a:solidFill>
+                <a:effectLst/>
+                <a:uLnTx/>
+                <a:uFillTx/>
+                <a:latin typeface="Segoe UI" panose="020B0502040204020203" pitchFamily="34" charset="0"/>
+                <a:ea typeface="+mn-ea"/>
+                <a:cs typeface="Segoe UI" panose="020B0502040204020203" pitchFamily="34" charset="0"/>
+              </a:rPr>
+              <a:t>in a Cool Device!</a:t>
+            </a:r>
+          </a:p>
+        </p:txBody>
+      </p:sp>
+      <p:pic>
+        <p:nvPicPr>
+          <p:cNvPr id="4" name="Picture 3"/>
+          <p:cNvPicPr>
+            <a:picLocks noChangeAspect="1"/>
+          </p:cNvPicPr>
+          <p:nvPr/>
+        </p:nvPicPr>
+        <p:blipFill>
+          <a:blip r:embed="rId2" cstate="print">
+            <a:clrChange>
+              <a:clrFrom>
+                <a:srgbClr val="FFFFFF"/>
+              </a:clrFrom>
+              <a:clrTo>
+                <a:srgbClr val="FFFFFF">
+                  <a:alpha val="0"/>
+                </a:srgbClr>
+              </a:clrTo>
+            </a:clrChange>
+            <a:extLst>
+              <a:ext uri="{28A0092B-C50C-407E-A947-70E740481C1C}">
+                <a14:useLocalDpi xmlns:a14="http://schemas.microsoft.com/office/drawing/2010/main" val="0"/>
+              </a:ext>
+            </a:extLst>
+          </a:blip>
+          <a:stretch>
+            <a:fillRect/>
+          </a:stretch>
+        </p:blipFill>
+        <p:spPr>
+          <a:xfrm>
+            <a:off x="4678845" y="3429000"/>
+            <a:ext cx="3078370" cy="3078370"/>
+          </a:xfrm>
+          <a:prstGeom prst="rect">
+            <a:avLst/>
+          </a:prstGeom>
+        </p:spPr>
+      </p:pic>
+    </p:spTree>
+    <p:extLst>
+      <p:ext uri="{BB962C8B-B14F-4D97-AF65-F5344CB8AC3E}">
+        <p14:creationId xmlns:p14="http://schemas.microsoft.com/office/powerpoint/2010/main" val="2362570016"/>
+      </p:ext>
+    </p:extLst>
+  </p:cSld>
+  <p:clrMapOvr>
+    <a:masterClrMapping/>
+  </p:clrMapOvr>
+  <p:timing>
+    <p:tnLst>
+      <p:par>
+        <p:cTn id="1" dur="indefinite" restart="never" nodeType="tmRoot"/>
+      </p:par>
+    </p:tnLst>
+  </p:timing>
+</p:sld>
+</file>
+
+<file path=ppt/slides/slide27.xml><?xml version="1.0" encoding="utf-8"?>
+<p:sld xmlns:a="http://schemas.openxmlformats.org/drawingml/2006/main" xmlns:r="http://schemas.openxmlformats.org/officeDocument/2006/relationships" xmlns:p="http://schemas.openxmlformats.org/presentationml/2006/main">
+  <p:cSld>
+    <p:spTree>
+      <p:nvGrpSpPr>
+        <p:cNvPr id="1" name=""/>
+        <p:cNvGrpSpPr/>
+        <p:nvPr/>
+      </p:nvGrpSpPr>
+      <p:grpSpPr>
+        <a:xfrm>
+          <a:off x="0" y="0"/>
+          <a:ext cx="0" cy="0"/>
+          <a:chOff x="0" y="0"/>
+          <a:chExt cx="0" cy="0"/>
+        </a:xfrm>
+      </p:grpSpPr>
+      <p:sp>
+        <p:nvSpPr>
+          <p:cNvPr id="3" name="Subtitle 2"/>
+          <p:cNvSpPr>
+            <a:spLocks noGrp="1"/>
+          </p:cNvSpPr>
+          <p:nvPr>
+            <p:ph type="subTitle" idx="1"/>
+          </p:nvPr>
+        </p:nvSpPr>
+        <p:spPr>
+          <a:xfrm>
+            <a:off x="484192" y="2619102"/>
+            <a:ext cx="10958871" cy="2667000"/>
+          </a:xfrm>
+          <a:noFill/>
+          <a:ln>
+            <a:noFill/>
+          </a:ln>
+        </p:spPr>
+        <p:style>
+          <a:lnRef idx="2">
+            <a:schemeClr val="accent1">
+              <a:shade val="50000"/>
+            </a:schemeClr>
+          </a:lnRef>
+          <a:fillRef idx="1">
+            <a:schemeClr val="accent1"/>
+          </a:fillRef>
+          <a:effectRef idx="0">
+            <a:schemeClr val="accent1"/>
+          </a:effectRef>
+          <a:fontRef idx="minor">
+            <a:schemeClr val="lt1"/>
+          </a:fontRef>
+        </p:style>
+        <p:txBody>
+          <a:bodyPr rtlCol="0" anchor="ctr"/>
+          <a:lstStyle/>
+          <a:p>
+            <a:r>
+              <a:rPr lang="en-US" sz="3200" dirty="0">
+                <a:solidFill>
+                  <a:schemeClr val="tx2"/>
+                </a:solidFill>
+                <a:latin typeface="Segoe UI" panose="020B0502040204020203" pitchFamily="34" charset="0"/>
+                <a:cs typeface="Segoe UI" panose="020B0502040204020203" pitchFamily="34" charset="0"/>
+              </a:rPr>
+              <a:t>Keep tweeting with </a:t>
+            </a:r>
+            <a:r>
+              <a:rPr lang="en-US" sz="3200" dirty="0">
+                <a:solidFill>
+                  <a:schemeClr val="tx2"/>
+                </a:solidFill>
+                <a:latin typeface="Segoe UI" panose="020B0502040204020203" pitchFamily="34" charset="0"/>
+                <a:cs typeface="Segoe UI" panose="020B0502040204020203" pitchFamily="34" charset="0"/>
+                <a:hlinkClick r:id="rId2"/>
+              </a:rPr>
+              <a:t>#FutureUnleashed</a:t>
+            </a:r>
+            <a:r>
+              <a:rPr lang="en-US" sz="3200" dirty="0">
+                <a:solidFill>
+                  <a:schemeClr val="tx2"/>
+                </a:solidFill>
+                <a:latin typeface="Segoe UI" panose="020B0502040204020203" pitchFamily="34" charset="0"/>
+                <a:cs typeface="Segoe UI" panose="020B0502040204020203" pitchFamily="34" charset="0"/>
+              </a:rPr>
+              <a:t> </a:t>
+            </a:r>
+          </a:p>
+          <a:p>
+            <a:r>
+              <a:rPr lang="en-US" sz="3200" dirty="0">
+                <a:solidFill>
+                  <a:schemeClr val="tx2"/>
+                </a:solidFill>
+                <a:latin typeface="Segoe UI" panose="020B0502040204020203" pitchFamily="34" charset="0"/>
+                <a:cs typeface="Segoe UI" panose="020B0502040204020203" pitchFamily="34" charset="0"/>
+              </a:rPr>
+              <a:t>&amp;</a:t>
+            </a:r>
+          </a:p>
+          <a:p>
+            <a:r>
+              <a:rPr lang="en-US" sz="3200" dirty="0">
+                <a:solidFill>
+                  <a:srgbClr val="FF0000"/>
+                </a:solidFill>
+                <a:latin typeface="Segoe UI" panose="020B0502040204020203" pitchFamily="34" charset="0"/>
+                <a:cs typeface="Segoe UI" panose="020B0502040204020203" pitchFamily="34" charset="0"/>
+              </a:rPr>
+              <a:t>Win exciting prizes </a:t>
+            </a:r>
+            <a:r>
+              <a:rPr lang="en-US" sz="3200" dirty="0">
+                <a:solidFill>
+                  <a:schemeClr val="tx2"/>
+                </a:solidFill>
+                <a:latin typeface="Segoe UI" panose="020B0502040204020203" pitchFamily="34" charset="0"/>
+                <a:cs typeface="Segoe UI" panose="020B0502040204020203" pitchFamily="34" charset="0"/>
+              </a:rPr>
+              <a:t>at </a:t>
+            </a:r>
+            <a:r>
+              <a:rPr lang="en-US" sz="3200" dirty="0" smtClean="0">
+                <a:solidFill>
+                  <a:schemeClr val="tx2"/>
+                </a:solidFill>
+                <a:latin typeface="Segoe UI" panose="020B0502040204020203" pitchFamily="34" charset="0"/>
+                <a:cs typeface="Segoe UI" panose="020B0502040204020203" pitchFamily="34" charset="0"/>
+              </a:rPr>
+              <a:t>the end </a:t>
+            </a:r>
+            <a:r>
+              <a:rPr lang="en-US" sz="3200" dirty="0">
+                <a:solidFill>
+                  <a:schemeClr val="tx2"/>
+                </a:solidFill>
+                <a:latin typeface="Segoe UI" panose="020B0502040204020203" pitchFamily="34" charset="0"/>
+                <a:cs typeface="Segoe UI" panose="020B0502040204020203" pitchFamily="34" charset="0"/>
+              </a:rPr>
+              <a:t>of </a:t>
+            </a:r>
+            <a:r>
+              <a:rPr lang="en-US" sz="3200" dirty="0" smtClean="0">
+                <a:solidFill>
+                  <a:schemeClr val="tx2"/>
+                </a:solidFill>
+                <a:latin typeface="Segoe UI" panose="020B0502040204020203" pitchFamily="34" charset="0"/>
+                <a:cs typeface="Segoe UI" panose="020B0502040204020203" pitchFamily="34" charset="0"/>
+              </a:rPr>
+              <a:t>the day</a:t>
+            </a:r>
+            <a:endParaRPr lang="en-IN" sz="3200" dirty="0">
+              <a:solidFill>
+                <a:schemeClr val="tx2"/>
+              </a:solidFill>
+              <a:latin typeface="Segoe UI" panose="020B0502040204020203" pitchFamily="34" charset="0"/>
+              <a:cs typeface="Segoe UI" panose="020B0502040204020203" pitchFamily="34" charset="0"/>
+            </a:endParaRPr>
+          </a:p>
+        </p:txBody>
+      </p:sp>
+      <p:pic>
+        <p:nvPicPr>
+          <p:cNvPr id="4" name="Picture 3"/>
+          <p:cNvPicPr>
+            <a:picLocks noChangeAspect="1"/>
+          </p:cNvPicPr>
+          <p:nvPr/>
+        </p:nvPicPr>
+        <p:blipFill>
+          <a:blip r:embed="rId3">
+            <a:clrChange>
+              <a:clrFrom>
+                <a:srgbClr val="F4F4F4"/>
+              </a:clrFrom>
+              <a:clrTo>
+                <a:srgbClr val="F4F4F4">
+                  <a:alpha val="0"/>
+                </a:srgbClr>
+              </a:clrTo>
+            </a:clrChange>
+          </a:blip>
+          <a:stretch>
+            <a:fillRect/>
+          </a:stretch>
+        </p:blipFill>
+        <p:spPr>
+          <a:xfrm>
+            <a:off x="5340459" y="1034457"/>
+            <a:ext cx="1946067" cy="1790382"/>
+          </a:xfrm>
+          <a:prstGeom prst="rect">
+            <a:avLst/>
+          </a:prstGeom>
+        </p:spPr>
+      </p:pic>
+      <p:sp>
+        <p:nvSpPr>
+          <p:cNvPr id="6" name="TextBox 5"/>
+          <p:cNvSpPr txBox="1"/>
+          <p:nvPr/>
+        </p:nvSpPr>
+        <p:spPr>
+          <a:xfrm>
+            <a:off x="3073905" y="248193"/>
+            <a:ext cx="6479177" cy="707886"/>
+          </a:xfrm>
+          <a:prstGeom prst="rect">
+            <a:avLst/>
+          </a:prstGeom>
+          <a:noFill/>
+        </p:spPr>
+        <p:txBody>
+          <a:bodyPr wrap="square" rtlCol="0">
+            <a:spAutoFit/>
+          </a:bodyPr>
+          <a:lstStyle/>
+          <a:p>
+            <a:pPr marL="0" marR="0" lvl="0" indent="0" algn="ctr" defTabSz="914400" rtl="0" eaLnBrk="1" fontAlgn="auto" latinLnBrk="0" hangingPunct="1">
+              <a:lnSpc>
+                <a:spcPct val="100000"/>
+              </a:lnSpc>
+              <a:spcBef>
+                <a:spcPts val="0"/>
+              </a:spcBef>
+              <a:spcAft>
+                <a:spcPts val="0"/>
+              </a:spcAft>
+              <a:buClrTx/>
+              <a:buSzTx/>
+              <a:buFontTx/>
+              <a:buNone/>
+              <a:tabLst/>
+              <a:defRPr/>
+            </a:pPr>
+            <a:r>
+              <a:rPr kumimoji="0" lang="en-US" sz="4000" b="0" i="0" u="none" strike="noStrike" kern="1200" cap="none" spc="0" normalizeH="0" baseline="0" noProof="0" dirty="0" smtClean="0">
+                <a:ln>
+                  <a:noFill/>
+                </a:ln>
+                <a:solidFill>
+                  <a:srgbClr val="44546A"/>
+                </a:solidFill>
+                <a:effectLst/>
+                <a:uLnTx/>
+                <a:uFillTx/>
+                <a:latin typeface="Segoe UI" panose="020B0502040204020203" pitchFamily="34" charset="0"/>
+                <a:ea typeface="Segoe UI Black" panose="020B0A02040204020203" pitchFamily="34" charset="0"/>
+                <a:cs typeface="Segoe UI" panose="020B0502040204020203" pitchFamily="34" charset="0"/>
+              </a:rPr>
+              <a:t>Tweet2Win Contest</a:t>
+            </a:r>
+            <a:endParaRPr kumimoji="0" lang="en-US" sz="4000" b="0" i="0" u="none" strike="noStrike" kern="1200" cap="none" spc="0" normalizeH="0" baseline="0" noProof="0" dirty="0">
+              <a:ln>
+                <a:noFill/>
+              </a:ln>
+              <a:solidFill>
+                <a:srgbClr val="44546A"/>
+              </a:solidFill>
+              <a:effectLst/>
+              <a:uLnTx/>
+              <a:uFillTx/>
+              <a:latin typeface="Segoe UI" panose="020B0502040204020203" pitchFamily="34" charset="0"/>
+              <a:ea typeface="Segoe UI Black" panose="020B0A02040204020203" pitchFamily="34" charset="0"/>
+              <a:cs typeface="Segoe UI" panose="020B0502040204020203" pitchFamily="34" charset="0"/>
+            </a:endParaRPr>
+          </a:p>
+        </p:txBody>
+      </p:sp>
+    </p:spTree>
+    <p:extLst>
+      <p:ext uri="{BB962C8B-B14F-4D97-AF65-F5344CB8AC3E}">
+        <p14:creationId xmlns:p14="http://schemas.microsoft.com/office/powerpoint/2010/main" val="3187856788"/>
+      </p:ext>
+    </p:extLst>
+  </p:cSld>
+  <p:clrMapOvr>
+    <a:masterClrMapping/>
+  </p:clrMapOvr>
+</p:sld>
+</file>
+
+<file path=ppt/slides/slide28.xml><?xml version="1.0" encoding="utf-8"?>
+<p:sld xmlns:a="http://schemas.openxmlformats.org/drawingml/2006/main" xmlns:r="http://schemas.openxmlformats.org/officeDocument/2006/relationships" xmlns:p="http://schemas.openxmlformats.org/presentationml/2006/main">
+  <p:cSld>
+    <p:spTree>
+      <p:nvGrpSpPr>
+        <p:cNvPr id="1" name=""/>
+        <p:cNvGrpSpPr/>
+        <p:nvPr/>
+      </p:nvGrpSpPr>
+      <p:grpSpPr>
+        <a:xfrm>
+          <a:off x="0" y="0"/>
+          <a:ext cx="0" cy="0"/>
+          <a:chOff x="0" y="0"/>
+          <a:chExt cx="0" cy="0"/>
+        </a:xfrm>
+      </p:grpSpPr>
+      <p:sp>
+        <p:nvSpPr>
+          <p:cNvPr id="3" name="Subtitle 2"/>
+          <p:cNvSpPr>
+            <a:spLocks noGrp="1"/>
+          </p:cNvSpPr>
+          <p:nvPr>
+            <p:ph type="subTitle" idx="1"/>
+          </p:nvPr>
+        </p:nvSpPr>
+        <p:spPr>
+          <a:xfrm>
+            <a:off x="76200" y="2057400"/>
+            <a:ext cx="12115800" cy="3200400"/>
+          </a:xfrm>
+        </p:spPr>
+        <p:txBody>
+          <a:bodyPr>
+            <a:noAutofit/>
+          </a:bodyPr>
+          <a:lstStyle/>
+          <a:p>
+            <a:r>
+              <a:rPr lang="en-US" sz="3200" dirty="0">
+                <a:solidFill>
+                  <a:srgbClr val="FF0000"/>
+                </a:solidFill>
+                <a:latin typeface="Segoe Light"/>
+                <a:cs typeface="Segoe Light"/>
+              </a:rPr>
+              <a:t>Tweet a selfie </a:t>
+            </a:r>
+            <a:r>
+              <a:rPr lang="en-US" sz="3200" dirty="0">
+                <a:solidFill>
+                  <a:schemeClr val="tx2"/>
+                </a:solidFill>
+                <a:latin typeface="Segoe Light"/>
+                <a:cs typeface="Segoe Light"/>
+              </a:rPr>
+              <a:t>with your question written on paper with </a:t>
+            </a:r>
+            <a:r>
+              <a:rPr lang="en-US" sz="3200" dirty="0">
+                <a:solidFill>
+                  <a:schemeClr val="tx2"/>
+                </a:solidFill>
+                <a:latin typeface="Segoe Light"/>
+                <a:cs typeface="Segoe Light"/>
+                <a:hlinkClick r:id="rId2"/>
+              </a:rPr>
+              <a:t>#FutureUnleashed</a:t>
+            </a:r>
+            <a:endParaRPr lang="en-US" sz="3200" dirty="0">
+              <a:solidFill>
+                <a:schemeClr val="tx2"/>
+              </a:solidFill>
+              <a:latin typeface="Segoe Light"/>
+              <a:cs typeface="Segoe Light"/>
+            </a:endParaRPr>
+          </a:p>
+          <a:p>
+            <a:r>
+              <a:rPr lang="en-US" sz="3200" dirty="0">
+                <a:solidFill>
+                  <a:schemeClr val="tx2"/>
+                </a:solidFill>
+                <a:latin typeface="Segoe Light"/>
+                <a:cs typeface="Segoe Light"/>
+              </a:rPr>
+              <a:t> &amp;</a:t>
+            </a:r>
+          </a:p>
+          <a:p>
+            <a:r>
+              <a:rPr lang="en-US" sz="3200" dirty="0">
+                <a:solidFill>
+                  <a:schemeClr val="tx2"/>
+                </a:solidFill>
+                <a:latin typeface="Segoe Light"/>
+                <a:cs typeface="Segoe Light"/>
+              </a:rPr>
+              <a:t>E</a:t>
+            </a:r>
+            <a:r>
+              <a:rPr lang="en-US" sz="3200" dirty="0" smtClean="0">
+                <a:solidFill>
+                  <a:schemeClr val="tx2"/>
+                </a:solidFill>
+                <a:latin typeface="Segoe Light"/>
+                <a:cs typeface="Segoe Light"/>
+              </a:rPr>
+              <a:t>xperts </a:t>
+            </a:r>
+            <a:r>
+              <a:rPr lang="en-US" sz="3200" dirty="0">
+                <a:solidFill>
+                  <a:schemeClr val="tx2"/>
+                </a:solidFill>
+                <a:latin typeface="Segoe Light"/>
+                <a:cs typeface="Segoe Light"/>
+              </a:rPr>
+              <a:t>answer it for you </a:t>
+            </a:r>
+            <a:r>
+              <a:rPr lang="en-US" sz="3200" dirty="0">
+                <a:solidFill>
+                  <a:srgbClr val="FF0000"/>
+                </a:solidFill>
+                <a:latin typeface="Segoe Light"/>
+                <a:cs typeface="Segoe Light"/>
+              </a:rPr>
+              <a:t>@Meet the Experts </a:t>
+            </a:r>
+            <a:r>
+              <a:rPr lang="en-US" sz="3200" dirty="0" smtClean="0">
+                <a:solidFill>
+                  <a:schemeClr val="tx2"/>
+                </a:solidFill>
+                <a:latin typeface="Segoe Light"/>
+                <a:cs typeface="Segoe Light"/>
+              </a:rPr>
+              <a:t>session!</a:t>
+            </a:r>
+            <a:endParaRPr lang="en-US" sz="3200" dirty="0">
+              <a:solidFill>
+                <a:schemeClr val="tx2"/>
+              </a:solidFill>
+              <a:latin typeface="Segoe Light"/>
+              <a:cs typeface="Segoe Light"/>
+            </a:endParaRPr>
+          </a:p>
+        </p:txBody>
+      </p:sp>
+      <p:sp>
+        <p:nvSpPr>
+          <p:cNvPr id="10" name="TextBox 9"/>
+          <p:cNvSpPr txBox="1"/>
+          <p:nvPr/>
+        </p:nvSpPr>
+        <p:spPr>
+          <a:xfrm>
+            <a:off x="3073905" y="248193"/>
+            <a:ext cx="6479177" cy="707886"/>
+          </a:xfrm>
+          <a:prstGeom prst="rect">
+            <a:avLst/>
+          </a:prstGeom>
+          <a:noFill/>
+        </p:spPr>
+        <p:txBody>
+          <a:bodyPr wrap="square" rtlCol="0">
+            <a:spAutoFit/>
+          </a:bodyPr>
+          <a:lstStyle/>
+          <a:p>
+            <a:pPr marL="0" marR="0" lvl="0" indent="0" algn="ctr" defTabSz="914400" rtl="0" eaLnBrk="1" fontAlgn="auto" latinLnBrk="0" hangingPunct="1">
+              <a:lnSpc>
+                <a:spcPct val="100000"/>
+              </a:lnSpc>
+              <a:spcBef>
+                <a:spcPts val="0"/>
+              </a:spcBef>
+              <a:spcAft>
+                <a:spcPts val="0"/>
+              </a:spcAft>
+              <a:buClrTx/>
+              <a:buSzTx/>
+              <a:buFontTx/>
+              <a:buNone/>
+              <a:tabLst/>
+              <a:defRPr/>
+            </a:pPr>
+            <a:r>
+              <a:rPr kumimoji="0" lang="en-US" sz="4000" b="0" i="0" u="none" strike="noStrike" kern="1200" cap="none" spc="0" normalizeH="0" baseline="0" noProof="0" dirty="0" smtClean="0">
+                <a:ln>
+                  <a:noFill/>
+                </a:ln>
+                <a:solidFill>
+                  <a:srgbClr val="44546A"/>
+                </a:solidFill>
+                <a:effectLst/>
+                <a:uLnTx/>
+                <a:uFillTx/>
+                <a:latin typeface="Segoe UI" panose="020B0502040204020203" pitchFamily="34" charset="0"/>
+                <a:ea typeface="Segoe UI Black" panose="020B0A02040204020203" pitchFamily="34" charset="0"/>
+                <a:cs typeface="Segoe UI" panose="020B0502040204020203" pitchFamily="34" charset="0"/>
+              </a:rPr>
+              <a:t>Ask the Experts</a:t>
+            </a:r>
+            <a:endParaRPr kumimoji="0" lang="en-US" sz="4000" b="0" i="0" u="none" strike="noStrike" kern="1200" cap="none" spc="0" normalizeH="0" baseline="0" noProof="0" dirty="0">
+              <a:ln>
+                <a:noFill/>
+              </a:ln>
+              <a:solidFill>
+                <a:srgbClr val="44546A"/>
+              </a:solidFill>
+              <a:effectLst/>
+              <a:uLnTx/>
+              <a:uFillTx/>
+              <a:latin typeface="Segoe UI" panose="020B0502040204020203" pitchFamily="34" charset="0"/>
+              <a:ea typeface="Segoe UI Black" panose="020B0A02040204020203" pitchFamily="34" charset="0"/>
+              <a:cs typeface="Segoe UI" panose="020B0502040204020203" pitchFamily="34" charset="0"/>
+            </a:endParaRPr>
+          </a:p>
+        </p:txBody>
+      </p:sp>
+    </p:spTree>
+    <p:extLst>
+      <p:ext uri="{BB962C8B-B14F-4D97-AF65-F5344CB8AC3E}">
+        <p14:creationId xmlns:p14="http://schemas.microsoft.com/office/powerpoint/2010/main" val="3394032725"/>
+      </p:ext>
+    </p:extLst>
+  </p:cSld>
+  <p:clrMapOvr>
+    <a:masterClrMapping/>
+  </p:clrMapOvr>
+</p:sld>
+</file>
+
+<file path=ppt/slides/slide29.xml><?xml version="1.0" encoding="utf-8"?>
+<p:sld xmlns:a="http://schemas.openxmlformats.org/drawingml/2006/main" xmlns:r="http://schemas.openxmlformats.org/officeDocument/2006/relationships" xmlns:p="http://schemas.openxmlformats.org/presentationml/2006/main">
+  <p:cSld>
+    <p:spTree>
+      <p:nvGrpSpPr>
+        <p:cNvPr id="1" name=""/>
+        <p:cNvGrpSpPr/>
+        <p:nvPr/>
+      </p:nvGrpSpPr>
+      <p:grpSpPr>
+        <a:xfrm>
+          <a:off x="0" y="0"/>
+          <a:ext cx="0" cy="0"/>
+          <a:chOff x="0" y="0"/>
+          <a:chExt cx="0" cy="0"/>
+        </a:xfrm>
+      </p:grpSpPr>
+      <p:sp>
+        <p:nvSpPr>
+          <p:cNvPr id="2" name="Title 1"/>
+          <p:cNvSpPr>
+            <a:spLocks noGrp="1"/>
+          </p:cNvSpPr>
+          <p:nvPr>
+            <p:ph type="ctrTitle"/>
+          </p:nvPr>
+        </p:nvSpPr>
+        <p:spPr>
+          <a:xfrm>
+            <a:off x="5859854" y="762000"/>
+            <a:ext cx="6332146" cy="2159000"/>
+          </a:xfrm>
+        </p:spPr>
+        <p:txBody>
+          <a:bodyPr vert="horz" lIns="91440" tIns="45720" rIns="91440" bIns="45720" rtlCol="0">
+            <a:noAutofit/>
+          </a:bodyPr>
+          <a:lstStyle/>
+          <a:p>
+            <a:pPr>
+              <a:spcBef>
+                <a:spcPts val="1000"/>
+              </a:spcBef>
+              <a:buFont typeface="Arial" panose="020B0604020202020204" pitchFamily="34" charset="0"/>
+            </a:pPr>
+            <a:r>
+              <a:rPr lang="en-IN" sz="3200" dirty="0">
+                <a:solidFill>
+                  <a:srgbClr val="FF0000"/>
+                </a:solidFill>
+                <a:latin typeface="Segoe Light"/>
+                <a:ea typeface="+mn-ea"/>
+                <a:cs typeface="Segoe Light"/>
+              </a:rPr>
+              <a:t>Download </a:t>
+            </a:r>
+            <a:br>
+              <a:rPr lang="en-IN" sz="3200" dirty="0">
+                <a:solidFill>
+                  <a:srgbClr val="FF0000"/>
+                </a:solidFill>
+                <a:latin typeface="Segoe Light"/>
+                <a:ea typeface="+mn-ea"/>
+                <a:cs typeface="Segoe Light"/>
+              </a:rPr>
+            </a:br>
+            <a:r>
+              <a:rPr lang="en-IN" sz="3200" dirty="0" smtClean="0">
+                <a:solidFill>
+                  <a:schemeClr val="tx2"/>
+                </a:solidFill>
+                <a:latin typeface="Segoe Light"/>
+                <a:ea typeface="+mn-ea"/>
+                <a:cs typeface="Segoe Light"/>
+              </a:rPr>
+              <a:t>India </a:t>
+            </a:r>
+            <a:r>
+              <a:rPr lang="en-IN" sz="3200" dirty="0">
+                <a:solidFill>
+                  <a:schemeClr val="tx2"/>
+                </a:solidFill>
+                <a:latin typeface="Segoe Light"/>
+                <a:ea typeface="+mn-ea"/>
+                <a:cs typeface="Segoe Light"/>
+              </a:rPr>
+              <a:t>Tech Community</a:t>
+            </a:r>
+            <a:br>
+              <a:rPr lang="en-IN" sz="3200" dirty="0">
+                <a:solidFill>
+                  <a:schemeClr val="tx2"/>
+                </a:solidFill>
+                <a:latin typeface="Segoe Light"/>
+                <a:ea typeface="+mn-ea"/>
+                <a:cs typeface="Segoe Light"/>
+              </a:rPr>
+            </a:br>
+            <a:r>
+              <a:rPr lang="en-IN" sz="3200" dirty="0">
+                <a:solidFill>
+                  <a:schemeClr val="tx2"/>
+                </a:solidFill>
+                <a:latin typeface="Segoe Light"/>
+                <a:ea typeface="+mn-ea"/>
+                <a:cs typeface="Segoe Light"/>
+              </a:rPr>
+              <a:t>App</a:t>
+            </a:r>
+            <a:br>
+              <a:rPr lang="en-IN" sz="3200" dirty="0">
+                <a:solidFill>
+                  <a:schemeClr val="tx2"/>
+                </a:solidFill>
+                <a:latin typeface="Segoe Light"/>
+                <a:ea typeface="+mn-ea"/>
+                <a:cs typeface="Segoe Light"/>
+              </a:rPr>
+            </a:br>
+            <a:r>
+              <a:rPr lang="en-IN" sz="3200" dirty="0">
+                <a:solidFill>
+                  <a:srgbClr val="FF0000"/>
+                </a:solidFill>
+                <a:latin typeface="Segoe Light"/>
+                <a:ea typeface="+mn-ea"/>
+                <a:cs typeface="Segoe Light"/>
+              </a:rPr>
+              <a:t> now !!!</a:t>
+            </a:r>
+          </a:p>
+        </p:txBody>
+      </p:sp>
+      <p:grpSp>
+        <p:nvGrpSpPr>
+          <p:cNvPr id="3" name="Group 2"/>
+          <p:cNvGrpSpPr/>
+          <p:nvPr/>
+        </p:nvGrpSpPr>
+        <p:grpSpPr>
+          <a:xfrm>
+            <a:off x="152399" y="152400"/>
+            <a:ext cx="5707455" cy="6477000"/>
+            <a:chOff x="152399" y="152400"/>
+            <a:chExt cx="5707455" cy="6477000"/>
+          </a:xfrm>
+        </p:grpSpPr>
+        <p:pic>
+          <p:nvPicPr>
+            <p:cNvPr id="7" name="Picture 6"/>
+            <p:cNvPicPr>
+              <a:picLocks noChangeAspect="1"/>
+            </p:cNvPicPr>
+            <p:nvPr/>
+          </p:nvPicPr>
+          <p:blipFill>
+            <a:blip r:embed="rId2"/>
+            <a:stretch>
+              <a:fillRect/>
+            </a:stretch>
+          </p:blipFill>
+          <p:spPr>
+            <a:xfrm>
+              <a:off x="152399" y="152400"/>
+              <a:ext cx="5707455" cy="6477000"/>
+            </a:xfrm>
+            <a:prstGeom prst="rect">
+              <a:avLst/>
+            </a:prstGeom>
+          </p:spPr>
+        </p:pic>
+        <p:pic>
+          <p:nvPicPr>
+            <p:cNvPr id="8" name="Picture 7"/>
+            <p:cNvPicPr>
+              <a:picLocks noChangeAspect="1"/>
+            </p:cNvPicPr>
+            <p:nvPr/>
+          </p:nvPicPr>
+          <p:blipFill>
+            <a:blip r:embed="rId3"/>
+            <a:stretch>
+              <a:fillRect/>
+            </a:stretch>
+          </p:blipFill>
+          <p:spPr>
+            <a:xfrm>
+              <a:off x="2743200" y="3886200"/>
+              <a:ext cx="2895600" cy="2552700"/>
+            </a:xfrm>
+            <a:prstGeom prst="rect">
+              <a:avLst/>
+            </a:prstGeom>
+          </p:spPr>
+        </p:pic>
+      </p:grpSp>
+      <p:pic>
+        <p:nvPicPr>
+          <p:cNvPr id="6" name="Picture 5"/>
+          <p:cNvPicPr>
+            <a:picLocks noChangeAspect="1"/>
+          </p:cNvPicPr>
+          <p:nvPr/>
+        </p:nvPicPr>
+        <p:blipFill>
+          <a:blip r:embed="rId4">
+            <a:clrChange>
+              <a:clrFrom>
+                <a:srgbClr val="FFFFFF"/>
+              </a:clrFrom>
+              <a:clrTo>
+                <a:srgbClr val="FFFFFF">
+                  <a:alpha val="0"/>
+                </a:srgbClr>
+              </a:clrTo>
+            </a:clrChange>
+          </a:blip>
+          <a:stretch>
+            <a:fillRect/>
+          </a:stretch>
+        </p:blipFill>
+        <p:spPr>
+          <a:xfrm>
+            <a:off x="9829800" y="5402884"/>
+            <a:ext cx="1219200" cy="447218"/>
+          </a:xfrm>
+          <a:prstGeom prst="rect">
+            <a:avLst/>
+          </a:prstGeom>
+        </p:spPr>
+      </p:pic>
+      <p:pic>
+        <p:nvPicPr>
+          <p:cNvPr id="9" name="Picture 8"/>
+          <p:cNvPicPr>
+            <a:picLocks noChangeAspect="1"/>
+          </p:cNvPicPr>
+          <p:nvPr/>
+        </p:nvPicPr>
+        <p:blipFill>
+          <a:blip r:embed="rId5">
+            <a:clrChange>
+              <a:clrFrom>
+                <a:srgbClr val="FFFFFF"/>
+              </a:clrFrom>
+              <a:clrTo>
+                <a:srgbClr val="FFFFFF">
+                  <a:alpha val="0"/>
+                </a:srgbClr>
+              </a:clrTo>
+            </a:clrChange>
+          </a:blip>
+          <a:stretch>
+            <a:fillRect/>
+          </a:stretch>
+        </p:blipFill>
+        <p:spPr>
+          <a:xfrm>
+            <a:off x="6865544" y="5406048"/>
+            <a:ext cx="1745055" cy="444054"/>
+          </a:xfrm>
+          <a:prstGeom prst="rect">
+            <a:avLst/>
+          </a:prstGeom>
+        </p:spPr>
+      </p:pic>
+      <p:pic>
+        <p:nvPicPr>
+          <p:cNvPr id="4" name="Picture 3"/>
+          <p:cNvPicPr>
+            <a:picLocks noChangeAspect="1"/>
+          </p:cNvPicPr>
+          <p:nvPr/>
+        </p:nvPicPr>
+        <p:blipFill>
+          <a:blip r:embed="rId6">
+            <a:extLst>
+              <a:ext uri="{28A0092B-C50C-407E-A947-70E740481C1C}">
+                <a14:useLocalDpi xmlns:a14="http://schemas.microsoft.com/office/drawing/2010/main" val="0"/>
+              </a:ext>
+            </a:extLst>
+          </a:blip>
+          <a:stretch>
+            <a:fillRect/>
+          </a:stretch>
+        </p:blipFill>
+        <p:spPr>
+          <a:xfrm>
+            <a:off x="9588137" y="3581400"/>
+            <a:ext cx="1737415" cy="1737415"/>
+          </a:xfrm>
+          <a:prstGeom prst="rect">
+            <a:avLst/>
+          </a:prstGeom>
+        </p:spPr>
+      </p:pic>
+      <p:pic>
+        <p:nvPicPr>
+          <p:cNvPr id="5" name="Picture 4"/>
+          <p:cNvPicPr>
+            <a:picLocks noChangeAspect="1"/>
+          </p:cNvPicPr>
+          <p:nvPr/>
+        </p:nvPicPr>
+        <p:blipFill>
+          <a:blip r:embed="rId7">
+            <a:extLst>
+              <a:ext uri="{28A0092B-C50C-407E-A947-70E740481C1C}">
+                <a14:useLocalDpi xmlns:a14="http://schemas.microsoft.com/office/drawing/2010/main" val="0"/>
+              </a:ext>
+            </a:extLst>
+          </a:blip>
+          <a:stretch>
+            <a:fillRect/>
+          </a:stretch>
+        </p:blipFill>
+        <p:spPr>
+          <a:xfrm>
+            <a:off x="6865545" y="3581401"/>
+            <a:ext cx="1745055" cy="1745055"/>
+          </a:xfrm>
+          <a:prstGeom prst="rect">
+            <a:avLst/>
+          </a:prstGeom>
+        </p:spPr>
+      </p:pic>
+    </p:spTree>
+    <p:extLst>
+      <p:ext uri="{BB962C8B-B14F-4D97-AF65-F5344CB8AC3E}">
+        <p14:creationId xmlns:p14="http://schemas.microsoft.com/office/powerpoint/2010/main" val="1709728207"/>
+      </p:ext>
+    </p:extLst>
+  </p:cSld>
+  <p:clrMapOvr>
+    <a:masterClrMapping/>
+  </p:clrMapOvr>
 </p:sld>
 </file>
 
@@ -27085,12 +33511,6 @@
               </a:rPr>
               <a:t>Case Studies</a:t>
             </a:r>
-            <a:endParaRPr lang="en-US" sz="2000" dirty="0" smtClean="0">
-              <a:solidFill>
-                <a:schemeClr val="tx1"/>
-              </a:solidFill>
-              <a:latin typeface="Segoe UI Light" panose="020B0502040204020203" pitchFamily="34" charset="0"/>
-            </a:endParaRPr>
           </a:p>
           <a:p>
             <a:pPr marL="342900" indent="-342900">
@@ -27200,14 +33620,758 @@
   <p:clrMapOvr>
     <a:masterClrMapping/>
   </p:clrMapOvr>
-  <mc:AlternateContent xmlns:mc="http://schemas.openxmlformats.org/markup-compatibility/2006">
-    <mc:Choice xmlns:p14="http://schemas.microsoft.com/office/powerpoint/2010/main" Requires="p14">
+  <mc:AlternateContent xmlns:mc="http://schemas.openxmlformats.org/markup-compatibility/2006" xmlns:p14="http://schemas.microsoft.com/office/powerpoint/2010/main">
+    <mc:Choice Requires="p14">
       <p:transition spd="slow" p14:dur="2000" advTm="193"/>
     </mc:Choice>
-    <mc:Fallback>
+    <mc:Fallback xmlns="">
       <p:transition spd="slow" advTm="193"/>
     </mc:Fallback>
   </mc:AlternateContent>
+  <p:timing>
+    <p:tnLst>
+      <p:par>
+        <p:cTn id="1" dur="indefinite" restart="never" nodeType="tmRoot"/>
+      </p:par>
+    </p:tnLst>
+  </p:timing>
+</p:sld>
+</file>
+
+<file path=ppt/slides/slide30.xml><?xml version="1.0" encoding="utf-8"?>
+<p:sld xmlns:a="http://schemas.openxmlformats.org/drawingml/2006/main" xmlns:r="http://schemas.openxmlformats.org/officeDocument/2006/relationships" xmlns:p="http://schemas.openxmlformats.org/presentationml/2006/main">
+  <p:cSld>
+    <p:spTree>
+      <p:nvGrpSpPr>
+        <p:cNvPr id="1" name=""/>
+        <p:cNvGrpSpPr/>
+        <p:nvPr/>
+      </p:nvGrpSpPr>
+      <p:grpSpPr>
+        <a:xfrm>
+          <a:off x="0" y="0"/>
+          <a:ext cx="0" cy="0"/>
+          <a:chOff x="0" y="0"/>
+          <a:chExt cx="0" cy="0"/>
+        </a:xfrm>
+      </p:grpSpPr>
+      <p:pic>
+        <p:nvPicPr>
+          <p:cNvPr id="10" name="Picture 9"/>
+          <p:cNvPicPr>
+            <a:picLocks noChangeAspect="1"/>
+          </p:cNvPicPr>
+          <p:nvPr/>
+        </p:nvPicPr>
+        <p:blipFill rotWithShape="1">
+          <a:blip r:embed="rId2">
+            <a:extLst>
+              <a:ext uri="{28A0092B-C50C-407E-A947-70E740481C1C}">
+                <a14:useLocalDpi xmlns:a14="http://schemas.microsoft.com/office/drawing/2010/main" val="0"/>
+              </a:ext>
+            </a:extLst>
+          </a:blip>
+          <a:srcRect/>
+          <a:stretch/>
+        </p:blipFill>
+        <p:spPr>
+          <a:xfrm>
+            <a:off x="-156026" y="-91621"/>
+            <a:ext cx="12500426" cy="6991667"/>
+          </a:xfrm>
+          <a:prstGeom prst="rect">
+            <a:avLst/>
+          </a:prstGeom>
+        </p:spPr>
+      </p:pic>
+      <p:sp>
+        <p:nvSpPr>
+          <p:cNvPr id="11" name="Rectangle 10"/>
+          <p:cNvSpPr/>
+          <p:nvPr/>
+        </p:nvSpPr>
+        <p:spPr bwMode="gray">
+          <a:xfrm>
+            <a:off x="379527" y="4227884"/>
+            <a:ext cx="11962712" cy="2514601"/>
+          </a:xfrm>
+          <a:prstGeom prst="rect">
+            <a:avLst/>
+          </a:prstGeom>
+          <a:solidFill>
+            <a:srgbClr val="FF0000">
+              <a:alpha val="90000"/>
+            </a:srgbClr>
+          </a:solidFill>
+          <a:ln w="9525" cap="flat" cmpd="sng" algn="ctr">
+            <a:noFill/>
+            <a:prstDash val="solid"/>
+            <a:headEnd type="none" w="med" len="med"/>
+            <a:tailEnd type="none" w="med" len="med"/>
+          </a:ln>
+          <a:effectLst/>
+        </p:spPr>
+        <p:txBody>
+          <a:bodyPr rot="0" spcFirstLastPara="0" vertOverflow="overflow" horzOverflow="overflow" vert="horz" wrap="square" lIns="182880" tIns="146304" rIns="182880" bIns="146304" numCol="1" spcCol="0" rtlCol="0" fromWordArt="0" anchor="t" anchorCtr="0" forceAA="0" compatLnSpc="1">
+            <a:prstTxWarp prst="textNoShape">
+              <a:avLst/>
+            </a:prstTxWarp>
+            <a:noAutofit/>
+          </a:bodyPr>
+          <a:lstStyle/>
+          <a:p>
+            <a:pPr marL="0" marR="0" lvl="0" indent="0" algn="ctr" defTabSz="932472" rtl="0" eaLnBrk="1" fontAlgn="base" latinLnBrk="0" hangingPunct="1">
+              <a:lnSpc>
+                <a:spcPct val="90000"/>
+              </a:lnSpc>
+              <a:spcBef>
+                <a:spcPct val="0"/>
+              </a:spcBef>
+              <a:spcAft>
+                <a:spcPct val="0"/>
+              </a:spcAft>
+              <a:buClrTx/>
+              <a:buSzTx/>
+              <a:buFontTx/>
+              <a:buNone/>
+              <a:tabLst/>
+              <a:defRPr/>
+            </a:pPr>
+            <a:endParaRPr kumimoji="0" lang="en-US" sz="2400" b="0" i="0" u="none" strike="noStrike" kern="0" cap="none" spc="0" normalizeH="0" baseline="0" noProof="0" dirty="0">
+              <a:ln>
+                <a:noFill/>
+              </a:ln>
+              <a:gradFill>
+                <a:gsLst>
+                  <a:gs pos="0">
+                    <a:srgbClr val="FFFFFF"/>
+                  </a:gs>
+                  <a:gs pos="100000">
+                    <a:srgbClr val="FFFFFF"/>
+                  </a:gs>
+                </a:gsLst>
+                <a:lin ang="5400000" scaled="0"/>
+              </a:gradFill>
+              <a:effectLst/>
+              <a:uLnTx/>
+              <a:uFillTx/>
+              <a:latin typeface="Segoe UI"/>
+              <a:ea typeface="Segoe UI" pitchFamily="34" charset="0"/>
+              <a:cs typeface="Segoe UI" pitchFamily="34" charset="0"/>
+            </a:endParaRPr>
+          </a:p>
+        </p:txBody>
+      </p:sp>
+      <p:sp>
+        <p:nvSpPr>
+          <p:cNvPr id="12" name="Title 1"/>
+          <p:cNvSpPr txBox="1">
+            <a:spLocks/>
+          </p:cNvSpPr>
+          <p:nvPr/>
+        </p:nvSpPr>
+        <p:spPr bwMode="ltGray">
+          <a:xfrm>
+            <a:off x="641121" y="4227884"/>
+            <a:ext cx="6597879" cy="2401516"/>
+          </a:xfrm>
+          <a:prstGeom prst="rect">
+            <a:avLst/>
+          </a:prstGeom>
+          <a:noFill/>
+        </p:spPr>
+        <p:txBody>
+          <a:bodyPr vert="horz" wrap="square" lIns="146304" tIns="91440" rIns="146304" bIns="91440" rtlCol="0" anchor="t" anchorCtr="0">
+            <a:noAutofit/>
+          </a:bodyPr>
+          <a:lstStyle>
+            <a:lvl1pPr algn="l" defTabSz="932742" rtl="0" eaLnBrk="1" latinLnBrk="0" hangingPunct="1">
+              <a:lnSpc>
+                <a:spcPct val="90000"/>
+              </a:lnSpc>
+              <a:spcBef>
+                <a:spcPct val="0"/>
+              </a:spcBef>
+              <a:buNone/>
+              <a:defRPr lang="en-US" sz="6000" b="0" kern="1200" cap="none" spc="-100" baseline="0">
+                <a:ln w="3175">
+                  <a:noFill/>
+                </a:ln>
+                <a:gradFill>
+                  <a:gsLst>
+                    <a:gs pos="0">
+                      <a:srgbClr val="FFFFFF"/>
+                    </a:gs>
+                    <a:gs pos="100000">
+                      <a:srgbClr val="FFFFFF"/>
+                    </a:gs>
+                  </a:gsLst>
+                  <a:lin ang="5400000" scaled="0"/>
+                </a:gradFill>
+                <a:effectLst/>
+                <a:latin typeface="+mj-lt"/>
+                <a:ea typeface="+mn-ea"/>
+                <a:cs typeface="Segoe UI" pitchFamily="34" charset="0"/>
+              </a:defRPr>
+            </a:lvl1pPr>
+          </a:lstStyle>
+          <a:p>
+            <a:pPr marL="0" marR="0" lvl="0" indent="0" algn="l" defTabSz="932742" rtl="0" eaLnBrk="1" fontAlgn="auto" latinLnBrk="0" hangingPunct="1">
+              <a:lnSpc>
+                <a:spcPct val="90000"/>
+              </a:lnSpc>
+              <a:spcBef>
+                <a:spcPct val="0"/>
+              </a:spcBef>
+              <a:spcAft>
+                <a:spcPts val="0"/>
+              </a:spcAft>
+              <a:buClrTx/>
+              <a:buSzTx/>
+              <a:buFontTx/>
+              <a:buNone/>
+              <a:tabLst/>
+              <a:defRPr/>
+            </a:pPr>
+            <a:endParaRPr kumimoji="0" lang="en-US" sz="3200" b="0" i="0" u="none" strike="noStrike" kern="1200" cap="none" spc="-100" normalizeH="0" baseline="0" noProof="0" dirty="0" smtClean="0">
+              <a:ln w="3175">
+                <a:noFill/>
+              </a:ln>
+              <a:gradFill>
+                <a:gsLst>
+                  <a:gs pos="0">
+                    <a:srgbClr val="FFFFFF"/>
+                  </a:gs>
+                  <a:gs pos="100000">
+                    <a:srgbClr val="FFFFFF"/>
+                  </a:gs>
+                </a:gsLst>
+                <a:lin ang="5400000" scaled="0"/>
+              </a:gradFill>
+              <a:effectLst/>
+              <a:uLnTx/>
+              <a:uFillTx/>
+              <a:latin typeface="Segoe UI Light"/>
+              <a:ea typeface="+mn-ea"/>
+              <a:cs typeface="Segoe UI" pitchFamily="34" charset="0"/>
+            </a:endParaRPr>
+          </a:p>
+          <a:p>
+            <a:pPr marL="0" marR="0" lvl="0" indent="0" algn="l" defTabSz="932742" rtl="0" eaLnBrk="1" fontAlgn="auto" latinLnBrk="0" hangingPunct="1">
+              <a:lnSpc>
+                <a:spcPct val="90000"/>
+              </a:lnSpc>
+              <a:spcBef>
+                <a:spcPct val="0"/>
+              </a:spcBef>
+              <a:spcAft>
+                <a:spcPts val="0"/>
+              </a:spcAft>
+              <a:buClrTx/>
+              <a:buSzTx/>
+              <a:buFontTx/>
+              <a:buNone/>
+              <a:tabLst/>
+              <a:defRPr/>
+            </a:pPr>
+            <a:r>
+              <a:rPr kumimoji="0" lang="en-US" sz="3600" b="1" i="0" u="none" strike="noStrike" kern="1200" cap="none" spc="-100" normalizeH="0" baseline="0" noProof="0" dirty="0" smtClean="0">
+                <a:ln w="3175">
+                  <a:noFill/>
+                </a:ln>
+                <a:gradFill>
+                  <a:gsLst>
+                    <a:gs pos="0">
+                      <a:srgbClr val="FFFFFF"/>
+                    </a:gs>
+                    <a:gs pos="100000">
+                      <a:srgbClr val="FFFFFF"/>
+                    </a:gs>
+                  </a:gsLst>
+                  <a:lin ang="5400000" scaled="0"/>
+                </a:gradFill>
+                <a:effectLst/>
+                <a:uLnTx/>
+                <a:uFillTx/>
+                <a:latin typeface="Segoe UI Light"/>
+                <a:ea typeface="+mn-ea"/>
+                <a:cs typeface="Segoe UI" pitchFamily="34" charset="0"/>
+              </a:rPr>
+              <a:t>         Continue Your Learning</a:t>
+            </a:r>
+          </a:p>
+          <a:p>
+            <a:pPr marL="0" marR="0" lvl="0" indent="0" algn="l" defTabSz="932742" rtl="0" eaLnBrk="1" fontAlgn="auto" latinLnBrk="0" hangingPunct="1">
+              <a:lnSpc>
+                <a:spcPct val="90000"/>
+              </a:lnSpc>
+              <a:spcBef>
+                <a:spcPct val="0"/>
+              </a:spcBef>
+              <a:spcAft>
+                <a:spcPts val="0"/>
+              </a:spcAft>
+              <a:buClrTx/>
+              <a:buSzTx/>
+              <a:buFontTx/>
+              <a:buNone/>
+              <a:tabLst/>
+              <a:defRPr/>
+            </a:pPr>
+            <a:r>
+              <a:rPr kumimoji="0" lang="en-US" sz="3600" b="1" i="0" u="none" strike="noStrike" kern="1200" cap="none" spc="-100" normalizeH="0" baseline="0" noProof="0" dirty="0" smtClean="0">
+                <a:ln w="3175">
+                  <a:noFill/>
+                </a:ln>
+                <a:gradFill>
+                  <a:gsLst>
+                    <a:gs pos="0">
+                      <a:srgbClr val="FFFFFF"/>
+                    </a:gs>
+                    <a:gs pos="100000">
+                      <a:srgbClr val="FFFFFF"/>
+                    </a:gs>
+                  </a:gsLst>
+                  <a:lin ang="5400000" scaled="0"/>
+                </a:gradFill>
+                <a:effectLst/>
+                <a:uLnTx/>
+                <a:uFillTx/>
+                <a:latin typeface="Segoe UI Light"/>
+                <a:ea typeface="+mn-ea"/>
+                <a:cs typeface="Segoe UI" pitchFamily="34" charset="0"/>
+              </a:rPr>
+              <a:t>                          @ </a:t>
+            </a:r>
+          </a:p>
+          <a:p>
+            <a:pPr marL="0" marR="0" lvl="0" indent="0" algn="l" defTabSz="932742" rtl="0" eaLnBrk="1" fontAlgn="auto" latinLnBrk="0" hangingPunct="1">
+              <a:lnSpc>
+                <a:spcPct val="90000"/>
+              </a:lnSpc>
+              <a:spcBef>
+                <a:spcPct val="0"/>
+              </a:spcBef>
+              <a:spcAft>
+                <a:spcPts val="0"/>
+              </a:spcAft>
+              <a:buClrTx/>
+              <a:buSzTx/>
+              <a:buFontTx/>
+              <a:buNone/>
+              <a:tabLst/>
+              <a:defRPr/>
+            </a:pPr>
+            <a:r>
+              <a:rPr kumimoji="0" lang="en-US" sz="3600" b="1" i="0" u="none" strike="noStrike" kern="1200" cap="none" spc="-100" normalizeH="0" baseline="0" noProof="0" dirty="0" smtClean="0">
+                <a:ln w="3175">
+                  <a:noFill/>
+                </a:ln>
+                <a:gradFill>
+                  <a:gsLst>
+                    <a:gs pos="0">
+                      <a:srgbClr val="FFFFFF"/>
+                    </a:gs>
+                    <a:gs pos="100000">
+                      <a:srgbClr val="FFFFFF"/>
+                    </a:gs>
+                  </a:gsLst>
+                  <a:lin ang="5400000" scaled="0"/>
+                </a:gradFill>
+                <a:effectLst/>
+                <a:uLnTx/>
+                <a:uFillTx/>
+                <a:latin typeface="Segoe UI Light"/>
+                <a:ea typeface="+mn-ea"/>
+                <a:cs typeface="Segoe UI" pitchFamily="34" charset="0"/>
+              </a:rPr>
+              <a:t>www.microsoftvirtualacademy.com</a:t>
+            </a:r>
+            <a:endParaRPr kumimoji="0" lang="en-US" sz="3600" b="1" i="0" u="none" strike="noStrike" kern="1200" cap="none" spc="-100" normalizeH="0" baseline="0" noProof="0" dirty="0">
+              <a:ln w="3175">
+                <a:noFill/>
+              </a:ln>
+              <a:gradFill>
+                <a:gsLst>
+                  <a:gs pos="0">
+                    <a:srgbClr val="FFFFFF"/>
+                  </a:gs>
+                  <a:gs pos="100000">
+                    <a:srgbClr val="FFFFFF"/>
+                  </a:gs>
+                </a:gsLst>
+                <a:lin ang="5400000" scaled="0"/>
+              </a:gradFill>
+              <a:effectLst/>
+              <a:uLnTx/>
+              <a:uFillTx/>
+              <a:latin typeface="Segoe UI Light"/>
+              <a:ea typeface="+mn-ea"/>
+              <a:cs typeface="Segoe UI" pitchFamily="34" charset="0"/>
+            </a:endParaRPr>
+          </a:p>
+        </p:txBody>
+      </p:sp>
+      <p:pic>
+        <p:nvPicPr>
+          <p:cNvPr id="6" name="Picture 5"/>
+          <p:cNvPicPr>
+            <a:picLocks noChangeAspect="1"/>
+          </p:cNvPicPr>
+          <p:nvPr/>
+        </p:nvPicPr>
+        <p:blipFill>
+          <a:blip r:embed="rId3"/>
+          <a:stretch>
+            <a:fillRect/>
+          </a:stretch>
+        </p:blipFill>
+        <p:spPr>
+          <a:xfrm>
+            <a:off x="7483101" y="4321779"/>
+            <a:ext cx="4708899" cy="2269898"/>
+          </a:xfrm>
+          <a:prstGeom prst="rect">
+            <a:avLst/>
+          </a:prstGeom>
+        </p:spPr>
+      </p:pic>
+    </p:spTree>
+    <p:extLst>
+      <p:ext uri="{BB962C8B-B14F-4D97-AF65-F5344CB8AC3E}">
+        <p14:creationId xmlns:p14="http://schemas.microsoft.com/office/powerpoint/2010/main" val="638650134"/>
+      </p:ext>
+    </p:extLst>
+  </p:cSld>
+  <p:clrMapOvr>
+    <a:masterClrMapping/>
+  </p:clrMapOvr>
+  <p:timing>
+    <p:tnLst>
+      <p:par>
+        <p:cTn id="1" dur="indefinite" restart="never" nodeType="tmRoot"/>
+      </p:par>
+    </p:tnLst>
+  </p:timing>
+</p:sld>
+</file>
+
+<file path=ppt/slides/slide31.xml><?xml version="1.0" encoding="utf-8"?>
+<p:sld xmlns:a="http://schemas.openxmlformats.org/drawingml/2006/main" xmlns:r="http://schemas.openxmlformats.org/officeDocument/2006/relationships" xmlns:p="http://schemas.openxmlformats.org/presentationml/2006/main">
+  <p:cSld>
+    <p:spTree>
+      <p:nvGrpSpPr>
+        <p:cNvPr id="1" name=""/>
+        <p:cNvGrpSpPr/>
+        <p:nvPr/>
+      </p:nvGrpSpPr>
+      <p:grpSpPr>
+        <a:xfrm>
+          <a:off x="0" y="0"/>
+          <a:ext cx="0" cy="0"/>
+          <a:chOff x="0" y="0"/>
+          <a:chExt cx="0" cy="0"/>
+        </a:xfrm>
+      </p:grpSpPr>
+      <p:sp>
+        <p:nvSpPr>
+          <p:cNvPr id="11" name="Title 6"/>
+          <p:cNvSpPr txBox="1">
+            <a:spLocks/>
+          </p:cNvSpPr>
+          <p:nvPr/>
+        </p:nvSpPr>
+        <p:spPr>
+          <a:xfrm>
+            <a:off x="5562600" y="933845"/>
+            <a:ext cx="4193809" cy="552359"/>
+          </a:xfrm>
+          <a:prstGeom prst="rect">
+            <a:avLst/>
+          </a:prstGeom>
+        </p:spPr>
+        <p:txBody>
+          <a:bodyPr/>
+          <a:lstStyle>
+            <a:lvl1pPr algn="l" defTabSz="914400" rtl="0" eaLnBrk="1" latinLnBrk="0" hangingPunct="1">
+              <a:lnSpc>
+                <a:spcPct val="90000"/>
+              </a:lnSpc>
+              <a:spcBef>
+                <a:spcPct val="0"/>
+              </a:spcBef>
+              <a:buNone/>
+              <a:defRPr sz="4800" b="0" kern="1200" baseline="0">
+                <a:solidFill>
+                  <a:srgbClr val="0071B6"/>
+                </a:solidFill>
+                <a:latin typeface="Segoe UI Light" panose="020B0502040204020203" pitchFamily="34" charset="0"/>
+                <a:ea typeface="Segoe UI" panose="020B0502040204020203" pitchFamily="34" charset="0"/>
+                <a:cs typeface="Segoe UI" panose="020B0502040204020203" pitchFamily="34" charset="0"/>
+              </a:defRPr>
+            </a:lvl1pPr>
+          </a:lstStyle>
+          <a:p>
+            <a:pPr marL="0" marR="0" lvl="0" indent="0" algn="l" defTabSz="914400" rtl="0" eaLnBrk="1" fontAlgn="auto" latinLnBrk="0" hangingPunct="1">
+              <a:lnSpc>
+                <a:spcPct val="90000"/>
+              </a:lnSpc>
+              <a:spcBef>
+                <a:spcPct val="0"/>
+              </a:spcBef>
+              <a:spcAft>
+                <a:spcPts val="0"/>
+              </a:spcAft>
+              <a:buClrTx/>
+              <a:buSzTx/>
+              <a:buFontTx/>
+              <a:buNone/>
+              <a:tabLst/>
+              <a:defRPr/>
+            </a:pPr>
+            <a:r>
+              <a:rPr kumimoji="0" lang="en-US" sz="3200" b="1" i="0" u="none" strike="noStrike" kern="1200" cap="none" spc="0" normalizeH="0" baseline="0" noProof="0" dirty="0" smtClean="0">
+                <a:ln>
+                  <a:noFill/>
+                </a:ln>
+                <a:solidFill>
+                  <a:srgbClr val="FF0000"/>
+                </a:solidFill>
+                <a:effectLst/>
+                <a:uLnTx/>
+                <a:uFillTx/>
+                <a:latin typeface="Segoe UI Light" panose="020B0502040204020203" pitchFamily="34" charset="0"/>
+                <a:cs typeface="Segoe UI" panose="020B0502040204020203" pitchFamily="34" charset="0"/>
+              </a:rPr>
+              <a:t>Follow us online</a:t>
+            </a:r>
+            <a:endParaRPr kumimoji="0" lang="en-US" sz="3200" b="1" i="0" u="none" strike="noStrike" kern="1200" cap="none" spc="0" normalizeH="0" baseline="0" noProof="0" dirty="0">
+              <a:ln>
+                <a:noFill/>
+              </a:ln>
+              <a:solidFill>
+                <a:srgbClr val="FF0000"/>
+              </a:solidFill>
+              <a:effectLst/>
+              <a:uLnTx/>
+              <a:uFillTx/>
+              <a:latin typeface="Segoe UI Light" panose="020B0502040204020203" pitchFamily="34" charset="0"/>
+              <a:cs typeface="Segoe UI" panose="020B0502040204020203" pitchFamily="34" charset="0"/>
+            </a:endParaRPr>
+          </a:p>
+        </p:txBody>
+      </p:sp>
+      <p:cxnSp>
+        <p:nvCxnSpPr>
+          <p:cNvPr id="12" name="Straight Connector 11"/>
+          <p:cNvCxnSpPr/>
+          <p:nvPr/>
+        </p:nvCxnSpPr>
+        <p:spPr>
+          <a:xfrm>
+            <a:off x="5181600" y="933845"/>
+            <a:ext cx="0" cy="5105400"/>
+          </a:xfrm>
+          <a:prstGeom prst="line">
+            <a:avLst/>
+          </a:prstGeom>
+          <a:ln w="12700">
+            <a:solidFill>
+              <a:schemeClr val="tx1"/>
+            </a:solidFill>
+          </a:ln>
+        </p:spPr>
+        <p:style>
+          <a:lnRef idx="2">
+            <a:schemeClr val="accent1"/>
+          </a:lnRef>
+          <a:fillRef idx="0">
+            <a:schemeClr val="accent1"/>
+          </a:fillRef>
+          <a:effectRef idx="1">
+            <a:schemeClr val="accent1"/>
+          </a:effectRef>
+          <a:fontRef idx="minor">
+            <a:schemeClr val="tx1"/>
+          </a:fontRef>
+        </p:style>
+      </p:cxnSp>
+      <p:pic>
+        <p:nvPicPr>
+          <p:cNvPr id="13" name="Picture 12"/>
+          <p:cNvPicPr>
+            <a:picLocks noChangeAspect="1"/>
+          </p:cNvPicPr>
+          <p:nvPr/>
+        </p:nvPicPr>
+        <p:blipFill>
+          <a:blip r:embed="rId2" cstate="print">
+            <a:extLst>
+              <a:ext uri="{28A0092B-C50C-407E-A947-70E740481C1C}">
+                <a14:useLocalDpi xmlns:a14="http://schemas.microsoft.com/office/drawing/2010/main" val="0"/>
+              </a:ext>
+            </a:extLst>
+          </a:blip>
+          <a:stretch>
+            <a:fillRect/>
+          </a:stretch>
+        </p:blipFill>
+        <p:spPr>
+          <a:xfrm>
+            <a:off x="457200" y="1828800"/>
+            <a:ext cx="3739124" cy="2273124"/>
+          </a:xfrm>
+          <a:prstGeom prst="rect">
+            <a:avLst/>
+          </a:prstGeom>
+        </p:spPr>
+      </p:pic>
+      <p:pic>
+        <p:nvPicPr>
+          <p:cNvPr id="7" name="Picture 6"/>
+          <p:cNvPicPr>
+            <a:picLocks noChangeAspect="1"/>
+          </p:cNvPicPr>
+          <p:nvPr/>
+        </p:nvPicPr>
+        <p:blipFill>
+          <a:blip r:embed="rId3"/>
+          <a:stretch>
+            <a:fillRect/>
+          </a:stretch>
+        </p:blipFill>
+        <p:spPr>
+          <a:xfrm>
+            <a:off x="5638800" y="1828800"/>
+            <a:ext cx="5606808" cy="1600200"/>
+          </a:xfrm>
+          <a:prstGeom prst="rect">
+            <a:avLst/>
+          </a:prstGeom>
+        </p:spPr>
+      </p:pic>
+      <p:grpSp>
+        <p:nvGrpSpPr>
+          <p:cNvPr id="14" name="Group 13"/>
+          <p:cNvGrpSpPr/>
+          <p:nvPr/>
+        </p:nvGrpSpPr>
+        <p:grpSpPr>
+          <a:xfrm>
+            <a:off x="5715000" y="4038600"/>
+            <a:ext cx="5638800" cy="1828800"/>
+            <a:chOff x="6639672" y="4963850"/>
+            <a:chExt cx="4144592" cy="1285334"/>
+          </a:xfrm>
+        </p:grpSpPr>
+        <p:pic>
+          <p:nvPicPr>
+            <p:cNvPr id="15" name="Picture 14"/>
+            <p:cNvPicPr>
+              <a:picLocks noChangeAspect="1"/>
+            </p:cNvPicPr>
+            <p:nvPr/>
+          </p:nvPicPr>
+          <p:blipFill>
+            <a:blip r:embed="rId4"/>
+            <a:stretch>
+              <a:fillRect/>
+            </a:stretch>
+          </p:blipFill>
+          <p:spPr>
+            <a:xfrm>
+              <a:off x="6639672" y="4963850"/>
+              <a:ext cx="1267059" cy="1285334"/>
+            </a:xfrm>
+            <a:prstGeom prst="rect">
+              <a:avLst/>
+            </a:prstGeom>
+          </p:spPr>
+        </p:pic>
+        <p:sp>
+          <p:nvSpPr>
+            <p:cNvPr id="16" name="TextBox 15"/>
+            <p:cNvSpPr txBox="1"/>
+            <p:nvPr/>
+          </p:nvSpPr>
+          <p:spPr>
+            <a:xfrm>
+              <a:off x="8191893" y="5403071"/>
+              <a:ext cx="2592371" cy="369332"/>
+            </a:xfrm>
+            <a:prstGeom prst="rect">
+              <a:avLst/>
+            </a:prstGeom>
+            <a:noFill/>
+          </p:spPr>
+          <p:txBody>
+            <a:bodyPr wrap="square" rtlCol="0">
+              <a:spAutoFit/>
+            </a:bodyPr>
+            <a:lstStyle/>
+            <a:p>
+              <a:pPr marL="0" marR="0" lvl="0" indent="0" algn="l" defTabSz="914400" rtl="0" eaLnBrk="1" fontAlgn="auto" latinLnBrk="0" hangingPunct="1">
+                <a:lnSpc>
+                  <a:spcPct val="100000"/>
+                </a:lnSpc>
+                <a:spcBef>
+                  <a:spcPts val="0"/>
+                </a:spcBef>
+                <a:spcAft>
+                  <a:spcPts val="0"/>
+                </a:spcAft>
+                <a:buClrTx/>
+                <a:buSzTx/>
+                <a:buFontTx/>
+                <a:buNone/>
+                <a:tabLst/>
+                <a:defRPr/>
+              </a:pPr>
+              <a:r>
+                <a:rPr kumimoji="0" lang="en-IN" sz="1800" b="1" i="0" u="none" strike="noStrike" kern="1200" cap="none" spc="0" normalizeH="0" baseline="0" noProof="0" dirty="0" smtClean="0">
+                  <a:ln>
+                    <a:noFill/>
+                  </a:ln>
+                  <a:solidFill>
+                    <a:prstClr val="black"/>
+                  </a:solidFill>
+                  <a:effectLst/>
+                  <a:uLnTx/>
+                  <a:uFillTx/>
+                  <a:latin typeface="Calibri" panose="020F0502020204030204"/>
+                  <a:ea typeface="+mn-ea"/>
+                  <a:cs typeface="+mn-cs"/>
+                </a:rPr>
+                <a:t>Microsoft Developer</a:t>
+              </a:r>
+              <a:endParaRPr kumimoji="0" lang="en-US" sz="1800" b="1" i="0" u="none" strike="noStrike" kern="1200" cap="none" spc="0" normalizeH="0" baseline="0" noProof="0" dirty="0">
+                <a:ln>
+                  <a:noFill/>
+                </a:ln>
+                <a:solidFill>
+                  <a:prstClr val="black"/>
+                </a:solidFill>
+                <a:effectLst/>
+                <a:uLnTx/>
+                <a:uFillTx/>
+                <a:latin typeface="Calibri" panose="020F0502020204030204"/>
+                <a:ea typeface="+mn-ea"/>
+                <a:cs typeface="+mn-cs"/>
+              </a:endParaRPr>
+            </a:p>
+          </p:txBody>
+        </p:sp>
+      </p:grpSp>
+    </p:spTree>
+    <p:extLst>
+      <p:ext uri="{BB962C8B-B14F-4D97-AF65-F5344CB8AC3E}">
+        <p14:creationId xmlns:p14="http://schemas.microsoft.com/office/powerpoint/2010/main" val="261549273"/>
+      </p:ext>
+    </p:extLst>
+  </p:cSld>
+  <p:clrMapOvr>
+    <a:masterClrMapping/>
+  </p:clrMapOvr>
   <p:timing>
     <p:tnLst>
       <p:par>
@@ -30986,11 +38150,11 @@
   <p:clrMapOvr>
     <a:masterClrMapping/>
   </p:clrMapOvr>
-  <mc:AlternateContent xmlns:mc="http://schemas.openxmlformats.org/markup-compatibility/2006">
-    <mc:Choice xmlns:p14="http://schemas.microsoft.com/office/powerpoint/2010/main" Requires="p14">
+  <mc:AlternateContent xmlns:mc="http://schemas.openxmlformats.org/markup-compatibility/2006" xmlns:p14="http://schemas.microsoft.com/office/powerpoint/2010/main">
+    <mc:Choice Requires="p14">
       <p:transition spd="slow" p14:dur="2000" advTm="205"/>
     </mc:Choice>
-    <mc:Fallback>
+    <mc:Fallback xmlns="">
       <p:transition spd="slow" advTm="205"/>
     </mc:Fallback>
   </mc:AlternateContent>
@@ -33762,11 +40926,11 @@
   <p:clrMapOvr>
     <a:masterClrMapping/>
   </p:clrMapOvr>
-  <mc:AlternateContent xmlns:mc="http://schemas.openxmlformats.org/markup-compatibility/2006">
-    <mc:Choice xmlns:p14="http://schemas.microsoft.com/office/powerpoint/2010/main" Requires="p14">
+  <mc:AlternateContent xmlns:mc="http://schemas.openxmlformats.org/markup-compatibility/2006" xmlns:p14="http://schemas.microsoft.com/office/powerpoint/2010/main">
+    <mc:Choice Requires="p14">
       <p:transition spd="slow" p14:dur="2000" advTm="397"/>
     </mc:Choice>
-    <mc:Fallback>
+    <mc:Fallback xmlns="">
       <p:transition spd="slow" advTm="397"/>
     </mc:Fallback>
   </mc:AlternateContent>
@@ -34558,17 +41722,7 @@
                 <a:latin typeface="Segoe UI Light" panose="020B0502040204020203" pitchFamily="34" charset="0"/>
                 <a:cs typeface="Segoe UI" panose="020B0502040204020203" pitchFamily="34" charset="0"/>
               </a:rPr>
-              <a:t>Enterprise </a:t>
-            </a:r>
-            <a:r>
-              <a:rPr lang="en-US" sz="2800" dirty="0" smtClean="0">
-                <a:solidFill>
-                  <a:prstClr val="white"/>
-                </a:solidFill>
-                <a:latin typeface="Segoe UI Light" panose="020B0502040204020203" pitchFamily="34" charset="0"/>
-                <a:cs typeface="Segoe UI" panose="020B0502040204020203" pitchFamily="34" charset="0"/>
-              </a:rPr>
-              <a:t>Grade Security</a:t>
+              <a:t>Enterprise Grade Security</a:t>
             </a:r>
             <a:endParaRPr lang="en-US" sz="2800" noProof="0" dirty="0" smtClean="0">
               <a:solidFill>
@@ -35024,25 +42178,8 @@
                 <a:latin typeface="Segoe UI Light" panose="020B0502040204020203" pitchFamily="34" charset="0"/>
                 <a:cs typeface="Segoe UI" panose="020B0502040204020203" pitchFamily="34" charset="0"/>
               </a:rPr>
-              <a:t>Global </a:t>
-            </a:r>
-            <a:r>
-              <a:rPr lang="en-US" sz="2800" noProof="0" dirty="0" smtClean="0">
-                <a:solidFill>
-                  <a:prstClr val="white"/>
-                </a:solidFill>
-                <a:latin typeface="Segoe UI Light" panose="020B0502040204020203" pitchFamily="34" charset="0"/>
-                <a:cs typeface="Segoe UI" panose="020B0502040204020203" pitchFamily="34" charset="0"/>
-              </a:rPr>
-              <a:t>Scale with High Availability</a:t>
-            </a:r>
-            <a:endParaRPr lang="en-US" sz="2800" noProof="0" dirty="0" smtClean="0">
-              <a:solidFill>
-                <a:prstClr val="white"/>
-              </a:solidFill>
-              <a:latin typeface="Segoe UI Light" panose="020B0502040204020203" pitchFamily="34" charset="0"/>
-              <a:cs typeface="Segoe UI" panose="020B0502040204020203" pitchFamily="34" charset="0"/>
-            </a:endParaRPr>
+              <a:t>Global Scale with High Availability</a:t>
+            </a:r>
           </a:p>
         </p:txBody>
       </p:sp>
@@ -36198,11 +43335,11 @@
   <p:clrMapOvr>
     <a:masterClrMapping/>
   </p:clrMapOvr>
-  <mc:AlternateContent xmlns:mc="http://schemas.openxmlformats.org/markup-compatibility/2006">
-    <mc:Choice xmlns:p14="http://schemas.microsoft.com/office/powerpoint/2010/main" Requires="p14">
+  <mc:AlternateContent xmlns:mc="http://schemas.openxmlformats.org/markup-compatibility/2006" xmlns:p14="http://schemas.microsoft.com/office/powerpoint/2010/main">
+    <mc:Choice Requires="p14">
       <p:transition spd="slow" p14:dur="2000"/>
     </mc:Choice>
-    <mc:Fallback>
+    <mc:Fallback xmlns="">
       <p:transition spd="slow"/>
     </mc:Fallback>
   </mc:AlternateContent>
@@ -36832,11 +43969,11 @@
   <p:clrMapOvr>
     <a:masterClrMapping/>
   </p:clrMapOvr>
-  <mc:AlternateContent xmlns:mc="http://schemas.openxmlformats.org/markup-compatibility/2006">
-    <mc:Choice xmlns:p14="http://schemas.microsoft.com/office/powerpoint/2010/main" Requires="p14">
+  <mc:AlternateContent xmlns:mc="http://schemas.openxmlformats.org/markup-compatibility/2006" xmlns:p14="http://schemas.microsoft.com/office/powerpoint/2010/main">
+    <mc:Choice Requires="p14">
       <p:transition spd="slow" p14:dur="2000" advTm="453"/>
     </mc:Choice>
-    <mc:Fallback>
+    <mc:Fallback xmlns="">
       <p:transition spd="slow" advTm="453"/>
     </mc:Fallback>
   </mc:AlternateContent>
@@ -38096,11 +45233,11 @@
   <p:clrMapOvr>
     <a:masterClrMapping/>
   </p:clrMapOvr>
-  <mc:AlternateContent xmlns:mc="http://schemas.openxmlformats.org/markup-compatibility/2006">
-    <mc:Choice xmlns:p14="http://schemas.microsoft.com/office/powerpoint/2010/main" Requires="p14">
+  <mc:AlternateContent xmlns:mc="http://schemas.openxmlformats.org/markup-compatibility/2006" xmlns:p14="http://schemas.microsoft.com/office/powerpoint/2010/main">
+    <mc:Choice Requires="p14">
       <p:transition spd="slow" p14:dur="2000" advTm="1543"/>
     </mc:Choice>
-    <mc:Fallback>
+    <mc:Fallback xmlns="">
       <p:transition spd="slow" advTm="1543"/>
     </mc:Fallback>
   </mc:AlternateContent>
@@ -40182,11 +47319,11 @@
   <p:clrMapOvr>
     <a:masterClrMapping/>
   </p:clrMapOvr>
-  <mc:AlternateContent xmlns:mc="http://schemas.openxmlformats.org/markup-compatibility/2006">
-    <mc:Choice xmlns:p14="http://schemas.microsoft.com/office/powerpoint/2010/main" Requires="p14">
+  <mc:AlternateContent xmlns:mc="http://schemas.openxmlformats.org/markup-compatibility/2006" xmlns:p14="http://schemas.microsoft.com/office/powerpoint/2010/main">
+    <mc:Choice Requires="p14">
       <p:transition spd="slow" p14:dur="2000" advTm="818"/>
     </mc:Choice>
-    <mc:Fallback>
+    <mc:Fallback xmlns="">
       <p:transition spd="slow" advTm="818"/>
     </mc:Fallback>
   </mc:AlternateContent>
@@ -42287,6 +49424,267 @@
 </file>
 
 <file path=ppt/theme/theme4.xml><?xml version="1.0" encoding="utf-8"?>
+<a:theme xmlns:a="http://schemas.openxmlformats.org/drawingml/2006/main" name="1_Title Slide">
+  <a:themeElements>
+    <a:clrScheme name="Office">
+      <a:dk1>
+        <a:sysClr val="windowText" lastClr="000000"/>
+      </a:dk1>
+      <a:lt1>
+        <a:sysClr val="window" lastClr="FFFFFF"/>
+      </a:lt1>
+      <a:dk2>
+        <a:srgbClr val="44546A"/>
+      </a:dk2>
+      <a:lt2>
+        <a:srgbClr val="E7E6E6"/>
+      </a:lt2>
+      <a:accent1>
+        <a:srgbClr val="5B9BD5"/>
+      </a:accent1>
+      <a:accent2>
+        <a:srgbClr val="ED7D31"/>
+      </a:accent2>
+      <a:accent3>
+        <a:srgbClr val="A5A5A5"/>
+      </a:accent3>
+      <a:accent4>
+        <a:srgbClr val="FFC000"/>
+      </a:accent4>
+      <a:accent5>
+        <a:srgbClr val="4472C4"/>
+      </a:accent5>
+      <a:accent6>
+        <a:srgbClr val="70AD47"/>
+      </a:accent6>
+      <a:hlink>
+        <a:srgbClr val="0563C1"/>
+      </a:hlink>
+      <a:folHlink>
+        <a:srgbClr val="954F72"/>
+      </a:folHlink>
+    </a:clrScheme>
+    <a:fontScheme name="Office">
+      <a:majorFont>
+        <a:latin typeface="Calibri Light" panose="020F0302020204030204"/>
+        <a:ea typeface=""/>
+        <a:cs typeface=""/>
+        <a:font script="Jpan" typeface="ＭＳ Ｐゴシック"/>
+        <a:font script="Hang" typeface="맑은 고딕"/>
+        <a:font script="Hans" typeface="宋体"/>
+        <a:font script="Hant" typeface="新細明體"/>
+        <a:font script="Arab" typeface="Times New Roman"/>
+        <a:font script="Hebr" typeface="Times New Roman"/>
+        <a:font script="Thai" typeface="Angsana New"/>
+        <a:font script="Ethi" typeface="Nyala"/>
+        <a:font script="Beng" typeface="Vrinda"/>
+        <a:font script="Gujr" typeface="Shruti"/>
+        <a:font script="Khmr" typeface="MoolBoran"/>
+        <a:font script="Knda" typeface="Tunga"/>
+        <a:font script="Guru" typeface="Raavi"/>
+        <a:font script="Cans" typeface="Euphemia"/>
+        <a:font script="Cher" typeface="Plantagenet Cherokee"/>
+        <a:font script="Yiii" typeface="Microsoft Yi Baiti"/>
+        <a:font script="Tibt" typeface="Microsoft Himalaya"/>
+        <a:font script="Thaa" typeface="MV Boli"/>
+        <a:font script="Deva" typeface="Mangal"/>
+        <a:font script="Telu" typeface="Gautami"/>
+        <a:font script="Taml" typeface="Latha"/>
+        <a:font script="Syrc" typeface="Estrangelo Edessa"/>
+        <a:font script="Orya" typeface="Kalinga"/>
+        <a:font script="Mlym" typeface="Kartika"/>
+        <a:font script="Laoo" typeface="DokChampa"/>
+        <a:font script="Sinh" typeface="Iskoola Pota"/>
+        <a:font script="Mong" typeface="Mongolian Baiti"/>
+        <a:font script="Viet" typeface="Times New Roman"/>
+        <a:font script="Uigh" typeface="Microsoft Uighur"/>
+        <a:font script="Geor" typeface="Sylfaen"/>
+      </a:majorFont>
+      <a:minorFont>
+        <a:latin typeface="Calibri" panose="020F0502020204030204"/>
+        <a:ea typeface=""/>
+        <a:cs typeface=""/>
+        <a:font script="Jpan" typeface="ＭＳ Ｐゴシック"/>
+        <a:font script="Hang" typeface="맑은 고딕"/>
+        <a:font script="Hans" typeface="宋体"/>
+        <a:font script="Hant" typeface="新細明體"/>
+        <a:font script="Arab" typeface="Arial"/>
+        <a:font script="Hebr" typeface="Arial"/>
+        <a:font script="Thai" typeface="Cordia New"/>
+        <a:font script="Ethi" typeface="Nyala"/>
+        <a:font script="Beng" typeface="Vrinda"/>
+        <a:font script="Gujr" typeface="Shruti"/>
+        <a:font script="Khmr" typeface="DaunPenh"/>
+        <a:font script="Knda" typeface="Tunga"/>
+        <a:font script="Guru" typeface="Raavi"/>
+        <a:font script="Cans" typeface="Euphemia"/>
+        <a:font script="Cher" typeface="Plantagenet Cherokee"/>
+        <a:font script="Yiii" typeface="Microsoft Yi Baiti"/>
+        <a:font script="Tibt" typeface="Microsoft Himalaya"/>
+        <a:font script="Thaa" typeface="MV Boli"/>
+        <a:font script="Deva" typeface="Mangal"/>
+        <a:font script="Telu" typeface="Gautami"/>
+        <a:font script="Taml" typeface="Latha"/>
+        <a:font script="Syrc" typeface="Estrangelo Edessa"/>
+        <a:font script="Orya" typeface="Kalinga"/>
+        <a:font script="Mlym" typeface="Kartika"/>
+        <a:font script="Laoo" typeface="DokChampa"/>
+        <a:font script="Sinh" typeface="Iskoola Pota"/>
+        <a:font script="Mong" typeface="Mongolian Baiti"/>
+        <a:font script="Viet" typeface="Arial"/>
+        <a:font script="Uigh" typeface="Microsoft Uighur"/>
+        <a:font script="Geor" typeface="Sylfaen"/>
+      </a:minorFont>
+    </a:fontScheme>
+    <a:fmtScheme name="Office">
+      <a:fillStyleLst>
+        <a:solidFill>
+          <a:schemeClr val="phClr"/>
+        </a:solidFill>
+        <a:gradFill rotWithShape="1">
+          <a:gsLst>
+            <a:gs pos="0">
+              <a:schemeClr val="phClr">
+                <a:lumMod val="110000"/>
+                <a:satMod val="105000"/>
+                <a:tint val="67000"/>
+              </a:schemeClr>
+            </a:gs>
+            <a:gs pos="50000">
+              <a:schemeClr val="phClr">
+                <a:lumMod val="105000"/>
+                <a:satMod val="103000"/>
+                <a:tint val="73000"/>
+              </a:schemeClr>
+            </a:gs>
+            <a:gs pos="100000">
+              <a:schemeClr val="phClr">
+                <a:lumMod val="105000"/>
+                <a:satMod val="109000"/>
+                <a:tint val="81000"/>
+              </a:schemeClr>
+            </a:gs>
+          </a:gsLst>
+          <a:lin ang="5400000" scaled="0"/>
+        </a:gradFill>
+        <a:gradFill rotWithShape="1">
+          <a:gsLst>
+            <a:gs pos="0">
+              <a:schemeClr val="phClr">
+                <a:satMod val="103000"/>
+                <a:lumMod val="102000"/>
+                <a:tint val="94000"/>
+              </a:schemeClr>
+            </a:gs>
+            <a:gs pos="50000">
+              <a:schemeClr val="phClr">
+                <a:satMod val="110000"/>
+                <a:lumMod val="100000"/>
+                <a:shade val="100000"/>
+              </a:schemeClr>
+            </a:gs>
+            <a:gs pos="100000">
+              <a:schemeClr val="phClr">
+                <a:lumMod val="99000"/>
+                <a:satMod val="120000"/>
+                <a:shade val="78000"/>
+              </a:schemeClr>
+            </a:gs>
+          </a:gsLst>
+          <a:lin ang="5400000" scaled="0"/>
+        </a:gradFill>
+      </a:fillStyleLst>
+      <a:lnStyleLst>
+        <a:ln w="6350" cap="flat" cmpd="sng" algn="ctr">
+          <a:solidFill>
+            <a:schemeClr val="phClr"/>
+          </a:solidFill>
+          <a:prstDash val="solid"/>
+          <a:miter lim="800000"/>
+        </a:ln>
+        <a:ln w="12700" cap="flat" cmpd="sng" algn="ctr">
+          <a:solidFill>
+            <a:schemeClr val="phClr"/>
+          </a:solidFill>
+          <a:prstDash val="solid"/>
+          <a:miter lim="800000"/>
+        </a:ln>
+        <a:ln w="19050" cap="flat" cmpd="sng" algn="ctr">
+          <a:solidFill>
+            <a:schemeClr val="phClr"/>
+          </a:solidFill>
+          <a:prstDash val="solid"/>
+          <a:miter lim="800000"/>
+        </a:ln>
+      </a:lnStyleLst>
+      <a:effectStyleLst>
+        <a:effectStyle>
+          <a:effectLst/>
+        </a:effectStyle>
+        <a:effectStyle>
+          <a:effectLst/>
+        </a:effectStyle>
+        <a:effectStyle>
+          <a:effectLst>
+            <a:outerShdw blurRad="57150" dist="19050" dir="5400000" algn="ctr" rotWithShape="0">
+              <a:srgbClr val="000000">
+                <a:alpha val="63000"/>
+              </a:srgbClr>
+            </a:outerShdw>
+          </a:effectLst>
+        </a:effectStyle>
+      </a:effectStyleLst>
+      <a:bgFillStyleLst>
+        <a:solidFill>
+          <a:schemeClr val="phClr"/>
+        </a:solidFill>
+        <a:solidFill>
+          <a:schemeClr val="phClr">
+            <a:tint val="95000"/>
+            <a:satMod val="170000"/>
+          </a:schemeClr>
+        </a:solidFill>
+        <a:gradFill rotWithShape="1">
+          <a:gsLst>
+            <a:gs pos="0">
+              <a:schemeClr val="phClr">
+                <a:tint val="93000"/>
+                <a:satMod val="150000"/>
+                <a:shade val="98000"/>
+                <a:lumMod val="102000"/>
+              </a:schemeClr>
+            </a:gs>
+            <a:gs pos="50000">
+              <a:schemeClr val="phClr">
+                <a:tint val="98000"/>
+                <a:satMod val="130000"/>
+                <a:shade val="90000"/>
+                <a:lumMod val="103000"/>
+              </a:schemeClr>
+            </a:gs>
+            <a:gs pos="100000">
+              <a:schemeClr val="phClr">
+                <a:shade val="63000"/>
+                <a:satMod val="120000"/>
+              </a:schemeClr>
+            </a:gs>
+          </a:gsLst>
+          <a:lin ang="5400000" scaled="0"/>
+        </a:gradFill>
+      </a:bgFillStyleLst>
+    </a:fmtScheme>
+  </a:themeElements>
+  <a:objectDefaults/>
+  <a:extraClrSchemeLst/>
+  <a:extLst>
+    <a:ext uri="{05A4C25C-085E-4340-85A3-A5531E510DB2}">
+      <thm15:themeFamily xmlns:thm15="http://schemas.microsoft.com/office/thememl/2012/main" name="Office Theme" id="{62F939B6-93AF-4DB8-9C6B-D6C7DFDC589F}" vid="{4A3C46E8-61CC-4603-A589-7422A47A8E4A}"/>
+    </a:ext>
+  </a:extLst>
+</a:theme>
+</file>
+
+<file path=ppt/theme/theme5.xml><?xml version="1.0" encoding="utf-8"?>
 <a:theme xmlns:a="http://schemas.openxmlformats.org/drawingml/2006/main" name="Office Theme">
   <a:themeElements>
     <a:clrScheme name="Office">
